--- a/lu-lapack.pptx
+++ b/lu-lapack.pptx
@@ -198,8 +198,1054 @@
 </p:presentation>
 </file>
 
-<file path=ppt/revisionInfo.xml><?xml version="1.0" encoding="utf-8"?>
-<p1510:revInfo xmlns:a="http://schemas.openxmlformats.org/drawingml/2006/main" xmlns:r="http://schemas.openxmlformats.org/officeDocument/2006/relationships" xmlns:p1510="http://schemas.microsoft.com/office/powerpoint/2015/10/main"/>
+<file path=ppt/charts/chart1.xml><?xml version="1.0" encoding="utf-8"?>
+<c:chartSpace xmlns:c="http://schemas.openxmlformats.org/drawingml/2006/chart" xmlns:a="http://schemas.openxmlformats.org/drawingml/2006/main" xmlns:r="http://schemas.openxmlformats.org/officeDocument/2006/relationships" xmlns:c16r2="http://schemas.microsoft.com/office/drawing/2015/06/chart">
+  <c:date1904 val="0"/>
+  <c:lang val="es-ES"/>
+  <c:roundedCorners val="0"/>
+  <mc:AlternateContent xmlns:mc="http://schemas.openxmlformats.org/markup-compatibility/2006">
+    <mc:Choice xmlns:c14="http://schemas.microsoft.com/office/drawing/2007/8/2/chart" Requires="c14">
+      <c14:style val="102"/>
+    </mc:Choice>
+    <mc:Fallback>
+      <c:style val="2"/>
+    </mc:Fallback>
+  </mc:AlternateContent>
+  <c:chart>
+    <c:autoTitleDeleted val="1"/>
+    <c:plotArea>
+      <c:layout/>
+      <c:lineChart>
+        <c:grouping val="standard"/>
+        <c:varyColors val="0"/>
+        <c:ser>
+          <c:idx val="0"/>
+          <c:order val="0"/>
+          <c:tx>
+            <c:strRef>
+              <c:f>Hoja1!$B$1</c:f>
+              <c:strCache>
+                <c:ptCount val="1"/>
+                <c:pt idx="0">
+                  <c:v>Fortran</c:v>
+                </c:pt>
+              </c:strCache>
+            </c:strRef>
+          </c:tx>
+          <c:spPr>
+            <a:ln w="28575" cap="rnd">
+              <a:solidFill>
+                <a:schemeClr val="accent1"/>
+              </a:solidFill>
+              <a:round/>
+            </a:ln>
+            <a:effectLst/>
+          </c:spPr>
+          <c:marker>
+            <c:symbol val="none"/>
+          </c:marker>
+          <c:cat>
+            <c:numRef>
+              <c:f>Hoja1!$A$2:$A$16</c:f>
+              <c:numCache>
+                <c:formatCode>General</c:formatCode>
+                <c:ptCount val="15"/>
+                <c:pt idx="0">
+                  <c:v>10</c:v>
+                </c:pt>
+                <c:pt idx="1">
+                  <c:v>20</c:v>
+                </c:pt>
+                <c:pt idx="2">
+                  <c:v>30</c:v>
+                </c:pt>
+                <c:pt idx="3">
+                  <c:v>40</c:v>
+                </c:pt>
+                <c:pt idx="4">
+                  <c:v>50</c:v>
+                </c:pt>
+                <c:pt idx="5">
+                  <c:v>60</c:v>
+                </c:pt>
+                <c:pt idx="6">
+                  <c:v>70</c:v>
+                </c:pt>
+                <c:pt idx="7">
+                  <c:v>80</c:v>
+                </c:pt>
+                <c:pt idx="8">
+                  <c:v>90</c:v>
+                </c:pt>
+                <c:pt idx="9">
+                  <c:v>100</c:v>
+                </c:pt>
+                <c:pt idx="10">
+                  <c:v>110</c:v>
+                </c:pt>
+                <c:pt idx="11">
+                  <c:v>120</c:v>
+                </c:pt>
+                <c:pt idx="12">
+                  <c:v>130</c:v>
+                </c:pt>
+                <c:pt idx="13">
+                  <c:v>140</c:v>
+                </c:pt>
+                <c:pt idx="14">
+                  <c:v>150</c:v>
+                </c:pt>
+              </c:numCache>
+            </c:numRef>
+          </c:cat>
+          <c:val>
+            <c:numRef>
+              <c:f>Hoja1!$B$2:$B$16</c:f>
+              <c:numCache>
+                <c:formatCode>General</c:formatCode>
+                <c:ptCount val="15"/>
+                <c:pt idx="0">
+                  <c:v>1</c:v>
+                </c:pt>
+                <c:pt idx="1">
+                  <c:v>2</c:v>
+                </c:pt>
+                <c:pt idx="2">
+                  <c:v>3</c:v>
+                </c:pt>
+                <c:pt idx="3">
+                  <c:v>4</c:v>
+                </c:pt>
+                <c:pt idx="4">
+                  <c:v>5</c:v>
+                </c:pt>
+                <c:pt idx="5">
+                  <c:v>6</c:v>
+                </c:pt>
+                <c:pt idx="6">
+                  <c:v>7</c:v>
+                </c:pt>
+                <c:pt idx="7">
+                  <c:v>8</c:v>
+                </c:pt>
+                <c:pt idx="8">
+                  <c:v>9</c:v>
+                </c:pt>
+                <c:pt idx="9">
+                  <c:v>10</c:v>
+                </c:pt>
+                <c:pt idx="10">
+                  <c:v>11</c:v>
+                </c:pt>
+                <c:pt idx="11">
+                  <c:v>12</c:v>
+                </c:pt>
+                <c:pt idx="12">
+                  <c:v>13</c:v>
+                </c:pt>
+                <c:pt idx="13">
+                  <c:v>14</c:v>
+                </c:pt>
+                <c:pt idx="14">
+                  <c:v>15</c:v>
+                </c:pt>
+              </c:numCache>
+            </c:numRef>
+          </c:val>
+          <c:smooth val="0"/>
+          <c:extLst>
+            <c:ext xmlns:c16="http://schemas.microsoft.com/office/drawing/2014/chart" uri="{C3380CC4-5D6E-409C-BE32-E72D297353CC}">
+              <c16:uniqueId val="{00000000-6E54-4E2F-8D78-90B60C384869}"/>
+            </c:ext>
+          </c:extLst>
+        </c:ser>
+        <c:ser>
+          <c:idx val="1"/>
+          <c:order val="1"/>
+          <c:tx>
+            <c:strRef>
+              <c:f>Hoja1!$C$1</c:f>
+              <c:strCache>
+                <c:ptCount val="1"/>
+                <c:pt idx="0">
+                  <c:v>Lapack</c:v>
+                </c:pt>
+              </c:strCache>
+            </c:strRef>
+          </c:tx>
+          <c:spPr>
+            <a:ln w="28575" cap="rnd">
+              <a:solidFill>
+                <a:schemeClr val="accent2"/>
+              </a:solidFill>
+              <a:round/>
+            </a:ln>
+            <a:effectLst/>
+          </c:spPr>
+          <c:marker>
+            <c:symbol val="none"/>
+          </c:marker>
+          <c:cat>
+            <c:numRef>
+              <c:f>Hoja1!$A$2:$A$16</c:f>
+              <c:numCache>
+                <c:formatCode>General</c:formatCode>
+                <c:ptCount val="15"/>
+                <c:pt idx="0">
+                  <c:v>10</c:v>
+                </c:pt>
+                <c:pt idx="1">
+                  <c:v>20</c:v>
+                </c:pt>
+                <c:pt idx="2">
+                  <c:v>30</c:v>
+                </c:pt>
+                <c:pt idx="3">
+                  <c:v>40</c:v>
+                </c:pt>
+                <c:pt idx="4">
+                  <c:v>50</c:v>
+                </c:pt>
+                <c:pt idx="5">
+                  <c:v>60</c:v>
+                </c:pt>
+                <c:pt idx="6">
+                  <c:v>70</c:v>
+                </c:pt>
+                <c:pt idx="7">
+                  <c:v>80</c:v>
+                </c:pt>
+                <c:pt idx="8">
+                  <c:v>90</c:v>
+                </c:pt>
+                <c:pt idx="9">
+                  <c:v>100</c:v>
+                </c:pt>
+                <c:pt idx="10">
+                  <c:v>110</c:v>
+                </c:pt>
+                <c:pt idx="11">
+                  <c:v>120</c:v>
+                </c:pt>
+                <c:pt idx="12">
+                  <c:v>130</c:v>
+                </c:pt>
+                <c:pt idx="13">
+                  <c:v>140</c:v>
+                </c:pt>
+                <c:pt idx="14">
+                  <c:v>150</c:v>
+                </c:pt>
+              </c:numCache>
+            </c:numRef>
+          </c:cat>
+          <c:val>
+            <c:numRef>
+              <c:f>Hoja1!$C$2:$C$16</c:f>
+              <c:numCache>
+                <c:formatCode>General</c:formatCode>
+                <c:ptCount val="15"/>
+                <c:pt idx="0">
+                  <c:v>0.5</c:v>
+                </c:pt>
+                <c:pt idx="1">
+                  <c:v>1</c:v>
+                </c:pt>
+                <c:pt idx="2">
+                  <c:v>1.5</c:v>
+                </c:pt>
+                <c:pt idx="3">
+                  <c:v>2</c:v>
+                </c:pt>
+                <c:pt idx="4">
+                  <c:v>2.5</c:v>
+                </c:pt>
+                <c:pt idx="5">
+                  <c:v>3</c:v>
+                </c:pt>
+                <c:pt idx="6">
+                  <c:v>3.5</c:v>
+                </c:pt>
+                <c:pt idx="7">
+                  <c:v>4</c:v>
+                </c:pt>
+                <c:pt idx="8">
+                  <c:v>4.5</c:v>
+                </c:pt>
+                <c:pt idx="9">
+                  <c:v>5</c:v>
+                </c:pt>
+                <c:pt idx="10">
+                  <c:v>5.5</c:v>
+                </c:pt>
+                <c:pt idx="11">
+                  <c:v>6</c:v>
+                </c:pt>
+                <c:pt idx="12">
+                  <c:v>6.5</c:v>
+                </c:pt>
+                <c:pt idx="13">
+                  <c:v>7</c:v>
+                </c:pt>
+                <c:pt idx="14">
+                  <c:v>7.5</c:v>
+                </c:pt>
+              </c:numCache>
+            </c:numRef>
+          </c:val>
+          <c:smooth val="0"/>
+          <c:extLst>
+            <c:ext xmlns:c16="http://schemas.microsoft.com/office/drawing/2014/chart" uri="{C3380CC4-5D6E-409C-BE32-E72D297353CC}">
+              <c16:uniqueId val="{00000003-6E54-4E2F-8D78-90B60C384869}"/>
+            </c:ext>
+          </c:extLst>
+        </c:ser>
+        <c:dLbls>
+          <c:showLegendKey val="0"/>
+          <c:showVal val="0"/>
+          <c:showCatName val="0"/>
+          <c:showSerName val="0"/>
+          <c:showPercent val="0"/>
+          <c:showBubbleSize val="0"/>
+        </c:dLbls>
+        <c:smooth val="0"/>
+        <c:axId val="400561248"/>
+        <c:axId val="400561904"/>
+      </c:lineChart>
+      <c:catAx>
+        <c:axId val="400561248"/>
+        <c:scaling>
+          <c:orientation val="minMax"/>
+        </c:scaling>
+        <c:delete val="0"/>
+        <c:axPos val="b"/>
+        <c:numFmt formatCode="General" sourceLinked="1"/>
+        <c:majorTickMark val="none"/>
+        <c:minorTickMark val="none"/>
+        <c:tickLblPos val="nextTo"/>
+        <c:spPr>
+          <a:noFill/>
+          <a:ln w="9525" cap="flat" cmpd="sng" algn="ctr">
+            <a:solidFill>
+              <a:schemeClr val="tx1">
+                <a:lumMod val="15000"/>
+                <a:lumOff val="85000"/>
+              </a:schemeClr>
+            </a:solidFill>
+            <a:round/>
+          </a:ln>
+          <a:effectLst/>
+        </c:spPr>
+        <c:txPr>
+          <a:bodyPr rot="-60000000" spcFirstLastPara="1" vertOverflow="ellipsis" vert="horz" wrap="square" anchor="ctr" anchorCtr="1"/>
+          <a:lstStyle/>
+          <a:p>
+            <a:pPr>
+              <a:defRPr sz="1197" b="0" i="0" u="none" strike="noStrike" kern="1200" baseline="0">
+                <a:solidFill>
+                  <a:schemeClr val="tx1">
+                    <a:lumMod val="65000"/>
+                    <a:lumOff val="35000"/>
+                  </a:schemeClr>
+                </a:solidFill>
+                <a:latin typeface="+mn-lt"/>
+                <a:ea typeface="+mn-ea"/>
+                <a:cs typeface="+mn-cs"/>
+              </a:defRPr>
+            </a:pPr>
+            <a:endParaRPr lang="es-ES"/>
+          </a:p>
+        </c:txPr>
+        <c:crossAx val="400561904"/>
+        <c:crosses val="autoZero"/>
+        <c:auto val="1"/>
+        <c:lblAlgn val="ctr"/>
+        <c:lblOffset val="100"/>
+        <c:noMultiLvlLbl val="0"/>
+      </c:catAx>
+      <c:valAx>
+        <c:axId val="400561904"/>
+        <c:scaling>
+          <c:orientation val="minMax"/>
+        </c:scaling>
+        <c:delete val="0"/>
+        <c:axPos val="l"/>
+        <c:majorGridlines>
+          <c:spPr>
+            <a:ln w="9525" cap="flat" cmpd="sng" algn="ctr">
+              <a:solidFill>
+                <a:schemeClr val="tx1">
+                  <a:lumMod val="15000"/>
+                  <a:lumOff val="85000"/>
+                </a:schemeClr>
+              </a:solidFill>
+              <a:round/>
+            </a:ln>
+            <a:effectLst/>
+          </c:spPr>
+        </c:majorGridlines>
+        <c:numFmt formatCode="General" sourceLinked="1"/>
+        <c:majorTickMark val="none"/>
+        <c:minorTickMark val="none"/>
+        <c:tickLblPos val="nextTo"/>
+        <c:spPr>
+          <a:noFill/>
+          <a:ln>
+            <a:noFill/>
+          </a:ln>
+          <a:effectLst/>
+        </c:spPr>
+        <c:txPr>
+          <a:bodyPr rot="-60000000" spcFirstLastPara="1" vertOverflow="ellipsis" vert="horz" wrap="square" anchor="ctr" anchorCtr="1"/>
+          <a:lstStyle/>
+          <a:p>
+            <a:pPr>
+              <a:defRPr sz="1197" b="0" i="0" u="none" strike="noStrike" kern="1200" baseline="0">
+                <a:solidFill>
+                  <a:schemeClr val="tx1">
+                    <a:lumMod val="65000"/>
+                    <a:lumOff val="35000"/>
+                  </a:schemeClr>
+                </a:solidFill>
+                <a:latin typeface="+mn-lt"/>
+                <a:ea typeface="+mn-ea"/>
+                <a:cs typeface="+mn-cs"/>
+              </a:defRPr>
+            </a:pPr>
+            <a:endParaRPr lang="es-ES"/>
+          </a:p>
+        </c:txPr>
+        <c:crossAx val="400561248"/>
+        <c:crosses val="autoZero"/>
+        <c:crossBetween val="between"/>
+      </c:valAx>
+      <c:spPr>
+        <a:noFill/>
+        <a:ln>
+          <a:noFill/>
+        </a:ln>
+        <a:effectLst/>
+      </c:spPr>
+    </c:plotArea>
+    <c:legend>
+      <c:legendPos val="b"/>
+      <c:overlay val="0"/>
+      <c:spPr>
+        <a:noFill/>
+        <a:ln>
+          <a:noFill/>
+        </a:ln>
+        <a:effectLst/>
+      </c:spPr>
+      <c:txPr>
+        <a:bodyPr rot="0" spcFirstLastPara="1" vertOverflow="ellipsis" vert="horz" wrap="square" anchor="ctr" anchorCtr="1"/>
+        <a:lstStyle/>
+        <a:p>
+          <a:pPr>
+            <a:defRPr sz="1197" b="0" i="0" u="none" strike="noStrike" kern="1200" baseline="0">
+              <a:solidFill>
+                <a:schemeClr val="tx1">
+                  <a:lumMod val="65000"/>
+                  <a:lumOff val="35000"/>
+                </a:schemeClr>
+              </a:solidFill>
+              <a:latin typeface="+mn-lt"/>
+              <a:ea typeface="+mn-ea"/>
+              <a:cs typeface="+mn-cs"/>
+            </a:defRPr>
+          </a:pPr>
+          <a:endParaRPr lang="es-ES"/>
+        </a:p>
+      </c:txPr>
+    </c:legend>
+    <c:plotVisOnly val="1"/>
+    <c:dispBlanksAs val="gap"/>
+    <c:extLst>
+      <c:ext xmlns:c16r3="http://schemas.microsoft.com/office/drawing/2017/03/chart" uri="{56B9EC1D-385E-4148-901F-78D8002777C0}">
+        <c16r3:dataDisplayOptions16>
+          <c16r3:dispNaAsBlank val="1"/>
+        </c16r3:dataDisplayOptions16>
+      </c:ext>
+    </c:extLst>
+    <c:showDLblsOverMax val="0"/>
+  </c:chart>
+  <c:spPr>
+    <a:noFill/>
+    <a:ln>
+      <a:noFill/>
+    </a:ln>
+    <a:effectLst/>
+  </c:spPr>
+  <c:txPr>
+    <a:bodyPr/>
+    <a:lstStyle/>
+    <a:p>
+      <a:pPr>
+        <a:defRPr/>
+      </a:pPr>
+      <a:endParaRPr lang="es-ES"/>
+    </a:p>
+  </c:txPr>
+  <c:externalData r:id="rId3">
+    <c:autoUpdate val="0"/>
+  </c:externalData>
+</c:chartSpace>
+</file>
+
+<file path=ppt/charts/colors1.xml><?xml version="1.0" encoding="utf-8"?>
+<cs:colorStyle xmlns:cs="http://schemas.microsoft.com/office/drawing/2012/chartStyle" xmlns:a="http://schemas.openxmlformats.org/drawingml/2006/main" meth="cycle" id="10">
+  <a:schemeClr val="accent1"/>
+  <a:schemeClr val="accent2"/>
+  <a:schemeClr val="accent3"/>
+  <a:schemeClr val="accent4"/>
+  <a:schemeClr val="accent5"/>
+  <a:schemeClr val="accent6"/>
+  <cs:variation/>
+  <cs:variation>
+    <a:lumMod val="60000"/>
+  </cs:variation>
+  <cs:variation>
+    <a:lumMod val="80000"/>
+    <a:lumOff val="20000"/>
+  </cs:variation>
+  <cs:variation>
+    <a:lumMod val="80000"/>
+  </cs:variation>
+  <cs:variation>
+    <a:lumMod val="60000"/>
+    <a:lumOff val="40000"/>
+  </cs:variation>
+  <cs:variation>
+    <a:lumMod val="50000"/>
+  </cs:variation>
+  <cs:variation>
+    <a:lumMod val="70000"/>
+    <a:lumOff val="30000"/>
+  </cs:variation>
+  <cs:variation>
+    <a:lumMod val="70000"/>
+  </cs:variation>
+  <cs:variation>
+    <a:lumMod val="50000"/>
+    <a:lumOff val="50000"/>
+  </cs:variation>
+</cs:colorStyle>
+</file>
+
+<file path=ppt/charts/style1.xml><?xml version="1.0" encoding="utf-8"?>
+<cs:chartStyle xmlns:cs="http://schemas.microsoft.com/office/drawing/2012/chartStyle" xmlns:a="http://schemas.openxmlformats.org/drawingml/2006/main" id="227">
+  <cs:axisTitle>
+    <cs:lnRef idx="0"/>
+    <cs:fillRef idx="0"/>
+    <cs:effectRef idx="0"/>
+    <cs:fontRef idx="minor">
+      <a:schemeClr val="tx1">
+        <a:lumMod val="65000"/>
+        <a:lumOff val="35000"/>
+      </a:schemeClr>
+    </cs:fontRef>
+    <cs:defRPr sz="1330" kern="1200"/>
+  </cs:axisTitle>
+  <cs:categoryAxis>
+    <cs:lnRef idx="0"/>
+    <cs:fillRef idx="0"/>
+    <cs:effectRef idx="0"/>
+    <cs:fontRef idx="minor">
+      <a:schemeClr val="tx1">
+        <a:lumMod val="65000"/>
+        <a:lumOff val="35000"/>
+      </a:schemeClr>
+    </cs:fontRef>
+    <cs:spPr>
+      <a:ln w="9525" cap="flat" cmpd="sng" algn="ctr">
+        <a:solidFill>
+          <a:schemeClr val="tx1">
+            <a:lumMod val="15000"/>
+            <a:lumOff val="85000"/>
+          </a:schemeClr>
+        </a:solidFill>
+        <a:round/>
+      </a:ln>
+    </cs:spPr>
+    <cs:defRPr sz="1197" kern="1200"/>
+  </cs:categoryAxis>
+  <cs:chartArea mods="allowNoFillOverride allowNoLineOverride">
+    <cs:lnRef idx="0"/>
+    <cs:fillRef idx="0"/>
+    <cs:effectRef idx="0"/>
+    <cs:fontRef idx="minor">
+      <a:schemeClr val="tx1"/>
+    </cs:fontRef>
+    <cs:spPr>
+      <a:solidFill>
+        <a:schemeClr val="bg1"/>
+      </a:solidFill>
+      <a:ln w="9525" cap="flat" cmpd="sng" algn="ctr">
+        <a:solidFill>
+          <a:schemeClr val="tx1">
+            <a:lumMod val="15000"/>
+            <a:lumOff val="85000"/>
+          </a:schemeClr>
+        </a:solidFill>
+        <a:round/>
+      </a:ln>
+    </cs:spPr>
+    <cs:defRPr sz="1330" kern="1200"/>
+  </cs:chartArea>
+  <cs:dataLabel>
+    <cs:lnRef idx="0"/>
+    <cs:fillRef idx="0"/>
+    <cs:effectRef idx="0"/>
+    <cs:fontRef idx="minor">
+      <a:schemeClr val="tx1">
+        <a:lumMod val="75000"/>
+        <a:lumOff val="25000"/>
+      </a:schemeClr>
+    </cs:fontRef>
+    <cs:defRPr sz="1197" kern="1200"/>
+  </cs:dataLabel>
+  <cs:dataLabelCallout>
+    <cs:lnRef idx="0"/>
+    <cs:fillRef idx="0"/>
+    <cs:effectRef idx="0"/>
+    <cs:fontRef idx="minor">
+      <a:schemeClr val="dk1">
+        <a:lumMod val="65000"/>
+        <a:lumOff val="35000"/>
+      </a:schemeClr>
+    </cs:fontRef>
+    <cs:spPr>
+      <a:solidFill>
+        <a:schemeClr val="lt1"/>
+      </a:solidFill>
+      <a:ln>
+        <a:solidFill>
+          <a:schemeClr val="dk1">
+            <a:lumMod val="25000"/>
+            <a:lumOff val="75000"/>
+          </a:schemeClr>
+        </a:solidFill>
+      </a:ln>
+    </cs:spPr>
+    <cs:defRPr sz="1197" kern="1200"/>
+    <cs:bodyPr rot="0" spcFirstLastPara="1" vertOverflow="clip" horzOverflow="clip" vert="horz" wrap="square" lIns="36576" tIns="18288" rIns="36576" bIns="18288" anchor="ctr" anchorCtr="1">
+      <a:spAutoFit/>
+    </cs:bodyPr>
+  </cs:dataLabelCallout>
+  <cs:dataPoint>
+    <cs:lnRef idx="0"/>
+    <cs:fillRef idx="1">
+      <cs:styleClr val="auto"/>
+    </cs:fillRef>
+    <cs:effectRef idx="0"/>
+    <cs:fontRef idx="minor">
+      <a:schemeClr val="tx1"/>
+    </cs:fontRef>
+    <cs:spPr>
+      <a:solidFill>
+        <a:schemeClr val="phClr"/>
+      </a:solidFill>
+    </cs:spPr>
+  </cs:dataPoint>
+  <cs:dataPoint3D>
+    <cs:lnRef idx="0"/>
+    <cs:fillRef idx="1">
+      <cs:styleClr val="auto"/>
+    </cs:fillRef>
+    <cs:effectRef idx="0"/>
+    <cs:fontRef idx="minor">
+      <a:schemeClr val="tx1"/>
+    </cs:fontRef>
+    <cs:spPr>
+      <a:solidFill>
+        <a:schemeClr val="phClr"/>
+      </a:solidFill>
+    </cs:spPr>
+  </cs:dataPoint3D>
+  <cs:dataPointLine>
+    <cs:lnRef idx="0">
+      <cs:styleClr val="auto"/>
+    </cs:lnRef>
+    <cs:fillRef idx="1"/>
+    <cs:effectRef idx="0"/>
+    <cs:fontRef idx="minor">
+      <a:schemeClr val="tx1"/>
+    </cs:fontRef>
+    <cs:spPr>
+      <a:ln w="28575" cap="rnd">
+        <a:solidFill>
+          <a:schemeClr val="phClr"/>
+        </a:solidFill>
+        <a:round/>
+      </a:ln>
+    </cs:spPr>
+  </cs:dataPointLine>
+  <cs:dataPointMarker>
+    <cs:lnRef idx="0">
+      <cs:styleClr val="auto"/>
+    </cs:lnRef>
+    <cs:fillRef idx="1">
+      <cs:styleClr val="auto"/>
+    </cs:fillRef>
+    <cs:effectRef idx="0"/>
+    <cs:fontRef idx="minor">
+      <a:schemeClr val="tx1"/>
+    </cs:fontRef>
+    <cs:spPr>
+      <a:solidFill>
+        <a:schemeClr val="phClr"/>
+      </a:solidFill>
+      <a:ln w="9525">
+        <a:solidFill>
+          <a:schemeClr val="phClr"/>
+        </a:solidFill>
+      </a:ln>
+    </cs:spPr>
+  </cs:dataPointMarker>
+  <cs:dataPointMarkerLayout symbol="circle" size="5"/>
+  <cs:dataPointWireframe>
+    <cs:lnRef idx="0">
+      <cs:styleClr val="auto"/>
+    </cs:lnRef>
+    <cs:fillRef idx="1"/>
+    <cs:effectRef idx="0"/>
+    <cs:fontRef idx="minor">
+      <a:schemeClr val="tx1"/>
+    </cs:fontRef>
+    <cs:spPr>
+      <a:ln w="9525" cap="rnd">
+        <a:solidFill>
+          <a:schemeClr val="phClr"/>
+        </a:solidFill>
+        <a:round/>
+      </a:ln>
+    </cs:spPr>
+  </cs:dataPointWireframe>
+  <cs:dataTable>
+    <cs:lnRef idx="0"/>
+    <cs:fillRef idx="0"/>
+    <cs:effectRef idx="0"/>
+    <cs:fontRef idx="minor">
+      <a:schemeClr val="tx1">
+        <a:lumMod val="65000"/>
+        <a:lumOff val="35000"/>
+      </a:schemeClr>
+    </cs:fontRef>
+    <cs:spPr>
+      <a:noFill/>
+      <a:ln w="9525" cap="flat" cmpd="sng" algn="ctr">
+        <a:solidFill>
+          <a:schemeClr val="tx1">
+            <a:lumMod val="15000"/>
+            <a:lumOff val="85000"/>
+          </a:schemeClr>
+        </a:solidFill>
+        <a:round/>
+      </a:ln>
+    </cs:spPr>
+    <cs:defRPr sz="1197" kern="1200"/>
+  </cs:dataTable>
+  <cs:downBar>
+    <cs:lnRef idx="0"/>
+    <cs:fillRef idx="0"/>
+    <cs:effectRef idx="0"/>
+    <cs:fontRef idx="minor">
+      <a:schemeClr val="dk1"/>
+    </cs:fontRef>
+    <cs:spPr>
+      <a:solidFill>
+        <a:schemeClr val="dk1">
+          <a:lumMod val="65000"/>
+          <a:lumOff val="35000"/>
+        </a:schemeClr>
+      </a:solidFill>
+      <a:ln w="9525">
+        <a:solidFill>
+          <a:schemeClr val="tx1">
+            <a:lumMod val="65000"/>
+            <a:lumOff val="35000"/>
+          </a:schemeClr>
+        </a:solidFill>
+      </a:ln>
+    </cs:spPr>
+  </cs:downBar>
+  <cs:dropLine>
+    <cs:lnRef idx="0"/>
+    <cs:fillRef idx="0"/>
+    <cs:effectRef idx="0"/>
+    <cs:fontRef idx="minor">
+      <a:schemeClr val="tx1"/>
+    </cs:fontRef>
+    <cs:spPr>
+      <a:ln w="9525" cap="flat" cmpd="sng" algn="ctr">
+        <a:solidFill>
+          <a:schemeClr val="tx1">
+            <a:lumMod val="35000"/>
+            <a:lumOff val="65000"/>
+          </a:schemeClr>
+        </a:solidFill>
+        <a:round/>
+      </a:ln>
+    </cs:spPr>
+  </cs:dropLine>
+  <cs:errorBar>
+    <cs:lnRef idx="0"/>
+    <cs:fillRef idx="0"/>
+    <cs:effectRef idx="0"/>
+    <cs:fontRef idx="minor">
+      <a:schemeClr val="tx1"/>
+    </cs:fontRef>
+    <cs:spPr>
+      <a:ln w="9525" cap="flat" cmpd="sng" algn="ctr">
+        <a:solidFill>
+          <a:schemeClr val="tx1">
+            <a:lumMod val="65000"/>
+            <a:lumOff val="35000"/>
+          </a:schemeClr>
+        </a:solidFill>
+        <a:round/>
+      </a:ln>
+    </cs:spPr>
+  </cs:errorBar>
+  <cs:floor>
+    <cs:lnRef idx="0"/>
+    <cs:fillRef idx="0"/>
+    <cs:effectRef idx="0"/>
+    <cs:fontRef idx="minor">
+      <a:schemeClr val="tx1"/>
+    </cs:fontRef>
+    <cs:spPr>
+      <a:noFill/>
+      <a:ln>
+        <a:noFill/>
+      </a:ln>
+    </cs:spPr>
+  </cs:floor>
+  <cs:gridlineMajor>
+    <cs:lnRef idx="0"/>
+    <cs:fillRef idx="0"/>
+    <cs:effectRef idx="0"/>
+    <cs:fontRef idx="minor">
+      <a:schemeClr val="tx1"/>
+    </cs:fontRef>
+    <cs:spPr>
+      <a:ln w="9525" cap="flat" cmpd="sng" algn="ctr">
+        <a:solidFill>
+          <a:schemeClr val="tx1">
+            <a:lumMod val="15000"/>
+            <a:lumOff val="85000"/>
+          </a:schemeClr>
+        </a:solidFill>
+        <a:round/>
+      </a:ln>
+    </cs:spPr>
+  </cs:gridlineMajor>
+  <cs:gridlineMinor>
+    <cs:lnRef idx="0"/>
+    <cs:fillRef idx="0"/>
+    <cs:effectRef idx="0"/>
+    <cs:fontRef idx="minor">
+      <a:schemeClr val="tx1"/>
+    </cs:fontRef>
+    <cs:spPr>
+      <a:ln w="9525" cap="flat" cmpd="sng" algn="ctr">
+        <a:solidFill>
+          <a:schemeClr val="tx1">
+            <a:lumMod val="5000"/>
+            <a:lumOff val="95000"/>
+          </a:schemeClr>
+        </a:solidFill>
+        <a:round/>
+      </a:ln>
+    </cs:spPr>
+  </cs:gridlineMinor>
+  <cs:hiLoLine>
+    <cs:lnRef idx="0"/>
+    <cs:fillRef idx="0"/>
+    <cs:effectRef idx="0"/>
+    <cs:fontRef idx="minor">
+      <a:schemeClr val="tx1"/>
+    </cs:fontRef>
+    <cs:spPr>
+      <a:ln w="9525" cap="flat" cmpd="sng" algn="ctr">
+        <a:solidFill>
+          <a:schemeClr val="tx1">
+            <a:lumMod val="75000"/>
+            <a:lumOff val="25000"/>
+          </a:schemeClr>
+        </a:solidFill>
+        <a:round/>
+      </a:ln>
+    </cs:spPr>
+  </cs:hiLoLine>
+  <cs:leaderLine>
+    <cs:lnRef idx="0"/>
+    <cs:fillRef idx="0"/>
+    <cs:effectRef idx="0"/>
+    <cs:fontRef idx="minor">
+      <a:schemeClr val="tx1"/>
+    </cs:fontRef>
+    <cs:spPr>
+      <a:ln w="9525" cap="flat" cmpd="sng" algn="ctr">
+        <a:solidFill>
+          <a:schemeClr val="tx1">
+            <a:lumMod val="35000"/>
+            <a:lumOff val="65000"/>
+          </a:schemeClr>
+        </a:solidFill>
+        <a:round/>
+      </a:ln>
+    </cs:spPr>
+  </cs:leaderLine>
+  <cs:legend>
+    <cs:lnRef idx="0"/>
+    <cs:fillRef idx="0"/>
+    <cs:effectRef idx="0"/>
+    <cs:fontRef idx="minor">
+      <a:schemeClr val="tx1">
+        <a:lumMod val="65000"/>
+        <a:lumOff val="35000"/>
+      </a:schemeClr>
+    </cs:fontRef>
+    <cs:defRPr sz="1197" kern="1200"/>
+  </cs:legend>
+  <cs:plotArea mods="allowNoFillOverride allowNoLineOverride">
+    <cs:lnRef idx="0"/>
+    <cs:fillRef idx="0"/>
+    <cs:effectRef idx="0"/>
+    <cs:fontRef idx="minor">
+      <a:schemeClr val="tx1"/>
+    </cs:fontRef>
+  </cs:plotArea>
+  <cs:plotArea3D mods="allowNoFillOverride allowNoLineOverride">
+    <cs:lnRef idx="0"/>
+    <cs:fillRef idx="0"/>
+    <cs:effectRef idx="0"/>
+    <cs:fontRef idx="minor">
+      <a:schemeClr val="tx1"/>
+    </cs:fontRef>
+  </cs:plotArea3D>
+  <cs:seriesAxis>
+    <cs:lnRef idx="0"/>
+    <cs:fillRef idx="0"/>
+    <cs:effectRef idx="0"/>
+    <cs:fontRef idx="minor">
+      <a:schemeClr val="tx1">
+        <a:lumMod val="65000"/>
+        <a:lumOff val="35000"/>
+      </a:schemeClr>
+    </cs:fontRef>
+    <cs:defRPr sz="1197" kern="1200"/>
+  </cs:seriesAxis>
+  <cs:seriesLine>
+    <cs:lnRef idx="0"/>
+    <cs:fillRef idx="0"/>
+    <cs:effectRef idx="0"/>
+    <cs:fontRef idx="minor">
+      <a:schemeClr val="tx1"/>
+    </cs:fontRef>
+    <cs:spPr>
+      <a:ln w="9525" cap="flat" cmpd="sng" algn="ctr">
+        <a:solidFill>
+          <a:schemeClr val="tx1">
+            <a:lumMod val="35000"/>
+            <a:lumOff val="65000"/>
+          </a:schemeClr>
+        </a:solidFill>
+        <a:round/>
+      </a:ln>
+    </cs:spPr>
+  </cs:seriesLine>
+  <cs:title>
+    <cs:lnRef idx="0"/>
+    <cs:fillRef idx="0"/>
+    <cs:effectRef idx="0"/>
+    <cs:fontRef idx="minor">
+      <a:schemeClr val="tx1">
+        <a:lumMod val="65000"/>
+        <a:lumOff val="35000"/>
+      </a:schemeClr>
+    </cs:fontRef>
+    <cs:defRPr sz="1862" b="0" kern="1200" spc="0" baseline="0"/>
+  </cs:title>
+  <cs:trendline>
+    <cs:lnRef idx="0">
+      <cs:styleClr val="auto"/>
+    </cs:lnRef>
+    <cs:fillRef idx="0"/>
+    <cs:effectRef idx="0"/>
+    <cs:fontRef idx="minor">
+      <a:schemeClr val="tx1"/>
+    </cs:fontRef>
+    <cs:spPr>
+      <a:ln w="19050" cap="rnd">
+        <a:solidFill>
+          <a:schemeClr val="phClr"/>
+        </a:solidFill>
+        <a:prstDash val="sysDot"/>
+      </a:ln>
+    </cs:spPr>
+  </cs:trendline>
+  <cs:trendlineLabel>
+    <cs:lnRef idx="0"/>
+    <cs:fillRef idx="0"/>
+    <cs:effectRef idx="0"/>
+    <cs:fontRef idx="minor">
+      <a:schemeClr val="tx1">
+        <a:lumMod val="65000"/>
+        <a:lumOff val="35000"/>
+      </a:schemeClr>
+    </cs:fontRef>
+    <cs:defRPr sz="1197" kern="1200"/>
+  </cs:trendlineLabel>
+  <cs:upBar>
+    <cs:lnRef idx="0"/>
+    <cs:fillRef idx="0"/>
+    <cs:effectRef idx="0"/>
+    <cs:fontRef idx="minor">
+      <a:schemeClr val="dk1"/>
+    </cs:fontRef>
+    <cs:spPr>
+      <a:solidFill>
+        <a:schemeClr val="lt1"/>
+      </a:solidFill>
+      <a:ln w="9525">
+        <a:solidFill>
+          <a:schemeClr val="tx1">
+            <a:lumMod val="15000"/>
+            <a:lumOff val="85000"/>
+          </a:schemeClr>
+        </a:solidFill>
+      </a:ln>
+    </cs:spPr>
+  </cs:upBar>
+  <cs:valueAxis>
+    <cs:lnRef idx="0"/>
+    <cs:fillRef idx="0"/>
+    <cs:effectRef idx="0"/>
+    <cs:fontRef idx="minor">
+      <a:schemeClr val="tx1">
+        <a:lumMod val="65000"/>
+        <a:lumOff val="35000"/>
+      </a:schemeClr>
+    </cs:fontRef>
+    <cs:defRPr sz="1197" kern="1200"/>
+  </cs:valueAxis>
+  <cs:wall>
+    <cs:lnRef idx="0"/>
+    <cs:fillRef idx="0"/>
+    <cs:effectRef idx="0"/>
+    <cs:fontRef idx="minor">
+      <a:schemeClr val="tx1"/>
+    </cs:fontRef>
+    <cs:spPr>
+      <a:noFill/>
+      <a:ln>
+        <a:noFill/>
+      </a:ln>
+    </cs:spPr>
+  </cs:wall>
+</cs:chartStyle>
 </file>
 
 <file path=ppt/handoutMasters/handoutMaster1.xml><?xml version="1.0" encoding="utf-8"?>
@@ -286,7 +1332,7 @@
             <a:pPr rtl="0"/>
             <a:fld id="{CFC3AB43-A716-41D3-8542-E2B83FF90C30}" type="datetime1">
               <a:rPr lang="es-ES" smtClean="0"/>
-              <a:t>13/02/2018</a:t>
+              <a:t>18/02/2018</a:t>
             </a:fld>
             <a:endParaRPr lang="es-ES" dirty="0"/>
           </a:p>
@@ -455,7 +1501,7 @@
             <a:fld id="{B99415C8-EA5F-40DA-B692-F57629F0830E}" type="datetime1">
               <a:rPr lang="es-ES" noProof="0" smtClean="0"/>
               <a:pPr/>
-              <a:t>13/02/2018</a:t>
+              <a:t>18/02/2018</a:t>
             </a:fld>
             <a:endParaRPr lang="es-ES" noProof="0" dirty="0"/>
           </a:p>
@@ -1575,7 +2621,7 @@
             <a:fld id="{D3E5EB10-21A3-46AF-9F87-719B4871B7E9}" type="datetime1">
               <a:rPr lang="es-ES" noProof="0" smtClean="0"/>
               <a:pPr/>
-              <a:t>13/02/2018</a:t>
+              <a:t>18/02/2018</a:t>
             </a:fld>
             <a:endParaRPr lang="es-ES" noProof="0" dirty="0"/>
           </a:p>
@@ -1777,7 +2823,7 @@
             <a:fld id="{1B150DC9-D51B-4532-9742-17D563F7B844}" type="datetime1">
               <a:rPr lang="es-ES" noProof="0" smtClean="0"/>
               <a:pPr/>
-              <a:t>13/02/2018</a:t>
+              <a:t>18/02/2018</a:t>
             </a:fld>
             <a:endParaRPr lang="es-ES" noProof="0" dirty="0"/>
           </a:p>
@@ -1984,7 +3030,7 @@
             <a:fld id="{435D6C72-29E8-4745-90E7-3DCDC3BB08B1}" type="datetime1">
               <a:rPr lang="es-ES" noProof="0" smtClean="0"/>
               <a:pPr/>
-              <a:t>13/02/2018</a:t>
+              <a:t>18/02/2018</a:t>
             </a:fld>
             <a:endParaRPr lang="es-ES" noProof="0" dirty="0"/>
           </a:p>
@@ -2181,7 +3227,7 @@
             <a:fld id="{18582301-5656-41C5-859E-C3578B1613A0}" type="datetime1">
               <a:rPr lang="es-ES" noProof="0" smtClean="0"/>
               <a:pPr/>
-              <a:t>13/02/2018</a:t>
+              <a:t>18/02/2018</a:t>
             </a:fld>
             <a:endParaRPr lang="es-ES" noProof="0" dirty="0"/>
           </a:p>
@@ -2458,7 +3504,7 @@
             <a:fld id="{98063A5B-0A71-4EE0-8ADD-6A894F185F26}" type="datetime1">
               <a:rPr lang="es-ES" noProof="0" smtClean="0"/>
               <a:pPr/>
-              <a:t>13/02/2018</a:t>
+              <a:t>18/02/2018</a:t>
             </a:fld>
             <a:endParaRPr lang="es-ES" noProof="0" dirty="0"/>
           </a:p>
@@ -2777,7 +3823,7 @@
             <a:fld id="{C0E0A9B6-D611-4A47-BC84-432D674749BC}" type="datetime1">
               <a:rPr lang="es-ES" noProof="0" smtClean="0"/>
               <a:pPr/>
-              <a:t>13/02/2018</a:t>
+              <a:t>18/02/2018</a:t>
             </a:fld>
             <a:endParaRPr lang="es-ES" noProof="0" dirty="0"/>
           </a:p>
@@ -3241,7 +4287,7 @@
             <a:fld id="{4A9FB027-3733-4D18-9487-B5EE970DC99F}" type="datetime1">
               <a:rPr lang="es-ES" noProof="0" smtClean="0"/>
               <a:pPr/>
-              <a:t>13/02/2018</a:t>
+              <a:t>18/02/2018</a:t>
             </a:fld>
             <a:endParaRPr lang="es-ES" noProof="0" dirty="0"/>
           </a:p>
@@ -3386,7 +4432,7 @@
             <a:fld id="{C74CDD08-FBA2-4EDF-8E1E-C931D29CAE1C}" type="datetime1">
               <a:rPr lang="es-ES" noProof="0" smtClean="0"/>
               <a:pPr/>
-              <a:t>13/02/2018</a:t>
+              <a:t>18/02/2018</a:t>
             </a:fld>
             <a:endParaRPr lang="es-ES" noProof="0" dirty="0"/>
           </a:p>
@@ -3503,7 +4549,7 @@
             <a:fld id="{92EEC9CC-5F6E-41D6-9BA1-1B03DDFF2A74}" type="datetime1">
               <a:rPr lang="es-ES" noProof="0" smtClean="0"/>
               <a:pPr/>
-              <a:t>13/02/2018</a:t>
+              <a:t>18/02/2018</a:t>
             </a:fld>
             <a:endParaRPr lang="es-ES" noProof="0" dirty="0"/>
           </a:p>
@@ -3822,7 +4868,7 @@
             <a:fld id="{793776FF-CBB8-47A4-90DF-2EBF2E3DC8FF}" type="datetime1">
               <a:rPr lang="es-ES" noProof="0" smtClean="0"/>
               <a:pPr/>
-              <a:t>13/02/2018</a:t>
+              <a:t>18/02/2018</a:t>
             </a:fld>
             <a:endParaRPr lang="es-ES" noProof="0" dirty="0"/>
           </a:p>
@@ -4302,7 +5348,7 @@
             <a:fld id="{9FD2ED8E-5314-4CC6-97E3-FFA8A74630E9}" type="datetime1">
               <a:rPr lang="es-ES" noProof="0" smtClean="0"/>
               <a:pPr/>
-              <a:t>13/02/2018</a:t>
+              <a:t>18/02/2018</a:t>
             </a:fld>
             <a:endParaRPr lang="es-ES" noProof="0" dirty="0"/>
           </a:p>
@@ -4769,7 +5815,15 @@
             <a:pPr rtl="0"/>
             <a:r>
               <a:rPr lang="es-ES" dirty="0"/>
-              <a:t>Ideas para hoy y para mañana</a:t>
+              <a:t>Ideas para </a:t>
+            </a:r>
+            <a:r>
+              <a:rPr lang="es-ES"/>
+              <a:t>hosdasdsady</a:t>
+            </a:r>
+            <a:r>
+              <a:rPr lang="es-ES" dirty="0"/>
+              <a:t> y para mañana</a:t>
             </a:r>
           </a:p>
           <a:p>
@@ -5130,42 +6184,55 @@
           <a:p>
             <a:pPr rtl="0"/>
             <a:r>
+              <a:rPr lang="es-ES" dirty="0" err="1"/>
+              <a:t>Comparacion</a:t>
+            </a:r>
+            <a:r>
               <a:rPr lang="es-ES" dirty="0"/>
-              <a:t>¿Cómo llegamos aquí?</a:t>
-            </a:r>
-          </a:p>
-        </p:txBody>
-      </p:sp>
-      <p:sp>
-        <p:nvSpPr>
-          <p:cNvPr id="3" name="Marcador de contenido 2"/>
-          <p:cNvSpPr>
-            <a:spLocks noGrp="1"/>
-          </p:cNvSpPr>
+              <a:t> de </a:t>
+            </a:r>
+            <a:r>
+              <a:rPr lang="es-ES" dirty="0" err="1"/>
+              <a:t>cpu_time</a:t>
+            </a:r>
+            <a:r>
+              <a:rPr lang="es-ES" dirty="0"/>
+              <a:t> </a:t>
+            </a:r>
+          </a:p>
+        </p:txBody>
+      </p:sp>
+      <p:graphicFrame>
+        <p:nvGraphicFramePr>
+          <p:cNvPr id="8" name="Marcador de contenido 7">
+            <a:extLst>
+              <a:ext uri="{FF2B5EF4-FFF2-40B4-BE49-F238E27FC236}">
+                <a16:creationId xmlns:a16="http://schemas.microsoft.com/office/drawing/2014/main" id="{09E9A23C-63DD-47AC-BED2-64C804F694D0}"/>
+              </a:ext>
+            </a:extLst>
+          </p:cNvPr>
+          <p:cNvGraphicFramePr>
+            <a:graphicFrameLocks noGrp="1"/>
+          </p:cNvGraphicFramePr>
           <p:nvPr>
             <p:ph idx="1"/>
-          </p:nvPr>
-        </p:nvSpPr>
-        <p:spPr/>
-        <p:txBody>
-          <a:bodyPr rtlCol="0"/>
-          <a:lstStyle/>
-          <a:p>
-            <a:pPr rtl="0"/>
-            <a:r>
-              <a:rPr lang="es-ES" dirty="0"/>
-              <a:t>Cualquier información histórica relevante.</a:t>
-            </a:r>
-          </a:p>
-          <a:p>
-            <a:pPr rtl="0"/>
-            <a:r>
-              <a:rPr lang="es-ES" dirty="0"/>
-              <a:t>Suposiciones originales que ya no son válidas.</a:t>
-            </a:r>
-          </a:p>
-        </p:txBody>
-      </p:sp>
+            <p:extLst>
+              <p:ext uri="{D42A27DB-BD31-4B8C-83A1-F6EECF244321}">
+                <p14:modId xmlns:p14="http://schemas.microsoft.com/office/powerpoint/2010/main" val="2281936639"/>
+              </p:ext>
+            </p:extLst>
+          </p:nvPr>
+        </p:nvGraphicFramePr>
+        <p:xfrm>
+          <a:off x="1065212" y="1828800"/>
+          <a:ext cx="9637711" cy="4768552"/>
+        </p:xfrm>
+        <a:graphic>
+          <a:graphicData uri="http://schemas.openxmlformats.org/drawingml/2006/chart">
+            <c:chart xmlns:c="http://schemas.openxmlformats.org/drawingml/2006/chart" xmlns:r="http://schemas.openxmlformats.org/officeDocument/2006/relationships" r:id="rId3"/>
+          </a:graphicData>
+        </a:graphic>
+      </p:graphicFrame>
     </p:spTree>
     <p:extLst>
       <p:ext uri="{BB962C8B-B14F-4D97-AF65-F5344CB8AC3E}">
@@ -5407,10 +6474,10 @@
   <a:themeElements>
     <a:clrScheme name="Blue Red">
       <a:dk1>
-        <a:sysClr val="windowText" lastClr="333333"/>
+        <a:sysClr val="windowText" lastClr="000000"/>
       </a:dk1>
       <a:lt1>
-        <a:sysClr val="window" lastClr="F2F2F3"/>
+        <a:sysClr val="window" lastClr="FFFFFF"/>
       </a:lt1>
       <a:dk2>
         <a:srgbClr val="242852"/>
@@ -5733,10 +6800,10 @@
   <a:themeElements>
     <a:clrScheme name="Blue Red">
       <a:dk1>
-        <a:sysClr val="windowText" lastClr="333333"/>
+        <a:sysClr val="windowText" lastClr="000000"/>
       </a:dk1>
       <a:lt1>
-        <a:sysClr val="window" lastClr="F2F2F3"/>
+        <a:sysClr val="window" lastClr="FFFFFF"/>
       </a:lt1>
       <a:dk2>
         <a:srgbClr val="242852"/>
@@ -5989,10 +7056,10 @@
   <a:themeElements>
     <a:clrScheme name="Blue Red">
       <a:dk1>
-        <a:sysClr val="windowText" lastClr="333333"/>
+        <a:sysClr val="windowText" lastClr="000000"/>
       </a:dk1>
       <a:lt1>
-        <a:sysClr val="window" lastClr="F2F2F3"/>
+        <a:sysClr val="window" lastClr="FFFFFF"/>
       </a:lt1>
       <a:dk2>
         <a:srgbClr val="242852"/>

--- a/lu-lapack.pptx
+++ b/lu-lapack.pptx
@@ -5,19 +5,14 @@
     <p:sldMasterId id="2147483660" r:id="rId4"/>
   </p:sldMasterIdLst>
   <p:notesMasterIdLst>
-    <p:notesMasterId r:id="rId12"/>
+    <p:notesMasterId r:id="rId7"/>
   </p:notesMasterIdLst>
   <p:handoutMasterIdLst>
-    <p:handoutMasterId r:id="rId13"/>
+    <p:handoutMasterId r:id="rId8"/>
   </p:handoutMasterIdLst>
   <p:sldIdLst>
     <p:sldId id="257" r:id="rId5"/>
-    <p:sldId id="258" r:id="rId6"/>
-    <p:sldId id="259" r:id="rId7"/>
-    <p:sldId id="260" r:id="rId8"/>
-    <p:sldId id="261" r:id="rId9"/>
-    <p:sldId id="262" r:id="rId10"/>
-    <p:sldId id="263" r:id="rId11"/>
+    <p:sldId id="261" r:id="rId6"/>
   </p:sldIdLst>
   <p:sldSz cx="12188825" cy="6858000"/>
   <p:notesSz cx="6858000" cy="9144000"/>
@@ -1332,7 +1327,7 @@
             <a:pPr rtl="0"/>
             <a:fld id="{CFC3AB43-A716-41D3-8542-E2B83FF90C30}" type="datetime1">
               <a:rPr lang="es-ES" smtClean="0"/>
-              <a:t>18/02/2018</a:t>
+              <a:t>19/02/2018</a:t>
             </a:fld>
             <a:endParaRPr lang="es-ES" dirty="0"/>
           </a:p>
@@ -1501,7 +1496,7 @@
             <a:fld id="{B99415C8-EA5F-40DA-B692-F57629F0830E}" type="datetime1">
               <a:rPr lang="es-ES" noProof="0" smtClean="0"/>
               <a:pPr/>
-              <a:t>18/02/2018</a:t>
+              <a:t>19/02/2018</a:t>
             </a:fld>
             <a:endParaRPr lang="es-ES" noProof="0" dirty="0"/>
           </a:p>
@@ -1932,432 +1927,7 @@
     </p:spTree>
     <p:extLst>
       <p:ext uri="{BB962C8B-B14F-4D97-AF65-F5344CB8AC3E}">
-        <p14:creationId xmlns:p14="http://schemas.microsoft.com/office/powerpoint/2010/main" val="924824670"/>
-      </p:ext>
-    </p:extLst>
-  </p:cSld>
-  <p:clrMapOvr>
-    <a:masterClrMapping/>
-  </p:clrMapOvr>
-</p:notes>
-</file>
-
-<file path=ppt/notesSlides/notesSlide3.xml><?xml version="1.0" encoding="utf-8"?>
-<p:notes xmlns:a="http://schemas.openxmlformats.org/drawingml/2006/main" xmlns:r="http://schemas.openxmlformats.org/officeDocument/2006/relationships" xmlns:p="http://schemas.openxmlformats.org/presentationml/2006/main">
-  <p:cSld>
-    <p:spTree>
-      <p:nvGrpSpPr>
-        <p:cNvPr id="1" name=""/>
-        <p:cNvGrpSpPr/>
-        <p:nvPr/>
-      </p:nvGrpSpPr>
-      <p:grpSpPr>
-        <a:xfrm>
-          <a:off x="0" y="0"/>
-          <a:ext cx="0" cy="0"/>
-          <a:chOff x="0" y="0"/>
-          <a:chExt cx="0" cy="0"/>
-        </a:xfrm>
-      </p:grpSpPr>
-      <p:sp>
-        <p:nvSpPr>
-          <p:cNvPr id="2" name="Marcador de imagen de diapositiva 1"/>
-          <p:cNvSpPr>
-            <a:spLocks noGrp="1" noRot="1" noChangeAspect="1"/>
-          </p:cNvSpPr>
-          <p:nvPr>
-            <p:ph type="sldImg"/>
-          </p:nvPr>
-        </p:nvSpPr>
-        <p:spPr/>
-      </p:sp>
-      <p:sp>
-        <p:nvSpPr>
-          <p:cNvPr id="3" name="Marcador de notas 2"/>
-          <p:cNvSpPr>
-            <a:spLocks noGrp="1"/>
-          </p:cNvSpPr>
-          <p:nvPr>
-            <p:ph type="body" idx="1"/>
-          </p:nvPr>
-        </p:nvSpPr>
-        <p:spPr/>
-        <p:txBody>
-          <a:bodyPr/>
-          <a:lstStyle/>
-          <a:p>
-            <a:endParaRPr lang="es-ES"/>
-          </a:p>
-        </p:txBody>
-      </p:sp>
-      <p:sp>
-        <p:nvSpPr>
-          <p:cNvPr id="4" name="Marcador de número de diapositiva 3"/>
-          <p:cNvSpPr>
-            <a:spLocks noGrp="1"/>
-          </p:cNvSpPr>
-          <p:nvPr>
-            <p:ph type="sldNum" sz="quarter" idx="10"/>
-          </p:nvPr>
-        </p:nvSpPr>
-        <p:spPr/>
-        <p:txBody>
-          <a:bodyPr/>
-          <a:lstStyle/>
-          <a:p>
-            <a:pPr rtl="0"/>
-            <a:fld id="{6BB98AFB-CB0D-4DFE-87B9-B4B0D0DE73CD}" type="slidenum">
-              <a:rPr lang="es-ES" smtClean="0"/>
-              <a:t>3</a:t>
-            </a:fld>
-            <a:endParaRPr lang="es-ES" dirty="0"/>
-          </a:p>
-        </p:txBody>
-      </p:sp>
-    </p:spTree>
-    <p:extLst>
-      <p:ext uri="{BB962C8B-B14F-4D97-AF65-F5344CB8AC3E}">
-        <p14:creationId xmlns:p14="http://schemas.microsoft.com/office/powerpoint/2010/main" val="2974091614"/>
-      </p:ext>
-    </p:extLst>
-  </p:cSld>
-  <p:clrMapOvr>
-    <a:masterClrMapping/>
-  </p:clrMapOvr>
-</p:notes>
-</file>
-
-<file path=ppt/notesSlides/notesSlide4.xml><?xml version="1.0" encoding="utf-8"?>
-<p:notes xmlns:a="http://schemas.openxmlformats.org/drawingml/2006/main" xmlns:r="http://schemas.openxmlformats.org/officeDocument/2006/relationships" xmlns:p="http://schemas.openxmlformats.org/presentationml/2006/main">
-  <p:cSld>
-    <p:spTree>
-      <p:nvGrpSpPr>
-        <p:cNvPr id="1" name=""/>
-        <p:cNvGrpSpPr/>
-        <p:nvPr/>
-      </p:nvGrpSpPr>
-      <p:grpSpPr>
-        <a:xfrm>
-          <a:off x="0" y="0"/>
-          <a:ext cx="0" cy="0"/>
-          <a:chOff x="0" y="0"/>
-          <a:chExt cx="0" cy="0"/>
-        </a:xfrm>
-      </p:grpSpPr>
-      <p:sp>
-        <p:nvSpPr>
-          <p:cNvPr id="2" name="Marcador de imagen de diapositiva 1"/>
-          <p:cNvSpPr>
-            <a:spLocks noGrp="1" noRot="1" noChangeAspect="1"/>
-          </p:cNvSpPr>
-          <p:nvPr>
-            <p:ph type="sldImg"/>
-          </p:nvPr>
-        </p:nvSpPr>
-        <p:spPr/>
-      </p:sp>
-      <p:sp>
-        <p:nvSpPr>
-          <p:cNvPr id="3" name="Marcador de notas 2"/>
-          <p:cNvSpPr>
-            <a:spLocks noGrp="1"/>
-          </p:cNvSpPr>
-          <p:nvPr>
-            <p:ph type="body" idx="1"/>
-          </p:nvPr>
-        </p:nvSpPr>
-        <p:spPr/>
-        <p:txBody>
-          <a:bodyPr/>
-          <a:lstStyle/>
-          <a:p>
-            <a:endParaRPr lang="es-ES"/>
-          </a:p>
-        </p:txBody>
-      </p:sp>
-      <p:sp>
-        <p:nvSpPr>
-          <p:cNvPr id="4" name="Marcador de número de diapositiva 3"/>
-          <p:cNvSpPr>
-            <a:spLocks noGrp="1"/>
-          </p:cNvSpPr>
-          <p:nvPr>
-            <p:ph type="sldNum" sz="quarter" idx="10"/>
-          </p:nvPr>
-        </p:nvSpPr>
-        <p:spPr/>
-        <p:txBody>
-          <a:bodyPr/>
-          <a:lstStyle/>
-          <a:p>
-            <a:pPr rtl="0"/>
-            <a:fld id="{6BB98AFB-CB0D-4DFE-87B9-B4B0D0DE73CD}" type="slidenum">
-              <a:rPr lang="es-ES" smtClean="0"/>
-              <a:t>4</a:t>
-            </a:fld>
-            <a:endParaRPr lang="es-ES" dirty="0"/>
-          </a:p>
-        </p:txBody>
-      </p:sp>
-    </p:spTree>
-    <p:extLst>
-      <p:ext uri="{BB962C8B-B14F-4D97-AF65-F5344CB8AC3E}">
-        <p14:creationId xmlns:p14="http://schemas.microsoft.com/office/powerpoint/2010/main" val="2601926704"/>
-      </p:ext>
-    </p:extLst>
-  </p:cSld>
-  <p:clrMapOvr>
-    <a:masterClrMapping/>
-  </p:clrMapOvr>
-</p:notes>
-</file>
-
-<file path=ppt/notesSlides/notesSlide5.xml><?xml version="1.0" encoding="utf-8"?>
-<p:notes xmlns:a="http://schemas.openxmlformats.org/drawingml/2006/main" xmlns:r="http://schemas.openxmlformats.org/officeDocument/2006/relationships" xmlns:p="http://schemas.openxmlformats.org/presentationml/2006/main">
-  <p:cSld>
-    <p:spTree>
-      <p:nvGrpSpPr>
-        <p:cNvPr id="1" name=""/>
-        <p:cNvGrpSpPr/>
-        <p:nvPr/>
-      </p:nvGrpSpPr>
-      <p:grpSpPr>
-        <a:xfrm>
-          <a:off x="0" y="0"/>
-          <a:ext cx="0" cy="0"/>
-          <a:chOff x="0" y="0"/>
-          <a:chExt cx="0" cy="0"/>
-        </a:xfrm>
-      </p:grpSpPr>
-      <p:sp>
-        <p:nvSpPr>
-          <p:cNvPr id="2" name="Marcador de imagen de diapositiva 1"/>
-          <p:cNvSpPr>
-            <a:spLocks noGrp="1" noRot="1" noChangeAspect="1"/>
-          </p:cNvSpPr>
-          <p:nvPr>
-            <p:ph type="sldImg"/>
-          </p:nvPr>
-        </p:nvSpPr>
-        <p:spPr/>
-      </p:sp>
-      <p:sp>
-        <p:nvSpPr>
-          <p:cNvPr id="3" name="Marcador de notas 2"/>
-          <p:cNvSpPr>
-            <a:spLocks noGrp="1"/>
-          </p:cNvSpPr>
-          <p:nvPr>
-            <p:ph type="body" idx="1"/>
-          </p:nvPr>
-        </p:nvSpPr>
-        <p:spPr/>
-        <p:txBody>
-          <a:bodyPr/>
-          <a:lstStyle/>
-          <a:p>
-            <a:endParaRPr lang="es-ES"/>
-          </a:p>
-        </p:txBody>
-      </p:sp>
-      <p:sp>
-        <p:nvSpPr>
-          <p:cNvPr id="4" name="Marcador de número de diapositiva 3"/>
-          <p:cNvSpPr>
-            <a:spLocks noGrp="1"/>
-          </p:cNvSpPr>
-          <p:nvPr>
-            <p:ph type="sldNum" sz="quarter" idx="10"/>
-          </p:nvPr>
-        </p:nvSpPr>
-        <p:spPr/>
-        <p:txBody>
-          <a:bodyPr/>
-          <a:lstStyle/>
-          <a:p>
-            <a:pPr rtl="0"/>
-            <a:fld id="{6BB98AFB-CB0D-4DFE-87B9-B4B0D0DE73CD}" type="slidenum">
-              <a:rPr lang="es-ES" smtClean="0"/>
-              <a:t>5</a:t>
-            </a:fld>
-            <a:endParaRPr lang="es-ES" dirty="0"/>
-          </a:p>
-        </p:txBody>
-      </p:sp>
-    </p:spTree>
-    <p:extLst>
-      <p:ext uri="{BB962C8B-B14F-4D97-AF65-F5344CB8AC3E}">
         <p14:creationId xmlns:p14="http://schemas.microsoft.com/office/powerpoint/2010/main" val="2001119684"/>
-      </p:ext>
-    </p:extLst>
-  </p:cSld>
-  <p:clrMapOvr>
-    <a:masterClrMapping/>
-  </p:clrMapOvr>
-</p:notes>
-</file>
-
-<file path=ppt/notesSlides/notesSlide6.xml><?xml version="1.0" encoding="utf-8"?>
-<p:notes xmlns:a="http://schemas.openxmlformats.org/drawingml/2006/main" xmlns:r="http://schemas.openxmlformats.org/officeDocument/2006/relationships" xmlns:p="http://schemas.openxmlformats.org/presentationml/2006/main">
-  <p:cSld>
-    <p:spTree>
-      <p:nvGrpSpPr>
-        <p:cNvPr id="1" name=""/>
-        <p:cNvGrpSpPr/>
-        <p:nvPr/>
-      </p:nvGrpSpPr>
-      <p:grpSpPr>
-        <a:xfrm>
-          <a:off x="0" y="0"/>
-          <a:ext cx="0" cy="0"/>
-          <a:chOff x="0" y="0"/>
-          <a:chExt cx="0" cy="0"/>
-        </a:xfrm>
-      </p:grpSpPr>
-      <p:sp>
-        <p:nvSpPr>
-          <p:cNvPr id="2" name="Marcador de imagen de diapositiva 1"/>
-          <p:cNvSpPr>
-            <a:spLocks noGrp="1" noRot="1" noChangeAspect="1"/>
-          </p:cNvSpPr>
-          <p:nvPr>
-            <p:ph type="sldImg"/>
-          </p:nvPr>
-        </p:nvSpPr>
-        <p:spPr/>
-      </p:sp>
-      <p:sp>
-        <p:nvSpPr>
-          <p:cNvPr id="3" name="Marcador de notas 2"/>
-          <p:cNvSpPr>
-            <a:spLocks noGrp="1"/>
-          </p:cNvSpPr>
-          <p:nvPr>
-            <p:ph type="body" idx="1"/>
-          </p:nvPr>
-        </p:nvSpPr>
-        <p:spPr/>
-        <p:txBody>
-          <a:bodyPr/>
-          <a:lstStyle/>
-          <a:p>
-            <a:endParaRPr lang="es-ES"/>
-          </a:p>
-        </p:txBody>
-      </p:sp>
-      <p:sp>
-        <p:nvSpPr>
-          <p:cNvPr id="4" name="Marcador de número de diapositiva 3"/>
-          <p:cNvSpPr>
-            <a:spLocks noGrp="1"/>
-          </p:cNvSpPr>
-          <p:nvPr>
-            <p:ph type="sldNum" sz="quarter" idx="10"/>
-          </p:nvPr>
-        </p:nvSpPr>
-        <p:spPr/>
-        <p:txBody>
-          <a:bodyPr/>
-          <a:lstStyle/>
-          <a:p>
-            <a:pPr rtl="0"/>
-            <a:fld id="{6BB98AFB-CB0D-4DFE-87B9-B4B0D0DE73CD}" type="slidenum">
-              <a:rPr lang="es-ES" smtClean="0"/>
-              <a:t>6</a:t>
-            </a:fld>
-            <a:endParaRPr lang="es-ES" dirty="0"/>
-          </a:p>
-        </p:txBody>
-      </p:sp>
-    </p:spTree>
-    <p:extLst>
-      <p:ext uri="{BB962C8B-B14F-4D97-AF65-F5344CB8AC3E}">
-        <p14:creationId xmlns:p14="http://schemas.microsoft.com/office/powerpoint/2010/main" val="2146544694"/>
-      </p:ext>
-    </p:extLst>
-  </p:cSld>
-  <p:clrMapOvr>
-    <a:masterClrMapping/>
-  </p:clrMapOvr>
-</p:notes>
-</file>
-
-<file path=ppt/notesSlides/notesSlide7.xml><?xml version="1.0" encoding="utf-8"?>
-<p:notes xmlns:a="http://schemas.openxmlformats.org/drawingml/2006/main" xmlns:r="http://schemas.openxmlformats.org/officeDocument/2006/relationships" xmlns:p="http://schemas.openxmlformats.org/presentationml/2006/main">
-  <p:cSld>
-    <p:spTree>
-      <p:nvGrpSpPr>
-        <p:cNvPr id="1" name=""/>
-        <p:cNvGrpSpPr/>
-        <p:nvPr/>
-      </p:nvGrpSpPr>
-      <p:grpSpPr>
-        <a:xfrm>
-          <a:off x="0" y="0"/>
-          <a:ext cx="0" cy="0"/>
-          <a:chOff x="0" y="0"/>
-          <a:chExt cx="0" cy="0"/>
-        </a:xfrm>
-      </p:grpSpPr>
-      <p:sp>
-        <p:nvSpPr>
-          <p:cNvPr id="2" name="Marcador de imagen de diapositiva 1"/>
-          <p:cNvSpPr>
-            <a:spLocks noGrp="1" noRot="1" noChangeAspect="1"/>
-          </p:cNvSpPr>
-          <p:nvPr>
-            <p:ph type="sldImg"/>
-          </p:nvPr>
-        </p:nvSpPr>
-        <p:spPr/>
-      </p:sp>
-      <p:sp>
-        <p:nvSpPr>
-          <p:cNvPr id="3" name="Marcador de notas 2"/>
-          <p:cNvSpPr>
-            <a:spLocks noGrp="1"/>
-          </p:cNvSpPr>
-          <p:nvPr>
-            <p:ph type="body" idx="1"/>
-          </p:nvPr>
-        </p:nvSpPr>
-        <p:spPr/>
-        <p:txBody>
-          <a:bodyPr/>
-          <a:lstStyle/>
-          <a:p>
-            <a:endParaRPr lang="es-ES"/>
-          </a:p>
-        </p:txBody>
-      </p:sp>
-      <p:sp>
-        <p:nvSpPr>
-          <p:cNvPr id="4" name="Marcador de número de diapositiva 3"/>
-          <p:cNvSpPr>
-            <a:spLocks noGrp="1"/>
-          </p:cNvSpPr>
-          <p:nvPr>
-            <p:ph type="sldNum" sz="quarter" idx="10"/>
-          </p:nvPr>
-        </p:nvSpPr>
-        <p:spPr/>
-        <p:txBody>
-          <a:bodyPr/>
-          <a:lstStyle/>
-          <a:p>
-            <a:pPr rtl="0"/>
-            <a:fld id="{6BB98AFB-CB0D-4DFE-87B9-B4B0D0DE73CD}" type="slidenum">
-              <a:rPr lang="es-ES" smtClean="0"/>
-              <a:t>7</a:t>
-            </a:fld>
-            <a:endParaRPr lang="es-ES" dirty="0"/>
-          </a:p>
-        </p:txBody>
-      </p:sp>
-    </p:spTree>
-    <p:extLst>
-      <p:ext uri="{BB962C8B-B14F-4D97-AF65-F5344CB8AC3E}">
-        <p14:creationId xmlns:p14="http://schemas.microsoft.com/office/powerpoint/2010/main" val="2481812312"/>
       </p:ext>
     </p:extLst>
   </p:cSld>
@@ -2621,7 +2191,7 @@
             <a:fld id="{D3E5EB10-21A3-46AF-9F87-719B4871B7E9}" type="datetime1">
               <a:rPr lang="es-ES" noProof="0" smtClean="0"/>
               <a:pPr/>
-              <a:t>18/02/2018</a:t>
+              <a:t>19/02/2018</a:t>
             </a:fld>
             <a:endParaRPr lang="es-ES" noProof="0" dirty="0"/>
           </a:p>
@@ -2823,7 +2393,7 @@
             <a:fld id="{1B150DC9-D51B-4532-9742-17D563F7B844}" type="datetime1">
               <a:rPr lang="es-ES" noProof="0" smtClean="0"/>
               <a:pPr/>
-              <a:t>18/02/2018</a:t>
+              <a:t>19/02/2018</a:t>
             </a:fld>
             <a:endParaRPr lang="es-ES" noProof="0" dirty="0"/>
           </a:p>
@@ -3030,7 +2600,7 @@
             <a:fld id="{435D6C72-29E8-4745-90E7-3DCDC3BB08B1}" type="datetime1">
               <a:rPr lang="es-ES" noProof="0" smtClean="0"/>
               <a:pPr/>
-              <a:t>18/02/2018</a:t>
+              <a:t>19/02/2018</a:t>
             </a:fld>
             <a:endParaRPr lang="es-ES" noProof="0" dirty="0"/>
           </a:p>
@@ -3227,7 +2797,7 @@
             <a:fld id="{18582301-5656-41C5-859E-C3578B1613A0}" type="datetime1">
               <a:rPr lang="es-ES" noProof="0" smtClean="0"/>
               <a:pPr/>
-              <a:t>18/02/2018</a:t>
+              <a:t>19/02/2018</a:t>
             </a:fld>
             <a:endParaRPr lang="es-ES" noProof="0" dirty="0"/>
           </a:p>
@@ -3504,7 +3074,7 @@
             <a:fld id="{98063A5B-0A71-4EE0-8ADD-6A894F185F26}" type="datetime1">
               <a:rPr lang="es-ES" noProof="0" smtClean="0"/>
               <a:pPr/>
-              <a:t>18/02/2018</a:t>
+              <a:t>19/02/2018</a:t>
             </a:fld>
             <a:endParaRPr lang="es-ES" noProof="0" dirty="0"/>
           </a:p>
@@ -3823,7 +3393,7 @@
             <a:fld id="{C0E0A9B6-D611-4A47-BC84-432D674749BC}" type="datetime1">
               <a:rPr lang="es-ES" noProof="0" smtClean="0"/>
               <a:pPr/>
-              <a:t>18/02/2018</a:t>
+              <a:t>19/02/2018</a:t>
             </a:fld>
             <a:endParaRPr lang="es-ES" noProof="0" dirty="0"/>
           </a:p>
@@ -4287,7 +3857,7 @@
             <a:fld id="{4A9FB027-3733-4D18-9487-B5EE970DC99F}" type="datetime1">
               <a:rPr lang="es-ES" noProof="0" smtClean="0"/>
               <a:pPr/>
-              <a:t>18/02/2018</a:t>
+              <a:t>19/02/2018</a:t>
             </a:fld>
             <a:endParaRPr lang="es-ES" noProof="0" dirty="0"/>
           </a:p>
@@ -4432,7 +4002,7 @@
             <a:fld id="{C74CDD08-FBA2-4EDF-8E1E-C931D29CAE1C}" type="datetime1">
               <a:rPr lang="es-ES" noProof="0" smtClean="0"/>
               <a:pPr/>
-              <a:t>18/02/2018</a:t>
+              <a:t>19/02/2018</a:t>
             </a:fld>
             <a:endParaRPr lang="es-ES" noProof="0" dirty="0"/>
           </a:p>
@@ -4549,7 +4119,7 @@
             <a:fld id="{92EEC9CC-5F6E-41D6-9BA1-1B03DDFF2A74}" type="datetime1">
               <a:rPr lang="es-ES" noProof="0" smtClean="0"/>
               <a:pPr/>
-              <a:t>18/02/2018</a:t>
+              <a:t>19/02/2018</a:t>
             </a:fld>
             <a:endParaRPr lang="es-ES" noProof="0" dirty="0"/>
           </a:p>
@@ -4868,7 +4438,7 @@
             <a:fld id="{793776FF-CBB8-47A4-90DF-2EBF2E3DC8FF}" type="datetime1">
               <a:rPr lang="es-ES" noProof="0" smtClean="0"/>
               <a:pPr/>
-              <a:t>18/02/2018</a:t>
+              <a:t>19/02/2018</a:t>
             </a:fld>
             <a:endParaRPr lang="es-ES" noProof="0" dirty="0"/>
           </a:p>
@@ -5348,7 +4918,7 @@
             <a:fld id="{9FD2ED8E-5314-4CC6-97E3-FFA8A74630E9}" type="datetime1">
               <a:rPr lang="es-ES" noProof="0" smtClean="0"/>
               <a:pPr/>
-              <a:t>18/02/2018</a:t>
+              <a:t>19/02/2018</a:t>
             </a:fld>
             <a:endParaRPr lang="es-ES" noProof="0" dirty="0"/>
           </a:p>
@@ -5785,14 +5355,7 @@
             <a:pPr rtl="0"/>
             <a:r>
               <a:rPr lang="es-ES" dirty="0"/>
-              <a:t>Recomendar</a:t>
-            </a:r>
-            <a:br>
-              <a:rPr lang="es-ES" dirty="0"/>
-            </a:br>
-            <a:r>
-              <a:rPr lang="es-ES" dirty="0"/>
-              <a:t>una estrategia</a:t>
+              <a:t>GUAGUAGUAGUAGUA</a:t>
             </a:r>
           </a:p>
         </p:txBody>
@@ -5812,23 +5375,10 @@
           <a:bodyPr rtlCol="0"/>
           <a:lstStyle/>
           <a:p>
-            <a:pPr rtl="0"/>
             <a:r>
               <a:rPr lang="es-ES" dirty="0"/>
-              <a:t>Ideas para </a:t>
-            </a:r>
-            <a:r>
-              <a:rPr lang="es-ES"/>
-              <a:t>hosdasdsady</a:t>
-            </a:r>
-            <a:r>
-              <a:rPr lang="es-ES" dirty="0"/>
-              <a:t> y para mañana</a:t>
-            </a:r>
-          </a:p>
-          <a:p>
-            <a:pPr rtl="0"/>
-            <a:endParaRPr lang="es-ES" dirty="0"/>
+              <a:t>GUAGUAGUAGUAGUA</a:t>
+            </a:r>
           </a:p>
         </p:txBody>
       </p:sp>
@@ -5891,299 +5441,6 @@
           <a:p>
             <a:pPr rtl="0"/>
             <a:r>
-              <a:rPr lang="es-ES" dirty="0"/>
-              <a:t>Visión</a:t>
-            </a:r>
-          </a:p>
-        </p:txBody>
-      </p:sp>
-      <p:sp>
-        <p:nvSpPr>
-          <p:cNvPr id="3" name="Marcador de contenido 2"/>
-          <p:cNvSpPr>
-            <a:spLocks noGrp="1"/>
-          </p:cNvSpPr>
-          <p:nvPr>
-            <p:ph idx="1"/>
-          </p:nvPr>
-        </p:nvSpPr>
-        <p:spPr/>
-        <p:txBody>
-          <a:bodyPr rtlCol="0"/>
-          <a:lstStyle/>
-          <a:p>
-            <a:pPr rtl="0"/>
-            <a:r>
-              <a:rPr lang="es-ES" dirty="0"/>
-              <a:t>Indique la visión y la dirección a largo plazo.</a:t>
-            </a:r>
-          </a:p>
-          <a:p>
-            <a:pPr rtl="0"/>
-            <a:endParaRPr lang="es-ES" dirty="0"/>
-          </a:p>
-        </p:txBody>
-      </p:sp>
-    </p:spTree>
-    <p:extLst>
-      <p:ext uri="{BB962C8B-B14F-4D97-AF65-F5344CB8AC3E}">
-        <p14:creationId xmlns:p14="http://schemas.microsoft.com/office/powerpoint/2010/main" val="1637310646"/>
-      </p:ext>
-    </p:extLst>
-  </p:cSld>
-  <p:clrMapOvr>
-    <a:masterClrMapping/>
-  </p:clrMapOvr>
-  <mc:AlternateContent xmlns:mc="http://schemas.openxmlformats.org/markup-compatibility/2006" xmlns:p14="http://schemas.microsoft.com/office/powerpoint/2010/main">
-    <mc:Choice Requires="p14">
-      <p:transition spd="med" p14:dur="700">
-        <p:fade/>
-      </p:transition>
-    </mc:Choice>
-    <mc:Fallback xmlns="">
-      <p:transition spd="med">
-        <p:fade/>
-      </p:transition>
-    </mc:Fallback>
-  </mc:AlternateContent>
-</p:sld>
-</file>
-
-<file path=ppt/slides/slide3.xml><?xml version="1.0" encoding="utf-8"?>
-<p:sld xmlns:a="http://schemas.openxmlformats.org/drawingml/2006/main" xmlns:r="http://schemas.openxmlformats.org/officeDocument/2006/relationships" xmlns:p="http://schemas.openxmlformats.org/presentationml/2006/main">
-  <p:cSld>
-    <p:spTree>
-      <p:nvGrpSpPr>
-        <p:cNvPr id="1" name=""/>
-        <p:cNvGrpSpPr/>
-        <p:nvPr/>
-      </p:nvGrpSpPr>
-      <p:grpSpPr>
-        <a:xfrm>
-          <a:off x="0" y="0"/>
-          <a:ext cx="0" cy="0"/>
-          <a:chOff x="0" y="0"/>
-          <a:chExt cx="0" cy="0"/>
-        </a:xfrm>
-      </p:grpSpPr>
-      <p:sp>
-        <p:nvSpPr>
-          <p:cNvPr id="2" name="Título 1"/>
-          <p:cNvSpPr>
-            <a:spLocks noGrp="1"/>
-          </p:cNvSpPr>
-          <p:nvPr>
-            <p:ph type="title"/>
-          </p:nvPr>
-        </p:nvSpPr>
-        <p:spPr/>
-        <p:txBody>
-          <a:bodyPr rtlCol="0"/>
-          <a:lstStyle/>
-          <a:p>
-            <a:pPr rtl="0"/>
-            <a:r>
-              <a:rPr lang="es-ES" dirty="0"/>
-              <a:t>Objetivos</a:t>
-            </a:r>
-          </a:p>
-        </p:txBody>
-      </p:sp>
-      <p:sp>
-        <p:nvSpPr>
-          <p:cNvPr id="3" name="Marcador de contenido 2"/>
-          <p:cNvSpPr>
-            <a:spLocks noGrp="1"/>
-          </p:cNvSpPr>
-          <p:nvPr>
-            <p:ph idx="1"/>
-          </p:nvPr>
-        </p:nvSpPr>
-        <p:spPr/>
-        <p:txBody>
-          <a:bodyPr rtlCol="0"/>
-          <a:lstStyle/>
-          <a:p>
-            <a:pPr rtl="0"/>
-            <a:r>
-              <a:rPr lang="es-ES" dirty="0"/>
-              <a:t>Indique el objetivo deseado.</a:t>
-            </a:r>
-          </a:p>
-          <a:p>
-            <a:pPr rtl="0"/>
-            <a:r>
-              <a:rPr lang="es-ES" dirty="0"/>
-              <a:t>Indique objetivo deseado.</a:t>
-            </a:r>
-          </a:p>
-          <a:p>
-            <a:pPr rtl="0"/>
-            <a:r>
-              <a:rPr lang="es-ES" dirty="0"/>
-              <a:t>Use varios puntos si es necesario.</a:t>
-            </a:r>
-          </a:p>
-          <a:p>
-            <a:pPr rtl="0"/>
-            <a:endParaRPr lang="es-ES" dirty="0"/>
-          </a:p>
-        </p:txBody>
-      </p:sp>
-    </p:spTree>
-    <p:extLst>
-      <p:ext uri="{BB962C8B-B14F-4D97-AF65-F5344CB8AC3E}">
-        <p14:creationId xmlns:p14="http://schemas.microsoft.com/office/powerpoint/2010/main" val="2772895749"/>
-      </p:ext>
-    </p:extLst>
-  </p:cSld>
-  <p:clrMapOvr>
-    <a:masterClrMapping/>
-  </p:clrMapOvr>
-  <mc:AlternateContent xmlns:mc="http://schemas.openxmlformats.org/markup-compatibility/2006" xmlns:p14="http://schemas.microsoft.com/office/powerpoint/2010/main">
-    <mc:Choice Requires="p14">
-      <p:transition spd="med" p14:dur="700">
-        <p:fade/>
-      </p:transition>
-    </mc:Choice>
-    <mc:Fallback xmlns="">
-      <p:transition spd="med">
-        <p:fade/>
-      </p:transition>
-    </mc:Fallback>
-  </mc:AlternateContent>
-</p:sld>
-</file>
-
-<file path=ppt/slides/slide4.xml><?xml version="1.0" encoding="utf-8"?>
-<p:sld xmlns:a="http://schemas.openxmlformats.org/drawingml/2006/main" xmlns:r="http://schemas.openxmlformats.org/officeDocument/2006/relationships" xmlns:p="http://schemas.openxmlformats.org/presentationml/2006/main">
-  <p:cSld>
-    <p:spTree>
-      <p:nvGrpSpPr>
-        <p:cNvPr id="1" name=""/>
-        <p:cNvGrpSpPr/>
-        <p:nvPr/>
-      </p:nvGrpSpPr>
-      <p:grpSpPr>
-        <a:xfrm>
-          <a:off x="0" y="0"/>
-          <a:ext cx="0" cy="0"/>
-          <a:chOff x="0" y="0"/>
-          <a:chExt cx="0" cy="0"/>
-        </a:xfrm>
-      </p:grpSpPr>
-      <p:sp>
-        <p:nvSpPr>
-          <p:cNvPr id="2" name="Título 1"/>
-          <p:cNvSpPr>
-            <a:spLocks noGrp="1"/>
-          </p:cNvSpPr>
-          <p:nvPr>
-            <p:ph type="title"/>
-          </p:nvPr>
-        </p:nvSpPr>
-        <p:spPr/>
-        <p:txBody>
-          <a:bodyPr rtlCol="0"/>
-          <a:lstStyle/>
-          <a:p>
-            <a:pPr rtl="0"/>
-            <a:r>
-              <a:rPr lang="es-ES" dirty="0"/>
-              <a:t>Situación actual</a:t>
-            </a:r>
-          </a:p>
-        </p:txBody>
-      </p:sp>
-      <p:sp>
-        <p:nvSpPr>
-          <p:cNvPr id="3" name="Marcador de contenido 2"/>
-          <p:cNvSpPr>
-            <a:spLocks noGrp="1"/>
-          </p:cNvSpPr>
-          <p:nvPr>
-            <p:ph idx="1"/>
-          </p:nvPr>
-        </p:nvSpPr>
-        <p:spPr/>
-        <p:txBody>
-          <a:bodyPr rtlCol="0"/>
-          <a:lstStyle/>
-          <a:p>
-            <a:pPr rtl="0"/>
-            <a:r>
-              <a:rPr lang="es-ES" dirty="0"/>
-              <a:t>Resumen de la situación actual.</a:t>
-            </a:r>
-          </a:p>
-          <a:p>
-            <a:pPr rtl="0"/>
-            <a:r>
-              <a:rPr lang="es-ES" dirty="0"/>
-              <a:t>Use viñetas breves, trate verbalmente los detalles.</a:t>
-            </a:r>
-          </a:p>
-        </p:txBody>
-      </p:sp>
-    </p:spTree>
-    <p:extLst>
-      <p:ext uri="{BB962C8B-B14F-4D97-AF65-F5344CB8AC3E}">
-        <p14:creationId xmlns:p14="http://schemas.microsoft.com/office/powerpoint/2010/main" val="421519693"/>
-      </p:ext>
-    </p:extLst>
-  </p:cSld>
-  <p:clrMapOvr>
-    <a:masterClrMapping/>
-  </p:clrMapOvr>
-  <mc:AlternateContent xmlns:mc="http://schemas.openxmlformats.org/markup-compatibility/2006" xmlns:p14="http://schemas.microsoft.com/office/powerpoint/2010/main">
-    <mc:Choice Requires="p14">
-      <p:transition spd="med" p14:dur="700">
-        <p:fade/>
-      </p:transition>
-    </mc:Choice>
-    <mc:Fallback xmlns="">
-      <p:transition spd="med">
-        <p:fade/>
-      </p:transition>
-    </mc:Fallback>
-  </mc:AlternateContent>
-</p:sld>
-</file>
-
-<file path=ppt/slides/slide5.xml><?xml version="1.0" encoding="utf-8"?>
-<p:sld xmlns:a="http://schemas.openxmlformats.org/drawingml/2006/main" xmlns:r="http://schemas.openxmlformats.org/officeDocument/2006/relationships" xmlns:p="http://schemas.openxmlformats.org/presentationml/2006/main">
-  <p:cSld>
-    <p:spTree>
-      <p:nvGrpSpPr>
-        <p:cNvPr id="1" name=""/>
-        <p:cNvGrpSpPr/>
-        <p:nvPr/>
-      </p:nvGrpSpPr>
-      <p:grpSpPr>
-        <a:xfrm>
-          <a:off x="0" y="0"/>
-          <a:ext cx="0" cy="0"/>
-          <a:chOff x="0" y="0"/>
-          <a:chExt cx="0" cy="0"/>
-        </a:xfrm>
-      </p:grpSpPr>
-      <p:sp>
-        <p:nvSpPr>
-          <p:cNvPr id="2" name="Título 1"/>
-          <p:cNvSpPr>
-            <a:spLocks noGrp="1"/>
-          </p:cNvSpPr>
-          <p:nvPr>
-            <p:ph type="title"/>
-          </p:nvPr>
-        </p:nvSpPr>
-        <p:spPr/>
-        <p:txBody>
-          <a:bodyPr rtlCol="0"/>
-          <a:lstStyle/>
-          <a:p>
-            <a:pPr rtl="0"/>
-            <a:r>
               <a:rPr lang="es-ES" dirty="0" err="1"/>
               <a:t>Comparacion</a:t>
             </a:r>
@@ -6237,217 +5494,6 @@
     <p:extLst>
       <p:ext uri="{BB962C8B-B14F-4D97-AF65-F5344CB8AC3E}">
         <p14:creationId xmlns:p14="http://schemas.microsoft.com/office/powerpoint/2010/main" val="3388139804"/>
-      </p:ext>
-    </p:extLst>
-  </p:cSld>
-  <p:clrMapOvr>
-    <a:masterClrMapping/>
-  </p:clrMapOvr>
-  <mc:AlternateContent xmlns:mc="http://schemas.openxmlformats.org/markup-compatibility/2006" xmlns:p14="http://schemas.microsoft.com/office/powerpoint/2010/main">
-    <mc:Choice Requires="p14">
-      <p:transition spd="med" p14:dur="700">
-        <p:fade/>
-      </p:transition>
-    </mc:Choice>
-    <mc:Fallback xmlns="">
-      <p:transition spd="med">
-        <p:fade/>
-      </p:transition>
-    </mc:Fallback>
-  </mc:AlternateContent>
-</p:sld>
-</file>
-
-<file path=ppt/slides/slide6.xml><?xml version="1.0" encoding="utf-8"?>
-<p:sld xmlns:a="http://schemas.openxmlformats.org/drawingml/2006/main" xmlns:r="http://schemas.openxmlformats.org/officeDocument/2006/relationships" xmlns:p="http://schemas.openxmlformats.org/presentationml/2006/main">
-  <p:cSld>
-    <p:spTree>
-      <p:nvGrpSpPr>
-        <p:cNvPr id="1" name=""/>
-        <p:cNvGrpSpPr/>
-        <p:nvPr/>
-      </p:nvGrpSpPr>
-      <p:grpSpPr>
-        <a:xfrm>
-          <a:off x="0" y="0"/>
-          <a:ext cx="0" cy="0"/>
-          <a:chOff x="0" y="0"/>
-          <a:chExt cx="0" cy="0"/>
-        </a:xfrm>
-      </p:grpSpPr>
-      <p:sp>
-        <p:nvSpPr>
-          <p:cNvPr id="2" name="Título 1"/>
-          <p:cNvSpPr>
-            <a:spLocks noGrp="1"/>
-          </p:cNvSpPr>
-          <p:nvPr>
-            <p:ph type="title"/>
-          </p:nvPr>
-        </p:nvSpPr>
-        <p:spPr/>
-        <p:txBody>
-          <a:bodyPr rtlCol="0"/>
-          <a:lstStyle/>
-          <a:p>
-            <a:pPr rtl="0"/>
-            <a:r>
-              <a:rPr lang="es-ES" dirty="0"/>
-              <a:t>Opciones disponibles</a:t>
-            </a:r>
-          </a:p>
-        </p:txBody>
-      </p:sp>
-      <p:sp>
-        <p:nvSpPr>
-          <p:cNvPr id="3" name="Marcador de contenido 2"/>
-          <p:cNvSpPr>
-            <a:spLocks noGrp="1"/>
-          </p:cNvSpPr>
-          <p:nvPr>
-            <p:ph idx="1"/>
-          </p:nvPr>
-        </p:nvSpPr>
-        <p:spPr/>
-        <p:txBody>
-          <a:bodyPr rtlCol="0"/>
-          <a:lstStyle/>
-          <a:p>
-            <a:pPr rtl="0"/>
-            <a:r>
-              <a:rPr lang="es-ES" dirty="0"/>
-              <a:t>Indique las estrategias alternativas.</a:t>
-            </a:r>
-          </a:p>
-          <a:p>
-            <a:pPr rtl="0"/>
-            <a:r>
-              <a:rPr lang="es-ES" dirty="0"/>
-              <a:t>Liste las ventajas y desventajas de cada una.</a:t>
-            </a:r>
-          </a:p>
-          <a:p>
-            <a:pPr rtl="0"/>
-            <a:r>
-              <a:rPr lang="es-ES" dirty="0"/>
-              <a:t>Indique el costo de cada opción.</a:t>
-            </a:r>
-          </a:p>
-        </p:txBody>
-      </p:sp>
-    </p:spTree>
-    <p:extLst>
-      <p:ext uri="{BB962C8B-B14F-4D97-AF65-F5344CB8AC3E}">
-        <p14:creationId xmlns:p14="http://schemas.microsoft.com/office/powerpoint/2010/main" val="1173429218"/>
-      </p:ext>
-    </p:extLst>
-  </p:cSld>
-  <p:clrMapOvr>
-    <a:masterClrMapping/>
-  </p:clrMapOvr>
-  <mc:AlternateContent xmlns:mc="http://schemas.openxmlformats.org/markup-compatibility/2006" xmlns:p14="http://schemas.microsoft.com/office/powerpoint/2010/main">
-    <mc:Choice Requires="p14">
-      <p:transition spd="med" p14:dur="700">
-        <p:fade/>
-      </p:transition>
-    </mc:Choice>
-    <mc:Fallback xmlns="">
-      <p:transition spd="med">
-        <p:fade/>
-      </p:transition>
-    </mc:Fallback>
-  </mc:AlternateContent>
-</p:sld>
-</file>
-
-<file path=ppt/slides/slide7.xml><?xml version="1.0" encoding="utf-8"?>
-<p:sld xmlns:a="http://schemas.openxmlformats.org/drawingml/2006/main" xmlns:r="http://schemas.openxmlformats.org/officeDocument/2006/relationships" xmlns:p="http://schemas.openxmlformats.org/presentationml/2006/main">
-  <p:cSld>
-    <p:spTree>
-      <p:nvGrpSpPr>
-        <p:cNvPr id="1" name=""/>
-        <p:cNvGrpSpPr/>
-        <p:nvPr/>
-      </p:nvGrpSpPr>
-      <p:grpSpPr>
-        <a:xfrm>
-          <a:off x="0" y="0"/>
-          <a:ext cx="0" cy="0"/>
-          <a:chOff x="0" y="0"/>
-          <a:chExt cx="0" cy="0"/>
-        </a:xfrm>
-      </p:grpSpPr>
-      <p:sp>
-        <p:nvSpPr>
-          <p:cNvPr id="2" name="Título 1"/>
-          <p:cNvSpPr>
-            <a:spLocks noGrp="1"/>
-          </p:cNvSpPr>
-          <p:nvPr>
-            <p:ph type="title"/>
-          </p:nvPr>
-        </p:nvSpPr>
-        <p:spPr/>
-        <p:txBody>
-          <a:bodyPr rtlCol="0"/>
-          <a:lstStyle/>
-          <a:p>
-            <a:pPr rtl="0"/>
-            <a:r>
-              <a:rPr lang="es-ES" dirty="0"/>
-              <a:t>Recomendación</a:t>
-            </a:r>
-          </a:p>
-        </p:txBody>
-      </p:sp>
-      <p:sp>
-        <p:nvSpPr>
-          <p:cNvPr id="3" name="Marcador de contenido 2"/>
-          <p:cNvSpPr>
-            <a:spLocks noGrp="1"/>
-          </p:cNvSpPr>
-          <p:nvPr>
-            <p:ph idx="1"/>
-          </p:nvPr>
-        </p:nvSpPr>
-        <p:spPr/>
-        <p:txBody>
-          <a:bodyPr rtlCol="0"/>
-          <a:lstStyle/>
-          <a:p>
-            <a:pPr rtl="0"/>
-            <a:r>
-              <a:rPr lang="es-ES" dirty="0"/>
-              <a:t>Recomiende una o varias de las estrategias.</a:t>
-            </a:r>
-          </a:p>
-          <a:p>
-            <a:pPr rtl="0"/>
-            <a:r>
-              <a:rPr lang="es-ES" dirty="0"/>
-              <a:t>Resuma los resultados si el proceso se realiza como se propone.</a:t>
-            </a:r>
-          </a:p>
-          <a:p>
-            <a:pPr rtl="0"/>
-            <a:r>
-              <a:rPr lang="es-ES" dirty="0"/>
-              <a:t>Qué hacer a continuación.</a:t>
-            </a:r>
-          </a:p>
-          <a:p>
-            <a:pPr rtl="0"/>
-            <a:r>
-              <a:rPr lang="es-ES" dirty="0"/>
-              <a:t>Identifique los elementos de acción.</a:t>
-            </a:r>
-          </a:p>
-        </p:txBody>
-      </p:sp>
-    </p:spTree>
-    <p:extLst>
-      <p:ext uri="{BB962C8B-B14F-4D97-AF65-F5344CB8AC3E}">
-        <p14:creationId xmlns:p14="http://schemas.microsoft.com/office/powerpoint/2010/main" val="4259246236"/>
       </p:ext>
     </p:extLst>
   </p:cSld>
@@ -7308,12 +6354,14 @@
 </file>
 
 <file path=customXml/item1.xml><?xml version="1.0" encoding="utf-8"?>
-<?mso-contentType ?>
-<FormTemplates xmlns="http://schemas.microsoft.com/sharepoint/v3/contenttype/forms">
-  <Display>DocumentLibraryForm</Display>
-  <Edit>DocumentLibraryForm</Edit>
-  <New>DocumentLibraryForm</New>
-</FormTemplates>
+<p:properties xmlns:p="http://schemas.microsoft.com/office/2006/metadata/properties" xmlns:xsi="http://www.w3.org/2001/XMLSchema-instance" xmlns:pc="http://schemas.microsoft.com/office/infopath/2007/PartnerControls">
+  <documentManagement>
+    <VSO_x0020_item_x0020_id xmlns="40262f94-9f35-4ac3-9a90-690165a166b7" xsi:nil="true"/>
+    <Assetid_x0020_ xmlns="40262f94-9f35-4ac3-9a90-690165a166b7" xsi:nil="true"/>
+    <Item_x0020_Details xmlns="40262f94-9f35-4ac3-9a90-690165a166b7" xsi:nil="true"/>
+    <Template_x0020_details xmlns="40262f94-9f35-4ac3-9a90-690165a166b7" xsi:nil="true"/>
+  </documentManagement>
+</p:properties>
 </file>
 
 <file path=customXml/item2.xml><?xml version="1.0" encoding="utf-8"?>
@@ -7498,20 +6546,27 @@
 </file>
 
 <file path=customXml/item3.xml><?xml version="1.0" encoding="utf-8"?>
-<p:properties xmlns:p="http://schemas.microsoft.com/office/2006/metadata/properties" xmlns:xsi="http://www.w3.org/2001/XMLSchema-instance" xmlns:pc="http://schemas.microsoft.com/office/infopath/2007/PartnerControls">
-  <documentManagement>
-    <VSO_x0020_item_x0020_id xmlns="40262f94-9f35-4ac3-9a90-690165a166b7" xsi:nil="true"/>
-    <Assetid_x0020_ xmlns="40262f94-9f35-4ac3-9a90-690165a166b7" xsi:nil="true"/>
-    <Item_x0020_Details xmlns="40262f94-9f35-4ac3-9a90-690165a166b7" xsi:nil="true"/>
-    <Template_x0020_details xmlns="40262f94-9f35-4ac3-9a90-690165a166b7" xsi:nil="true"/>
-  </documentManagement>
-</p:properties>
+<?mso-contentType ?>
+<FormTemplates xmlns="http://schemas.microsoft.com/sharepoint/v3/contenttype/forms">
+  <Display>DocumentLibraryForm</Display>
+  <Edit>DocumentLibraryForm</Edit>
+  <New>DocumentLibraryForm</New>
+</FormTemplates>
 </file>
 
 <file path=customXml/itemProps1.xml><?xml version="1.0" encoding="utf-8"?>
-<ds:datastoreItem xmlns:ds="http://schemas.openxmlformats.org/officeDocument/2006/customXml" ds:itemID="{653E1689-1E09-4ADC-A5E7-6718BF79A8A6}">
+<ds:datastoreItem xmlns:ds="http://schemas.openxmlformats.org/officeDocument/2006/customXml" ds:itemID="{3FFF1070-8794-47AC-90B7-1F2E078096FF}">
   <ds:schemaRefs>
-    <ds:schemaRef ds:uri="http://schemas.microsoft.com/sharepoint/v3/contenttype/forms"/>
+    <ds:schemaRef ds:uri="http://schemas.microsoft.com/office/2006/metadata/properties"/>
+    <ds:schemaRef ds:uri="http://www.w3.org/XML/1998/namespace"/>
+    <ds:schemaRef ds:uri="http://schemas.microsoft.com/office/2006/documentManagement/types"/>
+    <ds:schemaRef ds:uri="http://purl.org/dc/terms/"/>
+    <ds:schemaRef ds:uri="40262f94-9f35-4ac3-9a90-690165a166b7"/>
+    <ds:schemaRef ds:uri="http://schemas.microsoft.com/office/infopath/2007/PartnerControls"/>
+    <ds:schemaRef ds:uri="http://purl.org/dc/dcmitype/"/>
+    <ds:schemaRef ds:uri="http://purl.org/dc/elements/1.1/"/>
+    <ds:schemaRef ds:uri="http://schemas.openxmlformats.org/package/2006/metadata/core-properties"/>
+    <ds:schemaRef ds:uri="a4f35948-e619-41b3-aa29-22878b09cfd2"/>
   </ds:schemaRefs>
 </ds:datastoreItem>
 </file>
@@ -7536,18 +6591,9 @@
 </file>
 
 <file path=customXml/itemProps3.xml><?xml version="1.0" encoding="utf-8"?>
-<ds:datastoreItem xmlns:ds="http://schemas.openxmlformats.org/officeDocument/2006/customXml" ds:itemID="{3FFF1070-8794-47AC-90B7-1F2E078096FF}">
+<ds:datastoreItem xmlns:ds="http://schemas.openxmlformats.org/officeDocument/2006/customXml" ds:itemID="{653E1689-1E09-4ADC-A5E7-6718BF79A8A6}">
   <ds:schemaRefs>
-    <ds:schemaRef ds:uri="http://schemas.microsoft.com/office/2006/metadata/properties"/>
-    <ds:schemaRef ds:uri="http://www.w3.org/XML/1998/namespace"/>
-    <ds:schemaRef ds:uri="http://schemas.microsoft.com/office/2006/documentManagement/types"/>
-    <ds:schemaRef ds:uri="http://purl.org/dc/terms/"/>
-    <ds:schemaRef ds:uri="40262f94-9f35-4ac3-9a90-690165a166b7"/>
-    <ds:schemaRef ds:uri="http://schemas.microsoft.com/office/infopath/2007/PartnerControls"/>
-    <ds:schemaRef ds:uri="http://purl.org/dc/dcmitype/"/>
-    <ds:schemaRef ds:uri="http://purl.org/dc/elements/1.1/"/>
-    <ds:schemaRef ds:uri="http://schemas.openxmlformats.org/package/2006/metadata/core-properties"/>
-    <ds:schemaRef ds:uri="a4f35948-e619-41b3-aa29-22878b09cfd2"/>
+    <ds:schemaRef ds:uri="http://schemas.microsoft.com/sharepoint/v3/contenttype/forms"/>
   </ds:schemaRefs>
 </ds:datastoreItem>
 </file>
--- a/lu-lapack.pptx
+++ b/lu-lapack.pptx
@@ -5347,7 +5347,12 @@
             <p:ph type="ctrTitle"/>
           </p:nvPr>
         </p:nvSpPr>
-        <p:spPr/>
+        <p:spPr>
+          <a:xfrm>
+            <a:off x="1065214" y="533400"/>
+            <a:ext cx="6109318" cy="2514601"/>
+          </a:xfrm>
+        </p:spPr>
         <p:txBody>
           <a:bodyPr rtlCol="0"/>
           <a:lstStyle/>
@@ -5355,7 +5360,7 @@
             <a:pPr rtl="0"/>
             <a:r>
               <a:rPr lang="es-ES" dirty="0"/>
-              <a:t>GUAGUAGUAGUAGUA</a:t>
+              <a:t>Presentación grupo 3</a:t>
             </a:r>
           </a:p>
         </p:txBody>
@@ -5370,14 +5375,65 @@
             <p:ph type="subTitle" idx="1"/>
           </p:nvPr>
         </p:nvSpPr>
-        <p:spPr/>
-        <p:txBody>
-          <a:bodyPr rtlCol="0"/>
+        <p:spPr>
+          <a:xfrm>
+            <a:off x="1065212" y="3403600"/>
+            <a:ext cx="5821288" cy="2185640"/>
+          </a:xfrm>
+        </p:spPr>
+        <p:txBody>
+          <a:bodyPr rtlCol="0">
+            <a:normAutofit/>
+          </a:bodyPr>
           <a:lstStyle/>
           <a:p>
+            <a:pPr marL="342900" indent="-342900">
+              <a:buFont typeface="Arial" panose="020B0604020202020204" pitchFamily="34" charset="0"/>
+              <a:buChar char="•"/>
+            </a:pPr>
             <a:r>
               <a:rPr lang="es-ES" dirty="0"/>
-              <a:t>GUAGUAGUAGUAGUA</a:t>
+              <a:t>Breve explicación del concepto librería</a:t>
+            </a:r>
+          </a:p>
+          <a:p>
+            <a:pPr marL="342900" indent="-342900">
+              <a:buFont typeface="Arial" panose="020B0604020202020204" pitchFamily="34" charset="0"/>
+              <a:buChar char="•"/>
+            </a:pPr>
+            <a:r>
+              <a:rPr lang="es-ES" dirty="0" err="1"/>
+              <a:t>Instalacion</a:t>
+            </a:r>
+            <a:r>
+              <a:rPr lang="es-ES" dirty="0"/>
+              <a:t> de </a:t>
+            </a:r>
+            <a:r>
+              <a:rPr lang="es-ES" dirty="0" err="1"/>
+              <a:t>Lapack</a:t>
+            </a:r>
+            <a:r>
+              <a:rPr lang="es-ES" dirty="0"/>
+              <a:t> en diferentes OS</a:t>
+            </a:r>
+          </a:p>
+          <a:p>
+            <a:pPr marL="342900" indent="-342900">
+              <a:buFont typeface="Arial" panose="020B0604020202020204" pitchFamily="34" charset="0"/>
+              <a:buChar char="•"/>
+            </a:pPr>
+            <a:r>
+              <a:rPr lang="es-ES" dirty="0"/>
+              <a:t>Comparativa de rendimiento entre </a:t>
+            </a:r>
+            <a:r>
+              <a:rPr lang="es-ES" dirty="0" err="1"/>
+              <a:t>Lapack</a:t>
+            </a:r>
+            <a:r>
+              <a:rPr lang="es-ES" dirty="0"/>
+              <a:t> y fortran puro</a:t>
             </a:r>
           </a:p>
         </p:txBody>
@@ -6365,6 +6421,15 @@
 </file>
 
 <file path=customXml/item2.xml><?xml version="1.0" encoding="utf-8"?>
+<?mso-contentType ?>
+<FormTemplates xmlns="http://schemas.microsoft.com/sharepoint/v3/contenttype/forms">
+  <Display>DocumentLibraryForm</Display>
+  <Edit>DocumentLibraryForm</Edit>
+  <New>DocumentLibraryForm</New>
+</FormTemplates>
+</file>
+
+<file path=customXml/item3.xml><?xml version="1.0" encoding="utf-8"?>
 <ct:contentTypeSchema xmlns:ct="http://schemas.microsoft.com/office/2006/metadata/contentType" xmlns:ma="http://schemas.microsoft.com/office/2006/metadata/properties/metaAttributes" ct:_="" ma:_="" ma:contentTypeName="Document" ma:contentTypeID="0x010100AA3F7D94069FF64A86F7DFF56D60E3BE" ma:contentTypeVersion="6" ma:contentTypeDescription="Create a new document." ma:contentTypeScope="" ma:versionID="c32302c77d4085ecf495bdddb7f5e889">
   <xsd:schema xmlns:xsd="http://www.w3.org/2001/XMLSchema" xmlns:xs="http://www.w3.org/2001/XMLSchema" xmlns:p="http://schemas.microsoft.com/office/2006/metadata/properties" xmlns:ns2="a4f35948-e619-41b3-aa29-22878b09cfd2" xmlns:ns3="40262f94-9f35-4ac3-9a90-690165a166b7" targetNamespace="http://schemas.microsoft.com/office/2006/metadata/properties" ma:root="true" ma:fieldsID="4ab5ae46be95f9d0be6107e8200be7a2" ns2:_="" ns3:_="">
     <xsd:import namespace="a4f35948-e619-41b3-aa29-22878b09cfd2"/>
@@ -6545,15 +6610,6 @@
 </ct:contentTypeSchema>
 </file>
 
-<file path=customXml/item3.xml><?xml version="1.0" encoding="utf-8"?>
-<?mso-contentType ?>
-<FormTemplates xmlns="http://schemas.microsoft.com/sharepoint/v3/contenttype/forms">
-  <Display>DocumentLibraryForm</Display>
-  <Edit>DocumentLibraryForm</Edit>
-  <New>DocumentLibraryForm</New>
-</FormTemplates>
-</file>
-
 <file path=customXml/itemProps1.xml><?xml version="1.0" encoding="utf-8"?>
 <ds:datastoreItem xmlns:ds="http://schemas.openxmlformats.org/officeDocument/2006/customXml" ds:itemID="{3FFF1070-8794-47AC-90B7-1F2E078096FF}">
   <ds:schemaRefs>
@@ -6572,6 +6628,14 @@
 </file>
 
 <file path=customXml/itemProps2.xml><?xml version="1.0" encoding="utf-8"?>
+<ds:datastoreItem xmlns:ds="http://schemas.openxmlformats.org/officeDocument/2006/customXml" ds:itemID="{653E1689-1E09-4ADC-A5E7-6718BF79A8A6}">
+  <ds:schemaRefs>
+    <ds:schemaRef ds:uri="http://schemas.microsoft.com/sharepoint/v3/contenttype/forms"/>
+  </ds:schemaRefs>
+</ds:datastoreItem>
+</file>
+
+<file path=customXml/itemProps3.xml><?xml version="1.0" encoding="utf-8"?>
 <ds:datastoreItem xmlns:ds="http://schemas.openxmlformats.org/officeDocument/2006/customXml" ds:itemID="{7CB30B94-6D3B-4C91-947C-5EB8E8EFFE4F}">
   <ds:schemaRefs>
     <ds:schemaRef ds:uri="http://schemas.microsoft.com/office/2006/metadata/contentType"/>
@@ -6588,12 +6652,4 @@
     <ds:schemaRef ds:uri="http://schemas.microsoft.com/internal/obd"/>
   </ds:schemaRefs>
 </ds:datastoreItem>
-</file>
-
-<file path=customXml/itemProps3.xml><?xml version="1.0" encoding="utf-8"?>
-<ds:datastoreItem xmlns:ds="http://schemas.openxmlformats.org/officeDocument/2006/customXml" ds:itemID="{653E1689-1E09-4ADC-A5E7-6718BF79A8A6}">
-  <ds:schemaRefs>
-    <ds:schemaRef ds:uri="http://schemas.microsoft.com/sharepoint/v3/contenttype/forms"/>
-  </ds:schemaRefs>
-</ds:datastoreItem>
 </file>
--- a/lu-lapack.pptx
+++ b/lu-lapack.pptx
@@ -5,14 +5,19 @@
     <p:sldMasterId id="2147483660" r:id="rId4"/>
   </p:sldMasterIdLst>
   <p:notesMasterIdLst>
-    <p:notesMasterId r:id="rId7"/>
+    <p:notesMasterId r:id="rId12"/>
   </p:notesMasterIdLst>
   <p:handoutMasterIdLst>
-    <p:handoutMasterId r:id="rId8"/>
+    <p:handoutMasterId r:id="rId13"/>
   </p:handoutMasterIdLst>
   <p:sldIdLst>
     <p:sldId id="257" r:id="rId5"/>
-    <p:sldId id="261" r:id="rId6"/>
+    <p:sldId id="265" r:id="rId6"/>
+    <p:sldId id="266" r:id="rId7"/>
+    <p:sldId id="262" r:id="rId8"/>
+    <p:sldId id="263" r:id="rId9"/>
+    <p:sldId id="264" r:id="rId10"/>
+    <p:sldId id="261" r:id="rId11"/>
   </p:sldIdLst>
   <p:sldSz cx="12188825" cy="6858000"/>
   <p:notesSz cx="6858000" cy="9144000"/>
@@ -1896,7 +1901,7 @@
           <a:bodyPr/>
           <a:lstStyle/>
           <a:p>
-            <a:endParaRPr lang="es-ES"/>
+            <a:endParaRPr lang="es-ES" dirty="0"/>
           </a:p>
         </p:txBody>
       </p:sp>
@@ -1918,7 +1923,7 @@
             <a:pPr rtl="0"/>
             <a:fld id="{6BB98AFB-CB0D-4DFE-87B9-B4B0D0DE73CD}" type="slidenum">
               <a:rPr lang="es-ES" smtClean="0"/>
-              <a:t>2</a:t>
+              <a:t>7</a:t>
             </a:fld>
             <a:endParaRPr lang="es-ES" dirty="0"/>
           </a:p>
@@ -4615,10 +4620,9 @@
           <a:p>
             <a:pPr rtl="0"/>
             <a:r>
-              <a:rPr lang="es-ES" noProof="0"/>
+              <a:rPr lang="es-ES" noProof="0" dirty="0"/>
               <a:t>Haga clic en el icono para agregar una imagen</a:t>
             </a:r>
-            <a:endParaRPr lang="es-ES" noProof="0" dirty="0"/>
           </a:p>
         </p:txBody>
       </p:sp>
@@ -5349,8 +5353,8 @@
         </p:nvSpPr>
         <p:spPr>
           <a:xfrm>
-            <a:off x="1065214" y="533400"/>
-            <a:ext cx="6109318" cy="2514601"/>
+            <a:off x="1065212" y="1342509"/>
+            <a:ext cx="6109318" cy="1059161"/>
           </a:xfrm>
         </p:spPr>
         <p:txBody>
@@ -5377,7 +5381,7 @@
         </p:nvSpPr>
         <p:spPr>
           <a:xfrm>
-            <a:off x="1065212" y="3403600"/>
+            <a:off x="1209227" y="2496920"/>
             <a:ext cx="5821288" cy="2185640"/>
           </a:xfrm>
         </p:spPr>
@@ -5402,20 +5406,8 @@
               <a:buChar char="•"/>
             </a:pPr>
             <a:r>
-              <a:rPr lang="es-ES" dirty="0" err="1"/>
-              <a:t>Instalacion</a:t>
-            </a:r>
-            <a:r>
               <a:rPr lang="es-ES" dirty="0"/>
-              <a:t> de </a:t>
-            </a:r>
-            <a:r>
-              <a:rPr lang="es-ES" dirty="0" err="1"/>
-              <a:t>Lapack</a:t>
-            </a:r>
-            <a:r>
-              <a:rPr lang="es-ES" dirty="0"/>
-              <a:t> en diferentes OS</a:t>
+              <a:t>Instalación de Lapack en diferentes OS</a:t>
             </a:r>
           </a:p>
           <a:p>
@@ -5425,19 +5417,87 @@
             </a:pPr>
             <a:r>
               <a:rPr lang="es-ES" dirty="0"/>
-              <a:t>Comparativa de rendimiento entre </a:t>
-            </a:r>
-            <a:r>
-              <a:rPr lang="es-ES" dirty="0" err="1"/>
-              <a:t>Lapack</a:t>
-            </a:r>
+              <a:t>Comparativa de rendimiento entre Lapack y fortran puro</a:t>
+            </a:r>
+          </a:p>
+        </p:txBody>
+      </p:sp>
+      <p:sp>
+        <p:nvSpPr>
+          <p:cNvPr id="2" name="CuadroTexto 1">
+            <a:extLst>
+              <a:ext uri="{FF2B5EF4-FFF2-40B4-BE49-F238E27FC236}">
+                <a16:creationId xmlns:a16="http://schemas.microsoft.com/office/drawing/2014/main" id="{24DE76B4-37EB-4A35-94C9-7891865DA970}"/>
+              </a:ext>
+            </a:extLst>
+          </p:cNvPr>
+          <p:cNvSpPr txBox="1"/>
+          <p:nvPr/>
+        </p:nvSpPr>
+        <p:spPr>
+          <a:xfrm>
+            <a:off x="2652796" y="189204"/>
+            <a:ext cx="5889888" cy="646331"/>
+          </a:xfrm>
+          <a:prstGeom prst="rect">
+            <a:avLst/>
+          </a:prstGeom>
+          <a:noFill/>
+          <a:ln>
+            <a:solidFill>
+              <a:schemeClr val="bg2"/>
+            </a:solidFill>
+          </a:ln>
+        </p:spPr>
+        <p:txBody>
+          <a:bodyPr wrap="square" rtlCol="0" anchor="ctr" anchorCtr="1">
+            <a:spAutoFit/>
+          </a:bodyPr>
+          <a:lstStyle/>
+          <a:p>
             <a:r>
               <a:rPr lang="es-ES" dirty="0"/>
-              <a:t> y fortran puro</a:t>
-            </a:r>
-          </a:p>
-        </p:txBody>
-      </p:sp>
+              <a:t>Alejandro Cervigni - Fernando Ayats - Álvaro Villarreal Fran Lorenzo - Jae Wook </a:t>
+            </a:r>
+          </a:p>
+        </p:txBody>
+      </p:sp>
+      <p:pic>
+        <p:nvPicPr>
+          <p:cNvPr id="6" name="Imagen 5">
+            <a:extLst>
+              <a:ext uri="{FF2B5EF4-FFF2-40B4-BE49-F238E27FC236}">
+                <a16:creationId xmlns:a16="http://schemas.microsoft.com/office/drawing/2014/main" id="{7BF71608-10BD-4CF4-9E8E-B6E127157A32}"/>
+              </a:ext>
+            </a:extLst>
+          </p:cNvPr>
+          <p:cNvPicPr>
+            <a:picLocks noChangeAspect="1"/>
+          </p:cNvPicPr>
+          <p:nvPr/>
+        </p:nvPicPr>
+        <p:blipFill>
+          <a:blip r:embed="rId3">
+            <a:extLst>
+              <a:ext uri="{28A0092B-C50C-407E-A947-70E740481C1C}">
+                <a14:useLocalDpi xmlns:a14="http://schemas.microsoft.com/office/drawing/2010/main" val="0"/>
+              </a:ext>
+            </a:extLst>
+          </a:blip>
+          <a:stretch>
+            <a:fillRect/>
+          </a:stretch>
+        </p:blipFill>
+        <p:spPr>
+          <a:xfrm>
+            <a:off x="261764" y="89965"/>
+            <a:ext cx="2019582" cy="924054"/>
+          </a:xfrm>
+          <a:prstGeom prst="rect">
+            <a:avLst/>
+          </a:prstGeom>
+        </p:spPr>
+      </p:pic>
     </p:spTree>
     <p:extLst>
       <p:ext uri="{BB962C8B-B14F-4D97-AF65-F5344CB8AC3E}">
@@ -5482,6 +5542,603 @@
       </p:grpSpPr>
       <p:sp>
         <p:nvSpPr>
+          <p:cNvPr id="4" name="Rectángulo 3">
+            <a:extLst>
+              <a:ext uri="{FF2B5EF4-FFF2-40B4-BE49-F238E27FC236}">
+                <a16:creationId xmlns:a16="http://schemas.microsoft.com/office/drawing/2014/main" id="{7C3867A4-2A3A-4443-8ABF-D7F4FFEC420B}"/>
+              </a:ext>
+            </a:extLst>
+          </p:cNvPr>
+          <p:cNvSpPr/>
+          <p:nvPr/>
+        </p:nvSpPr>
+        <p:spPr>
+          <a:xfrm>
+            <a:off x="765820" y="548680"/>
+            <a:ext cx="10153128" cy="4801314"/>
+          </a:xfrm>
+          <a:prstGeom prst="rect">
+            <a:avLst/>
+          </a:prstGeom>
+        </p:spPr>
+        <p:txBody>
+          <a:bodyPr wrap="square">
+            <a:spAutoFit/>
+          </a:bodyPr>
+          <a:lstStyle/>
+          <a:p>
+            <a:pPr algn="ctr"/>
+            <a:r>
+              <a:rPr lang="es-ES" sz="2800" dirty="0"/>
+              <a:t>         </a:t>
+            </a:r>
+            <a:r>
+              <a:rPr lang="es-ES" sz="2800" u="sng" dirty="0"/>
+              <a:t>¿Qué es una biblioteca de software? ¿Para qué se usa? </a:t>
+            </a:r>
+          </a:p>
+          <a:p>
+            <a:pPr algn="ctr"/>
+            <a:endParaRPr lang="es-ES" sz="2000" dirty="0"/>
+          </a:p>
+          <a:p>
+            <a:r>
+              <a:rPr lang="es-ES" sz="2400" dirty="0"/>
+              <a:t>En informática, una biblioteca es un conjunto de implementaciones funcionales, codificadas en un lenguaje de programación, que ofrece una interfaz bien definida para la funcionalidad que se invoca, dicha funcionalidad  es variada, pudiendo realizar un amplio abanico de operaciones de forma rápida y eficiente. </a:t>
+            </a:r>
+          </a:p>
+          <a:p>
+            <a:endParaRPr lang="es-ES" sz="2400" dirty="0"/>
+          </a:p>
+          <a:p>
+            <a:r>
+              <a:rPr lang="es-ES" sz="2400" dirty="0"/>
+              <a:t>Unas bibliotecas pueden requerir de otras para funcionar, pues el comportamiento que definen </a:t>
+            </a:r>
+            <a:r>
+              <a:rPr lang="es-ES" sz="2400" b="1" dirty="0"/>
+              <a:t>refina, o altera</a:t>
+            </a:r>
+            <a:r>
+              <a:rPr lang="es-ES" sz="2400" dirty="0"/>
+              <a:t>, el comportamiento de la biblioteca original; o bien la hace disponible para otra tecnología o lenguaje de programación. </a:t>
+            </a:r>
+          </a:p>
+          <a:p>
+            <a:endParaRPr lang="es-ES" dirty="0"/>
+          </a:p>
+        </p:txBody>
+      </p:sp>
+      <p:pic>
+        <p:nvPicPr>
+          <p:cNvPr id="5" name="Imagen 4">
+            <a:extLst>
+              <a:ext uri="{FF2B5EF4-FFF2-40B4-BE49-F238E27FC236}">
+                <a16:creationId xmlns:a16="http://schemas.microsoft.com/office/drawing/2014/main" id="{D4CE37A6-B317-4341-82B5-8029EED05205}"/>
+              </a:ext>
+            </a:extLst>
+          </p:cNvPr>
+          <p:cNvPicPr>
+            <a:picLocks noChangeAspect="1"/>
+          </p:cNvPicPr>
+          <p:nvPr/>
+        </p:nvPicPr>
+        <p:blipFill>
+          <a:blip r:embed="rId2">
+            <a:extLst>
+              <a:ext uri="{28A0092B-C50C-407E-A947-70E740481C1C}">
+                <a14:useLocalDpi xmlns:a14="http://schemas.microsoft.com/office/drawing/2010/main" val="0"/>
+              </a:ext>
+            </a:extLst>
+          </a:blip>
+          <a:stretch>
+            <a:fillRect/>
+          </a:stretch>
+        </p:blipFill>
+        <p:spPr>
+          <a:xfrm>
+            <a:off x="0" y="2704"/>
+            <a:ext cx="2019582" cy="924054"/>
+          </a:xfrm>
+          <a:prstGeom prst="rect">
+            <a:avLst/>
+          </a:prstGeom>
+        </p:spPr>
+      </p:pic>
+    </p:spTree>
+    <p:extLst>
+      <p:ext uri="{BB962C8B-B14F-4D97-AF65-F5344CB8AC3E}">
+        <p14:creationId xmlns:p14="http://schemas.microsoft.com/office/powerpoint/2010/main" val="2340182429"/>
+      </p:ext>
+    </p:extLst>
+  </p:cSld>
+  <p:clrMapOvr>
+    <a:masterClrMapping/>
+  </p:clrMapOvr>
+  <mc:AlternateContent xmlns:mc="http://schemas.openxmlformats.org/markup-compatibility/2006" xmlns:p14="http://schemas.microsoft.com/office/powerpoint/2010/main">
+    <mc:Choice Requires="p14">
+      <p:transition spd="med" p14:dur="700">
+        <p:fade/>
+      </p:transition>
+    </mc:Choice>
+    <mc:Fallback xmlns="">
+      <p:transition spd="med">
+        <p:fade/>
+      </p:transition>
+    </mc:Fallback>
+  </mc:AlternateContent>
+</p:sld>
+</file>
+
+<file path=ppt/slides/slide3.xml><?xml version="1.0" encoding="utf-8"?>
+<p:sld xmlns:a="http://schemas.openxmlformats.org/drawingml/2006/main" xmlns:r="http://schemas.openxmlformats.org/officeDocument/2006/relationships" xmlns:p="http://schemas.openxmlformats.org/presentationml/2006/main">
+  <p:cSld>
+    <p:spTree>
+      <p:nvGrpSpPr>
+        <p:cNvPr id="1" name=""/>
+        <p:cNvGrpSpPr/>
+        <p:nvPr/>
+      </p:nvGrpSpPr>
+      <p:grpSpPr>
+        <a:xfrm>
+          <a:off x="0" y="0"/>
+          <a:ext cx="0" cy="0"/>
+          <a:chOff x="0" y="0"/>
+          <a:chExt cx="0" cy="0"/>
+        </a:xfrm>
+      </p:grpSpPr>
+      <p:sp>
+        <p:nvSpPr>
+          <p:cNvPr id="3" name="Marcador de contenido 2">
+            <a:extLst>
+              <a:ext uri="{FF2B5EF4-FFF2-40B4-BE49-F238E27FC236}">
+                <a16:creationId xmlns:a16="http://schemas.microsoft.com/office/drawing/2014/main" id="{AAFF2FF5-086E-4C91-9EDC-8FBE0C0542BA}"/>
+              </a:ext>
+            </a:extLst>
+          </p:cNvPr>
+          <p:cNvSpPr>
+            <a:spLocks noGrp="1"/>
+          </p:cNvSpPr>
+          <p:nvPr>
+            <p:ph idx="1"/>
+          </p:nvPr>
+        </p:nvSpPr>
+        <p:spPr>
+          <a:xfrm>
+            <a:off x="621804" y="764704"/>
+            <a:ext cx="10297144" cy="5904656"/>
+          </a:xfrm>
+        </p:spPr>
+        <p:txBody>
+          <a:bodyPr/>
+          <a:lstStyle/>
+          <a:p>
+            <a:pPr marL="0" indent="0" algn="ctr">
+              <a:buNone/>
+            </a:pPr>
+            <a:r>
+              <a:rPr lang="es-ES" sz="3200" u="sng" dirty="0"/>
+              <a:t>LAPACK </a:t>
+            </a:r>
+          </a:p>
+          <a:p>
+            <a:endParaRPr lang="es-ES" dirty="0"/>
+          </a:p>
+          <a:p>
+            <a:pPr marL="45720" indent="0">
+              <a:buNone/>
+            </a:pPr>
+            <a:r>
+              <a:rPr lang="es-ES" sz="2800" dirty="0"/>
+              <a:t>LAPACK es una biblioteca de software para el álgebra lineal numérica. Proporciona rutinas para resolver sistemas de ecuaciones lineales y mínimos cuadrados lineales, problemas de valores propios y descomposición de valores singulares. También incluye rutinas para implementar las factorizaciones matriciales asociadas tales como la descomposición LU, QR, Cholesky y Schur, manejándose matrices reales y complejas en precisión simple y doble.</a:t>
+            </a:r>
+          </a:p>
+          <a:p>
+            <a:pPr marL="45720" indent="0">
+              <a:buNone/>
+            </a:pPr>
+            <a:endParaRPr lang="es-ES" dirty="0"/>
+          </a:p>
+        </p:txBody>
+      </p:sp>
+      <p:pic>
+        <p:nvPicPr>
+          <p:cNvPr id="4" name="Imagen 3">
+            <a:extLst>
+              <a:ext uri="{FF2B5EF4-FFF2-40B4-BE49-F238E27FC236}">
+                <a16:creationId xmlns:a16="http://schemas.microsoft.com/office/drawing/2014/main" id="{05FC6FA2-BF1E-490D-A773-44772F95E54E}"/>
+              </a:ext>
+            </a:extLst>
+          </p:cNvPr>
+          <p:cNvPicPr>
+            <a:picLocks noChangeAspect="1"/>
+          </p:cNvPicPr>
+          <p:nvPr/>
+        </p:nvPicPr>
+        <p:blipFill>
+          <a:blip r:embed="rId2">
+            <a:extLst>
+              <a:ext uri="{28A0092B-C50C-407E-A947-70E740481C1C}">
+                <a14:useLocalDpi xmlns:a14="http://schemas.microsoft.com/office/drawing/2010/main" val="0"/>
+              </a:ext>
+            </a:extLst>
+          </a:blip>
+          <a:stretch>
+            <a:fillRect/>
+          </a:stretch>
+        </p:blipFill>
+        <p:spPr>
+          <a:xfrm>
+            <a:off x="0" y="0"/>
+            <a:ext cx="2019582" cy="924054"/>
+          </a:xfrm>
+          <a:prstGeom prst="rect">
+            <a:avLst/>
+          </a:prstGeom>
+        </p:spPr>
+      </p:pic>
+    </p:spTree>
+    <p:extLst>
+      <p:ext uri="{BB962C8B-B14F-4D97-AF65-F5344CB8AC3E}">
+        <p14:creationId xmlns:p14="http://schemas.microsoft.com/office/powerpoint/2010/main" val="3767506213"/>
+      </p:ext>
+    </p:extLst>
+  </p:cSld>
+  <p:clrMapOvr>
+    <a:masterClrMapping/>
+  </p:clrMapOvr>
+  <mc:AlternateContent xmlns:mc="http://schemas.openxmlformats.org/markup-compatibility/2006" xmlns:p14="http://schemas.microsoft.com/office/powerpoint/2010/main">
+    <mc:Choice Requires="p14">
+      <p:transition spd="med" p14:dur="700">
+        <p:fade/>
+      </p:transition>
+    </mc:Choice>
+    <mc:Fallback xmlns="">
+      <p:transition spd="med">
+        <p:fade/>
+      </p:transition>
+    </mc:Fallback>
+  </mc:AlternateContent>
+</p:sld>
+</file>
+
+<file path=ppt/slides/slide4.xml><?xml version="1.0" encoding="utf-8"?>
+<p:sld xmlns:a="http://schemas.openxmlformats.org/drawingml/2006/main" xmlns:r="http://schemas.openxmlformats.org/officeDocument/2006/relationships" xmlns:p="http://schemas.openxmlformats.org/presentationml/2006/main">
+  <p:cSld>
+    <p:spTree>
+      <p:nvGrpSpPr>
+        <p:cNvPr id="1" name=""/>
+        <p:cNvGrpSpPr/>
+        <p:nvPr/>
+      </p:nvGrpSpPr>
+      <p:grpSpPr>
+        <a:xfrm>
+          <a:off x="0" y="0"/>
+          <a:ext cx="0" cy="0"/>
+          <a:chOff x="0" y="0"/>
+          <a:chExt cx="0" cy="0"/>
+        </a:xfrm>
+      </p:grpSpPr>
+      <p:sp>
+        <p:nvSpPr>
+          <p:cNvPr id="2" name="Título 1">
+            <a:extLst>
+              <a:ext uri="{FF2B5EF4-FFF2-40B4-BE49-F238E27FC236}">
+                <a16:creationId xmlns:a16="http://schemas.microsoft.com/office/drawing/2014/main" id="{55E3E302-2D92-44BD-BEEF-B62DCD26FFBC}"/>
+              </a:ext>
+            </a:extLst>
+          </p:cNvPr>
+          <p:cNvSpPr>
+            <a:spLocks noGrp="1"/>
+          </p:cNvSpPr>
+          <p:nvPr>
+            <p:ph type="title"/>
+          </p:nvPr>
+        </p:nvSpPr>
+        <p:spPr/>
+        <p:txBody>
+          <a:bodyPr/>
+          <a:lstStyle/>
+          <a:p>
+            <a:r>
+              <a:rPr lang="es-ES" dirty="0"/>
+              <a:t>Instalación en Windows	</a:t>
+            </a:r>
+          </a:p>
+        </p:txBody>
+      </p:sp>
+      <p:pic>
+        <p:nvPicPr>
+          <p:cNvPr id="4" name="Imagen 3">
+            <a:extLst>
+              <a:ext uri="{FF2B5EF4-FFF2-40B4-BE49-F238E27FC236}">
+                <a16:creationId xmlns:a16="http://schemas.microsoft.com/office/drawing/2014/main" id="{9B36714A-2F84-4BCD-A433-F73A1D52FBED}"/>
+              </a:ext>
+            </a:extLst>
+          </p:cNvPr>
+          <p:cNvPicPr>
+            <a:picLocks noChangeAspect="1"/>
+          </p:cNvPicPr>
+          <p:nvPr/>
+        </p:nvPicPr>
+        <p:blipFill>
+          <a:blip r:embed="rId2">
+            <a:extLst>
+              <a:ext uri="{28A0092B-C50C-407E-A947-70E740481C1C}">
+                <a14:useLocalDpi xmlns:a14="http://schemas.microsoft.com/office/drawing/2010/main" val="0"/>
+              </a:ext>
+            </a:extLst>
+          </a:blip>
+          <a:stretch>
+            <a:fillRect/>
+          </a:stretch>
+        </p:blipFill>
+        <p:spPr>
+          <a:xfrm>
+            <a:off x="0" y="0"/>
+            <a:ext cx="2019582" cy="924054"/>
+          </a:xfrm>
+          <a:prstGeom prst="rect">
+            <a:avLst/>
+          </a:prstGeom>
+        </p:spPr>
+      </p:pic>
+    </p:spTree>
+    <p:extLst>
+      <p:ext uri="{BB962C8B-B14F-4D97-AF65-F5344CB8AC3E}">
+        <p14:creationId xmlns:p14="http://schemas.microsoft.com/office/powerpoint/2010/main" val="603753153"/>
+      </p:ext>
+    </p:extLst>
+  </p:cSld>
+  <p:clrMapOvr>
+    <a:masterClrMapping/>
+  </p:clrMapOvr>
+  <mc:AlternateContent xmlns:mc="http://schemas.openxmlformats.org/markup-compatibility/2006" xmlns:p14="http://schemas.microsoft.com/office/powerpoint/2010/main">
+    <mc:Choice Requires="p14">
+      <p:transition spd="med" p14:dur="700">
+        <p:fade/>
+      </p:transition>
+    </mc:Choice>
+    <mc:Fallback xmlns="">
+      <p:transition spd="med">
+        <p:fade/>
+      </p:transition>
+    </mc:Fallback>
+  </mc:AlternateContent>
+</p:sld>
+</file>
+
+<file path=ppt/slides/slide5.xml><?xml version="1.0" encoding="utf-8"?>
+<p:sld xmlns:a="http://schemas.openxmlformats.org/drawingml/2006/main" xmlns:r="http://schemas.openxmlformats.org/officeDocument/2006/relationships" xmlns:p="http://schemas.openxmlformats.org/presentationml/2006/main">
+  <p:cSld>
+    <p:spTree>
+      <p:nvGrpSpPr>
+        <p:cNvPr id="1" name=""/>
+        <p:cNvGrpSpPr/>
+        <p:nvPr/>
+      </p:nvGrpSpPr>
+      <p:grpSpPr>
+        <a:xfrm>
+          <a:off x="0" y="0"/>
+          <a:ext cx="0" cy="0"/>
+          <a:chOff x="0" y="0"/>
+          <a:chExt cx="0" cy="0"/>
+        </a:xfrm>
+      </p:grpSpPr>
+      <p:sp>
+        <p:nvSpPr>
+          <p:cNvPr id="2" name="Título 1">
+            <a:extLst>
+              <a:ext uri="{FF2B5EF4-FFF2-40B4-BE49-F238E27FC236}">
+                <a16:creationId xmlns:a16="http://schemas.microsoft.com/office/drawing/2014/main" id="{2175A279-02E3-4C40-B43A-13C8B5D35A9C}"/>
+              </a:ext>
+            </a:extLst>
+          </p:cNvPr>
+          <p:cNvSpPr>
+            <a:spLocks noGrp="1"/>
+          </p:cNvSpPr>
+          <p:nvPr>
+            <p:ph type="title"/>
+          </p:nvPr>
+        </p:nvSpPr>
+        <p:spPr/>
+        <p:txBody>
+          <a:bodyPr/>
+          <a:lstStyle/>
+          <a:p>
+            <a:r>
+              <a:rPr lang="es-ES" dirty="0"/>
+              <a:t>Instalación en Mac</a:t>
+            </a:r>
+          </a:p>
+        </p:txBody>
+      </p:sp>
+      <p:pic>
+        <p:nvPicPr>
+          <p:cNvPr id="4" name="Imagen 3">
+            <a:extLst>
+              <a:ext uri="{FF2B5EF4-FFF2-40B4-BE49-F238E27FC236}">
+                <a16:creationId xmlns:a16="http://schemas.microsoft.com/office/drawing/2014/main" id="{30113A2F-7FAA-4AE4-98E7-42F961069B57}"/>
+              </a:ext>
+            </a:extLst>
+          </p:cNvPr>
+          <p:cNvPicPr>
+            <a:picLocks noChangeAspect="1"/>
+          </p:cNvPicPr>
+          <p:nvPr/>
+        </p:nvPicPr>
+        <p:blipFill>
+          <a:blip r:embed="rId2">
+            <a:extLst>
+              <a:ext uri="{28A0092B-C50C-407E-A947-70E740481C1C}">
+                <a14:useLocalDpi xmlns:a14="http://schemas.microsoft.com/office/drawing/2010/main" val="0"/>
+              </a:ext>
+            </a:extLst>
+          </a:blip>
+          <a:stretch>
+            <a:fillRect/>
+          </a:stretch>
+        </p:blipFill>
+        <p:spPr>
+          <a:xfrm>
+            <a:off x="0" y="0"/>
+            <a:ext cx="2019582" cy="924054"/>
+          </a:xfrm>
+          <a:prstGeom prst="rect">
+            <a:avLst/>
+          </a:prstGeom>
+        </p:spPr>
+      </p:pic>
+    </p:spTree>
+    <p:extLst>
+      <p:ext uri="{BB962C8B-B14F-4D97-AF65-F5344CB8AC3E}">
+        <p14:creationId xmlns:p14="http://schemas.microsoft.com/office/powerpoint/2010/main" val="1096688677"/>
+      </p:ext>
+    </p:extLst>
+  </p:cSld>
+  <p:clrMapOvr>
+    <a:masterClrMapping/>
+  </p:clrMapOvr>
+  <mc:AlternateContent xmlns:mc="http://schemas.openxmlformats.org/markup-compatibility/2006" xmlns:p14="http://schemas.microsoft.com/office/powerpoint/2010/main">
+    <mc:Choice Requires="p14">
+      <p:transition spd="med" p14:dur="700">
+        <p:fade/>
+      </p:transition>
+    </mc:Choice>
+    <mc:Fallback xmlns="">
+      <p:transition spd="med">
+        <p:fade/>
+      </p:transition>
+    </mc:Fallback>
+  </mc:AlternateContent>
+</p:sld>
+</file>
+
+<file path=ppt/slides/slide6.xml><?xml version="1.0" encoding="utf-8"?>
+<p:sld xmlns:a="http://schemas.openxmlformats.org/drawingml/2006/main" xmlns:r="http://schemas.openxmlformats.org/officeDocument/2006/relationships" xmlns:p="http://schemas.openxmlformats.org/presentationml/2006/main">
+  <p:cSld>
+    <p:spTree>
+      <p:nvGrpSpPr>
+        <p:cNvPr id="1" name=""/>
+        <p:cNvGrpSpPr/>
+        <p:nvPr/>
+      </p:nvGrpSpPr>
+      <p:grpSpPr>
+        <a:xfrm>
+          <a:off x="0" y="0"/>
+          <a:ext cx="0" cy="0"/>
+          <a:chOff x="0" y="0"/>
+          <a:chExt cx="0" cy="0"/>
+        </a:xfrm>
+      </p:grpSpPr>
+      <p:sp>
+        <p:nvSpPr>
+          <p:cNvPr id="2" name="Título 1">
+            <a:extLst>
+              <a:ext uri="{FF2B5EF4-FFF2-40B4-BE49-F238E27FC236}">
+                <a16:creationId xmlns:a16="http://schemas.microsoft.com/office/drawing/2014/main" id="{6C379931-E0C6-4B53-95F1-2FAE5672CC22}"/>
+              </a:ext>
+            </a:extLst>
+          </p:cNvPr>
+          <p:cNvSpPr>
+            <a:spLocks noGrp="1"/>
+          </p:cNvSpPr>
+          <p:nvPr>
+            <p:ph type="title"/>
+          </p:nvPr>
+        </p:nvSpPr>
+        <p:spPr/>
+        <p:txBody>
+          <a:bodyPr/>
+          <a:lstStyle/>
+          <a:p>
+            <a:r>
+              <a:rPr lang="es-ES" dirty="0"/>
+              <a:t>Instalación en Linux</a:t>
+            </a:r>
+          </a:p>
+        </p:txBody>
+      </p:sp>
+      <p:pic>
+        <p:nvPicPr>
+          <p:cNvPr id="4" name="Imagen 3">
+            <a:extLst>
+              <a:ext uri="{FF2B5EF4-FFF2-40B4-BE49-F238E27FC236}">
+                <a16:creationId xmlns:a16="http://schemas.microsoft.com/office/drawing/2014/main" id="{1AA28696-52C0-40FF-BAEF-B513625DC71D}"/>
+              </a:ext>
+            </a:extLst>
+          </p:cNvPr>
+          <p:cNvPicPr>
+            <a:picLocks noChangeAspect="1"/>
+          </p:cNvPicPr>
+          <p:nvPr/>
+        </p:nvPicPr>
+        <p:blipFill>
+          <a:blip r:embed="rId2">
+            <a:extLst>
+              <a:ext uri="{28A0092B-C50C-407E-A947-70E740481C1C}">
+                <a14:useLocalDpi xmlns:a14="http://schemas.microsoft.com/office/drawing/2010/main" val="0"/>
+              </a:ext>
+            </a:extLst>
+          </a:blip>
+          <a:stretch>
+            <a:fillRect/>
+          </a:stretch>
+        </p:blipFill>
+        <p:spPr>
+          <a:xfrm>
+            <a:off x="0" y="0"/>
+            <a:ext cx="2019582" cy="924054"/>
+          </a:xfrm>
+          <a:prstGeom prst="rect">
+            <a:avLst/>
+          </a:prstGeom>
+        </p:spPr>
+      </p:pic>
+    </p:spTree>
+    <p:extLst>
+      <p:ext uri="{BB962C8B-B14F-4D97-AF65-F5344CB8AC3E}">
+        <p14:creationId xmlns:p14="http://schemas.microsoft.com/office/powerpoint/2010/main" val="2240777658"/>
+      </p:ext>
+    </p:extLst>
+  </p:cSld>
+  <p:clrMapOvr>
+    <a:masterClrMapping/>
+  </p:clrMapOvr>
+  <mc:AlternateContent xmlns:mc="http://schemas.openxmlformats.org/markup-compatibility/2006" xmlns:p14="http://schemas.microsoft.com/office/powerpoint/2010/main">
+    <mc:Choice Requires="p14">
+      <p:transition spd="med" p14:dur="700">
+        <p:fade/>
+      </p:transition>
+    </mc:Choice>
+    <mc:Fallback xmlns="">
+      <p:transition spd="med">
+        <p:fade/>
+      </p:transition>
+    </mc:Fallback>
+  </mc:AlternateContent>
+</p:sld>
+</file>
+
+<file path=ppt/slides/slide7.xml><?xml version="1.0" encoding="utf-8"?>
+<p:sld xmlns:a="http://schemas.openxmlformats.org/drawingml/2006/main" xmlns:r="http://schemas.openxmlformats.org/officeDocument/2006/relationships" xmlns:p="http://schemas.openxmlformats.org/presentationml/2006/main">
+  <p:cSld>
+    <p:spTree>
+      <p:nvGrpSpPr>
+        <p:cNvPr id="1" name=""/>
+        <p:cNvGrpSpPr/>
+        <p:nvPr/>
+      </p:nvGrpSpPr>
+      <p:grpSpPr>
+        <a:xfrm>
+          <a:off x="0" y="0"/>
+          <a:ext cx="0" cy="0"/>
+          <a:chOff x="0" y="0"/>
+          <a:chExt cx="0" cy="0"/>
+        </a:xfrm>
+      </p:grpSpPr>
+      <p:sp>
+        <p:nvSpPr>
           <p:cNvPr id="2" name="Título 1"/>
           <p:cNvSpPr>
             <a:spLocks noGrp="1"/>
@@ -5497,20 +6154,8 @@
           <a:p>
             <a:pPr rtl="0"/>
             <a:r>
-              <a:rPr lang="es-ES" dirty="0" err="1"/>
-              <a:t>Comparacion</a:t>
-            </a:r>
-            <a:r>
               <a:rPr lang="es-ES" dirty="0"/>
-              <a:t> de </a:t>
-            </a:r>
-            <a:r>
-              <a:rPr lang="es-ES" dirty="0" err="1"/>
-              <a:t>cpu_time</a:t>
-            </a:r>
-            <a:r>
-              <a:rPr lang="es-ES" dirty="0"/>
-              <a:t> </a:t>
+              <a:t>Comparación de cpu_time </a:t>
             </a:r>
           </a:p>
         </p:txBody>
@@ -5546,6 +6191,42 @@
           </a:graphicData>
         </a:graphic>
       </p:graphicFrame>
+      <p:pic>
+        <p:nvPicPr>
+          <p:cNvPr id="4" name="Imagen 3">
+            <a:extLst>
+              <a:ext uri="{FF2B5EF4-FFF2-40B4-BE49-F238E27FC236}">
+                <a16:creationId xmlns:a16="http://schemas.microsoft.com/office/drawing/2014/main" id="{90DE062F-35A0-455B-8C2C-4A9C0E4F6A99}"/>
+              </a:ext>
+            </a:extLst>
+          </p:cNvPr>
+          <p:cNvPicPr>
+            <a:picLocks noChangeAspect="1"/>
+          </p:cNvPicPr>
+          <p:nvPr/>
+        </p:nvPicPr>
+        <p:blipFill>
+          <a:blip r:embed="rId4">
+            <a:extLst>
+              <a:ext uri="{28A0092B-C50C-407E-A947-70E740481C1C}">
+                <a14:useLocalDpi xmlns:a14="http://schemas.microsoft.com/office/drawing/2010/main" val="0"/>
+              </a:ext>
+            </a:extLst>
+          </a:blip>
+          <a:stretch>
+            <a:fillRect/>
+          </a:stretch>
+        </p:blipFill>
+        <p:spPr>
+          <a:xfrm>
+            <a:off x="55421" y="71373"/>
+            <a:ext cx="2019582" cy="924054"/>
+          </a:xfrm>
+          <a:prstGeom prst="rect">
+            <a:avLst/>
+          </a:prstGeom>
+        </p:spPr>
+      </p:pic>
     </p:spTree>
     <p:extLst>
       <p:ext uri="{BB962C8B-B14F-4D97-AF65-F5344CB8AC3E}">
@@ -6421,15 +7102,6 @@
 </file>
 
 <file path=customXml/item2.xml><?xml version="1.0" encoding="utf-8"?>
-<?mso-contentType ?>
-<FormTemplates xmlns="http://schemas.microsoft.com/sharepoint/v3/contenttype/forms">
-  <Display>DocumentLibraryForm</Display>
-  <Edit>DocumentLibraryForm</Edit>
-  <New>DocumentLibraryForm</New>
-</FormTemplates>
-</file>
-
-<file path=customXml/item3.xml><?xml version="1.0" encoding="utf-8"?>
 <ct:contentTypeSchema xmlns:ct="http://schemas.microsoft.com/office/2006/metadata/contentType" xmlns:ma="http://schemas.microsoft.com/office/2006/metadata/properties/metaAttributes" ct:_="" ma:_="" ma:contentTypeName="Document" ma:contentTypeID="0x010100AA3F7D94069FF64A86F7DFF56D60E3BE" ma:contentTypeVersion="6" ma:contentTypeDescription="Create a new document." ma:contentTypeScope="" ma:versionID="c32302c77d4085ecf495bdddb7f5e889">
   <xsd:schema xmlns:xsd="http://www.w3.org/2001/XMLSchema" xmlns:xs="http://www.w3.org/2001/XMLSchema" xmlns:p="http://schemas.microsoft.com/office/2006/metadata/properties" xmlns:ns2="a4f35948-e619-41b3-aa29-22878b09cfd2" xmlns:ns3="40262f94-9f35-4ac3-9a90-690165a166b7" targetNamespace="http://schemas.microsoft.com/office/2006/metadata/properties" ma:root="true" ma:fieldsID="4ab5ae46be95f9d0be6107e8200be7a2" ns2:_="" ns3:_="">
     <xsd:import namespace="a4f35948-e619-41b3-aa29-22878b09cfd2"/>
@@ -6610,6 +7282,15 @@
 </ct:contentTypeSchema>
 </file>
 
+<file path=customXml/item3.xml><?xml version="1.0" encoding="utf-8"?>
+<?mso-contentType ?>
+<FormTemplates xmlns="http://schemas.microsoft.com/sharepoint/v3/contenttype/forms">
+  <Display>DocumentLibraryForm</Display>
+  <Edit>DocumentLibraryForm</Edit>
+  <New>DocumentLibraryForm</New>
+</FormTemplates>
+</file>
+
 <file path=customXml/itemProps1.xml><?xml version="1.0" encoding="utf-8"?>
 <ds:datastoreItem xmlns:ds="http://schemas.openxmlformats.org/officeDocument/2006/customXml" ds:itemID="{3FFF1070-8794-47AC-90B7-1F2E078096FF}">
   <ds:schemaRefs>
@@ -6628,14 +7309,6 @@
 </file>
 
 <file path=customXml/itemProps2.xml><?xml version="1.0" encoding="utf-8"?>
-<ds:datastoreItem xmlns:ds="http://schemas.openxmlformats.org/officeDocument/2006/customXml" ds:itemID="{653E1689-1E09-4ADC-A5E7-6718BF79A8A6}">
-  <ds:schemaRefs>
-    <ds:schemaRef ds:uri="http://schemas.microsoft.com/sharepoint/v3/contenttype/forms"/>
-  </ds:schemaRefs>
-</ds:datastoreItem>
-</file>
-
-<file path=customXml/itemProps3.xml><?xml version="1.0" encoding="utf-8"?>
 <ds:datastoreItem xmlns:ds="http://schemas.openxmlformats.org/officeDocument/2006/customXml" ds:itemID="{7CB30B94-6D3B-4C91-947C-5EB8E8EFFE4F}">
   <ds:schemaRefs>
     <ds:schemaRef ds:uri="http://schemas.microsoft.com/office/2006/metadata/contentType"/>
@@ -6652,4 +7325,12 @@
     <ds:schemaRef ds:uri="http://schemas.microsoft.com/internal/obd"/>
   </ds:schemaRefs>
 </ds:datastoreItem>
+</file>
+
+<file path=customXml/itemProps3.xml><?xml version="1.0" encoding="utf-8"?>
+<ds:datastoreItem xmlns:ds="http://schemas.openxmlformats.org/officeDocument/2006/customXml" ds:itemID="{653E1689-1E09-4ADC-A5E7-6718BF79A8A6}">
+  <ds:schemaRefs>
+    <ds:schemaRef ds:uri="http://schemas.microsoft.com/sharepoint/v3/contenttype/forms"/>
+  </ds:schemaRefs>
+</ds:datastoreItem>
 </file>
--- a/lu-lapack.pptx
+++ b/lu-lapack.pptx
@@ -5,19 +5,21 @@
     <p:sldMasterId id="2147483660" r:id="rId4"/>
   </p:sldMasterIdLst>
   <p:notesMasterIdLst>
-    <p:notesMasterId r:id="rId12"/>
+    <p:notesMasterId r:id="rId14"/>
   </p:notesMasterIdLst>
   <p:handoutMasterIdLst>
-    <p:handoutMasterId r:id="rId13"/>
+    <p:handoutMasterId r:id="rId15"/>
   </p:handoutMasterIdLst>
   <p:sldIdLst>
     <p:sldId id="257" r:id="rId5"/>
     <p:sldId id="265" r:id="rId6"/>
     <p:sldId id="266" r:id="rId7"/>
     <p:sldId id="262" r:id="rId8"/>
-    <p:sldId id="263" r:id="rId9"/>
-    <p:sldId id="264" r:id="rId10"/>
-    <p:sldId id="261" r:id="rId11"/>
+    <p:sldId id="268" r:id="rId9"/>
+    <p:sldId id="263" r:id="rId10"/>
+    <p:sldId id="264" r:id="rId11"/>
+    <p:sldId id="267" r:id="rId12"/>
+    <p:sldId id="261" r:id="rId13"/>
   </p:sldIdLst>
   <p:sldSz cx="12188825" cy="6858000"/>
   <p:notesSz cx="6858000" cy="9144000"/>
@@ -214,7 +216,17 @@
   <c:chart>
     <c:autoTitleDeleted val="1"/>
     <c:plotArea>
-      <c:layout/>
+      <c:layout>
+        <c:manualLayout>
+          <c:layoutTarget val="inner"/>
+          <c:xMode val="edge"/>
+          <c:yMode val="edge"/>
+          <c:x val="4.0498724230265883E-2"/>
+          <c:y val="3.4822520547117868E-2"/>
+          <c:w val="0.91469810622044989"/>
+          <c:h val="0.80800314225366532"/>
+        </c:manualLayout>
+      </c:layout>
       <c:lineChart>
         <c:grouping val="standard"/>
         <c:varyColors val="0"/>
@@ -246,10 +258,10 @@
           </c:marker>
           <c:cat>
             <c:numRef>
-              <c:f>Hoja1!$A$2:$A$16</c:f>
+              <c:f>Hoja1!$A$2:$A$6</c:f>
               <c:numCache>
                 <c:formatCode>General</c:formatCode>
-                <c:ptCount val="15"/>
+                <c:ptCount val="5"/>
                 <c:pt idx="0">
                   <c:v>10</c:v>
                 </c:pt>
@@ -265,89 +277,29 @@
                 <c:pt idx="4">
                   <c:v>50</c:v>
                 </c:pt>
-                <c:pt idx="5">
-                  <c:v>60</c:v>
-                </c:pt>
-                <c:pt idx="6">
-                  <c:v>70</c:v>
-                </c:pt>
-                <c:pt idx="7">
-                  <c:v>80</c:v>
-                </c:pt>
-                <c:pt idx="8">
-                  <c:v>90</c:v>
-                </c:pt>
-                <c:pt idx="9">
-                  <c:v>100</c:v>
-                </c:pt>
-                <c:pt idx="10">
-                  <c:v>110</c:v>
-                </c:pt>
-                <c:pt idx="11">
-                  <c:v>120</c:v>
-                </c:pt>
-                <c:pt idx="12">
-                  <c:v>130</c:v>
-                </c:pt>
-                <c:pt idx="13">
-                  <c:v>140</c:v>
-                </c:pt>
-                <c:pt idx="14">
-                  <c:v>150</c:v>
-                </c:pt>
               </c:numCache>
             </c:numRef>
           </c:cat>
           <c:val>
             <c:numRef>
-              <c:f>Hoja1!$B$2:$B$16</c:f>
+              <c:f>Hoja1!$B$2:$B$6</c:f>
               <c:numCache>
                 <c:formatCode>General</c:formatCode>
-                <c:ptCount val="15"/>
+                <c:ptCount val="5"/>
                 <c:pt idx="0">
                   <c:v>1</c:v>
                 </c:pt>
                 <c:pt idx="1">
-                  <c:v>2</c:v>
+                  <c:v>5</c:v>
                 </c:pt>
                 <c:pt idx="2">
-                  <c:v>3</c:v>
+                  <c:v>10</c:v>
                 </c:pt>
                 <c:pt idx="3">
-                  <c:v>4</c:v>
+                  <c:v>17</c:v>
                 </c:pt>
                 <c:pt idx="4">
-                  <c:v>5</c:v>
-                </c:pt>
-                <c:pt idx="5">
-                  <c:v>6</c:v>
-                </c:pt>
-                <c:pt idx="6">
-                  <c:v>7</c:v>
-                </c:pt>
-                <c:pt idx="7">
-                  <c:v>8</c:v>
-                </c:pt>
-                <c:pt idx="8">
-                  <c:v>9</c:v>
-                </c:pt>
-                <c:pt idx="9">
-                  <c:v>10</c:v>
-                </c:pt>
-                <c:pt idx="10">
-                  <c:v>11</c:v>
-                </c:pt>
-                <c:pt idx="11">
-                  <c:v>12</c:v>
-                </c:pt>
-                <c:pt idx="12">
-                  <c:v>13</c:v>
-                </c:pt>
-                <c:pt idx="13">
-                  <c:v>14</c:v>
-                </c:pt>
-                <c:pt idx="14">
-                  <c:v>15</c:v>
+                  <c:v>22</c:v>
                 </c:pt>
               </c:numCache>
             </c:numRef>
@@ -387,10 +339,10 @@
           </c:marker>
           <c:cat>
             <c:numRef>
-              <c:f>Hoja1!$A$2:$A$16</c:f>
+              <c:f>Hoja1!$A$2:$A$6</c:f>
               <c:numCache>
                 <c:formatCode>General</c:formatCode>
-                <c:ptCount val="15"/>
+                <c:ptCount val="5"/>
                 <c:pt idx="0">
                   <c:v>10</c:v>
                 </c:pt>
@@ -406,89 +358,29 @@
                 <c:pt idx="4">
                   <c:v>50</c:v>
                 </c:pt>
-                <c:pt idx="5">
-                  <c:v>60</c:v>
-                </c:pt>
-                <c:pt idx="6">
-                  <c:v>70</c:v>
-                </c:pt>
-                <c:pt idx="7">
-                  <c:v>80</c:v>
-                </c:pt>
-                <c:pt idx="8">
-                  <c:v>90</c:v>
-                </c:pt>
-                <c:pt idx="9">
-                  <c:v>100</c:v>
-                </c:pt>
-                <c:pt idx="10">
-                  <c:v>110</c:v>
-                </c:pt>
-                <c:pt idx="11">
-                  <c:v>120</c:v>
-                </c:pt>
-                <c:pt idx="12">
-                  <c:v>130</c:v>
-                </c:pt>
-                <c:pt idx="13">
-                  <c:v>140</c:v>
-                </c:pt>
-                <c:pt idx="14">
-                  <c:v>150</c:v>
-                </c:pt>
               </c:numCache>
             </c:numRef>
           </c:cat>
           <c:val>
             <c:numRef>
-              <c:f>Hoja1!$C$2:$C$16</c:f>
+              <c:f>Hoja1!$C$2:$C$6</c:f>
               <c:numCache>
                 <c:formatCode>General</c:formatCode>
-                <c:ptCount val="15"/>
+                <c:ptCount val="5"/>
                 <c:pt idx="0">
                   <c:v>0.5</c:v>
                 </c:pt>
                 <c:pt idx="1">
-                  <c:v>1</c:v>
+                  <c:v>2</c:v>
                 </c:pt>
                 <c:pt idx="2">
-                  <c:v>1.5</c:v>
+                  <c:v>5</c:v>
                 </c:pt>
                 <c:pt idx="3">
-                  <c:v>2</c:v>
+                  <c:v>6</c:v>
                 </c:pt>
                 <c:pt idx="4">
-                  <c:v>2.5</c:v>
-                </c:pt>
-                <c:pt idx="5">
-                  <c:v>3</c:v>
-                </c:pt>
-                <c:pt idx="6">
-                  <c:v>3.5</c:v>
-                </c:pt>
-                <c:pt idx="7">
-                  <c:v>4</c:v>
-                </c:pt>
-                <c:pt idx="8">
-                  <c:v>4.5</c:v>
-                </c:pt>
-                <c:pt idx="9">
-                  <c:v>5</c:v>
-                </c:pt>
-                <c:pt idx="10">
-                  <c:v>5.5</c:v>
-                </c:pt>
-                <c:pt idx="11">
-                  <c:v>6</c:v>
-                </c:pt>
-                <c:pt idx="12">
-                  <c:v>6.5</c:v>
-                </c:pt>
-                <c:pt idx="13">
-                  <c:v>7</c:v>
-                </c:pt>
-                <c:pt idx="14">
-                  <c:v>7.5</c:v>
+                  <c:v>10</c:v>
                 </c:pt>
               </c:numCache>
             </c:numRef>
@@ -1923,7 +1815,7 @@
             <a:pPr rtl="0"/>
             <a:fld id="{6BB98AFB-CB0D-4DFE-87B9-B4B0D0DE73CD}" type="slidenum">
               <a:rPr lang="es-ES" smtClean="0"/>
-              <a:t>7</a:t>
+              <a:t>9</a:t>
             </a:fld>
             <a:endParaRPr lang="es-ES" dirty="0"/>
           </a:p>
@@ -5364,7 +5256,7 @@
             <a:pPr rtl="0"/>
             <a:r>
               <a:rPr lang="es-ES" dirty="0"/>
-              <a:t>Presentación grupo 3</a:t>
+              <a:t>Presentación grupo 3 </a:t>
             </a:r>
           </a:p>
         </p:txBody>
@@ -5381,8 +5273,8 @@
         </p:nvSpPr>
         <p:spPr>
           <a:xfrm>
-            <a:off x="1209227" y="2496920"/>
-            <a:ext cx="5821288" cy="2185640"/>
+            <a:off x="1269876" y="2859214"/>
+            <a:ext cx="6253337" cy="2516256"/>
           </a:xfrm>
         </p:spPr>
         <p:txBody>
@@ -5490,7 +5382,7 @@
         </p:blipFill>
         <p:spPr>
           <a:xfrm>
-            <a:off x="261764" y="89965"/>
+            <a:off x="199436" y="189204"/>
             <a:ext cx="2019582" cy="924054"/>
           </a:xfrm>
           <a:prstGeom prst="rect">
@@ -5637,7 +5529,7 @@
         </p:blipFill>
         <p:spPr>
           <a:xfrm>
-            <a:off x="0" y="2704"/>
+            <a:off x="0" y="188640"/>
             <a:ext cx="2019582" cy="924054"/>
           </a:xfrm>
           <a:prstGeom prst="rect">
@@ -5730,7 +5622,16 @@
             </a:pPr>
             <a:r>
               <a:rPr lang="es-ES" sz="2800" dirty="0"/>
-              <a:t>LAPACK es una biblioteca de software para el álgebra lineal numérica. Proporciona rutinas para resolver sistemas de ecuaciones lineales y mínimos cuadrados lineales, problemas de valores propios y descomposición de valores singulares. También incluye rutinas para implementar las factorizaciones matriciales asociadas tales como la descomposición LU, QR, Cholesky y Schur, manejándose matrices reales y complejas en precisión simple y doble.</a:t>
+              <a:t>LAPACK es una biblioteca de software para el álgebra lineal numérica. Proporciona rutinas para resolver sistemas de ecuaciones lineales y mínimos cuadrados lineales, problemas de valores propios y descomposición de valores singulares. </a:t>
+            </a:r>
+          </a:p>
+          <a:p>
+            <a:pPr marL="45720" indent="0">
+              <a:buNone/>
+            </a:pPr>
+            <a:r>
+              <a:rPr lang="es-ES" sz="2800" dirty="0"/>
+              <a:t>También incluye rutinas para implementar las factorizaciones matriciales asociadas tales como la descomposición LU, QR, Cholesky y Schur, manejándose matrices reales y complejas en precisión simple y doble.</a:t>
             </a:r>
           </a:p>
           <a:p>
@@ -5769,7 +5670,7 @@
         </p:blipFill>
         <p:spPr>
           <a:xfrm>
-            <a:off x="0" y="0"/>
+            <a:off x="189756" y="156510"/>
             <a:ext cx="2019582" cy="924054"/>
           </a:xfrm>
           <a:prstGeom prst="rect">
@@ -5835,7 +5736,12 @@
             <p:ph type="title"/>
           </p:nvPr>
         </p:nvSpPr>
-        <p:spPr/>
+        <p:spPr>
+          <a:xfrm>
+            <a:off x="2710036" y="84476"/>
+            <a:ext cx="8686801" cy="1066800"/>
+          </a:xfrm>
+        </p:spPr>
         <p:txBody>
           <a:bodyPr/>
           <a:lstStyle/>
@@ -5875,8 +5781,67 @@
         </p:blipFill>
         <p:spPr>
           <a:xfrm>
-            <a:off x="0" y="0"/>
+            <a:off x="189756" y="84476"/>
             <a:ext cx="2019582" cy="924054"/>
+          </a:xfrm>
+          <a:prstGeom prst="rect">
+            <a:avLst/>
+          </a:prstGeom>
+        </p:spPr>
+      </p:pic>
+      <p:pic>
+        <p:nvPicPr>
+          <p:cNvPr id="3" name="Imagen 2">
+            <a:extLst>
+              <a:ext uri="{FF2B5EF4-FFF2-40B4-BE49-F238E27FC236}">
+                <a16:creationId xmlns:a16="http://schemas.microsoft.com/office/drawing/2014/main" id="{AAC22ED5-E1FE-4A87-BD40-8C7DD7D06E6A}"/>
+              </a:ext>
+            </a:extLst>
+          </p:cNvPr>
+          <p:cNvPicPr>
+            <a:picLocks noChangeAspect="1"/>
+          </p:cNvPicPr>
+          <p:nvPr/>
+        </p:nvPicPr>
+        <p:blipFill>
+          <a:blip r:embed="rId3"/>
+          <a:stretch>
+            <a:fillRect/>
+          </a:stretch>
+        </p:blipFill>
+        <p:spPr>
+          <a:xfrm>
+            <a:off x="623425" y="1412776"/>
+            <a:ext cx="4174843" cy="5248905"/>
+          </a:xfrm>
+          <a:prstGeom prst="rect">
+            <a:avLst/>
+          </a:prstGeom>
+        </p:spPr>
+      </p:pic>
+      <p:pic>
+        <p:nvPicPr>
+          <p:cNvPr id="5" name="Imagen 4">
+            <a:extLst>
+              <a:ext uri="{FF2B5EF4-FFF2-40B4-BE49-F238E27FC236}">
+                <a16:creationId xmlns:a16="http://schemas.microsoft.com/office/drawing/2014/main" id="{1479BE67-D1BF-4036-9BB4-BE126837B63B}"/>
+              </a:ext>
+            </a:extLst>
+          </p:cNvPr>
+          <p:cNvPicPr>
+            <a:picLocks noChangeAspect="1"/>
+          </p:cNvPicPr>
+          <p:nvPr/>
+        </p:nvPicPr>
+        <p:blipFill rotWithShape="1">
+          <a:blip r:embed="rId4"/>
+          <a:srcRect b="3024"/>
+          <a:stretch/>
+        </p:blipFill>
+        <p:spPr>
+          <a:xfrm>
+            <a:off x="5302324" y="1664804"/>
+            <a:ext cx="4032448" cy="3528392"/>
           </a:xfrm>
           <a:prstGeom prst="rect">
             <a:avLst/>
@@ -5925,6 +5890,222 @@
           <a:chExt cx="0" cy="0"/>
         </a:xfrm>
       </p:grpSpPr>
+      <p:pic>
+        <p:nvPicPr>
+          <p:cNvPr id="6" name="ANTENA_3___Cortinilla_2015_2017_Volvemos_en_7_minutos">
+            <a:hlinkClick r:id="" action="ppaction://media"/>
+            <a:extLst>
+              <a:ext uri="{FF2B5EF4-FFF2-40B4-BE49-F238E27FC236}">
+                <a16:creationId xmlns:a16="http://schemas.microsoft.com/office/drawing/2014/main" id="{1CA7C178-1A31-4B3F-95D8-9118DD355EAE}"/>
+              </a:ext>
+            </a:extLst>
+          </p:cNvPr>
+          <p:cNvPicPr>
+            <a:picLocks noGrp="1" noChangeAspect="1"/>
+          </p:cNvPicPr>
+          <p:nvPr>
+            <p:ph idx="1"/>
+            <a:videoFile r:link="rId2"/>
+            <p:extLst>
+              <p:ext uri="{DAA4B4D4-6D71-4841-9C94-3DE7FCFB9230}">
+                <p14:media xmlns:p14="http://schemas.microsoft.com/office/powerpoint/2010/main" r:embed="rId1"/>
+              </p:ext>
+            </p:extLst>
+          </p:nvPr>
+        </p:nvPicPr>
+        <p:blipFill>
+          <a:blip r:embed="rId4"/>
+          <a:stretch>
+            <a:fillRect/>
+          </a:stretch>
+        </p:blipFill>
+        <p:spPr>
+          <a:xfrm>
+            <a:off x="0" y="-16396"/>
+            <a:ext cx="12188825" cy="6874396"/>
+          </a:xfrm>
+        </p:spPr>
+      </p:pic>
+    </p:spTree>
+    <p:extLst>
+      <p:ext uri="{BB962C8B-B14F-4D97-AF65-F5344CB8AC3E}">
+        <p14:creationId xmlns:p14="http://schemas.microsoft.com/office/powerpoint/2010/main" val="841995960"/>
+      </p:ext>
+    </p:extLst>
+  </p:cSld>
+  <p:clrMapOvr>
+    <a:masterClrMapping/>
+  </p:clrMapOvr>
+  <mc:AlternateContent xmlns:mc="http://schemas.openxmlformats.org/markup-compatibility/2006" xmlns:p14="http://schemas.microsoft.com/office/powerpoint/2010/main">
+    <mc:Choice Requires="p14">
+      <p:transition spd="med" p14:dur="700">
+        <p:fade/>
+      </p:transition>
+    </mc:Choice>
+    <mc:Fallback xmlns="">
+      <p:transition spd="med">
+        <p:fade/>
+      </p:transition>
+    </mc:Fallback>
+  </mc:AlternateContent>
+  <p:timing>
+    <p:tnLst>
+      <p:par>
+        <p:cTn id="1" dur="indefinite" restart="never" nodeType="tmRoot">
+          <p:childTnLst>
+            <p:seq concurrent="1" nextAc="seek">
+              <p:cTn id="2" dur="indefinite" nodeType="mainSeq">
+                <p:childTnLst>
+                  <p:par>
+                    <p:cTn id="3" fill="hold">
+                      <p:stCondLst>
+                        <p:cond delay="indefinite"/>
+                        <p:cond evt="onBegin" delay="0">
+                          <p:tn val="2"/>
+                        </p:cond>
+                      </p:stCondLst>
+                      <p:childTnLst>
+                        <p:par>
+                          <p:cTn id="4" fill="hold">
+                            <p:stCondLst>
+                              <p:cond delay="0"/>
+                            </p:stCondLst>
+                            <p:childTnLst>
+                              <p:par>
+                                <p:cTn id="5" presetID="1" presetClass="mediacall" presetSubtype="0" fill="hold" nodeType="afterEffect">
+                                  <p:stCondLst>
+                                    <p:cond delay="0"/>
+                                  </p:stCondLst>
+                                  <p:childTnLst>
+                                    <p:cmd type="call" cmd="playFrom(0.0)">
+                                      <p:cBhvr>
+                                        <p:cTn id="6" dur="4296" fill="hold"/>
+                                        <p:tgtEl>
+                                          <p:spTgt spid="6"/>
+                                        </p:tgtEl>
+                                      </p:cBhvr>
+                                    </p:cmd>
+                                  </p:childTnLst>
+                                </p:cTn>
+                              </p:par>
+                            </p:childTnLst>
+                          </p:cTn>
+                        </p:par>
+                      </p:childTnLst>
+                    </p:cTn>
+                  </p:par>
+                </p:childTnLst>
+              </p:cTn>
+              <p:prevCondLst>
+                <p:cond evt="onPrev" delay="0">
+                  <p:tgtEl>
+                    <p:sldTgt/>
+                  </p:tgtEl>
+                </p:cond>
+              </p:prevCondLst>
+              <p:nextCondLst>
+                <p:cond evt="onNext" delay="0">
+                  <p:tgtEl>
+                    <p:sldTgt/>
+                  </p:tgtEl>
+                </p:cond>
+              </p:nextCondLst>
+            </p:seq>
+            <p:video>
+              <p:cMediaNode vol="100000">
+                <p:cTn id="7" fill="hold" display="0">
+                  <p:stCondLst>
+                    <p:cond delay="indefinite"/>
+                  </p:stCondLst>
+                </p:cTn>
+                <p:tgtEl>
+                  <p:spTgt spid="6"/>
+                </p:tgtEl>
+              </p:cMediaNode>
+            </p:video>
+            <p:seq concurrent="1" nextAc="seek">
+              <p:cTn id="8" restart="whenNotActive" fill="hold" evtFilter="cancelBubble" nodeType="interactiveSeq">
+                <p:stCondLst>
+                  <p:cond evt="onClick" delay="0">
+                    <p:tgtEl>
+                      <p:spTgt spid="6"/>
+                    </p:tgtEl>
+                  </p:cond>
+                </p:stCondLst>
+                <p:endSync evt="end" delay="0">
+                  <p:rtn val="all"/>
+                </p:endSync>
+                <p:childTnLst>
+                  <p:par>
+                    <p:cTn id="9" fill="hold">
+                      <p:stCondLst>
+                        <p:cond delay="0"/>
+                      </p:stCondLst>
+                      <p:childTnLst>
+                        <p:par>
+                          <p:cTn id="10" fill="hold">
+                            <p:stCondLst>
+                              <p:cond delay="0"/>
+                            </p:stCondLst>
+                            <p:childTnLst>
+                              <p:par>
+                                <p:cTn id="11" presetID="2" presetClass="mediacall" presetSubtype="0" fill="hold" nodeType="clickEffect">
+                                  <p:stCondLst>
+                                    <p:cond delay="0"/>
+                                  </p:stCondLst>
+                                  <p:childTnLst>
+                                    <p:cmd type="call" cmd="togglePause">
+                                      <p:cBhvr>
+                                        <p:cTn id="12" dur="1" fill="hold"/>
+                                        <p:tgtEl>
+                                          <p:spTgt spid="6"/>
+                                        </p:tgtEl>
+                                      </p:cBhvr>
+                                    </p:cmd>
+                                  </p:childTnLst>
+                                </p:cTn>
+                              </p:par>
+                            </p:childTnLst>
+                          </p:cTn>
+                        </p:par>
+                      </p:childTnLst>
+                    </p:cTn>
+                  </p:par>
+                </p:childTnLst>
+              </p:cTn>
+              <p:nextCondLst>
+                <p:cond evt="onClick" delay="0">
+                  <p:tgtEl>
+                    <p:spTgt spid="6"/>
+                  </p:tgtEl>
+                </p:cond>
+              </p:nextCondLst>
+            </p:seq>
+          </p:childTnLst>
+        </p:cTn>
+      </p:par>
+    </p:tnLst>
+  </p:timing>
+</p:sld>
+</file>
+
+<file path=ppt/slides/slide6.xml><?xml version="1.0" encoding="utf-8"?>
+<p:sld xmlns:a="http://schemas.openxmlformats.org/drawingml/2006/main" xmlns:r="http://schemas.openxmlformats.org/officeDocument/2006/relationships" xmlns:p="http://schemas.openxmlformats.org/presentationml/2006/main">
+  <p:cSld>
+    <p:spTree>
+      <p:nvGrpSpPr>
+        <p:cNvPr id="1" name=""/>
+        <p:cNvGrpSpPr/>
+        <p:nvPr/>
+      </p:nvGrpSpPr>
+      <p:grpSpPr>
+        <a:xfrm>
+          <a:off x="0" y="0"/>
+          <a:ext cx="0" cy="0"/>
+          <a:chOff x="0" y="0"/>
+          <a:chExt cx="0" cy="0"/>
+        </a:xfrm>
+      </p:grpSpPr>
       <p:sp>
         <p:nvSpPr>
           <p:cNvPr id="2" name="Título 1">
@@ -5989,82 +6170,12 @@
           </a:prstGeom>
         </p:spPr>
       </p:pic>
-    </p:spTree>
-    <p:extLst>
-      <p:ext uri="{BB962C8B-B14F-4D97-AF65-F5344CB8AC3E}">
-        <p14:creationId xmlns:p14="http://schemas.microsoft.com/office/powerpoint/2010/main" val="1096688677"/>
-      </p:ext>
-    </p:extLst>
-  </p:cSld>
-  <p:clrMapOvr>
-    <a:masterClrMapping/>
-  </p:clrMapOvr>
-  <mc:AlternateContent xmlns:mc="http://schemas.openxmlformats.org/markup-compatibility/2006" xmlns:p14="http://schemas.microsoft.com/office/powerpoint/2010/main">
-    <mc:Choice Requires="p14">
-      <p:transition spd="med" p14:dur="700">
-        <p:fade/>
-      </p:transition>
-    </mc:Choice>
-    <mc:Fallback xmlns="">
-      <p:transition spd="med">
-        <p:fade/>
-      </p:transition>
-    </mc:Fallback>
-  </mc:AlternateContent>
-</p:sld>
-</file>
-
-<file path=ppt/slides/slide6.xml><?xml version="1.0" encoding="utf-8"?>
-<p:sld xmlns:a="http://schemas.openxmlformats.org/drawingml/2006/main" xmlns:r="http://schemas.openxmlformats.org/officeDocument/2006/relationships" xmlns:p="http://schemas.openxmlformats.org/presentationml/2006/main">
-  <p:cSld>
-    <p:spTree>
-      <p:nvGrpSpPr>
-        <p:cNvPr id="1" name=""/>
-        <p:cNvGrpSpPr/>
-        <p:nvPr/>
-      </p:nvGrpSpPr>
-      <p:grpSpPr>
-        <a:xfrm>
-          <a:off x="0" y="0"/>
-          <a:ext cx="0" cy="0"/>
-          <a:chOff x="0" y="0"/>
-          <a:chExt cx="0" cy="0"/>
-        </a:xfrm>
-      </p:grpSpPr>
-      <p:sp>
-        <p:nvSpPr>
-          <p:cNvPr id="2" name="Título 1">
+      <p:pic>
+        <p:nvPicPr>
+          <p:cNvPr id="5" name="Imagen 4">
             <a:extLst>
               <a:ext uri="{FF2B5EF4-FFF2-40B4-BE49-F238E27FC236}">
-                <a16:creationId xmlns:a16="http://schemas.microsoft.com/office/drawing/2014/main" id="{6C379931-E0C6-4B53-95F1-2FAE5672CC22}"/>
-              </a:ext>
-            </a:extLst>
-          </p:cNvPr>
-          <p:cNvSpPr>
-            <a:spLocks noGrp="1"/>
-          </p:cNvSpPr>
-          <p:nvPr>
-            <p:ph type="title"/>
-          </p:nvPr>
-        </p:nvSpPr>
-        <p:spPr/>
-        <p:txBody>
-          <a:bodyPr/>
-          <a:lstStyle/>
-          <a:p>
-            <a:r>
-              <a:rPr lang="es-ES" dirty="0"/>
-              <a:t>Instalación en Linux</a:t>
-            </a:r>
-          </a:p>
-        </p:txBody>
-      </p:sp>
-      <p:pic>
-        <p:nvPicPr>
-          <p:cNvPr id="4" name="Imagen 3">
-            <a:extLst>
-              <a:ext uri="{FF2B5EF4-FFF2-40B4-BE49-F238E27FC236}">
-                <a16:creationId xmlns:a16="http://schemas.microsoft.com/office/drawing/2014/main" id="{1AA28696-52C0-40FF-BAEF-B513625DC71D}"/>
+                <a16:creationId xmlns:a16="http://schemas.microsoft.com/office/drawing/2014/main" id="{2041AA13-5DBB-4FA3-8744-23B77A2F6F24}"/>
               </a:ext>
             </a:extLst>
           </p:cNvPr>
@@ -6074,21 +6185,74 @@
           <p:nvPr/>
         </p:nvPicPr>
         <p:blipFill>
-          <a:blip r:embed="rId2">
-            <a:extLst>
-              <a:ext uri="{28A0092B-C50C-407E-A947-70E740481C1C}">
-                <a14:useLocalDpi xmlns:a14="http://schemas.microsoft.com/office/drawing/2010/main" val="0"/>
-              </a:ext>
-            </a:extLst>
-          </a:blip>
+          <a:blip r:embed="rId3"/>
           <a:stretch>
             <a:fillRect/>
           </a:stretch>
         </p:blipFill>
         <p:spPr>
           <a:xfrm>
-            <a:off x="0" y="0"/>
-            <a:ext cx="2019582" cy="924054"/>
+            <a:off x="1065212" y="1905000"/>
+            <a:ext cx="4309120" cy="4204020"/>
+          </a:xfrm>
+          <a:prstGeom prst="rect">
+            <a:avLst/>
+          </a:prstGeom>
+        </p:spPr>
+      </p:pic>
+      <p:pic>
+        <p:nvPicPr>
+          <p:cNvPr id="6" name="Imagen 5">
+            <a:extLst>
+              <a:ext uri="{FF2B5EF4-FFF2-40B4-BE49-F238E27FC236}">
+                <a16:creationId xmlns:a16="http://schemas.microsoft.com/office/drawing/2014/main" id="{F2AEF17D-15EA-4372-A8BA-FFF1CFC02907}"/>
+              </a:ext>
+            </a:extLst>
+          </p:cNvPr>
+          <p:cNvPicPr>
+            <a:picLocks noChangeAspect="1"/>
+          </p:cNvPicPr>
+          <p:nvPr/>
+        </p:nvPicPr>
+        <p:blipFill>
+          <a:blip r:embed="rId4"/>
+          <a:stretch>
+            <a:fillRect/>
+          </a:stretch>
+        </p:blipFill>
+        <p:spPr>
+          <a:xfrm>
+            <a:off x="6125833" y="918592"/>
+            <a:ext cx="4348246" cy="1668016"/>
+          </a:xfrm>
+          <a:prstGeom prst="rect">
+            <a:avLst/>
+          </a:prstGeom>
+        </p:spPr>
+      </p:pic>
+      <p:pic>
+        <p:nvPicPr>
+          <p:cNvPr id="7" name="Imagen 6">
+            <a:extLst>
+              <a:ext uri="{FF2B5EF4-FFF2-40B4-BE49-F238E27FC236}">
+                <a16:creationId xmlns:a16="http://schemas.microsoft.com/office/drawing/2014/main" id="{8C635D1D-C2EA-41C7-9D94-0AC7FAD4FA7B}"/>
+              </a:ext>
+            </a:extLst>
+          </p:cNvPr>
+          <p:cNvPicPr>
+            <a:picLocks noChangeAspect="1"/>
+          </p:cNvPicPr>
+          <p:nvPr/>
+        </p:nvPicPr>
+        <p:blipFill rotWithShape="1">
+          <a:blip r:embed="rId5"/>
+          <a:srcRect b="12903"/>
+          <a:stretch/>
+        </p:blipFill>
+        <p:spPr>
+          <a:xfrm>
+            <a:off x="6094412" y="2586608"/>
+            <a:ext cx="4309120" cy="3778324"/>
           </a:xfrm>
           <a:prstGeom prst="rect">
             <a:avLst/>
@@ -6098,7 +6262,7 @@
     </p:spTree>
     <p:extLst>
       <p:ext uri="{BB962C8B-B14F-4D97-AF65-F5344CB8AC3E}">
-        <p14:creationId xmlns:p14="http://schemas.microsoft.com/office/powerpoint/2010/main" val="2240777658"/>
+        <p14:creationId xmlns:p14="http://schemas.microsoft.com/office/powerpoint/2010/main" val="1096688677"/>
       </p:ext>
     </p:extLst>
   </p:cSld>
@@ -6139,6 +6303,1244 @@
       </p:grpSpPr>
       <p:sp>
         <p:nvSpPr>
+          <p:cNvPr id="2" name="Título 1">
+            <a:extLst>
+              <a:ext uri="{FF2B5EF4-FFF2-40B4-BE49-F238E27FC236}">
+                <a16:creationId xmlns:a16="http://schemas.microsoft.com/office/drawing/2014/main" id="{6C379931-E0C6-4B53-95F1-2FAE5672CC22}"/>
+              </a:ext>
+            </a:extLst>
+          </p:cNvPr>
+          <p:cNvSpPr>
+            <a:spLocks noGrp="1"/>
+          </p:cNvSpPr>
+          <p:nvPr>
+            <p:ph type="title"/>
+          </p:nvPr>
+        </p:nvSpPr>
+        <p:spPr/>
+        <p:txBody>
+          <a:bodyPr/>
+          <a:lstStyle/>
+          <a:p>
+            <a:r>
+              <a:rPr lang="es-ES" dirty="0"/>
+              <a:t>Instalación en Linux</a:t>
+            </a:r>
+          </a:p>
+        </p:txBody>
+      </p:sp>
+      <p:pic>
+        <p:nvPicPr>
+          <p:cNvPr id="4" name="Imagen 3">
+            <a:extLst>
+              <a:ext uri="{FF2B5EF4-FFF2-40B4-BE49-F238E27FC236}">
+                <a16:creationId xmlns:a16="http://schemas.microsoft.com/office/drawing/2014/main" id="{1AA28696-52C0-40FF-BAEF-B513625DC71D}"/>
+              </a:ext>
+            </a:extLst>
+          </p:cNvPr>
+          <p:cNvPicPr>
+            <a:picLocks noChangeAspect="1"/>
+          </p:cNvPicPr>
+          <p:nvPr/>
+        </p:nvPicPr>
+        <p:blipFill>
+          <a:blip r:embed="rId2">
+            <a:extLst>
+              <a:ext uri="{28A0092B-C50C-407E-A947-70E740481C1C}">
+                <a14:useLocalDpi xmlns:a14="http://schemas.microsoft.com/office/drawing/2010/main" val="0"/>
+              </a:ext>
+            </a:extLst>
+          </a:blip>
+          <a:stretch>
+            <a:fillRect/>
+          </a:stretch>
+        </p:blipFill>
+        <p:spPr>
+          <a:xfrm>
+            <a:off x="0" y="0"/>
+            <a:ext cx="2019582" cy="924054"/>
+          </a:xfrm>
+          <a:prstGeom prst="rect">
+            <a:avLst/>
+          </a:prstGeom>
+        </p:spPr>
+      </p:pic>
+      <p:pic>
+        <p:nvPicPr>
+          <p:cNvPr id="3" name="Imagen 2">
+            <a:extLst>
+              <a:ext uri="{FF2B5EF4-FFF2-40B4-BE49-F238E27FC236}">
+                <a16:creationId xmlns:a16="http://schemas.microsoft.com/office/drawing/2014/main" id="{00D51B2C-CBB1-47BA-BD6C-B3361AB7493C}"/>
+              </a:ext>
+            </a:extLst>
+          </p:cNvPr>
+          <p:cNvPicPr>
+            <a:picLocks noChangeAspect="1"/>
+          </p:cNvPicPr>
+          <p:nvPr/>
+        </p:nvPicPr>
+        <p:blipFill>
+          <a:blip r:embed="rId3"/>
+          <a:stretch>
+            <a:fillRect/>
+          </a:stretch>
+        </p:blipFill>
+        <p:spPr>
+          <a:xfrm>
+            <a:off x="1413892" y="1700809"/>
+            <a:ext cx="4042438" cy="4623792"/>
+          </a:xfrm>
+          <a:prstGeom prst="rect">
+            <a:avLst/>
+          </a:prstGeom>
+        </p:spPr>
+      </p:pic>
+      <p:pic>
+        <p:nvPicPr>
+          <p:cNvPr id="6" name="Imagen 5">
+            <a:extLst>
+              <a:ext uri="{FF2B5EF4-FFF2-40B4-BE49-F238E27FC236}">
+                <a16:creationId xmlns:a16="http://schemas.microsoft.com/office/drawing/2014/main" id="{45B9F583-8C74-44AC-9EFE-29C46A917141}"/>
+              </a:ext>
+            </a:extLst>
+          </p:cNvPr>
+          <p:cNvPicPr>
+            <a:picLocks noChangeAspect="1"/>
+          </p:cNvPicPr>
+          <p:nvPr/>
+        </p:nvPicPr>
+        <p:blipFill>
+          <a:blip r:embed="rId4">
+            <a:extLst>
+              <a:ext uri="{28A0092B-C50C-407E-A947-70E740481C1C}">
+                <a14:useLocalDpi xmlns:a14="http://schemas.microsoft.com/office/drawing/2010/main" val="0"/>
+              </a:ext>
+            </a:extLst>
+          </a:blip>
+          <a:stretch>
+            <a:fillRect/>
+          </a:stretch>
+        </p:blipFill>
+        <p:spPr>
+          <a:xfrm>
+            <a:off x="7030516" y="2206544"/>
+            <a:ext cx="2381250" cy="1181100"/>
+          </a:xfrm>
+          <a:prstGeom prst="rect">
+            <a:avLst/>
+          </a:prstGeom>
+        </p:spPr>
+      </p:pic>
+    </p:spTree>
+    <p:extLst>
+      <p:ext uri="{BB962C8B-B14F-4D97-AF65-F5344CB8AC3E}">
+        <p14:creationId xmlns:p14="http://schemas.microsoft.com/office/powerpoint/2010/main" val="2240777658"/>
+      </p:ext>
+    </p:extLst>
+  </p:cSld>
+  <p:clrMapOvr>
+    <a:masterClrMapping/>
+  </p:clrMapOvr>
+  <mc:AlternateContent xmlns:mc="http://schemas.openxmlformats.org/markup-compatibility/2006" xmlns:p14="http://schemas.microsoft.com/office/powerpoint/2010/main">
+    <mc:Choice Requires="p14">
+      <p:transition spd="med" p14:dur="700">
+        <p:fade/>
+      </p:transition>
+    </mc:Choice>
+    <mc:Fallback xmlns="">
+      <p:transition spd="med">
+        <p:fade/>
+      </p:transition>
+    </mc:Fallback>
+  </mc:AlternateContent>
+</p:sld>
+</file>
+
+<file path=ppt/slides/slide8.xml><?xml version="1.0" encoding="utf-8"?>
+<p:sld xmlns:a="http://schemas.openxmlformats.org/drawingml/2006/main" xmlns:r="http://schemas.openxmlformats.org/officeDocument/2006/relationships" xmlns:p="http://schemas.openxmlformats.org/presentationml/2006/main">
+  <p:cSld>
+    <p:spTree>
+      <p:nvGrpSpPr>
+        <p:cNvPr id="1" name=""/>
+        <p:cNvGrpSpPr/>
+        <p:nvPr/>
+      </p:nvGrpSpPr>
+      <p:grpSpPr>
+        <a:xfrm>
+          <a:off x="0" y="0"/>
+          <a:ext cx="0" cy="0"/>
+          <a:chOff x="0" y="0"/>
+          <a:chExt cx="0" cy="0"/>
+        </a:xfrm>
+      </p:grpSpPr>
+      <p:sp>
+        <p:nvSpPr>
+          <p:cNvPr id="2" name="Título 1">
+            <a:extLst>
+              <a:ext uri="{FF2B5EF4-FFF2-40B4-BE49-F238E27FC236}">
+                <a16:creationId xmlns:a16="http://schemas.microsoft.com/office/drawing/2014/main" id="{E27459C6-0D6B-40E3-9327-CD4E2418E883}"/>
+              </a:ext>
+            </a:extLst>
+          </p:cNvPr>
+          <p:cNvSpPr>
+            <a:spLocks noGrp="1"/>
+          </p:cNvSpPr>
+          <p:nvPr>
+            <p:ph type="title"/>
+          </p:nvPr>
+        </p:nvSpPr>
+        <p:spPr>
+          <a:xfrm>
+            <a:off x="1125860" y="0"/>
+            <a:ext cx="10585176" cy="1066800"/>
+          </a:xfrm>
+        </p:spPr>
+        <p:txBody>
+          <a:bodyPr>
+            <a:normAutofit/>
+          </a:bodyPr>
+          <a:lstStyle/>
+          <a:p>
+            <a:pPr algn="ctr"/>
+            <a:r>
+              <a:rPr lang="es-ES" dirty="0"/>
+              <a:t>Comparativa de funciones entre otras bibliotecas de algebra lineal</a:t>
+            </a:r>
+          </a:p>
+        </p:txBody>
+      </p:sp>
+      <p:pic>
+        <p:nvPicPr>
+          <p:cNvPr id="4" name="Imagen 3">
+            <a:extLst>
+              <a:ext uri="{FF2B5EF4-FFF2-40B4-BE49-F238E27FC236}">
+                <a16:creationId xmlns:a16="http://schemas.microsoft.com/office/drawing/2014/main" id="{8864F4D3-DA6C-4F18-AE4D-0A0397D7F655}"/>
+              </a:ext>
+            </a:extLst>
+          </p:cNvPr>
+          <p:cNvPicPr>
+            <a:picLocks noChangeAspect="1"/>
+          </p:cNvPicPr>
+          <p:nvPr/>
+        </p:nvPicPr>
+        <p:blipFill>
+          <a:blip r:embed="rId2"/>
+          <a:stretch>
+            <a:fillRect/>
+          </a:stretch>
+        </p:blipFill>
+        <p:spPr>
+          <a:xfrm>
+            <a:off x="5230317" y="1916832"/>
+            <a:ext cx="6752492" cy="3960440"/>
+          </a:xfrm>
+          <a:prstGeom prst="rect">
+            <a:avLst/>
+          </a:prstGeom>
+        </p:spPr>
+      </p:pic>
+      <p:sp>
+        <p:nvSpPr>
+          <p:cNvPr id="5" name="Rectángulo 4">
+            <a:extLst>
+              <a:ext uri="{FF2B5EF4-FFF2-40B4-BE49-F238E27FC236}">
+                <a16:creationId xmlns:a16="http://schemas.microsoft.com/office/drawing/2014/main" id="{A454AD10-A6B9-4BAF-AB5A-2F05DEA07154}"/>
+              </a:ext>
+            </a:extLst>
+          </p:cNvPr>
+          <p:cNvSpPr/>
+          <p:nvPr/>
+        </p:nvSpPr>
+        <p:spPr>
+          <a:xfrm>
+            <a:off x="261764" y="1204007"/>
+            <a:ext cx="4968553" cy="5386090"/>
+          </a:xfrm>
+          <a:prstGeom prst="rect">
+            <a:avLst/>
+          </a:prstGeom>
+        </p:spPr>
+        <p:txBody>
+          <a:bodyPr wrap="square">
+            <a:spAutoFit/>
+          </a:bodyPr>
+          <a:lstStyle/>
+          <a:p>
+            <a:r>
+              <a:rPr lang="es-ES" b="1" dirty="0">
+                <a:solidFill>
+                  <a:srgbClr val="000000"/>
+                </a:solidFill>
+                <a:latin typeface="Arial" panose="020B0604020202020204" pitchFamily="34" charset="0"/>
+              </a:rPr>
+              <a:t>Matrix </a:t>
+            </a:r>
+            <a:r>
+              <a:rPr lang="es-ES" b="1" dirty="0" err="1">
+                <a:solidFill>
+                  <a:srgbClr val="000000"/>
+                </a:solidFill>
+                <a:latin typeface="Arial" panose="020B0604020202020204" pitchFamily="34" charset="0"/>
+              </a:rPr>
+              <a:t>types</a:t>
+            </a:r>
+            <a:r>
+              <a:rPr lang="es-ES" b="1" dirty="0">
+                <a:solidFill>
+                  <a:srgbClr val="000000"/>
+                </a:solidFill>
+                <a:latin typeface="Arial" panose="020B0604020202020204" pitchFamily="34" charset="0"/>
+              </a:rPr>
+              <a:t> and </a:t>
+            </a:r>
+            <a:r>
+              <a:rPr lang="es-ES" b="1" dirty="0" err="1">
+                <a:solidFill>
+                  <a:srgbClr val="000000"/>
+                </a:solidFill>
+                <a:latin typeface="Arial" panose="020B0604020202020204" pitchFamily="34" charset="0"/>
+              </a:rPr>
+              <a:t>operations</a:t>
+            </a:r>
+            <a:endParaRPr lang="es-ES" b="1" dirty="0">
+              <a:solidFill>
+                <a:srgbClr val="000000"/>
+              </a:solidFill>
+              <a:latin typeface="Arial" panose="020B0604020202020204" pitchFamily="34" charset="0"/>
+            </a:endParaRPr>
+          </a:p>
+          <a:p>
+            <a:endParaRPr lang="es-ES" b="1" i="1" dirty="0">
+              <a:solidFill>
+                <a:srgbClr val="000000"/>
+              </a:solidFill>
+              <a:latin typeface="Arial" panose="020B0604020202020204" pitchFamily="34" charset="0"/>
+            </a:endParaRPr>
+          </a:p>
+          <a:p>
+            <a:pPr marL="285750" indent="-285750">
+              <a:buFont typeface="Arial" panose="020B0604020202020204" pitchFamily="34" charset="0"/>
+              <a:buChar char="•"/>
+            </a:pPr>
+            <a:r>
+              <a:rPr lang="es-ES" i="1" dirty="0">
+                <a:solidFill>
+                  <a:srgbClr val="222222"/>
+                </a:solidFill>
+                <a:latin typeface="Arial" panose="020B0604020202020204" pitchFamily="34" charset="0"/>
+              </a:rPr>
+              <a:t>Real</a:t>
+            </a:r>
+            <a:r>
+              <a:rPr lang="es-ES" dirty="0">
+                <a:solidFill>
+                  <a:srgbClr val="222222"/>
+                </a:solidFill>
+                <a:latin typeface="Arial" panose="020B0604020202020204" pitchFamily="34" charset="0"/>
+              </a:rPr>
+              <a:t> - general (</a:t>
+            </a:r>
+            <a:r>
+              <a:rPr lang="es-ES" dirty="0" err="1">
+                <a:solidFill>
+                  <a:srgbClr val="222222"/>
+                </a:solidFill>
+                <a:latin typeface="Arial" panose="020B0604020202020204" pitchFamily="34" charset="0"/>
+              </a:rPr>
+              <a:t>nonsymmetric</a:t>
+            </a:r>
+            <a:r>
+              <a:rPr lang="es-ES" dirty="0">
+                <a:solidFill>
+                  <a:srgbClr val="222222"/>
+                </a:solidFill>
+                <a:latin typeface="Arial" panose="020B0604020202020204" pitchFamily="34" charset="0"/>
+              </a:rPr>
+              <a:t>) real</a:t>
+            </a:r>
+          </a:p>
+          <a:p>
+            <a:pPr marL="285750" indent="-285750">
+              <a:buFont typeface="Arial" panose="020B0604020202020204" pitchFamily="34" charset="0"/>
+              <a:buChar char="•"/>
+            </a:pPr>
+            <a:r>
+              <a:rPr lang="es-ES" i="1" dirty="0" err="1">
+                <a:solidFill>
+                  <a:srgbClr val="222222"/>
+                </a:solidFill>
+                <a:latin typeface="Arial" panose="020B0604020202020204" pitchFamily="34" charset="0"/>
+              </a:rPr>
+              <a:t>Complex</a:t>
+            </a:r>
+            <a:r>
+              <a:rPr lang="es-ES" dirty="0">
+                <a:solidFill>
+                  <a:srgbClr val="222222"/>
+                </a:solidFill>
+                <a:latin typeface="Arial" panose="020B0604020202020204" pitchFamily="34" charset="0"/>
+              </a:rPr>
+              <a:t> - general (</a:t>
+            </a:r>
+            <a:r>
+              <a:rPr lang="es-ES" dirty="0" err="1">
+                <a:solidFill>
+                  <a:srgbClr val="222222"/>
+                </a:solidFill>
+                <a:latin typeface="Arial" panose="020B0604020202020204" pitchFamily="34" charset="0"/>
+              </a:rPr>
+              <a:t>nonsymmetric</a:t>
+            </a:r>
+            <a:r>
+              <a:rPr lang="es-ES" dirty="0">
+                <a:solidFill>
+                  <a:srgbClr val="222222"/>
+                </a:solidFill>
+                <a:latin typeface="Arial" panose="020B0604020202020204" pitchFamily="34" charset="0"/>
+              </a:rPr>
+              <a:t>) </a:t>
+            </a:r>
+            <a:r>
+              <a:rPr lang="es-ES" dirty="0" err="1">
+                <a:solidFill>
+                  <a:srgbClr val="222222"/>
+                </a:solidFill>
+                <a:latin typeface="Arial" panose="020B0604020202020204" pitchFamily="34" charset="0"/>
+              </a:rPr>
+              <a:t>complex</a:t>
+            </a:r>
+            <a:endParaRPr lang="es-ES" dirty="0">
+              <a:solidFill>
+                <a:srgbClr val="222222"/>
+              </a:solidFill>
+              <a:latin typeface="Arial" panose="020B0604020202020204" pitchFamily="34" charset="0"/>
+            </a:endParaRPr>
+          </a:p>
+          <a:p>
+            <a:pPr marL="285750" indent="-285750">
+              <a:buFont typeface="Arial" panose="020B0604020202020204" pitchFamily="34" charset="0"/>
+              <a:buChar char="•"/>
+            </a:pPr>
+            <a:r>
+              <a:rPr lang="es-ES" i="1" dirty="0">
+                <a:solidFill>
+                  <a:srgbClr val="222222"/>
+                </a:solidFill>
+                <a:latin typeface="Arial" panose="020B0604020202020204" pitchFamily="34" charset="0"/>
+              </a:rPr>
+              <a:t>SPD</a:t>
+            </a:r>
+            <a:r>
+              <a:rPr lang="es-ES" dirty="0">
+                <a:solidFill>
+                  <a:srgbClr val="222222"/>
+                </a:solidFill>
+                <a:latin typeface="Arial" panose="020B0604020202020204" pitchFamily="34" charset="0"/>
+              </a:rPr>
+              <a:t> - </a:t>
+            </a:r>
+            <a:r>
+              <a:rPr lang="es-ES" dirty="0" err="1">
+                <a:solidFill>
+                  <a:srgbClr val="222222"/>
+                </a:solidFill>
+                <a:latin typeface="Arial" panose="020B0604020202020204" pitchFamily="34" charset="0"/>
+              </a:rPr>
+              <a:t>symmetric</a:t>
+            </a:r>
+            <a:r>
+              <a:rPr lang="es-ES" dirty="0">
+                <a:solidFill>
+                  <a:srgbClr val="222222"/>
+                </a:solidFill>
+                <a:latin typeface="Arial" panose="020B0604020202020204" pitchFamily="34" charset="0"/>
+              </a:rPr>
+              <a:t> positive </a:t>
+            </a:r>
+            <a:r>
+              <a:rPr lang="es-ES" dirty="0" err="1">
+                <a:solidFill>
+                  <a:srgbClr val="222222"/>
+                </a:solidFill>
+                <a:latin typeface="Arial" panose="020B0604020202020204" pitchFamily="34" charset="0"/>
+              </a:rPr>
+              <a:t>definite</a:t>
+            </a:r>
+            <a:r>
+              <a:rPr lang="es-ES" dirty="0">
+                <a:solidFill>
+                  <a:srgbClr val="222222"/>
+                </a:solidFill>
+                <a:latin typeface="Arial" panose="020B0604020202020204" pitchFamily="34" charset="0"/>
+              </a:rPr>
+              <a:t> (real)</a:t>
+            </a:r>
+          </a:p>
+          <a:p>
+            <a:pPr marL="285750" indent="-285750">
+              <a:buFont typeface="Arial" panose="020B0604020202020204" pitchFamily="34" charset="0"/>
+              <a:buChar char="•"/>
+            </a:pPr>
+            <a:r>
+              <a:rPr lang="es-ES" i="1" dirty="0">
+                <a:solidFill>
+                  <a:srgbClr val="222222"/>
+                </a:solidFill>
+                <a:latin typeface="Arial" panose="020B0604020202020204" pitchFamily="34" charset="0"/>
+              </a:rPr>
+              <a:t>HPD</a:t>
+            </a:r>
+            <a:r>
+              <a:rPr lang="es-ES" dirty="0">
+                <a:solidFill>
+                  <a:srgbClr val="222222"/>
+                </a:solidFill>
+                <a:latin typeface="Arial" panose="020B0604020202020204" pitchFamily="34" charset="0"/>
+              </a:rPr>
+              <a:t> - </a:t>
+            </a:r>
+            <a:r>
+              <a:rPr lang="es-ES" dirty="0" err="1">
+                <a:solidFill>
+                  <a:srgbClr val="222222"/>
+                </a:solidFill>
+                <a:latin typeface="Arial" panose="020B0604020202020204" pitchFamily="34" charset="0"/>
+              </a:rPr>
+              <a:t>Hermitian</a:t>
+            </a:r>
+            <a:r>
+              <a:rPr lang="es-ES" dirty="0">
+                <a:solidFill>
+                  <a:srgbClr val="222222"/>
+                </a:solidFill>
+                <a:latin typeface="Arial" panose="020B0604020202020204" pitchFamily="34" charset="0"/>
+              </a:rPr>
+              <a:t> positive </a:t>
+            </a:r>
+            <a:r>
+              <a:rPr lang="es-ES" dirty="0" err="1">
+                <a:solidFill>
+                  <a:srgbClr val="222222"/>
+                </a:solidFill>
+                <a:latin typeface="Arial" panose="020B0604020202020204" pitchFamily="34" charset="0"/>
+              </a:rPr>
+              <a:t>definite</a:t>
+            </a:r>
+            <a:r>
+              <a:rPr lang="es-ES" dirty="0">
+                <a:solidFill>
+                  <a:srgbClr val="222222"/>
+                </a:solidFill>
+                <a:latin typeface="Arial" panose="020B0604020202020204" pitchFamily="34" charset="0"/>
+              </a:rPr>
+              <a:t> (</a:t>
+            </a:r>
+            <a:r>
+              <a:rPr lang="es-ES" dirty="0" err="1">
+                <a:solidFill>
+                  <a:srgbClr val="222222"/>
+                </a:solidFill>
+                <a:latin typeface="Arial" panose="020B0604020202020204" pitchFamily="34" charset="0"/>
+              </a:rPr>
+              <a:t>complex</a:t>
+            </a:r>
+            <a:r>
+              <a:rPr lang="es-ES" dirty="0">
+                <a:solidFill>
+                  <a:srgbClr val="222222"/>
+                </a:solidFill>
+                <a:latin typeface="Arial" panose="020B0604020202020204" pitchFamily="34" charset="0"/>
+              </a:rPr>
+              <a:t>)</a:t>
+            </a:r>
+          </a:p>
+          <a:p>
+            <a:pPr marL="285750" indent="-285750">
+              <a:buFont typeface="Arial" panose="020B0604020202020204" pitchFamily="34" charset="0"/>
+              <a:buChar char="•"/>
+            </a:pPr>
+            <a:r>
+              <a:rPr lang="es-ES" i="1" dirty="0">
+                <a:solidFill>
+                  <a:srgbClr val="222222"/>
+                </a:solidFill>
+                <a:latin typeface="Arial" panose="020B0604020202020204" pitchFamily="34" charset="0"/>
+              </a:rPr>
+              <a:t>SY</a:t>
+            </a:r>
+            <a:r>
+              <a:rPr lang="es-ES" dirty="0">
+                <a:solidFill>
+                  <a:srgbClr val="222222"/>
+                </a:solidFill>
+                <a:latin typeface="Arial" panose="020B0604020202020204" pitchFamily="34" charset="0"/>
+              </a:rPr>
+              <a:t> - </a:t>
+            </a:r>
+            <a:r>
+              <a:rPr lang="es-ES" dirty="0" err="1">
+                <a:solidFill>
+                  <a:srgbClr val="222222"/>
+                </a:solidFill>
+                <a:latin typeface="Arial" panose="020B0604020202020204" pitchFamily="34" charset="0"/>
+              </a:rPr>
+              <a:t>symmetric</a:t>
+            </a:r>
+            <a:r>
+              <a:rPr lang="es-ES" dirty="0">
+                <a:solidFill>
+                  <a:srgbClr val="222222"/>
+                </a:solidFill>
+                <a:latin typeface="Arial" panose="020B0604020202020204" pitchFamily="34" charset="0"/>
+              </a:rPr>
+              <a:t> (real)</a:t>
+            </a:r>
+          </a:p>
+          <a:p>
+            <a:pPr marL="285750" indent="-285750">
+              <a:buFont typeface="Arial" panose="020B0604020202020204" pitchFamily="34" charset="0"/>
+              <a:buChar char="•"/>
+            </a:pPr>
+            <a:r>
+              <a:rPr lang="es-ES" i="1" dirty="0">
+                <a:solidFill>
+                  <a:srgbClr val="222222"/>
+                </a:solidFill>
+                <a:latin typeface="Arial" panose="020B0604020202020204" pitchFamily="34" charset="0"/>
+              </a:rPr>
+              <a:t>HE</a:t>
+            </a:r>
+            <a:r>
+              <a:rPr lang="es-ES" dirty="0">
+                <a:solidFill>
+                  <a:srgbClr val="222222"/>
+                </a:solidFill>
+                <a:latin typeface="Arial" panose="020B0604020202020204" pitchFamily="34" charset="0"/>
+              </a:rPr>
+              <a:t> - </a:t>
+            </a:r>
+            <a:r>
+              <a:rPr lang="es-ES" dirty="0" err="1">
+                <a:solidFill>
+                  <a:srgbClr val="222222"/>
+                </a:solidFill>
+                <a:latin typeface="Arial" panose="020B0604020202020204" pitchFamily="34" charset="0"/>
+              </a:rPr>
+              <a:t>Hermitian</a:t>
+            </a:r>
+            <a:r>
+              <a:rPr lang="es-ES" dirty="0">
+                <a:solidFill>
+                  <a:srgbClr val="222222"/>
+                </a:solidFill>
+                <a:latin typeface="Arial" panose="020B0604020202020204" pitchFamily="34" charset="0"/>
+              </a:rPr>
+              <a:t> (</a:t>
+            </a:r>
+            <a:r>
+              <a:rPr lang="es-ES" dirty="0" err="1">
+                <a:solidFill>
+                  <a:srgbClr val="222222"/>
+                </a:solidFill>
+                <a:latin typeface="Arial" panose="020B0604020202020204" pitchFamily="34" charset="0"/>
+              </a:rPr>
+              <a:t>complex</a:t>
+            </a:r>
+            <a:r>
+              <a:rPr lang="es-ES" dirty="0">
+                <a:solidFill>
+                  <a:srgbClr val="222222"/>
+                </a:solidFill>
+                <a:latin typeface="Arial" panose="020B0604020202020204" pitchFamily="34" charset="0"/>
+              </a:rPr>
+              <a:t>)</a:t>
+            </a:r>
+          </a:p>
+          <a:p>
+            <a:pPr marL="285750" indent="-285750">
+              <a:buFont typeface="Arial" panose="020B0604020202020204" pitchFamily="34" charset="0"/>
+              <a:buChar char="•"/>
+            </a:pPr>
+            <a:r>
+              <a:rPr lang="es-ES" i="1" dirty="0">
+                <a:solidFill>
+                  <a:srgbClr val="222222"/>
+                </a:solidFill>
+                <a:latin typeface="Arial" panose="020B0604020202020204" pitchFamily="34" charset="0"/>
+              </a:rPr>
+              <a:t>BND</a:t>
+            </a:r>
+            <a:r>
+              <a:rPr lang="es-ES" dirty="0">
+                <a:solidFill>
+                  <a:srgbClr val="222222"/>
+                </a:solidFill>
+                <a:latin typeface="Arial" panose="020B0604020202020204" pitchFamily="34" charset="0"/>
+              </a:rPr>
+              <a:t> - band</a:t>
+            </a:r>
+          </a:p>
+          <a:p>
+            <a:pPr marL="285750" indent="-285750">
+              <a:buFont typeface="Arial" panose="020B0604020202020204" pitchFamily="34" charset="0"/>
+              <a:buChar char="•"/>
+            </a:pPr>
+            <a:endParaRPr lang="es-ES" dirty="0">
+              <a:solidFill>
+                <a:srgbClr val="222222"/>
+              </a:solidFill>
+              <a:latin typeface="Arial" panose="020B0604020202020204" pitchFamily="34" charset="0"/>
+            </a:endParaRPr>
+          </a:p>
+          <a:p>
+            <a:r>
+              <a:rPr lang="es-ES" sz="2000" b="1" u="sng" dirty="0" err="1">
+                <a:solidFill>
+                  <a:srgbClr val="222222"/>
+                </a:solidFill>
+                <a:latin typeface="Arial" panose="020B0604020202020204" pitchFamily="34" charset="0"/>
+              </a:rPr>
+              <a:t>Operations</a:t>
+            </a:r>
+            <a:r>
+              <a:rPr lang="es-ES" sz="2000" b="1" u="sng" dirty="0">
+                <a:solidFill>
+                  <a:srgbClr val="222222"/>
+                </a:solidFill>
+                <a:latin typeface="Arial" panose="020B0604020202020204" pitchFamily="34" charset="0"/>
+              </a:rPr>
+              <a:t>:</a:t>
+            </a:r>
+          </a:p>
+          <a:p>
+            <a:endParaRPr lang="es-ES" dirty="0">
+              <a:solidFill>
+                <a:srgbClr val="222222"/>
+              </a:solidFill>
+              <a:latin typeface="Arial" panose="020B0604020202020204" pitchFamily="34" charset="0"/>
+            </a:endParaRPr>
+          </a:p>
+          <a:p>
+            <a:pPr marL="285750" indent="-285750">
+              <a:buFont typeface="Arial" panose="020B0604020202020204" pitchFamily="34" charset="0"/>
+              <a:buChar char="•"/>
+            </a:pPr>
+            <a:r>
+              <a:rPr lang="es-ES" i="1" dirty="0">
+                <a:solidFill>
+                  <a:srgbClr val="222222"/>
+                </a:solidFill>
+                <a:latin typeface="Arial" panose="020B0604020202020204" pitchFamily="34" charset="0"/>
+              </a:rPr>
+              <a:t>TF</a:t>
+            </a:r>
+            <a:r>
+              <a:rPr lang="es-ES" dirty="0">
+                <a:solidFill>
+                  <a:srgbClr val="222222"/>
+                </a:solidFill>
+                <a:latin typeface="Arial" panose="020B0604020202020204" pitchFamily="34" charset="0"/>
+              </a:rPr>
+              <a:t> - triangular </a:t>
+            </a:r>
+            <a:r>
+              <a:rPr lang="es-ES" dirty="0" err="1">
+                <a:solidFill>
+                  <a:srgbClr val="222222"/>
+                </a:solidFill>
+                <a:latin typeface="Arial" panose="020B0604020202020204" pitchFamily="34" charset="0"/>
+              </a:rPr>
+              <a:t>factorizations</a:t>
+            </a:r>
+            <a:r>
+              <a:rPr lang="es-ES" dirty="0">
+                <a:solidFill>
+                  <a:srgbClr val="222222"/>
+                </a:solidFill>
+                <a:latin typeface="Arial" panose="020B0604020202020204" pitchFamily="34" charset="0"/>
+              </a:rPr>
+              <a:t> (LU, </a:t>
+            </a:r>
+            <a:r>
+              <a:rPr lang="es-ES" dirty="0" err="1">
+                <a:solidFill>
+                  <a:srgbClr val="222222"/>
+                </a:solidFill>
+                <a:latin typeface="Arial" panose="020B0604020202020204" pitchFamily="34" charset="0"/>
+              </a:rPr>
+              <a:t>Cholesky</a:t>
+            </a:r>
+            <a:r>
+              <a:rPr lang="es-ES" dirty="0">
+                <a:solidFill>
+                  <a:srgbClr val="222222"/>
+                </a:solidFill>
+                <a:latin typeface="Arial" panose="020B0604020202020204" pitchFamily="34" charset="0"/>
+              </a:rPr>
+              <a:t>)</a:t>
+            </a:r>
+          </a:p>
+          <a:p>
+            <a:pPr marL="285750" indent="-285750">
+              <a:buFont typeface="Arial" panose="020B0604020202020204" pitchFamily="34" charset="0"/>
+              <a:buChar char="•"/>
+            </a:pPr>
+            <a:r>
+              <a:rPr lang="es-ES" i="1" dirty="0">
+                <a:solidFill>
+                  <a:srgbClr val="222222"/>
+                </a:solidFill>
+                <a:latin typeface="Arial" panose="020B0604020202020204" pitchFamily="34" charset="0"/>
+              </a:rPr>
+              <a:t>OF</a:t>
+            </a:r>
+            <a:r>
+              <a:rPr lang="es-ES" dirty="0">
+                <a:solidFill>
+                  <a:srgbClr val="222222"/>
+                </a:solidFill>
+                <a:latin typeface="Arial" panose="020B0604020202020204" pitchFamily="34" charset="0"/>
+              </a:rPr>
+              <a:t> - </a:t>
+            </a:r>
+            <a:r>
+              <a:rPr lang="es-ES" dirty="0" err="1">
+                <a:solidFill>
+                  <a:srgbClr val="222222"/>
+                </a:solidFill>
+                <a:latin typeface="Arial" panose="020B0604020202020204" pitchFamily="34" charset="0"/>
+              </a:rPr>
+              <a:t>orthogonal</a:t>
+            </a:r>
+            <a:r>
+              <a:rPr lang="es-ES" dirty="0">
+                <a:solidFill>
+                  <a:srgbClr val="222222"/>
+                </a:solidFill>
+                <a:latin typeface="Arial" panose="020B0604020202020204" pitchFamily="34" charset="0"/>
+              </a:rPr>
+              <a:t> </a:t>
+            </a:r>
+            <a:r>
+              <a:rPr lang="es-ES" dirty="0" err="1">
+                <a:solidFill>
+                  <a:srgbClr val="222222"/>
+                </a:solidFill>
+                <a:latin typeface="Arial" panose="020B0604020202020204" pitchFamily="34" charset="0"/>
+              </a:rPr>
+              <a:t>factorizations</a:t>
+            </a:r>
+            <a:r>
+              <a:rPr lang="es-ES" dirty="0">
+                <a:solidFill>
+                  <a:srgbClr val="222222"/>
+                </a:solidFill>
+                <a:latin typeface="Arial" panose="020B0604020202020204" pitchFamily="34" charset="0"/>
+              </a:rPr>
+              <a:t> (QR, QL, </a:t>
+            </a:r>
+            <a:r>
+              <a:rPr lang="es-ES" dirty="0" err="1">
+                <a:solidFill>
+                  <a:srgbClr val="222222"/>
+                </a:solidFill>
+                <a:latin typeface="Arial" panose="020B0604020202020204" pitchFamily="34" charset="0"/>
+              </a:rPr>
+              <a:t>generalized</a:t>
+            </a:r>
+            <a:r>
+              <a:rPr lang="es-ES" dirty="0">
+                <a:solidFill>
+                  <a:srgbClr val="222222"/>
+                </a:solidFill>
+                <a:latin typeface="Arial" panose="020B0604020202020204" pitchFamily="34" charset="0"/>
+              </a:rPr>
+              <a:t> </a:t>
+            </a:r>
+            <a:r>
+              <a:rPr lang="es-ES" dirty="0" err="1">
+                <a:solidFill>
+                  <a:srgbClr val="222222"/>
+                </a:solidFill>
+                <a:latin typeface="Arial" panose="020B0604020202020204" pitchFamily="34" charset="0"/>
+              </a:rPr>
+              <a:t>factorizations</a:t>
+            </a:r>
+            <a:r>
+              <a:rPr lang="es-ES" dirty="0">
+                <a:solidFill>
+                  <a:srgbClr val="222222"/>
+                </a:solidFill>
+                <a:latin typeface="Arial" panose="020B0604020202020204" pitchFamily="34" charset="0"/>
+              </a:rPr>
+              <a:t>)</a:t>
+            </a:r>
+          </a:p>
+          <a:p>
+            <a:pPr marL="285750" indent="-285750">
+              <a:buFont typeface="Arial" panose="020B0604020202020204" pitchFamily="34" charset="0"/>
+              <a:buChar char="•"/>
+            </a:pPr>
+            <a:r>
+              <a:rPr lang="es-ES" i="1" dirty="0">
+                <a:solidFill>
+                  <a:srgbClr val="222222"/>
+                </a:solidFill>
+                <a:latin typeface="Arial" panose="020B0604020202020204" pitchFamily="34" charset="0"/>
+              </a:rPr>
+              <a:t>EVD</a:t>
+            </a:r>
+            <a:r>
+              <a:rPr lang="es-ES" dirty="0">
+                <a:solidFill>
+                  <a:srgbClr val="222222"/>
+                </a:solidFill>
+                <a:latin typeface="Arial" panose="020B0604020202020204" pitchFamily="34" charset="0"/>
+              </a:rPr>
+              <a:t> - </a:t>
+            </a:r>
+            <a:r>
+              <a:rPr lang="es-ES" dirty="0" err="1">
+                <a:solidFill>
+                  <a:srgbClr val="222222"/>
+                </a:solidFill>
+                <a:latin typeface="Arial" panose="020B0604020202020204" pitchFamily="34" charset="0"/>
+              </a:rPr>
+              <a:t>eigenproblems</a:t>
+            </a:r>
+            <a:endParaRPr lang="es-ES" dirty="0">
+              <a:solidFill>
+                <a:srgbClr val="222222"/>
+              </a:solidFill>
+              <a:latin typeface="Arial" panose="020B0604020202020204" pitchFamily="34" charset="0"/>
+            </a:endParaRPr>
+          </a:p>
+          <a:p>
+            <a:pPr marL="285750" indent="-285750">
+              <a:buFont typeface="Arial" panose="020B0604020202020204" pitchFamily="34" charset="0"/>
+              <a:buChar char="•"/>
+            </a:pPr>
+            <a:r>
+              <a:rPr lang="es-ES" i="1" dirty="0">
+                <a:solidFill>
+                  <a:srgbClr val="222222"/>
+                </a:solidFill>
+                <a:latin typeface="Arial" panose="020B0604020202020204" pitchFamily="34" charset="0"/>
+              </a:rPr>
+              <a:t>SVD</a:t>
+            </a:r>
+            <a:r>
+              <a:rPr lang="es-ES" dirty="0">
+                <a:solidFill>
+                  <a:srgbClr val="222222"/>
+                </a:solidFill>
+                <a:latin typeface="Arial" panose="020B0604020202020204" pitchFamily="34" charset="0"/>
+              </a:rPr>
+              <a:t> - singular </a:t>
+            </a:r>
+            <a:r>
+              <a:rPr lang="es-ES" dirty="0" err="1">
+                <a:solidFill>
+                  <a:srgbClr val="222222"/>
+                </a:solidFill>
+                <a:latin typeface="Arial" panose="020B0604020202020204" pitchFamily="34" charset="0"/>
+              </a:rPr>
+              <a:t>value</a:t>
+            </a:r>
+            <a:r>
+              <a:rPr lang="es-ES" dirty="0">
+                <a:solidFill>
+                  <a:srgbClr val="222222"/>
+                </a:solidFill>
+                <a:latin typeface="Arial" panose="020B0604020202020204" pitchFamily="34" charset="0"/>
+              </a:rPr>
+              <a:t> </a:t>
+            </a:r>
+            <a:r>
+              <a:rPr lang="es-ES" dirty="0" err="1">
+                <a:solidFill>
+                  <a:srgbClr val="222222"/>
+                </a:solidFill>
+                <a:latin typeface="Arial" panose="020B0604020202020204" pitchFamily="34" charset="0"/>
+              </a:rPr>
+              <a:t>decomposition</a:t>
+            </a:r>
+            <a:endParaRPr lang="es-ES" dirty="0">
+              <a:solidFill>
+                <a:srgbClr val="222222"/>
+              </a:solidFill>
+              <a:latin typeface="Arial" panose="020B0604020202020204" pitchFamily="34" charset="0"/>
+            </a:endParaRPr>
+          </a:p>
+          <a:p>
+            <a:pPr marL="285750" indent="-285750">
+              <a:buFont typeface="Arial" panose="020B0604020202020204" pitchFamily="34" charset="0"/>
+              <a:buChar char="•"/>
+            </a:pPr>
+            <a:r>
+              <a:rPr lang="es-ES" i="1" dirty="0">
+                <a:solidFill>
+                  <a:srgbClr val="222222"/>
+                </a:solidFill>
+                <a:latin typeface="Arial" panose="020B0604020202020204" pitchFamily="34" charset="0"/>
+              </a:rPr>
+              <a:t>GEVD</a:t>
+            </a:r>
+            <a:r>
+              <a:rPr lang="es-ES" dirty="0">
+                <a:solidFill>
+                  <a:srgbClr val="222222"/>
+                </a:solidFill>
+                <a:latin typeface="Arial" panose="020B0604020202020204" pitchFamily="34" charset="0"/>
+              </a:rPr>
+              <a:t> - </a:t>
+            </a:r>
+            <a:r>
+              <a:rPr lang="es-ES" dirty="0" err="1">
+                <a:solidFill>
+                  <a:srgbClr val="222222"/>
+                </a:solidFill>
+                <a:latin typeface="Arial" panose="020B0604020202020204" pitchFamily="34" charset="0"/>
+              </a:rPr>
+              <a:t>generalized</a:t>
+            </a:r>
+            <a:r>
+              <a:rPr lang="es-ES" dirty="0">
+                <a:solidFill>
+                  <a:srgbClr val="222222"/>
+                </a:solidFill>
+                <a:latin typeface="Arial" panose="020B0604020202020204" pitchFamily="34" charset="0"/>
+              </a:rPr>
+              <a:t> EVD</a:t>
+            </a:r>
+          </a:p>
+          <a:p>
+            <a:pPr marL="285750" indent="-285750">
+              <a:buFont typeface="Arial" panose="020B0604020202020204" pitchFamily="34" charset="0"/>
+              <a:buChar char="•"/>
+            </a:pPr>
+            <a:r>
+              <a:rPr lang="es-ES" i="1" dirty="0">
+                <a:solidFill>
+                  <a:srgbClr val="222222"/>
+                </a:solidFill>
+                <a:latin typeface="Arial" panose="020B0604020202020204" pitchFamily="34" charset="0"/>
+              </a:rPr>
+              <a:t>GSVD</a:t>
+            </a:r>
+            <a:r>
+              <a:rPr lang="es-ES" dirty="0">
+                <a:solidFill>
+                  <a:srgbClr val="222222"/>
+                </a:solidFill>
+                <a:latin typeface="Arial" panose="020B0604020202020204" pitchFamily="34" charset="0"/>
+              </a:rPr>
+              <a:t> - </a:t>
+            </a:r>
+            <a:r>
+              <a:rPr lang="es-ES" dirty="0" err="1">
+                <a:solidFill>
+                  <a:srgbClr val="222222"/>
+                </a:solidFill>
+                <a:latin typeface="Arial" panose="020B0604020202020204" pitchFamily="34" charset="0"/>
+              </a:rPr>
+              <a:t>generalized</a:t>
+            </a:r>
+            <a:r>
+              <a:rPr lang="es-ES" dirty="0">
+                <a:solidFill>
+                  <a:srgbClr val="222222"/>
+                </a:solidFill>
+                <a:latin typeface="Arial" panose="020B0604020202020204" pitchFamily="34" charset="0"/>
+              </a:rPr>
+              <a:t> SVD</a:t>
+            </a:r>
+            <a:endParaRPr lang="es-ES" b="0" i="0" dirty="0">
+              <a:solidFill>
+                <a:srgbClr val="222222"/>
+              </a:solidFill>
+              <a:effectLst/>
+              <a:latin typeface="Arial" panose="020B0604020202020204" pitchFamily="34" charset="0"/>
+            </a:endParaRPr>
+          </a:p>
+        </p:txBody>
+      </p:sp>
+      <p:sp>
+        <p:nvSpPr>
+          <p:cNvPr id="6" name="Elipse 5">
+            <a:extLst>
+              <a:ext uri="{FF2B5EF4-FFF2-40B4-BE49-F238E27FC236}">
+                <a16:creationId xmlns:a16="http://schemas.microsoft.com/office/drawing/2014/main" id="{E6EAB6B6-BFE6-4A3B-ADCC-A79C0D354213}"/>
+              </a:ext>
+            </a:extLst>
+          </p:cNvPr>
+          <p:cNvSpPr/>
+          <p:nvPr/>
+        </p:nvSpPr>
+        <p:spPr>
+          <a:xfrm>
+            <a:off x="5698368" y="4005064"/>
+            <a:ext cx="720080" cy="288032"/>
+          </a:xfrm>
+          <a:prstGeom prst="ellipse">
+            <a:avLst/>
+          </a:prstGeom>
+          <a:noFill/>
+          <a:ln>
+            <a:solidFill>
+              <a:srgbClr val="FF0000"/>
+            </a:solidFill>
+          </a:ln>
+        </p:spPr>
+        <p:style>
+          <a:lnRef idx="2">
+            <a:schemeClr val="dk1"/>
+          </a:lnRef>
+          <a:fillRef idx="1">
+            <a:schemeClr val="lt1"/>
+          </a:fillRef>
+          <a:effectRef idx="0">
+            <a:schemeClr val="dk1"/>
+          </a:effectRef>
+          <a:fontRef idx="minor">
+            <a:schemeClr val="dk1"/>
+          </a:fontRef>
+        </p:style>
+        <p:txBody>
+          <a:bodyPr rtlCol="0" anchor="ctr"/>
+          <a:lstStyle/>
+          <a:p>
+            <a:pPr algn="ctr"/>
+            <a:endParaRPr lang="es-ES" dirty="0">
+              <a:solidFill>
+                <a:srgbClr val="FF0000"/>
+              </a:solidFill>
+            </a:endParaRPr>
+          </a:p>
+        </p:txBody>
+      </p:sp>
+      <p:cxnSp>
+        <p:nvCxnSpPr>
+          <p:cNvPr id="9" name="Conector recto de flecha 8">
+            <a:extLst>
+              <a:ext uri="{FF2B5EF4-FFF2-40B4-BE49-F238E27FC236}">
+                <a16:creationId xmlns:a16="http://schemas.microsoft.com/office/drawing/2014/main" id="{FB45939F-A7CF-489C-893A-B217551831E4}"/>
+              </a:ext>
+            </a:extLst>
+          </p:cNvPr>
+          <p:cNvCxnSpPr/>
+          <p:nvPr/>
+        </p:nvCxnSpPr>
+        <p:spPr>
+          <a:xfrm>
+            <a:off x="4366220" y="3933056"/>
+            <a:ext cx="1296144" cy="216024"/>
+          </a:xfrm>
+          <a:prstGeom prst="straightConnector1">
+            <a:avLst/>
+          </a:prstGeom>
+          <a:ln>
+            <a:solidFill>
+              <a:srgbClr val="FF0000"/>
+            </a:solidFill>
+            <a:tailEnd type="triangle"/>
+          </a:ln>
+        </p:spPr>
+        <p:style>
+          <a:lnRef idx="1">
+            <a:schemeClr val="accent1"/>
+          </a:lnRef>
+          <a:fillRef idx="0">
+            <a:schemeClr val="accent1"/>
+          </a:fillRef>
+          <a:effectRef idx="0">
+            <a:schemeClr val="accent1"/>
+          </a:effectRef>
+          <a:fontRef idx="minor">
+            <a:schemeClr val="tx1"/>
+          </a:fontRef>
+        </p:style>
+      </p:cxnSp>
+      <p:pic>
+        <p:nvPicPr>
+          <p:cNvPr id="10" name="Imagen 9">
+            <a:extLst>
+              <a:ext uri="{FF2B5EF4-FFF2-40B4-BE49-F238E27FC236}">
+                <a16:creationId xmlns:a16="http://schemas.microsoft.com/office/drawing/2014/main" id="{BECD3DFC-561B-47B6-9ADF-08DEE1D3A64F}"/>
+              </a:ext>
+            </a:extLst>
+          </p:cNvPr>
+          <p:cNvPicPr>
+            <a:picLocks noChangeAspect="1"/>
+          </p:cNvPicPr>
+          <p:nvPr/>
+        </p:nvPicPr>
+        <p:blipFill>
+          <a:blip r:embed="rId3">
+            <a:extLst>
+              <a:ext uri="{28A0092B-C50C-407E-A947-70E740481C1C}">
+                <a14:useLocalDpi xmlns:a14="http://schemas.microsoft.com/office/drawing/2010/main" val="0"/>
+              </a:ext>
+            </a:extLst>
+          </a:blip>
+          <a:stretch>
+            <a:fillRect/>
+          </a:stretch>
+        </p:blipFill>
+        <p:spPr>
+          <a:xfrm>
+            <a:off x="116069" y="71373"/>
+            <a:ext cx="2019582" cy="924054"/>
+          </a:xfrm>
+          <a:prstGeom prst="rect">
+            <a:avLst/>
+          </a:prstGeom>
+        </p:spPr>
+      </p:pic>
+    </p:spTree>
+    <p:extLst>
+      <p:ext uri="{BB962C8B-B14F-4D97-AF65-F5344CB8AC3E}">
+        <p14:creationId xmlns:p14="http://schemas.microsoft.com/office/powerpoint/2010/main" val="47941704"/>
+      </p:ext>
+    </p:extLst>
+  </p:cSld>
+  <p:clrMapOvr>
+    <a:masterClrMapping/>
+  </p:clrMapOvr>
+  <mc:AlternateContent xmlns:mc="http://schemas.openxmlformats.org/markup-compatibility/2006" xmlns:p14="http://schemas.microsoft.com/office/powerpoint/2010/main">
+    <mc:Choice Requires="p14">
+      <p:transition spd="med" p14:dur="700">
+        <p:fade/>
+      </p:transition>
+    </mc:Choice>
+    <mc:Fallback xmlns="">
+      <p:transition spd="med">
+        <p:fade/>
+      </p:transition>
+    </mc:Fallback>
+  </mc:AlternateContent>
+</p:sld>
+</file>
+
+<file path=ppt/slides/slide9.xml><?xml version="1.0" encoding="utf-8"?>
+<p:sld xmlns:a="http://schemas.openxmlformats.org/drawingml/2006/main" xmlns:r="http://schemas.openxmlformats.org/officeDocument/2006/relationships" xmlns:p="http://schemas.openxmlformats.org/presentationml/2006/main">
+  <p:cSld>
+    <p:spTree>
+      <p:nvGrpSpPr>
+        <p:cNvPr id="1" name=""/>
+        <p:cNvGrpSpPr/>
+        <p:nvPr/>
+      </p:nvGrpSpPr>
+      <p:grpSpPr>
+        <a:xfrm>
+          <a:off x="0" y="0"/>
+          <a:ext cx="0" cy="0"/>
+          <a:chOff x="0" y="0"/>
+          <a:chExt cx="0" cy="0"/>
+        </a:xfrm>
+      </p:grpSpPr>
+      <p:sp>
+        <p:nvSpPr>
           <p:cNvPr id="2" name="Título 1"/>
           <p:cNvSpPr>
             <a:spLocks noGrp="1"/>
@@ -6176,7 +7578,7 @@
             <p:ph idx="1"/>
             <p:extLst>
               <p:ext uri="{D42A27DB-BD31-4B8C-83A1-F6EECF244321}">
-                <p14:modId xmlns:p14="http://schemas.microsoft.com/office/powerpoint/2010/main" val="2281936639"/>
+                <p14:modId xmlns:p14="http://schemas.microsoft.com/office/powerpoint/2010/main" val="2942068631"/>
               </p:ext>
             </p:extLst>
           </p:nvPr>
@@ -6227,6 +7629,92 @@
           </a:prstGeom>
         </p:spPr>
       </p:pic>
+      <p:pic>
+        <p:nvPicPr>
+          <p:cNvPr id="1026" name="Picture 2" descr="inappropriate lizard GIF">
+            <a:extLst>
+              <a:ext uri="{FF2B5EF4-FFF2-40B4-BE49-F238E27FC236}">
+                <a16:creationId xmlns:a16="http://schemas.microsoft.com/office/drawing/2014/main" id="{F0790F92-362D-4DFB-99D6-A33654C356F7}"/>
+              </a:ext>
+            </a:extLst>
+          </p:cNvPr>
+          <p:cNvPicPr>
+            <a:picLocks noChangeAspect="1" noChangeArrowheads="1" noCrop="1"/>
+          </p:cNvPicPr>
+          <p:nvPr/>
+        </p:nvPicPr>
+        <p:blipFill>
+          <a:blip r:embed="rId5">
+            <a:extLst>
+              <a:ext uri="{28A0092B-C50C-407E-A947-70E740481C1C}">
+                <a14:useLocalDpi xmlns:a14="http://schemas.microsoft.com/office/drawing/2010/main" val="0"/>
+              </a:ext>
+            </a:extLst>
+          </a:blip>
+          <a:srcRect/>
+          <a:stretch>
+            <a:fillRect/>
+          </a:stretch>
+        </p:blipFill>
+        <p:spPr bwMode="auto">
+          <a:xfrm>
+            <a:off x="7966620" y="371475"/>
+            <a:ext cx="2476500" cy="1390650"/>
+          </a:xfrm>
+          <a:prstGeom prst="rect">
+            <a:avLst/>
+          </a:prstGeom>
+          <a:noFill/>
+          <a:extLst>
+            <a:ext uri="{909E8E84-426E-40DD-AFC4-6F175D3DCCD1}">
+              <a14:hiddenFill xmlns:a14="http://schemas.microsoft.com/office/drawing/2010/main">
+                <a:solidFill>
+                  <a:srgbClr val="FFFFFF"/>
+                </a:solidFill>
+              </a14:hiddenFill>
+            </a:ext>
+          </a:extLst>
+        </p:spPr>
+      </p:pic>
+      <p:sp>
+        <p:nvSpPr>
+          <p:cNvPr id="3" name="CuadroTexto 2">
+            <a:extLst>
+              <a:ext uri="{FF2B5EF4-FFF2-40B4-BE49-F238E27FC236}">
+                <a16:creationId xmlns:a16="http://schemas.microsoft.com/office/drawing/2014/main" id="{2E7EA6A8-8FB7-4B0D-9EA7-ABDC1E39746F}"/>
+              </a:ext>
+            </a:extLst>
+          </p:cNvPr>
+          <p:cNvSpPr txBox="1"/>
+          <p:nvPr/>
+        </p:nvSpPr>
+        <p:spPr>
+          <a:xfrm>
+            <a:off x="8088746" y="6492"/>
+            <a:ext cx="2232248" cy="369332"/>
+          </a:xfrm>
+          <a:prstGeom prst="rect">
+            <a:avLst/>
+          </a:prstGeom>
+          <a:noFill/>
+          <a:ln>
+            <a:noFill/>
+          </a:ln>
+        </p:spPr>
+        <p:txBody>
+          <a:bodyPr wrap="square" rtlCol="0" anchor="ctr" anchorCtr="1">
+            <a:spAutoFit/>
+          </a:bodyPr>
+          <a:lstStyle/>
+          <a:p>
+            <a:r>
+              <a:rPr lang="es-ES" dirty="0" err="1"/>
+              <a:t>Lapack</a:t>
+            </a:r>
+            <a:endParaRPr lang="es-ES" dirty="0"/>
+          </a:p>
+        </p:txBody>
+      </p:sp>
     </p:spTree>
     <p:extLst>
       <p:ext uri="{BB962C8B-B14F-4D97-AF65-F5344CB8AC3E}">
@@ -7091,14 +8579,12 @@
 </file>
 
 <file path=customXml/item1.xml><?xml version="1.0" encoding="utf-8"?>
-<p:properties xmlns:p="http://schemas.microsoft.com/office/2006/metadata/properties" xmlns:xsi="http://www.w3.org/2001/XMLSchema-instance" xmlns:pc="http://schemas.microsoft.com/office/infopath/2007/PartnerControls">
-  <documentManagement>
-    <VSO_x0020_item_x0020_id xmlns="40262f94-9f35-4ac3-9a90-690165a166b7" xsi:nil="true"/>
-    <Assetid_x0020_ xmlns="40262f94-9f35-4ac3-9a90-690165a166b7" xsi:nil="true"/>
-    <Item_x0020_Details xmlns="40262f94-9f35-4ac3-9a90-690165a166b7" xsi:nil="true"/>
-    <Template_x0020_details xmlns="40262f94-9f35-4ac3-9a90-690165a166b7" xsi:nil="true"/>
-  </documentManagement>
-</p:properties>
+<?mso-contentType ?>
+<FormTemplates xmlns="http://schemas.microsoft.com/sharepoint/v3/contenttype/forms">
+  <Display>DocumentLibraryForm</Display>
+  <Edit>DocumentLibraryForm</Edit>
+  <New>DocumentLibraryForm</New>
+</FormTemplates>
 </file>
 
 <file path=customXml/item2.xml><?xml version="1.0" encoding="utf-8"?>
@@ -7283,27 +8769,20 @@
 </file>
 
 <file path=customXml/item3.xml><?xml version="1.0" encoding="utf-8"?>
-<?mso-contentType ?>
-<FormTemplates xmlns="http://schemas.microsoft.com/sharepoint/v3/contenttype/forms">
-  <Display>DocumentLibraryForm</Display>
-  <Edit>DocumentLibraryForm</Edit>
-  <New>DocumentLibraryForm</New>
-</FormTemplates>
+<p:properties xmlns:p="http://schemas.microsoft.com/office/2006/metadata/properties" xmlns:xsi="http://www.w3.org/2001/XMLSchema-instance" xmlns:pc="http://schemas.microsoft.com/office/infopath/2007/PartnerControls">
+  <documentManagement>
+    <VSO_x0020_item_x0020_id xmlns="40262f94-9f35-4ac3-9a90-690165a166b7" xsi:nil="true"/>
+    <Assetid_x0020_ xmlns="40262f94-9f35-4ac3-9a90-690165a166b7" xsi:nil="true"/>
+    <Item_x0020_Details xmlns="40262f94-9f35-4ac3-9a90-690165a166b7" xsi:nil="true"/>
+    <Template_x0020_details xmlns="40262f94-9f35-4ac3-9a90-690165a166b7" xsi:nil="true"/>
+  </documentManagement>
+</p:properties>
 </file>
 
 <file path=customXml/itemProps1.xml><?xml version="1.0" encoding="utf-8"?>
-<ds:datastoreItem xmlns:ds="http://schemas.openxmlformats.org/officeDocument/2006/customXml" ds:itemID="{3FFF1070-8794-47AC-90B7-1F2E078096FF}">
+<ds:datastoreItem xmlns:ds="http://schemas.openxmlformats.org/officeDocument/2006/customXml" ds:itemID="{653E1689-1E09-4ADC-A5E7-6718BF79A8A6}">
   <ds:schemaRefs>
-    <ds:schemaRef ds:uri="http://schemas.microsoft.com/office/2006/metadata/properties"/>
-    <ds:schemaRef ds:uri="http://www.w3.org/XML/1998/namespace"/>
-    <ds:schemaRef ds:uri="http://schemas.microsoft.com/office/2006/documentManagement/types"/>
-    <ds:schemaRef ds:uri="http://purl.org/dc/terms/"/>
-    <ds:schemaRef ds:uri="40262f94-9f35-4ac3-9a90-690165a166b7"/>
-    <ds:schemaRef ds:uri="http://schemas.microsoft.com/office/infopath/2007/PartnerControls"/>
-    <ds:schemaRef ds:uri="http://purl.org/dc/dcmitype/"/>
-    <ds:schemaRef ds:uri="http://purl.org/dc/elements/1.1/"/>
-    <ds:schemaRef ds:uri="http://schemas.openxmlformats.org/package/2006/metadata/core-properties"/>
-    <ds:schemaRef ds:uri="a4f35948-e619-41b3-aa29-22878b09cfd2"/>
+    <ds:schemaRef ds:uri="http://schemas.microsoft.com/sharepoint/v3/contenttype/forms"/>
   </ds:schemaRefs>
 </ds:datastoreItem>
 </file>
@@ -7328,9 +8807,18 @@
 </file>
 
 <file path=customXml/itemProps3.xml><?xml version="1.0" encoding="utf-8"?>
-<ds:datastoreItem xmlns:ds="http://schemas.openxmlformats.org/officeDocument/2006/customXml" ds:itemID="{653E1689-1E09-4ADC-A5E7-6718BF79A8A6}">
+<ds:datastoreItem xmlns:ds="http://schemas.openxmlformats.org/officeDocument/2006/customXml" ds:itemID="{3FFF1070-8794-47AC-90B7-1F2E078096FF}">
   <ds:schemaRefs>
-    <ds:schemaRef ds:uri="http://schemas.microsoft.com/sharepoint/v3/contenttype/forms"/>
+    <ds:schemaRef ds:uri="http://schemas.microsoft.com/office/2006/metadata/properties"/>
+    <ds:schemaRef ds:uri="http://www.w3.org/XML/1998/namespace"/>
+    <ds:schemaRef ds:uri="http://schemas.microsoft.com/office/2006/documentManagement/types"/>
+    <ds:schemaRef ds:uri="http://purl.org/dc/terms/"/>
+    <ds:schemaRef ds:uri="40262f94-9f35-4ac3-9a90-690165a166b7"/>
+    <ds:schemaRef ds:uri="http://schemas.microsoft.com/office/infopath/2007/PartnerControls"/>
+    <ds:schemaRef ds:uri="http://purl.org/dc/dcmitype/"/>
+    <ds:schemaRef ds:uri="http://purl.org/dc/elements/1.1/"/>
+    <ds:schemaRef ds:uri="http://schemas.openxmlformats.org/package/2006/metadata/core-properties"/>
+    <ds:schemaRef ds:uri="a4f35948-e619-41b3-aa29-22878b09cfd2"/>
   </ds:schemaRefs>
 </ds:datastoreItem>
 </file>
--- a/lu-lapack.pptx
+++ b/lu-lapack.pptx
@@ -1224,7 +1224,7 @@
             <a:pPr rtl="0"/>
             <a:fld id="{CFC3AB43-A716-41D3-8542-E2B83FF90C30}" type="datetime1">
               <a:rPr lang="es-ES" smtClean="0"/>
-              <a:t>19/02/2018</a:t>
+              <a:t>19/2/18</a:t>
             </a:fld>
             <a:endParaRPr lang="es-ES" dirty="0"/>
           </a:p>
@@ -1393,7 +1393,7 @@
             <a:fld id="{B99415C8-EA5F-40DA-B692-F57629F0830E}" type="datetime1">
               <a:rPr lang="es-ES" noProof="0" smtClean="0"/>
               <a:pPr/>
-              <a:t>19/02/2018</a:t>
+              <a:t>19/2/18</a:t>
             </a:fld>
             <a:endParaRPr lang="es-ES" noProof="0" dirty="0"/>
           </a:p>
@@ -2088,7 +2088,7 @@
             <a:fld id="{D3E5EB10-21A3-46AF-9F87-719B4871B7E9}" type="datetime1">
               <a:rPr lang="es-ES" noProof="0" smtClean="0"/>
               <a:pPr/>
-              <a:t>19/02/2018</a:t>
+              <a:t>19/2/18</a:t>
             </a:fld>
             <a:endParaRPr lang="es-ES" noProof="0" dirty="0"/>
           </a:p>
@@ -2290,7 +2290,7 @@
             <a:fld id="{1B150DC9-D51B-4532-9742-17D563F7B844}" type="datetime1">
               <a:rPr lang="es-ES" noProof="0" smtClean="0"/>
               <a:pPr/>
-              <a:t>19/02/2018</a:t>
+              <a:t>19/2/18</a:t>
             </a:fld>
             <a:endParaRPr lang="es-ES" noProof="0" dirty="0"/>
           </a:p>
@@ -2497,7 +2497,7 @@
             <a:fld id="{435D6C72-29E8-4745-90E7-3DCDC3BB08B1}" type="datetime1">
               <a:rPr lang="es-ES" noProof="0" smtClean="0"/>
               <a:pPr/>
-              <a:t>19/02/2018</a:t>
+              <a:t>19/2/18</a:t>
             </a:fld>
             <a:endParaRPr lang="es-ES" noProof="0" dirty="0"/>
           </a:p>
@@ -2694,7 +2694,7 @@
             <a:fld id="{18582301-5656-41C5-859E-C3578B1613A0}" type="datetime1">
               <a:rPr lang="es-ES" noProof="0" smtClean="0"/>
               <a:pPr/>
-              <a:t>19/02/2018</a:t>
+              <a:t>19/2/18</a:t>
             </a:fld>
             <a:endParaRPr lang="es-ES" noProof="0" dirty="0"/>
           </a:p>
@@ -2971,7 +2971,7 @@
             <a:fld id="{98063A5B-0A71-4EE0-8ADD-6A894F185F26}" type="datetime1">
               <a:rPr lang="es-ES" noProof="0" smtClean="0"/>
               <a:pPr/>
-              <a:t>19/02/2018</a:t>
+              <a:t>19/2/18</a:t>
             </a:fld>
             <a:endParaRPr lang="es-ES" noProof="0" dirty="0"/>
           </a:p>
@@ -3290,7 +3290,7 @@
             <a:fld id="{C0E0A9B6-D611-4A47-BC84-432D674749BC}" type="datetime1">
               <a:rPr lang="es-ES" noProof="0" smtClean="0"/>
               <a:pPr/>
-              <a:t>19/02/2018</a:t>
+              <a:t>19/2/18</a:t>
             </a:fld>
             <a:endParaRPr lang="es-ES" noProof="0" dirty="0"/>
           </a:p>
@@ -3754,7 +3754,7 @@
             <a:fld id="{4A9FB027-3733-4D18-9487-B5EE970DC99F}" type="datetime1">
               <a:rPr lang="es-ES" noProof="0" smtClean="0"/>
               <a:pPr/>
-              <a:t>19/02/2018</a:t>
+              <a:t>19/2/18</a:t>
             </a:fld>
             <a:endParaRPr lang="es-ES" noProof="0" dirty="0"/>
           </a:p>
@@ -3899,7 +3899,7 @@
             <a:fld id="{C74CDD08-FBA2-4EDF-8E1E-C931D29CAE1C}" type="datetime1">
               <a:rPr lang="es-ES" noProof="0" smtClean="0"/>
               <a:pPr/>
-              <a:t>19/02/2018</a:t>
+              <a:t>19/2/18</a:t>
             </a:fld>
             <a:endParaRPr lang="es-ES" noProof="0" dirty="0"/>
           </a:p>
@@ -4016,7 +4016,7 @@
             <a:fld id="{92EEC9CC-5F6E-41D6-9BA1-1B03DDFF2A74}" type="datetime1">
               <a:rPr lang="es-ES" noProof="0" smtClean="0"/>
               <a:pPr/>
-              <a:t>19/02/2018</a:t>
+              <a:t>19/2/18</a:t>
             </a:fld>
             <a:endParaRPr lang="es-ES" noProof="0" dirty="0"/>
           </a:p>
@@ -4335,7 +4335,7 @@
             <a:fld id="{793776FF-CBB8-47A4-90DF-2EBF2E3DC8FF}" type="datetime1">
               <a:rPr lang="es-ES" noProof="0" smtClean="0"/>
               <a:pPr/>
-              <a:t>19/02/2018</a:t>
+              <a:t>19/2/18</a:t>
             </a:fld>
             <a:endParaRPr lang="es-ES" noProof="0" dirty="0"/>
           </a:p>
@@ -4814,7 +4814,7 @@
             <a:fld id="{9FD2ED8E-5314-4CC6-97E3-FFA8A74630E9}" type="datetime1">
               <a:rPr lang="es-ES" noProof="0" smtClean="0"/>
               <a:pPr/>
-              <a:t>19/02/2018</a:t>
+              <a:t>19/2/18</a:t>
             </a:fld>
             <a:endParaRPr lang="es-ES" noProof="0" dirty="0"/>
           </a:p>
@@ -5245,7 +5245,7 @@
         </p:nvSpPr>
         <p:spPr>
           <a:xfrm>
-            <a:off x="1065212" y="1342509"/>
+            <a:off x="1065212" y="1628800"/>
             <a:ext cx="6109318" cy="1059161"/>
           </a:xfrm>
         </p:spPr>
@@ -5273,8 +5273,8 @@
         </p:nvSpPr>
         <p:spPr>
           <a:xfrm>
-            <a:off x="1269876" y="2859214"/>
-            <a:ext cx="6253337" cy="2516256"/>
+            <a:off x="1065212" y="2780928"/>
+            <a:ext cx="9001000" cy="1217858"/>
           </a:xfrm>
         </p:spPr>
         <p:txBody>
@@ -5288,7 +5288,7 @@
               <a:buChar char="•"/>
             </a:pPr>
             <a:r>
-              <a:rPr lang="es-ES" dirty="0"/>
+              <a:rPr lang="es-ES" sz="2000" dirty="0"/>
               <a:t>Breve explicación del concepto librería</a:t>
             </a:r>
           </a:p>
@@ -5298,7 +5298,7 @@
               <a:buChar char="•"/>
             </a:pPr>
             <a:r>
-              <a:rPr lang="es-ES" dirty="0"/>
+              <a:rPr lang="es-ES" sz="2000" dirty="0"/>
               <a:t>Instalación de Lapack en diferentes OS</a:t>
             </a:r>
           </a:p>
@@ -5308,7 +5308,7 @@
               <a:buChar char="•"/>
             </a:pPr>
             <a:r>
-              <a:rPr lang="es-ES" dirty="0"/>
+              <a:rPr lang="es-ES" sz="2000" dirty="0"/>
               <a:t>Comparativa de rendimiento entre Lapack y fortran puro</a:t>
             </a:r>
           </a:p>
@@ -5328,17 +5328,15 @@
         </p:nvSpPr>
         <p:spPr>
           <a:xfrm>
-            <a:off x="2652796" y="189204"/>
-            <a:ext cx="5889888" cy="646331"/>
+            <a:off x="1989956" y="358843"/>
+            <a:ext cx="5760640" cy="584775"/>
           </a:xfrm>
           <a:prstGeom prst="rect">
             <a:avLst/>
           </a:prstGeom>
           <a:noFill/>
           <a:ln>
-            <a:solidFill>
-              <a:schemeClr val="bg2"/>
-            </a:solidFill>
+            <a:noFill/>
           </a:ln>
         </p:spPr>
         <p:txBody>
@@ -5348,8 +5346,8 @@
           <a:lstStyle/>
           <a:p>
             <a:r>
-              <a:rPr lang="es-ES" dirty="0"/>
-              <a:t>Alejandro Cervigni - Fernando Ayats - Álvaro Villarreal Fran Lorenzo - Jae Wook </a:t>
+              <a:rPr lang="es-ES" sz="1600" dirty="0"/>
+              <a:t>Alejandro Cervigni - Fernando Ayats - Álvaro Villarreal - Fran Lorenzo - Jae Wook </a:t>
             </a:r>
           </a:p>
         </p:txBody>
@@ -5446,7 +5444,7 @@
         </p:nvSpPr>
         <p:spPr>
           <a:xfrm>
-            <a:off x="765820" y="548680"/>
+            <a:off x="765820" y="1112694"/>
             <a:ext cx="10153128" cy="4801314"/>
           </a:xfrm>
           <a:prstGeom prst="rect">
@@ -5476,7 +5474,15 @@
           <a:p>
             <a:r>
               <a:rPr lang="es-ES" sz="2400" dirty="0"/>
-              <a:t>En informática, una biblioteca es un conjunto de implementaciones funcionales, codificadas en un lenguaje de programación, que ofrece una interfaz bien definida para la funcionalidad que se invoca, dicha funcionalidad  es variada, pudiendo realizar un amplio abanico de operaciones de forma rápida y eficiente. </a:t>
+              <a:t>En informática, una biblioteca es un </a:t>
+            </a:r>
+            <a:r>
+              <a:rPr lang="es-ES" sz="2400" b="1" dirty="0"/>
+              <a:t>conjunto de implementaciones funcionales, codificadas en un lenguaje de programación</a:t>
+            </a:r>
+            <a:r>
+              <a:rPr lang="es-ES" sz="2400" dirty="0"/>
+              <a:t>, que ofrece una interfaz bien definida para la funcionalidad que se invoca, dicha funcionalidad  es variada, pudiendo realizar un amplio abanico de operaciones de forma rápida y eficiente. </a:t>
             </a:r>
           </a:p>
           <a:p>
@@ -5503,10 +5509,10 @@
       </p:sp>
       <p:pic>
         <p:nvPicPr>
-          <p:cNvPr id="5" name="Imagen 4">
+          <p:cNvPr id="6" name="Imagen 5">
             <a:extLst>
               <a:ext uri="{FF2B5EF4-FFF2-40B4-BE49-F238E27FC236}">
-                <a16:creationId xmlns:a16="http://schemas.microsoft.com/office/drawing/2014/main" id="{D4CE37A6-B317-4341-82B5-8029EED05205}"/>
+                <a16:creationId xmlns:a16="http://schemas.microsoft.com/office/drawing/2014/main" id="{B32D4433-F966-1247-9C90-DFAD72CBDC66}"/>
               </a:ext>
             </a:extLst>
           </p:cNvPr>
@@ -5529,7 +5535,7 @@
         </p:blipFill>
         <p:spPr>
           <a:xfrm>
-            <a:off x="0" y="188640"/>
+            <a:off x="199436" y="189204"/>
             <a:ext cx="2019582" cy="924054"/>
           </a:xfrm>
           <a:prstGeom prst="rect">
@@ -5597,7 +5603,7 @@
         </p:nvSpPr>
         <p:spPr>
           <a:xfrm>
-            <a:off x="621804" y="764704"/>
+            <a:off x="621804" y="1101197"/>
             <a:ext cx="10297144" cy="5904656"/>
           </a:xfrm>
         </p:spPr>
@@ -5612,8 +5618,6 @@
               <a:rPr lang="es-ES" sz="3200" u="sng" dirty="0"/>
               <a:t>LAPACK </a:t>
             </a:r>
-          </a:p>
-          <a:p>
             <a:endParaRPr lang="es-ES" dirty="0"/>
           </a:p>
           <a:p>
@@ -5622,7 +5626,15 @@
             </a:pPr>
             <a:r>
               <a:rPr lang="es-ES" sz="2800" dirty="0"/>
-              <a:t>LAPACK es una biblioteca de software para el álgebra lineal numérica. Proporciona rutinas para resolver sistemas de ecuaciones lineales y mínimos cuadrados lineales, problemas de valores propios y descomposición de valores singulares. </a:t>
+              <a:t>LAPACK es una biblioteca de software para el </a:t>
+            </a:r>
+            <a:r>
+              <a:rPr lang="es-ES" sz="2800" b="1" dirty="0"/>
+              <a:t>álgebra lineal numérica</a:t>
+            </a:r>
+            <a:r>
+              <a:rPr lang="es-ES" sz="2800" dirty="0"/>
+              <a:t>. Proporciona rutinas para resolver sistemas de ecuaciones lineales y mínimos cuadrados lineales, problemas de valores propios y descomposición de valores singulares. </a:t>
             </a:r>
           </a:p>
           <a:p>
@@ -5631,7 +5643,23 @@
             </a:pPr>
             <a:r>
               <a:rPr lang="es-ES" sz="2800" dirty="0"/>
-              <a:t>También incluye rutinas para implementar las factorizaciones matriciales asociadas tales como la descomposición LU, QR, Cholesky y Schur, manejándose matrices reales y complejas en precisión simple y doble.</a:t>
+              <a:t>También incluye rutinas para implementar las </a:t>
+            </a:r>
+            <a:r>
+              <a:rPr lang="es-ES" sz="2800" b="1" dirty="0"/>
+              <a:t>factorizaciones matriciales </a:t>
+            </a:r>
+            <a:r>
+              <a:rPr lang="es-ES" sz="2800" dirty="0"/>
+              <a:t>asociadas tales como la descomposición </a:t>
+            </a:r>
+            <a:r>
+              <a:rPr lang="es-ES" sz="2800" b="1" dirty="0"/>
+              <a:t>LU, QR, Cholesky y Schur</a:t>
+            </a:r>
+            <a:r>
+              <a:rPr lang="es-ES" sz="2800" dirty="0"/>
+              <a:t>, manejándose matrices reales y complejas en precisión simple y doble.</a:t>
             </a:r>
           </a:p>
           <a:p>
@@ -5644,10 +5672,10 @@
       </p:sp>
       <p:pic>
         <p:nvPicPr>
-          <p:cNvPr id="4" name="Imagen 3">
+          <p:cNvPr id="5" name="Imagen 4">
             <a:extLst>
               <a:ext uri="{FF2B5EF4-FFF2-40B4-BE49-F238E27FC236}">
-                <a16:creationId xmlns:a16="http://schemas.microsoft.com/office/drawing/2014/main" id="{05FC6FA2-BF1E-490D-A773-44772F95E54E}"/>
+                <a16:creationId xmlns:a16="http://schemas.microsoft.com/office/drawing/2014/main" id="{03C30A2F-45A9-9E48-8593-563BF011CB2E}"/>
               </a:ext>
             </a:extLst>
           </p:cNvPr>
@@ -5670,7 +5698,7 @@
         </p:blipFill>
         <p:spPr>
           <a:xfrm>
-            <a:off x="189756" y="156510"/>
+            <a:off x="199436" y="189204"/>
             <a:ext cx="2019582" cy="924054"/>
           </a:xfrm>
           <a:prstGeom prst="rect">
@@ -5755,42 +5783,6 @@
       </p:sp>
       <p:pic>
         <p:nvPicPr>
-          <p:cNvPr id="4" name="Imagen 3">
-            <a:extLst>
-              <a:ext uri="{FF2B5EF4-FFF2-40B4-BE49-F238E27FC236}">
-                <a16:creationId xmlns:a16="http://schemas.microsoft.com/office/drawing/2014/main" id="{9B36714A-2F84-4BCD-A433-F73A1D52FBED}"/>
-              </a:ext>
-            </a:extLst>
-          </p:cNvPr>
-          <p:cNvPicPr>
-            <a:picLocks noChangeAspect="1"/>
-          </p:cNvPicPr>
-          <p:nvPr/>
-        </p:nvPicPr>
-        <p:blipFill>
-          <a:blip r:embed="rId2">
-            <a:extLst>
-              <a:ext uri="{28A0092B-C50C-407E-A947-70E740481C1C}">
-                <a14:useLocalDpi xmlns:a14="http://schemas.microsoft.com/office/drawing/2010/main" val="0"/>
-              </a:ext>
-            </a:extLst>
-          </a:blip>
-          <a:stretch>
-            <a:fillRect/>
-          </a:stretch>
-        </p:blipFill>
-        <p:spPr>
-          <a:xfrm>
-            <a:off x="189756" y="84476"/>
-            <a:ext cx="2019582" cy="924054"/>
-          </a:xfrm>
-          <a:prstGeom prst="rect">
-            <a:avLst/>
-          </a:prstGeom>
-        </p:spPr>
-      </p:pic>
-      <p:pic>
-        <p:nvPicPr>
           <p:cNvPr id="3" name="Imagen 2">
             <a:extLst>
               <a:ext uri="{FF2B5EF4-FFF2-40B4-BE49-F238E27FC236}">
@@ -5804,7 +5796,7 @@
           <p:nvPr/>
         </p:nvPicPr>
         <p:blipFill>
-          <a:blip r:embed="rId3"/>
+          <a:blip r:embed="rId2"/>
           <a:stretch>
             <a:fillRect/>
           </a:stretch>
@@ -5834,7 +5826,7 @@
           <p:nvPr/>
         </p:nvPicPr>
         <p:blipFill rotWithShape="1">
-          <a:blip r:embed="rId4"/>
+          <a:blip r:embed="rId3"/>
           <a:srcRect b="3024"/>
           <a:stretch/>
         </p:blipFill>
@@ -5842,6 +5834,42 @@
           <a:xfrm>
             <a:off x="5302324" y="1664804"/>
             <a:ext cx="4032448" cy="3528392"/>
+          </a:xfrm>
+          <a:prstGeom prst="rect">
+            <a:avLst/>
+          </a:prstGeom>
+        </p:spPr>
+      </p:pic>
+      <p:pic>
+        <p:nvPicPr>
+          <p:cNvPr id="6" name="Imagen 5">
+            <a:extLst>
+              <a:ext uri="{FF2B5EF4-FFF2-40B4-BE49-F238E27FC236}">
+                <a16:creationId xmlns:a16="http://schemas.microsoft.com/office/drawing/2014/main" id="{71946EBB-07BC-5949-853A-9BED41E86E17}"/>
+              </a:ext>
+            </a:extLst>
+          </p:cNvPr>
+          <p:cNvPicPr>
+            <a:picLocks noChangeAspect="1"/>
+          </p:cNvPicPr>
+          <p:nvPr/>
+        </p:nvPicPr>
+        <p:blipFill>
+          <a:blip r:embed="rId4">
+            <a:extLst>
+              <a:ext uri="{28A0092B-C50C-407E-A947-70E740481C1C}">
+                <a14:useLocalDpi xmlns:a14="http://schemas.microsoft.com/office/drawing/2010/main" val="0"/>
+              </a:ext>
+            </a:extLst>
+          </a:blip>
+          <a:stretch>
+            <a:fillRect/>
+          </a:stretch>
+        </p:blipFill>
+        <p:spPr>
+          <a:xfrm>
+            <a:off x="199436" y="189204"/>
+            <a:ext cx="2019582" cy="924054"/>
           </a:xfrm>
           <a:prstGeom prst="rect">
             <a:avLst/>
@@ -6136,42 +6164,6 @@
       </p:sp>
       <p:pic>
         <p:nvPicPr>
-          <p:cNvPr id="4" name="Imagen 3">
-            <a:extLst>
-              <a:ext uri="{FF2B5EF4-FFF2-40B4-BE49-F238E27FC236}">
-                <a16:creationId xmlns:a16="http://schemas.microsoft.com/office/drawing/2014/main" id="{30113A2F-7FAA-4AE4-98E7-42F961069B57}"/>
-              </a:ext>
-            </a:extLst>
-          </p:cNvPr>
-          <p:cNvPicPr>
-            <a:picLocks noChangeAspect="1"/>
-          </p:cNvPicPr>
-          <p:nvPr/>
-        </p:nvPicPr>
-        <p:blipFill>
-          <a:blip r:embed="rId2">
-            <a:extLst>
-              <a:ext uri="{28A0092B-C50C-407E-A947-70E740481C1C}">
-                <a14:useLocalDpi xmlns:a14="http://schemas.microsoft.com/office/drawing/2010/main" val="0"/>
-              </a:ext>
-            </a:extLst>
-          </a:blip>
-          <a:stretch>
-            <a:fillRect/>
-          </a:stretch>
-        </p:blipFill>
-        <p:spPr>
-          <a:xfrm>
-            <a:off x="0" y="0"/>
-            <a:ext cx="2019582" cy="924054"/>
-          </a:xfrm>
-          <a:prstGeom prst="rect">
-            <a:avLst/>
-          </a:prstGeom>
-        </p:spPr>
-      </p:pic>
-      <p:pic>
-        <p:nvPicPr>
           <p:cNvPr id="5" name="Imagen 4">
             <a:extLst>
               <a:ext uri="{FF2B5EF4-FFF2-40B4-BE49-F238E27FC236}">
@@ -6185,7 +6177,7 @@
           <p:nvPr/>
         </p:nvPicPr>
         <p:blipFill>
-          <a:blip r:embed="rId3"/>
+          <a:blip r:embed="rId2"/>
           <a:stretch>
             <a:fillRect/>
           </a:stretch>
@@ -6215,7 +6207,7 @@
           <p:nvPr/>
         </p:nvPicPr>
         <p:blipFill>
-          <a:blip r:embed="rId4"/>
+          <a:blip r:embed="rId3"/>
           <a:stretch>
             <a:fillRect/>
           </a:stretch>
@@ -6245,7 +6237,7 @@
           <p:nvPr/>
         </p:nvPicPr>
         <p:blipFill rotWithShape="1">
-          <a:blip r:embed="rId5"/>
+          <a:blip r:embed="rId4"/>
           <a:srcRect b="12903"/>
           <a:stretch/>
         </p:blipFill>
@@ -6253,6 +6245,42 @@
           <a:xfrm>
             <a:off x="6094412" y="2586608"/>
             <a:ext cx="4309120" cy="3778324"/>
+          </a:xfrm>
+          <a:prstGeom prst="rect">
+            <a:avLst/>
+          </a:prstGeom>
+        </p:spPr>
+      </p:pic>
+      <p:pic>
+        <p:nvPicPr>
+          <p:cNvPr id="8" name="Imagen 7">
+            <a:extLst>
+              <a:ext uri="{FF2B5EF4-FFF2-40B4-BE49-F238E27FC236}">
+                <a16:creationId xmlns:a16="http://schemas.microsoft.com/office/drawing/2014/main" id="{1784CF8B-3C90-9045-BE7D-A1C35E7D16B1}"/>
+              </a:ext>
+            </a:extLst>
+          </p:cNvPr>
+          <p:cNvPicPr>
+            <a:picLocks noChangeAspect="1"/>
+          </p:cNvPicPr>
+          <p:nvPr/>
+        </p:nvPicPr>
+        <p:blipFill>
+          <a:blip r:embed="rId5">
+            <a:extLst>
+              <a:ext uri="{28A0092B-C50C-407E-A947-70E740481C1C}">
+                <a14:useLocalDpi xmlns:a14="http://schemas.microsoft.com/office/drawing/2010/main" val="0"/>
+              </a:ext>
+            </a:extLst>
+          </a:blip>
+          <a:stretch>
+            <a:fillRect/>
+          </a:stretch>
+        </p:blipFill>
+        <p:spPr>
+          <a:xfrm>
+            <a:off x="199436" y="189204"/>
+            <a:ext cx="2019582" cy="924054"/>
           </a:xfrm>
           <a:prstGeom prst="rect">
             <a:avLst/>
@@ -6331,42 +6359,6 @@
       </p:sp>
       <p:pic>
         <p:nvPicPr>
-          <p:cNvPr id="4" name="Imagen 3">
-            <a:extLst>
-              <a:ext uri="{FF2B5EF4-FFF2-40B4-BE49-F238E27FC236}">
-                <a16:creationId xmlns:a16="http://schemas.microsoft.com/office/drawing/2014/main" id="{1AA28696-52C0-40FF-BAEF-B513625DC71D}"/>
-              </a:ext>
-            </a:extLst>
-          </p:cNvPr>
-          <p:cNvPicPr>
-            <a:picLocks noChangeAspect="1"/>
-          </p:cNvPicPr>
-          <p:nvPr/>
-        </p:nvPicPr>
-        <p:blipFill>
-          <a:blip r:embed="rId2">
-            <a:extLst>
-              <a:ext uri="{28A0092B-C50C-407E-A947-70E740481C1C}">
-                <a14:useLocalDpi xmlns:a14="http://schemas.microsoft.com/office/drawing/2010/main" val="0"/>
-              </a:ext>
-            </a:extLst>
-          </a:blip>
-          <a:stretch>
-            <a:fillRect/>
-          </a:stretch>
-        </p:blipFill>
-        <p:spPr>
-          <a:xfrm>
-            <a:off x="0" y="0"/>
-            <a:ext cx="2019582" cy="924054"/>
-          </a:xfrm>
-          <a:prstGeom prst="rect">
-            <a:avLst/>
-          </a:prstGeom>
-        </p:spPr>
-      </p:pic>
-      <p:pic>
-        <p:nvPicPr>
           <p:cNvPr id="3" name="Imagen 2">
             <a:extLst>
               <a:ext uri="{FF2B5EF4-FFF2-40B4-BE49-F238E27FC236}">
@@ -6380,7 +6372,7 @@
           <p:nvPr/>
         </p:nvPicPr>
         <p:blipFill>
-          <a:blip r:embed="rId3"/>
+          <a:blip r:embed="rId2"/>
           <a:stretch>
             <a:fillRect/>
           </a:stretch>
@@ -6410,7 +6402,7 @@
           <p:nvPr/>
         </p:nvPicPr>
         <p:blipFill>
-          <a:blip r:embed="rId4">
+          <a:blip r:embed="rId3">
             <a:extLst>
               <a:ext uri="{28A0092B-C50C-407E-A947-70E740481C1C}">
                 <a14:useLocalDpi xmlns:a14="http://schemas.microsoft.com/office/drawing/2010/main" val="0"/>
@@ -6425,6 +6417,42 @@
           <a:xfrm>
             <a:off x="7030516" y="2206544"/>
             <a:ext cx="2381250" cy="1181100"/>
+          </a:xfrm>
+          <a:prstGeom prst="rect">
+            <a:avLst/>
+          </a:prstGeom>
+        </p:spPr>
+      </p:pic>
+      <p:pic>
+        <p:nvPicPr>
+          <p:cNvPr id="7" name="Imagen 6">
+            <a:extLst>
+              <a:ext uri="{FF2B5EF4-FFF2-40B4-BE49-F238E27FC236}">
+                <a16:creationId xmlns:a16="http://schemas.microsoft.com/office/drawing/2014/main" id="{BD01A679-5923-354C-82C0-5268D71E517D}"/>
+              </a:ext>
+            </a:extLst>
+          </p:cNvPr>
+          <p:cNvPicPr>
+            <a:picLocks noChangeAspect="1"/>
+          </p:cNvPicPr>
+          <p:nvPr/>
+        </p:nvPicPr>
+        <p:blipFill>
+          <a:blip r:embed="rId4">
+            <a:extLst>
+              <a:ext uri="{28A0092B-C50C-407E-A947-70E740481C1C}">
+                <a14:useLocalDpi xmlns:a14="http://schemas.microsoft.com/office/drawing/2010/main" val="0"/>
+              </a:ext>
+            </a:extLst>
+          </a:blip>
+          <a:stretch>
+            <a:fillRect/>
+          </a:stretch>
+        </p:blipFill>
+        <p:spPr>
+          <a:xfrm>
+            <a:off x="199436" y="189204"/>
+            <a:ext cx="2019582" cy="924054"/>
           </a:xfrm>
           <a:prstGeom prst="rect">
             <a:avLst/>
@@ -6491,7 +6519,7 @@
         </p:nvSpPr>
         <p:spPr>
           <a:xfrm>
-            <a:off x="1125860" y="0"/>
+            <a:off x="1125860" y="215534"/>
             <a:ext cx="10585176" cy="1066800"/>
           </a:xfrm>
         </p:spPr>
@@ -7463,10 +7491,10 @@
       </p:cxnSp>
       <p:pic>
         <p:nvPicPr>
-          <p:cNvPr id="10" name="Imagen 9">
+          <p:cNvPr id="8" name="Imagen 7">
             <a:extLst>
               <a:ext uri="{FF2B5EF4-FFF2-40B4-BE49-F238E27FC236}">
-                <a16:creationId xmlns:a16="http://schemas.microsoft.com/office/drawing/2014/main" id="{BECD3DFC-561B-47B6-9ADF-08DEE1D3A64F}"/>
+                <a16:creationId xmlns:a16="http://schemas.microsoft.com/office/drawing/2014/main" id="{BCB71AFC-64CB-664C-A534-BC5D81F4CA5F}"/>
               </a:ext>
             </a:extLst>
           </p:cNvPr>
@@ -7489,7 +7517,7 @@
         </p:blipFill>
         <p:spPr>
           <a:xfrm>
-            <a:off x="116069" y="71373"/>
+            <a:off x="199436" y="189204"/>
             <a:ext cx="2019582" cy="924054"/>
           </a:xfrm>
           <a:prstGeom prst="rect">
@@ -7578,7 +7606,7 @@
             <p:ph idx="1"/>
             <p:extLst>
               <p:ext uri="{D42A27DB-BD31-4B8C-83A1-F6EECF244321}">
-                <p14:modId xmlns:p14="http://schemas.microsoft.com/office/powerpoint/2010/main" val="2942068631"/>
+                <p14:modId xmlns:p14="http://schemas.microsoft.com/office/powerpoint/2010/main" val="3504525761"/>
               </p:ext>
             </p:extLst>
           </p:nvPr>
@@ -7595,42 +7623,6 @@
       </p:graphicFrame>
       <p:pic>
         <p:nvPicPr>
-          <p:cNvPr id="4" name="Imagen 3">
-            <a:extLst>
-              <a:ext uri="{FF2B5EF4-FFF2-40B4-BE49-F238E27FC236}">
-                <a16:creationId xmlns:a16="http://schemas.microsoft.com/office/drawing/2014/main" id="{90DE062F-35A0-455B-8C2C-4A9C0E4F6A99}"/>
-              </a:ext>
-            </a:extLst>
-          </p:cNvPr>
-          <p:cNvPicPr>
-            <a:picLocks noChangeAspect="1"/>
-          </p:cNvPicPr>
-          <p:nvPr/>
-        </p:nvPicPr>
-        <p:blipFill>
-          <a:blip r:embed="rId4">
-            <a:extLst>
-              <a:ext uri="{28A0092B-C50C-407E-A947-70E740481C1C}">
-                <a14:useLocalDpi xmlns:a14="http://schemas.microsoft.com/office/drawing/2010/main" val="0"/>
-              </a:ext>
-            </a:extLst>
-          </a:blip>
-          <a:stretch>
-            <a:fillRect/>
-          </a:stretch>
-        </p:blipFill>
-        <p:spPr>
-          <a:xfrm>
-            <a:off x="55421" y="71373"/>
-            <a:ext cx="2019582" cy="924054"/>
-          </a:xfrm>
-          <a:prstGeom prst="rect">
-            <a:avLst/>
-          </a:prstGeom>
-        </p:spPr>
-      </p:pic>
-      <p:pic>
-        <p:nvPicPr>
           <p:cNvPr id="1026" name="Picture 2" descr="inappropriate lizard GIF">
             <a:extLst>
               <a:ext uri="{FF2B5EF4-FFF2-40B4-BE49-F238E27FC236}">
@@ -7644,7 +7636,7 @@
           <p:nvPr/>
         </p:nvPicPr>
         <p:blipFill>
-          <a:blip r:embed="rId5">
+          <a:blip r:embed="rId4">
             <a:extLst>
               <a:ext uri="{28A0092B-C50C-407E-A947-70E740481C1C}">
                 <a14:useLocalDpi xmlns:a14="http://schemas.microsoft.com/office/drawing/2010/main" val="0"/>
@@ -7708,13 +7700,136 @@
           <a:lstStyle/>
           <a:p>
             <a:r>
-              <a:rPr lang="es-ES" dirty="0" err="1"/>
-              <a:t>Lapack</a:t>
-            </a:r>
-            <a:endParaRPr lang="es-ES" dirty="0"/>
+              <a:rPr lang="es-ES" b="1" dirty="0"/>
+              <a:t>LAPACK</a:t>
+            </a:r>
           </a:p>
         </p:txBody>
       </p:sp>
+      <p:sp>
+        <p:nvSpPr>
+          <p:cNvPr id="5" name="CuadroTexto 4">
+            <a:extLst>
+              <a:ext uri="{FF2B5EF4-FFF2-40B4-BE49-F238E27FC236}">
+                <a16:creationId xmlns:a16="http://schemas.microsoft.com/office/drawing/2014/main" id="{08E912FA-CAAE-F24F-981E-D001D88B5E56}"/>
+              </a:ext>
+            </a:extLst>
+          </p:cNvPr>
+          <p:cNvSpPr txBox="1"/>
+          <p:nvPr/>
+        </p:nvSpPr>
+        <p:spPr>
+          <a:xfrm rot="16200000">
+            <a:off x="242714" y="2445535"/>
+            <a:ext cx="1282723" cy="369332"/>
+          </a:xfrm>
+          <a:prstGeom prst="rect">
+            <a:avLst/>
+          </a:prstGeom>
+          <a:noFill/>
+          <a:ln>
+            <a:noFill/>
+          </a:ln>
+        </p:spPr>
+        <p:txBody>
+          <a:bodyPr wrap="none" rtlCol="0" anchor="ctr" anchorCtr="1">
+            <a:spAutoFit/>
+          </a:bodyPr>
+          <a:lstStyle/>
+          <a:p>
+            <a:r>
+              <a:rPr lang="es-ES" dirty="0">
+                <a:solidFill>
+                  <a:schemeClr val="accent6">
+                    <a:lumMod val="50000"/>
+                  </a:schemeClr>
+                </a:solidFill>
+              </a:rPr>
+              <a:t>Tiempo (s)</a:t>
+            </a:r>
+          </a:p>
+        </p:txBody>
+      </p:sp>
+      <p:sp>
+        <p:nvSpPr>
+          <p:cNvPr id="9" name="CuadroTexto 8">
+            <a:extLst>
+              <a:ext uri="{FF2B5EF4-FFF2-40B4-BE49-F238E27FC236}">
+                <a16:creationId xmlns:a16="http://schemas.microsoft.com/office/drawing/2014/main" id="{17AD37F9-0402-3349-9655-18BB842279BF}"/>
+              </a:ext>
+            </a:extLst>
+          </p:cNvPr>
+          <p:cNvSpPr txBox="1"/>
+          <p:nvPr/>
+        </p:nvSpPr>
+        <p:spPr>
+          <a:xfrm>
+            <a:off x="7822604" y="6225897"/>
+            <a:ext cx="2377574" cy="369332"/>
+          </a:xfrm>
+          <a:prstGeom prst="rect">
+            <a:avLst/>
+          </a:prstGeom>
+          <a:noFill/>
+          <a:ln>
+            <a:noFill/>
+          </a:ln>
+        </p:spPr>
+        <p:txBody>
+          <a:bodyPr wrap="none" rtlCol="0" anchor="ctr" anchorCtr="1">
+            <a:spAutoFit/>
+          </a:bodyPr>
+          <a:lstStyle/>
+          <a:p>
+            <a:r>
+              <a:rPr lang="es-ES" dirty="0">
+                <a:solidFill>
+                  <a:schemeClr val="accent6">
+                    <a:lumMod val="50000"/>
+                  </a:schemeClr>
+                </a:solidFill>
+              </a:rPr>
+              <a:t>Dimensión matriz (n)</a:t>
+            </a:r>
+          </a:p>
+        </p:txBody>
+      </p:sp>
+      <p:pic>
+        <p:nvPicPr>
+          <p:cNvPr id="10" name="Imagen 9">
+            <a:extLst>
+              <a:ext uri="{FF2B5EF4-FFF2-40B4-BE49-F238E27FC236}">
+                <a16:creationId xmlns:a16="http://schemas.microsoft.com/office/drawing/2014/main" id="{F51FA9DD-A69E-3549-858D-E2FFE104DA1A}"/>
+              </a:ext>
+            </a:extLst>
+          </p:cNvPr>
+          <p:cNvPicPr>
+            <a:picLocks noChangeAspect="1"/>
+          </p:cNvPicPr>
+          <p:nvPr/>
+        </p:nvPicPr>
+        <p:blipFill>
+          <a:blip r:embed="rId5">
+            <a:extLst>
+              <a:ext uri="{28A0092B-C50C-407E-A947-70E740481C1C}">
+                <a14:useLocalDpi xmlns:a14="http://schemas.microsoft.com/office/drawing/2010/main" val="0"/>
+              </a:ext>
+            </a:extLst>
+          </a:blip>
+          <a:stretch>
+            <a:fillRect/>
+          </a:stretch>
+        </p:blipFill>
+        <p:spPr>
+          <a:xfrm>
+            <a:off x="199436" y="189204"/>
+            <a:ext cx="2019582" cy="924054"/>
+          </a:xfrm>
+          <a:prstGeom prst="rect">
+            <a:avLst/>
+          </a:prstGeom>
+        </p:spPr>
+      </p:pic>
     </p:spTree>
     <p:extLst>
       <p:ext uri="{BB962C8B-B14F-4D97-AF65-F5344CB8AC3E}">
@@ -8579,15 +8694,6 @@
 </file>
 
 <file path=customXml/item1.xml><?xml version="1.0" encoding="utf-8"?>
-<?mso-contentType ?>
-<FormTemplates xmlns="http://schemas.microsoft.com/sharepoint/v3/contenttype/forms">
-  <Display>DocumentLibraryForm</Display>
-  <Edit>DocumentLibraryForm</Edit>
-  <New>DocumentLibraryForm</New>
-</FormTemplates>
-</file>
-
-<file path=customXml/item2.xml><?xml version="1.0" encoding="utf-8"?>
 <ct:contentTypeSchema xmlns:ct="http://schemas.microsoft.com/office/2006/metadata/contentType" xmlns:ma="http://schemas.microsoft.com/office/2006/metadata/properties/metaAttributes" ct:_="" ma:_="" ma:contentTypeName="Document" ma:contentTypeID="0x010100AA3F7D94069FF64A86F7DFF56D60E3BE" ma:contentTypeVersion="6" ma:contentTypeDescription="Create a new document." ma:contentTypeScope="" ma:versionID="c32302c77d4085ecf495bdddb7f5e889">
   <xsd:schema xmlns:xsd="http://www.w3.org/2001/XMLSchema" xmlns:xs="http://www.w3.org/2001/XMLSchema" xmlns:p="http://schemas.microsoft.com/office/2006/metadata/properties" xmlns:ns2="a4f35948-e619-41b3-aa29-22878b09cfd2" xmlns:ns3="40262f94-9f35-4ac3-9a90-690165a166b7" targetNamespace="http://schemas.microsoft.com/office/2006/metadata/properties" ma:root="true" ma:fieldsID="4ab5ae46be95f9d0be6107e8200be7a2" ns2:_="" ns3:_="">
     <xsd:import namespace="a4f35948-e619-41b3-aa29-22878b09cfd2"/>
@@ -8768,6 +8874,15 @@
 </ct:contentTypeSchema>
 </file>
 
+<file path=customXml/item2.xml><?xml version="1.0" encoding="utf-8"?>
+<?mso-contentType ?>
+<FormTemplates xmlns="http://schemas.microsoft.com/sharepoint/v3/contenttype/forms">
+  <Display>DocumentLibraryForm</Display>
+  <Edit>DocumentLibraryForm</Edit>
+  <New>DocumentLibraryForm</New>
+</FormTemplates>
+</file>
+
 <file path=customXml/item3.xml><?xml version="1.0" encoding="utf-8"?>
 <p:properties xmlns:p="http://schemas.microsoft.com/office/2006/metadata/properties" xmlns:xsi="http://www.w3.org/2001/XMLSchema-instance" xmlns:pc="http://schemas.microsoft.com/office/infopath/2007/PartnerControls">
   <documentManagement>
@@ -8780,14 +8895,6 @@
 </file>
 
 <file path=customXml/itemProps1.xml><?xml version="1.0" encoding="utf-8"?>
-<ds:datastoreItem xmlns:ds="http://schemas.openxmlformats.org/officeDocument/2006/customXml" ds:itemID="{653E1689-1E09-4ADC-A5E7-6718BF79A8A6}">
-  <ds:schemaRefs>
-    <ds:schemaRef ds:uri="http://schemas.microsoft.com/sharepoint/v3/contenttype/forms"/>
-  </ds:schemaRefs>
-</ds:datastoreItem>
-</file>
-
-<file path=customXml/itemProps2.xml><?xml version="1.0" encoding="utf-8"?>
 <ds:datastoreItem xmlns:ds="http://schemas.openxmlformats.org/officeDocument/2006/customXml" ds:itemID="{7CB30B94-6D3B-4C91-947C-5EB8E8EFFE4F}">
   <ds:schemaRefs>
     <ds:schemaRef ds:uri="http://schemas.microsoft.com/office/2006/metadata/contentType"/>
@@ -8802,6 +8909,14 @@
     <ds:schemaRef ds:uri="http://purl.org/dc/elements/1.1/"/>
     <ds:schemaRef ds:uri="http://purl.org/dc/terms/"/>
     <ds:schemaRef ds:uri="http://schemas.microsoft.com/internal/obd"/>
+  </ds:schemaRefs>
+</ds:datastoreItem>
+</file>
+
+<file path=customXml/itemProps2.xml><?xml version="1.0" encoding="utf-8"?>
+<ds:datastoreItem xmlns:ds="http://schemas.openxmlformats.org/officeDocument/2006/customXml" ds:itemID="{653E1689-1E09-4ADC-A5E7-6718BF79A8A6}">
+  <ds:schemaRefs>
+    <ds:schemaRef ds:uri="http://schemas.microsoft.com/sharepoint/v3/contenttype/forms"/>
   </ds:schemaRefs>
 </ds:datastoreItem>
 </file>

--- a/lu-lapack.pptx
+++ b/lu-lapack.pptx
@@ -13,12 +13,12 @@
   <p:sldIdLst>
     <p:sldId id="257" r:id="rId5"/>
     <p:sldId id="265" r:id="rId6"/>
-    <p:sldId id="266" r:id="rId7"/>
-    <p:sldId id="262" r:id="rId8"/>
-    <p:sldId id="268" r:id="rId9"/>
-    <p:sldId id="263" r:id="rId10"/>
-    <p:sldId id="264" r:id="rId11"/>
-    <p:sldId id="267" r:id="rId12"/>
+    <p:sldId id="267" r:id="rId7"/>
+    <p:sldId id="266" r:id="rId8"/>
+    <p:sldId id="262" r:id="rId9"/>
+    <p:sldId id="268" r:id="rId10"/>
+    <p:sldId id="263" r:id="rId11"/>
+    <p:sldId id="264" r:id="rId12"/>
     <p:sldId id="261" r:id="rId13"/>
   </p:sldIdLst>
   <p:sldSz cx="12188825" cy="6858000"/>
@@ -216,19 +216,141 @@
   <c:chart>
     <c:autoTitleDeleted val="1"/>
     <c:plotArea>
-      <c:layout>
-        <c:manualLayout>
-          <c:layoutTarget val="inner"/>
-          <c:xMode val="edge"/>
-          <c:yMode val="edge"/>
-          <c:x val="4.0498724230265883E-2"/>
-          <c:y val="3.4822520547117868E-2"/>
-          <c:w val="0.91469810622044989"/>
-          <c:h val="0.80800314225366532"/>
-        </c:manualLayout>
-      </c:layout>
+      <c:layout/>
       <c:lineChart>
-        <c:grouping val="standard"/>
+        <c:grouping val="stacked"/>
+        <c:varyColors val="0"/>
+        <c:ser>
+          <c:idx val="1"/>
+          <c:order val="1"/>
+          <c:tx>
+            <c:strRef>
+              <c:f>Hoja1!$C$1</c:f>
+              <c:strCache>
+                <c:ptCount val="1"/>
+                <c:pt idx="0">
+                  <c:v>Lapack</c:v>
+                </c:pt>
+              </c:strCache>
+            </c:strRef>
+          </c:tx>
+          <c:spPr>
+            <a:ln w="28575" cap="rnd">
+              <a:solidFill>
+                <a:schemeClr val="accent2"/>
+              </a:solidFill>
+              <a:round/>
+            </a:ln>
+            <a:effectLst/>
+          </c:spPr>
+          <c:marker>
+            <c:symbol val="none"/>
+          </c:marker>
+          <c:cat>
+            <c:strRef>
+              <c:f>Hoja1!$A$2:$A$12</c:f>
+              <c:strCache>
+                <c:ptCount val="11"/>
+                <c:pt idx="0">
+                  <c:v>N=50</c:v>
+                </c:pt>
+                <c:pt idx="1">
+                  <c:v>N=100</c:v>
+                </c:pt>
+                <c:pt idx="2">
+                  <c:v>N=250</c:v>
+                </c:pt>
+                <c:pt idx="3">
+                  <c:v>N=500</c:v>
+                </c:pt>
+                <c:pt idx="4">
+                  <c:v>N=1000</c:v>
+                </c:pt>
+                <c:pt idx="5">
+                  <c:v>N=5000</c:v>
+                </c:pt>
+                <c:pt idx="6">
+                  <c:v>N=10000</c:v>
+                </c:pt>
+                <c:pt idx="7">
+                  <c:v>N=20000</c:v>
+                </c:pt>
+                <c:pt idx="8">
+                  <c:v>N=30000</c:v>
+                </c:pt>
+                <c:pt idx="9">
+                  <c:v>N=40000</c:v>
+                </c:pt>
+                <c:pt idx="10">
+                  <c:v>N=50000</c:v>
+                </c:pt>
+              </c:strCache>
+            </c:strRef>
+          </c:cat>
+          <c:val>
+            <c:numRef>
+              <c:f>Hoja1!$C$2:$C$12</c:f>
+              <c:numCache>
+                <c:formatCode>General</c:formatCode>
+                <c:ptCount val="11"/>
+                <c:pt idx="0">
+                  <c:v>5.1999999999999997E-5</c:v>
+                </c:pt>
+                <c:pt idx="1">
+                  <c:v>5.1999999999999997E-5</c:v>
+                </c:pt>
+                <c:pt idx="2">
+                  <c:v>5.1999999999999997E-5</c:v>
+                </c:pt>
+                <c:pt idx="3">
+                  <c:v>5.1999999999999997E-5</c:v>
+                </c:pt>
+                <c:pt idx="4">
+                  <c:v>5.1999999999999997E-5</c:v>
+                </c:pt>
+                <c:pt idx="5">
+                  <c:v>0.75</c:v>
+                </c:pt>
+                <c:pt idx="6">
+                  <c:v>1.45</c:v>
+                </c:pt>
+                <c:pt idx="7">
+                  <c:v>7.43</c:v>
+                </c:pt>
+                <c:pt idx="8">
+                  <c:v>21.85</c:v>
+                </c:pt>
+                <c:pt idx="9">
+                  <c:v>43.62</c:v>
+                </c:pt>
+                <c:pt idx="10">
+                  <c:v>113.62</c:v>
+                </c:pt>
+              </c:numCache>
+            </c:numRef>
+          </c:val>
+          <c:smooth val="0"/>
+          <c:extLst>
+            <c:ext xmlns:c16="http://schemas.microsoft.com/office/drawing/2014/chart" uri="{C3380CC4-5D6E-409C-BE32-E72D297353CC}">
+              <c16:uniqueId val="{00000001-3F92-DA4D-BC8C-6C1960C3A736}"/>
+            </c:ext>
+          </c:extLst>
+        </c:ser>
+        <c:dLbls>
+          <c:showLegendKey val="0"/>
+          <c:showVal val="0"/>
+          <c:showCatName val="0"/>
+          <c:showSerName val="0"/>
+          <c:showPercent val="0"/>
+          <c:showBubbleSize val="0"/>
+        </c:dLbls>
+        <c:marker val="1"/>
+        <c:smooth val="0"/>
+        <c:axId val="1613813599"/>
+        <c:axId val="1614241711"/>
+      </c:lineChart>
+      <c:lineChart>
+        <c:grouping val="stacked"/>
         <c:varyColors val="0"/>
         <c:ser>
           <c:idx val="0"/>
@@ -257,49 +379,66 @@
             <c:symbol val="none"/>
           </c:marker>
           <c:cat>
-            <c:numRef>
-              <c:f>Hoja1!$A$2:$A$6</c:f>
-              <c:numCache>
-                <c:formatCode>General</c:formatCode>
-                <c:ptCount val="5"/>
+            <c:strRef>
+              <c:f>Hoja1!$A$2:$A$12</c:f>
+              <c:strCache>
+                <c:ptCount val="11"/>
                 <c:pt idx="0">
-                  <c:v>10</c:v>
+                  <c:v>N=50</c:v>
                 </c:pt>
                 <c:pt idx="1">
-                  <c:v>20</c:v>
+                  <c:v>N=100</c:v>
                 </c:pt>
                 <c:pt idx="2">
-                  <c:v>30</c:v>
+                  <c:v>N=250</c:v>
                 </c:pt>
                 <c:pt idx="3">
-                  <c:v>40</c:v>
+                  <c:v>N=500</c:v>
                 </c:pt>
                 <c:pt idx="4">
-                  <c:v>50</c:v>
+                  <c:v>N=1000</c:v>
                 </c:pt>
-              </c:numCache>
-            </c:numRef>
+                <c:pt idx="5">
+                  <c:v>N=5000</c:v>
+                </c:pt>
+                <c:pt idx="6">
+                  <c:v>N=10000</c:v>
+                </c:pt>
+                <c:pt idx="7">
+                  <c:v>N=20000</c:v>
+                </c:pt>
+                <c:pt idx="8">
+                  <c:v>N=30000</c:v>
+                </c:pt>
+                <c:pt idx="9">
+                  <c:v>N=40000</c:v>
+                </c:pt>
+                <c:pt idx="10">
+                  <c:v>N=50000</c:v>
+                </c:pt>
+              </c:strCache>
+            </c:strRef>
           </c:cat>
           <c:val>
             <c:numRef>
-              <c:f>Hoja1!$B$2:$B$6</c:f>
+              <c:f>Hoja1!$B$2:$B$12</c:f>
               <c:numCache>
                 <c:formatCode>General</c:formatCode>
-                <c:ptCount val="5"/>
+                <c:ptCount val="11"/>
                 <c:pt idx="0">
-                  <c:v>1</c:v>
+                  <c:v>2.15E-3</c:v>
                 </c:pt>
                 <c:pt idx="1">
-                  <c:v>5</c:v>
+                  <c:v>1.3599999999999999E-2</c:v>
                 </c:pt>
                 <c:pt idx="2">
-                  <c:v>10</c:v>
+                  <c:v>0.16</c:v>
                 </c:pt>
                 <c:pt idx="3">
-                  <c:v>17</c:v>
+                  <c:v>1.2</c:v>
                 </c:pt>
                 <c:pt idx="4">
-                  <c:v>22</c:v>
+                  <c:v>31.11</c:v>
                 </c:pt>
               </c:numCache>
             </c:numRef>
@@ -307,88 +446,7 @@
           <c:smooth val="0"/>
           <c:extLst>
             <c:ext xmlns:c16="http://schemas.microsoft.com/office/drawing/2014/chart" uri="{C3380CC4-5D6E-409C-BE32-E72D297353CC}">
-              <c16:uniqueId val="{00000000-6E54-4E2F-8D78-90B60C384869}"/>
-            </c:ext>
-          </c:extLst>
-        </c:ser>
-        <c:ser>
-          <c:idx val="1"/>
-          <c:order val="1"/>
-          <c:tx>
-            <c:strRef>
-              <c:f>Hoja1!$C$1</c:f>
-              <c:strCache>
-                <c:ptCount val="1"/>
-                <c:pt idx="0">
-                  <c:v>Lapack</c:v>
-                </c:pt>
-              </c:strCache>
-            </c:strRef>
-          </c:tx>
-          <c:spPr>
-            <a:ln w="28575" cap="rnd">
-              <a:solidFill>
-                <a:schemeClr val="accent2"/>
-              </a:solidFill>
-              <a:round/>
-            </a:ln>
-            <a:effectLst/>
-          </c:spPr>
-          <c:marker>
-            <c:symbol val="none"/>
-          </c:marker>
-          <c:cat>
-            <c:numRef>
-              <c:f>Hoja1!$A$2:$A$6</c:f>
-              <c:numCache>
-                <c:formatCode>General</c:formatCode>
-                <c:ptCount val="5"/>
-                <c:pt idx="0">
-                  <c:v>10</c:v>
-                </c:pt>
-                <c:pt idx="1">
-                  <c:v>20</c:v>
-                </c:pt>
-                <c:pt idx="2">
-                  <c:v>30</c:v>
-                </c:pt>
-                <c:pt idx="3">
-                  <c:v>40</c:v>
-                </c:pt>
-                <c:pt idx="4">
-                  <c:v>50</c:v>
-                </c:pt>
-              </c:numCache>
-            </c:numRef>
-          </c:cat>
-          <c:val>
-            <c:numRef>
-              <c:f>Hoja1!$C$2:$C$6</c:f>
-              <c:numCache>
-                <c:formatCode>General</c:formatCode>
-                <c:ptCount val="5"/>
-                <c:pt idx="0">
-                  <c:v>0.5</c:v>
-                </c:pt>
-                <c:pt idx="1">
-                  <c:v>2</c:v>
-                </c:pt>
-                <c:pt idx="2">
-                  <c:v>5</c:v>
-                </c:pt>
-                <c:pt idx="3">
-                  <c:v>6</c:v>
-                </c:pt>
-                <c:pt idx="4">
-                  <c:v>10</c:v>
-                </c:pt>
-              </c:numCache>
-            </c:numRef>
-          </c:val>
-          <c:smooth val="0"/>
-          <c:extLst>
-            <c:ext xmlns:c16="http://schemas.microsoft.com/office/drawing/2014/chart" uri="{C3380CC4-5D6E-409C-BE32-E72D297353CC}">
-              <c16:uniqueId val="{00000003-6E54-4E2F-8D78-90B60C384869}"/>
+              <c16:uniqueId val="{00000000-3F92-DA4D-BC8C-6C1960C3A736}"/>
             </c:ext>
           </c:extLst>
         </c:ser>
@@ -400,19 +458,35 @@
           <c:showPercent val="0"/>
           <c:showBubbleSize val="0"/>
         </c:dLbls>
+        <c:marker val="1"/>
         <c:smooth val="0"/>
-        <c:axId val="400561248"/>
-        <c:axId val="400561904"/>
+        <c:axId val="1614040815"/>
+        <c:axId val="1383979631"/>
       </c:lineChart>
+      <c:valAx>
+        <c:axId val="1614241711"/>
+        <c:scaling>
+          <c:orientation val="minMax"/>
+        </c:scaling>
+        <c:delete val="1"/>
+        <c:axPos val="r"/>
+        <c:numFmt formatCode="General" sourceLinked="1"/>
+        <c:majorTickMark val="out"/>
+        <c:minorTickMark val="none"/>
+        <c:tickLblPos val="nextTo"/>
+        <c:crossAx val="1613813599"/>
+        <c:crosses val="max"/>
+        <c:crossBetween val="between"/>
+      </c:valAx>
       <c:catAx>
-        <c:axId val="400561248"/>
+        <c:axId val="1613813599"/>
         <c:scaling>
           <c:orientation val="minMax"/>
         </c:scaling>
         <c:delete val="0"/>
         <c:axPos val="b"/>
         <c:numFmt formatCode="General" sourceLinked="1"/>
-        <c:majorTickMark val="none"/>
+        <c:majorTickMark val="out"/>
         <c:minorTickMark val="none"/>
         <c:tickLblPos val="nextTo"/>
         <c:spPr>
@@ -448,36 +522,21 @@
             <a:endParaRPr lang="es-ES"/>
           </a:p>
         </c:txPr>
-        <c:crossAx val="400561904"/>
-        <c:crosses val="autoZero"/>
+        <c:crossAx val="1614241711"/>
         <c:auto val="1"/>
         <c:lblAlgn val="ctr"/>
         <c:lblOffset val="100"/>
         <c:noMultiLvlLbl val="0"/>
       </c:catAx>
       <c:valAx>
-        <c:axId val="400561904"/>
+        <c:axId val="1383979631"/>
         <c:scaling>
           <c:orientation val="minMax"/>
         </c:scaling>
         <c:delete val="0"/>
         <c:axPos val="l"/>
-        <c:majorGridlines>
-          <c:spPr>
-            <a:ln w="9525" cap="flat" cmpd="sng" algn="ctr">
-              <a:solidFill>
-                <a:schemeClr val="tx1">
-                  <a:lumMod val="15000"/>
-                  <a:lumOff val="85000"/>
-                </a:schemeClr>
-              </a:solidFill>
-              <a:round/>
-            </a:ln>
-            <a:effectLst/>
-          </c:spPr>
-        </c:majorGridlines>
         <c:numFmt formatCode="General" sourceLinked="1"/>
-        <c:majorTickMark val="none"/>
+        <c:majorTickMark val="out"/>
         <c:minorTickMark val="none"/>
         <c:tickLblPos val="nextTo"/>
         <c:spPr>
@@ -507,10 +566,27 @@
             <a:endParaRPr lang="es-ES"/>
           </a:p>
         </c:txPr>
-        <c:crossAx val="400561248"/>
-        <c:crosses val="autoZero"/>
+        <c:crossAx val="1614040815"/>
         <c:crossBetween val="between"/>
       </c:valAx>
+      <c:catAx>
+        <c:axId val="1614040815"/>
+        <c:scaling>
+          <c:orientation val="minMax"/>
+        </c:scaling>
+        <c:delete val="1"/>
+        <c:axPos val="t"/>
+        <c:numFmt formatCode="General" sourceLinked="1"/>
+        <c:majorTickMark val="out"/>
+        <c:minorTickMark val="none"/>
+        <c:tickLblPos val="nextTo"/>
+        <c:crossAx val="1383979631"/>
+        <c:crosses val="max"/>
+        <c:auto val="1"/>
+        <c:lblAlgn val="ctr"/>
+        <c:lblOffset val="100"/>
+        <c:noMultiLvlLbl val="0"/>
+      </c:catAx>
       <c:spPr>
         <a:noFill/>
         <a:ln>
@@ -519,39 +595,8 @@
         <a:effectLst/>
       </c:spPr>
     </c:plotArea>
-    <c:legend>
-      <c:legendPos val="b"/>
-      <c:overlay val="0"/>
-      <c:spPr>
-        <a:noFill/>
-        <a:ln>
-          <a:noFill/>
-        </a:ln>
-        <a:effectLst/>
-      </c:spPr>
-      <c:txPr>
-        <a:bodyPr rot="0" spcFirstLastPara="1" vertOverflow="ellipsis" vert="horz" wrap="square" anchor="ctr" anchorCtr="1"/>
-        <a:lstStyle/>
-        <a:p>
-          <a:pPr>
-            <a:defRPr sz="1197" b="0" i="0" u="none" strike="noStrike" kern="1200" baseline="0">
-              <a:solidFill>
-                <a:schemeClr val="tx1">
-                  <a:lumMod val="65000"/>
-                  <a:lumOff val="35000"/>
-                </a:schemeClr>
-              </a:solidFill>
-              <a:latin typeface="+mn-lt"/>
-              <a:ea typeface="+mn-ea"/>
-              <a:cs typeface="+mn-cs"/>
-            </a:defRPr>
-          </a:pPr>
-          <a:endParaRPr lang="es-ES"/>
-        </a:p>
-      </c:txPr>
-    </c:legend>
     <c:plotVisOnly val="1"/>
-    <c:dispBlanksAs val="gap"/>
+    <c:dispBlanksAs val="zero"/>
     <c:extLst>
       <c:ext xmlns:c16r3="http://schemas.microsoft.com/office/drawing/2017/03/chart" uri="{56B9EC1D-385E-4148-901F-78D8002777C0}">
         <c16r3:dataDisplayOptions16>
@@ -5587,6 +5632,1072 @@
       </p:grpSpPr>
       <p:sp>
         <p:nvSpPr>
+          <p:cNvPr id="2" name="Título 1">
+            <a:extLst>
+              <a:ext uri="{FF2B5EF4-FFF2-40B4-BE49-F238E27FC236}">
+                <a16:creationId xmlns:a16="http://schemas.microsoft.com/office/drawing/2014/main" id="{E27459C6-0D6B-40E3-9327-CD4E2418E883}"/>
+              </a:ext>
+            </a:extLst>
+          </p:cNvPr>
+          <p:cNvSpPr>
+            <a:spLocks noGrp="1"/>
+          </p:cNvSpPr>
+          <p:nvPr>
+            <p:ph type="title"/>
+          </p:nvPr>
+        </p:nvSpPr>
+        <p:spPr>
+          <a:xfrm>
+            <a:off x="1269876" y="271258"/>
+            <a:ext cx="10585176" cy="1066800"/>
+          </a:xfrm>
+        </p:spPr>
+        <p:txBody>
+          <a:bodyPr>
+            <a:normAutofit/>
+          </a:bodyPr>
+          <a:lstStyle/>
+          <a:p>
+            <a:pPr algn="ctr"/>
+            <a:r>
+              <a:rPr lang="es-ES" dirty="0"/>
+              <a:t>Comparativa de funciones entre varias bibliotecas de algebra lineal</a:t>
+            </a:r>
+          </a:p>
+        </p:txBody>
+      </p:sp>
+      <p:pic>
+        <p:nvPicPr>
+          <p:cNvPr id="4" name="Imagen 3">
+            <a:extLst>
+              <a:ext uri="{FF2B5EF4-FFF2-40B4-BE49-F238E27FC236}">
+                <a16:creationId xmlns:a16="http://schemas.microsoft.com/office/drawing/2014/main" id="{8864F4D3-DA6C-4F18-AE4D-0A0397D7F655}"/>
+              </a:ext>
+            </a:extLst>
+          </p:cNvPr>
+          <p:cNvPicPr>
+            <a:picLocks noChangeAspect="1"/>
+          </p:cNvPicPr>
+          <p:nvPr/>
+        </p:nvPicPr>
+        <p:blipFill>
+          <a:blip r:embed="rId2"/>
+          <a:stretch>
+            <a:fillRect/>
+          </a:stretch>
+        </p:blipFill>
+        <p:spPr>
+          <a:xfrm>
+            <a:off x="5230317" y="1916832"/>
+            <a:ext cx="6752492" cy="3960440"/>
+          </a:xfrm>
+          <a:prstGeom prst="rect">
+            <a:avLst/>
+          </a:prstGeom>
+        </p:spPr>
+      </p:pic>
+      <p:sp>
+        <p:nvSpPr>
+          <p:cNvPr id="5" name="Rectángulo 4">
+            <a:extLst>
+              <a:ext uri="{FF2B5EF4-FFF2-40B4-BE49-F238E27FC236}">
+                <a16:creationId xmlns:a16="http://schemas.microsoft.com/office/drawing/2014/main" id="{A454AD10-A6B9-4BAF-AB5A-2F05DEA07154}"/>
+              </a:ext>
+            </a:extLst>
+          </p:cNvPr>
+          <p:cNvSpPr/>
+          <p:nvPr/>
+        </p:nvSpPr>
+        <p:spPr>
+          <a:xfrm>
+            <a:off x="261764" y="1204007"/>
+            <a:ext cx="4968553" cy="5386090"/>
+          </a:xfrm>
+          <a:prstGeom prst="rect">
+            <a:avLst/>
+          </a:prstGeom>
+        </p:spPr>
+        <p:txBody>
+          <a:bodyPr wrap="square">
+            <a:spAutoFit/>
+          </a:bodyPr>
+          <a:lstStyle/>
+          <a:p>
+            <a:r>
+              <a:rPr lang="es-ES" b="1" dirty="0">
+                <a:solidFill>
+                  <a:srgbClr val="000000"/>
+                </a:solidFill>
+                <a:latin typeface="Arial" panose="020B0604020202020204" pitchFamily="34" charset="0"/>
+              </a:rPr>
+              <a:t>Matrix </a:t>
+            </a:r>
+            <a:r>
+              <a:rPr lang="es-ES" b="1" dirty="0" err="1">
+                <a:solidFill>
+                  <a:srgbClr val="000000"/>
+                </a:solidFill>
+                <a:latin typeface="Arial" panose="020B0604020202020204" pitchFamily="34" charset="0"/>
+              </a:rPr>
+              <a:t>types</a:t>
+            </a:r>
+            <a:r>
+              <a:rPr lang="es-ES" b="1" dirty="0">
+                <a:solidFill>
+                  <a:srgbClr val="000000"/>
+                </a:solidFill>
+                <a:latin typeface="Arial" panose="020B0604020202020204" pitchFamily="34" charset="0"/>
+              </a:rPr>
+              <a:t> and </a:t>
+            </a:r>
+            <a:r>
+              <a:rPr lang="es-ES" b="1" dirty="0" err="1">
+                <a:solidFill>
+                  <a:srgbClr val="000000"/>
+                </a:solidFill>
+                <a:latin typeface="Arial" panose="020B0604020202020204" pitchFamily="34" charset="0"/>
+              </a:rPr>
+              <a:t>operations</a:t>
+            </a:r>
+            <a:endParaRPr lang="es-ES" b="1" dirty="0">
+              <a:solidFill>
+                <a:srgbClr val="000000"/>
+              </a:solidFill>
+              <a:latin typeface="Arial" panose="020B0604020202020204" pitchFamily="34" charset="0"/>
+            </a:endParaRPr>
+          </a:p>
+          <a:p>
+            <a:endParaRPr lang="es-ES" b="1" i="1" dirty="0">
+              <a:solidFill>
+                <a:srgbClr val="000000"/>
+              </a:solidFill>
+              <a:latin typeface="Arial" panose="020B0604020202020204" pitchFamily="34" charset="0"/>
+            </a:endParaRPr>
+          </a:p>
+          <a:p>
+            <a:pPr marL="285750" indent="-285750">
+              <a:buFont typeface="Arial" panose="020B0604020202020204" pitchFamily="34" charset="0"/>
+              <a:buChar char="•"/>
+            </a:pPr>
+            <a:r>
+              <a:rPr lang="es-ES" i="1" dirty="0">
+                <a:solidFill>
+                  <a:srgbClr val="222222"/>
+                </a:solidFill>
+                <a:latin typeface="Arial" panose="020B0604020202020204" pitchFamily="34" charset="0"/>
+              </a:rPr>
+              <a:t>Real</a:t>
+            </a:r>
+            <a:r>
+              <a:rPr lang="es-ES" dirty="0">
+                <a:solidFill>
+                  <a:srgbClr val="222222"/>
+                </a:solidFill>
+                <a:latin typeface="Arial" panose="020B0604020202020204" pitchFamily="34" charset="0"/>
+              </a:rPr>
+              <a:t> - general (</a:t>
+            </a:r>
+            <a:r>
+              <a:rPr lang="es-ES" dirty="0" err="1">
+                <a:solidFill>
+                  <a:srgbClr val="222222"/>
+                </a:solidFill>
+                <a:latin typeface="Arial" panose="020B0604020202020204" pitchFamily="34" charset="0"/>
+              </a:rPr>
+              <a:t>nonsymmetric</a:t>
+            </a:r>
+            <a:r>
+              <a:rPr lang="es-ES" dirty="0">
+                <a:solidFill>
+                  <a:srgbClr val="222222"/>
+                </a:solidFill>
+                <a:latin typeface="Arial" panose="020B0604020202020204" pitchFamily="34" charset="0"/>
+              </a:rPr>
+              <a:t>) real</a:t>
+            </a:r>
+          </a:p>
+          <a:p>
+            <a:pPr marL="285750" indent="-285750">
+              <a:buFont typeface="Arial" panose="020B0604020202020204" pitchFamily="34" charset="0"/>
+              <a:buChar char="•"/>
+            </a:pPr>
+            <a:r>
+              <a:rPr lang="es-ES" i="1" dirty="0" err="1">
+                <a:solidFill>
+                  <a:srgbClr val="222222"/>
+                </a:solidFill>
+                <a:latin typeface="Arial" panose="020B0604020202020204" pitchFamily="34" charset="0"/>
+              </a:rPr>
+              <a:t>Complex</a:t>
+            </a:r>
+            <a:r>
+              <a:rPr lang="es-ES" dirty="0">
+                <a:solidFill>
+                  <a:srgbClr val="222222"/>
+                </a:solidFill>
+                <a:latin typeface="Arial" panose="020B0604020202020204" pitchFamily="34" charset="0"/>
+              </a:rPr>
+              <a:t> - general (</a:t>
+            </a:r>
+            <a:r>
+              <a:rPr lang="es-ES" dirty="0" err="1">
+                <a:solidFill>
+                  <a:srgbClr val="222222"/>
+                </a:solidFill>
+                <a:latin typeface="Arial" panose="020B0604020202020204" pitchFamily="34" charset="0"/>
+              </a:rPr>
+              <a:t>nonsymmetric</a:t>
+            </a:r>
+            <a:r>
+              <a:rPr lang="es-ES" dirty="0">
+                <a:solidFill>
+                  <a:srgbClr val="222222"/>
+                </a:solidFill>
+                <a:latin typeface="Arial" panose="020B0604020202020204" pitchFamily="34" charset="0"/>
+              </a:rPr>
+              <a:t>) </a:t>
+            </a:r>
+            <a:r>
+              <a:rPr lang="es-ES" dirty="0" err="1">
+                <a:solidFill>
+                  <a:srgbClr val="222222"/>
+                </a:solidFill>
+                <a:latin typeface="Arial" panose="020B0604020202020204" pitchFamily="34" charset="0"/>
+              </a:rPr>
+              <a:t>complex</a:t>
+            </a:r>
+            <a:endParaRPr lang="es-ES" dirty="0">
+              <a:solidFill>
+                <a:srgbClr val="222222"/>
+              </a:solidFill>
+              <a:latin typeface="Arial" panose="020B0604020202020204" pitchFamily="34" charset="0"/>
+            </a:endParaRPr>
+          </a:p>
+          <a:p>
+            <a:pPr marL="285750" indent="-285750">
+              <a:buFont typeface="Arial" panose="020B0604020202020204" pitchFamily="34" charset="0"/>
+              <a:buChar char="•"/>
+            </a:pPr>
+            <a:r>
+              <a:rPr lang="es-ES" i="1" dirty="0">
+                <a:solidFill>
+                  <a:srgbClr val="222222"/>
+                </a:solidFill>
+                <a:latin typeface="Arial" panose="020B0604020202020204" pitchFamily="34" charset="0"/>
+              </a:rPr>
+              <a:t>SPD</a:t>
+            </a:r>
+            <a:r>
+              <a:rPr lang="es-ES" dirty="0">
+                <a:solidFill>
+                  <a:srgbClr val="222222"/>
+                </a:solidFill>
+                <a:latin typeface="Arial" panose="020B0604020202020204" pitchFamily="34" charset="0"/>
+              </a:rPr>
+              <a:t> - </a:t>
+            </a:r>
+            <a:r>
+              <a:rPr lang="es-ES" dirty="0" err="1">
+                <a:solidFill>
+                  <a:srgbClr val="222222"/>
+                </a:solidFill>
+                <a:latin typeface="Arial" panose="020B0604020202020204" pitchFamily="34" charset="0"/>
+              </a:rPr>
+              <a:t>symmetric</a:t>
+            </a:r>
+            <a:r>
+              <a:rPr lang="es-ES" dirty="0">
+                <a:solidFill>
+                  <a:srgbClr val="222222"/>
+                </a:solidFill>
+                <a:latin typeface="Arial" panose="020B0604020202020204" pitchFamily="34" charset="0"/>
+              </a:rPr>
+              <a:t> positive </a:t>
+            </a:r>
+            <a:r>
+              <a:rPr lang="es-ES" dirty="0" err="1">
+                <a:solidFill>
+                  <a:srgbClr val="222222"/>
+                </a:solidFill>
+                <a:latin typeface="Arial" panose="020B0604020202020204" pitchFamily="34" charset="0"/>
+              </a:rPr>
+              <a:t>definite</a:t>
+            </a:r>
+            <a:r>
+              <a:rPr lang="es-ES" dirty="0">
+                <a:solidFill>
+                  <a:srgbClr val="222222"/>
+                </a:solidFill>
+                <a:latin typeface="Arial" panose="020B0604020202020204" pitchFamily="34" charset="0"/>
+              </a:rPr>
+              <a:t> (real)</a:t>
+            </a:r>
+          </a:p>
+          <a:p>
+            <a:pPr marL="285750" indent="-285750">
+              <a:buFont typeface="Arial" panose="020B0604020202020204" pitchFamily="34" charset="0"/>
+              <a:buChar char="•"/>
+            </a:pPr>
+            <a:r>
+              <a:rPr lang="es-ES" i="1" dirty="0">
+                <a:solidFill>
+                  <a:srgbClr val="222222"/>
+                </a:solidFill>
+                <a:latin typeface="Arial" panose="020B0604020202020204" pitchFamily="34" charset="0"/>
+              </a:rPr>
+              <a:t>HPD</a:t>
+            </a:r>
+            <a:r>
+              <a:rPr lang="es-ES" dirty="0">
+                <a:solidFill>
+                  <a:srgbClr val="222222"/>
+                </a:solidFill>
+                <a:latin typeface="Arial" panose="020B0604020202020204" pitchFamily="34" charset="0"/>
+              </a:rPr>
+              <a:t> - </a:t>
+            </a:r>
+            <a:r>
+              <a:rPr lang="es-ES" dirty="0" err="1">
+                <a:solidFill>
+                  <a:srgbClr val="222222"/>
+                </a:solidFill>
+                <a:latin typeface="Arial" panose="020B0604020202020204" pitchFamily="34" charset="0"/>
+              </a:rPr>
+              <a:t>Hermitian</a:t>
+            </a:r>
+            <a:r>
+              <a:rPr lang="es-ES" dirty="0">
+                <a:solidFill>
+                  <a:srgbClr val="222222"/>
+                </a:solidFill>
+                <a:latin typeface="Arial" panose="020B0604020202020204" pitchFamily="34" charset="0"/>
+              </a:rPr>
+              <a:t> positive </a:t>
+            </a:r>
+            <a:r>
+              <a:rPr lang="es-ES" dirty="0" err="1">
+                <a:solidFill>
+                  <a:srgbClr val="222222"/>
+                </a:solidFill>
+                <a:latin typeface="Arial" panose="020B0604020202020204" pitchFamily="34" charset="0"/>
+              </a:rPr>
+              <a:t>definite</a:t>
+            </a:r>
+            <a:r>
+              <a:rPr lang="es-ES" dirty="0">
+                <a:solidFill>
+                  <a:srgbClr val="222222"/>
+                </a:solidFill>
+                <a:latin typeface="Arial" panose="020B0604020202020204" pitchFamily="34" charset="0"/>
+              </a:rPr>
+              <a:t> (</a:t>
+            </a:r>
+            <a:r>
+              <a:rPr lang="es-ES" dirty="0" err="1">
+                <a:solidFill>
+                  <a:srgbClr val="222222"/>
+                </a:solidFill>
+                <a:latin typeface="Arial" panose="020B0604020202020204" pitchFamily="34" charset="0"/>
+              </a:rPr>
+              <a:t>complex</a:t>
+            </a:r>
+            <a:r>
+              <a:rPr lang="es-ES" dirty="0">
+                <a:solidFill>
+                  <a:srgbClr val="222222"/>
+                </a:solidFill>
+                <a:latin typeface="Arial" panose="020B0604020202020204" pitchFamily="34" charset="0"/>
+              </a:rPr>
+              <a:t>)</a:t>
+            </a:r>
+          </a:p>
+          <a:p>
+            <a:pPr marL="285750" indent="-285750">
+              <a:buFont typeface="Arial" panose="020B0604020202020204" pitchFamily="34" charset="0"/>
+              <a:buChar char="•"/>
+            </a:pPr>
+            <a:r>
+              <a:rPr lang="es-ES" i="1" dirty="0">
+                <a:solidFill>
+                  <a:srgbClr val="222222"/>
+                </a:solidFill>
+                <a:latin typeface="Arial" panose="020B0604020202020204" pitchFamily="34" charset="0"/>
+              </a:rPr>
+              <a:t>SY</a:t>
+            </a:r>
+            <a:r>
+              <a:rPr lang="es-ES" dirty="0">
+                <a:solidFill>
+                  <a:srgbClr val="222222"/>
+                </a:solidFill>
+                <a:latin typeface="Arial" panose="020B0604020202020204" pitchFamily="34" charset="0"/>
+              </a:rPr>
+              <a:t> - </a:t>
+            </a:r>
+            <a:r>
+              <a:rPr lang="es-ES" dirty="0" err="1">
+                <a:solidFill>
+                  <a:srgbClr val="222222"/>
+                </a:solidFill>
+                <a:latin typeface="Arial" panose="020B0604020202020204" pitchFamily="34" charset="0"/>
+              </a:rPr>
+              <a:t>symmetric</a:t>
+            </a:r>
+            <a:r>
+              <a:rPr lang="es-ES" dirty="0">
+                <a:solidFill>
+                  <a:srgbClr val="222222"/>
+                </a:solidFill>
+                <a:latin typeface="Arial" panose="020B0604020202020204" pitchFamily="34" charset="0"/>
+              </a:rPr>
+              <a:t> (real)</a:t>
+            </a:r>
+          </a:p>
+          <a:p>
+            <a:pPr marL="285750" indent="-285750">
+              <a:buFont typeface="Arial" panose="020B0604020202020204" pitchFamily="34" charset="0"/>
+              <a:buChar char="•"/>
+            </a:pPr>
+            <a:r>
+              <a:rPr lang="es-ES" i="1" dirty="0">
+                <a:solidFill>
+                  <a:srgbClr val="222222"/>
+                </a:solidFill>
+                <a:latin typeface="Arial" panose="020B0604020202020204" pitchFamily="34" charset="0"/>
+              </a:rPr>
+              <a:t>HE</a:t>
+            </a:r>
+            <a:r>
+              <a:rPr lang="es-ES" dirty="0">
+                <a:solidFill>
+                  <a:srgbClr val="222222"/>
+                </a:solidFill>
+                <a:latin typeface="Arial" panose="020B0604020202020204" pitchFamily="34" charset="0"/>
+              </a:rPr>
+              <a:t> - </a:t>
+            </a:r>
+            <a:r>
+              <a:rPr lang="es-ES" dirty="0" err="1">
+                <a:solidFill>
+                  <a:srgbClr val="222222"/>
+                </a:solidFill>
+                <a:latin typeface="Arial" panose="020B0604020202020204" pitchFamily="34" charset="0"/>
+              </a:rPr>
+              <a:t>Hermitian</a:t>
+            </a:r>
+            <a:r>
+              <a:rPr lang="es-ES" dirty="0">
+                <a:solidFill>
+                  <a:srgbClr val="222222"/>
+                </a:solidFill>
+                <a:latin typeface="Arial" panose="020B0604020202020204" pitchFamily="34" charset="0"/>
+              </a:rPr>
+              <a:t> (</a:t>
+            </a:r>
+            <a:r>
+              <a:rPr lang="es-ES" dirty="0" err="1">
+                <a:solidFill>
+                  <a:srgbClr val="222222"/>
+                </a:solidFill>
+                <a:latin typeface="Arial" panose="020B0604020202020204" pitchFamily="34" charset="0"/>
+              </a:rPr>
+              <a:t>complex</a:t>
+            </a:r>
+            <a:r>
+              <a:rPr lang="es-ES" dirty="0">
+                <a:solidFill>
+                  <a:srgbClr val="222222"/>
+                </a:solidFill>
+                <a:latin typeface="Arial" panose="020B0604020202020204" pitchFamily="34" charset="0"/>
+              </a:rPr>
+              <a:t>)</a:t>
+            </a:r>
+          </a:p>
+          <a:p>
+            <a:pPr marL="285750" indent="-285750">
+              <a:buFont typeface="Arial" panose="020B0604020202020204" pitchFamily="34" charset="0"/>
+              <a:buChar char="•"/>
+            </a:pPr>
+            <a:r>
+              <a:rPr lang="es-ES" i="1" dirty="0">
+                <a:solidFill>
+                  <a:srgbClr val="222222"/>
+                </a:solidFill>
+                <a:latin typeface="Arial" panose="020B0604020202020204" pitchFamily="34" charset="0"/>
+              </a:rPr>
+              <a:t>BND</a:t>
+            </a:r>
+            <a:r>
+              <a:rPr lang="es-ES" dirty="0">
+                <a:solidFill>
+                  <a:srgbClr val="222222"/>
+                </a:solidFill>
+                <a:latin typeface="Arial" panose="020B0604020202020204" pitchFamily="34" charset="0"/>
+              </a:rPr>
+              <a:t> - band</a:t>
+            </a:r>
+          </a:p>
+          <a:p>
+            <a:pPr marL="285750" indent="-285750">
+              <a:buFont typeface="Arial" panose="020B0604020202020204" pitchFamily="34" charset="0"/>
+              <a:buChar char="•"/>
+            </a:pPr>
+            <a:endParaRPr lang="es-ES" dirty="0">
+              <a:solidFill>
+                <a:srgbClr val="222222"/>
+              </a:solidFill>
+              <a:latin typeface="Arial" panose="020B0604020202020204" pitchFamily="34" charset="0"/>
+            </a:endParaRPr>
+          </a:p>
+          <a:p>
+            <a:r>
+              <a:rPr lang="es-ES" sz="2000" b="1" u="sng" dirty="0" err="1">
+                <a:solidFill>
+                  <a:srgbClr val="222222"/>
+                </a:solidFill>
+                <a:latin typeface="Arial" panose="020B0604020202020204" pitchFamily="34" charset="0"/>
+              </a:rPr>
+              <a:t>Operations</a:t>
+            </a:r>
+            <a:r>
+              <a:rPr lang="es-ES" sz="2000" b="1" u="sng" dirty="0">
+                <a:solidFill>
+                  <a:srgbClr val="222222"/>
+                </a:solidFill>
+                <a:latin typeface="Arial" panose="020B0604020202020204" pitchFamily="34" charset="0"/>
+              </a:rPr>
+              <a:t>:</a:t>
+            </a:r>
+          </a:p>
+          <a:p>
+            <a:endParaRPr lang="es-ES" dirty="0">
+              <a:solidFill>
+                <a:srgbClr val="222222"/>
+              </a:solidFill>
+              <a:latin typeface="Arial" panose="020B0604020202020204" pitchFamily="34" charset="0"/>
+            </a:endParaRPr>
+          </a:p>
+          <a:p>
+            <a:pPr marL="285750" indent="-285750">
+              <a:buFont typeface="Arial" panose="020B0604020202020204" pitchFamily="34" charset="0"/>
+              <a:buChar char="•"/>
+            </a:pPr>
+            <a:r>
+              <a:rPr lang="es-ES" i="1" dirty="0">
+                <a:solidFill>
+                  <a:srgbClr val="222222"/>
+                </a:solidFill>
+                <a:latin typeface="Arial" panose="020B0604020202020204" pitchFamily="34" charset="0"/>
+              </a:rPr>
+              <a:t>TF</a:t>
+            </a:r>
+            <a:r>
+              <a:rPr lang="es-ES" dirty="0">
+                <a:solidFill>
+                  <a:srgbClr val="222222"/>
+                </a:solidFill>
+                <a:latin typeface="Arial" panose="020B0604020202020204" pitchFamily="34" charset="0"/>
+              </a:rPr>
+              <a:t> - triangular </a:t>
+            </a:r>
+            <a:r>
+              <a:rPr lang="es-ES" dirty="0" err="1">
+                <a:solidFill>
+                  <a:srgbClr val="222222"/>
+                </a:solidFill>
+                <a:latin typeface="Arial" panose="020B0604020202020204" pitchFamily="34" charset="0"/>
+              </a:rPr>
+              <a:t>factorizations</a:t>
+            </a:r>
+            <a:r>
+              <a:rPr lang="es-ES" dirty="0">
+                <a:solidFill>
+                  <a:srgbClr val="222222"/>
+                </a:solidFill>
+                <a:latin typeface="Arial" panose="020B0604020202020204" pitchFamily="34" charset="0"/>
+              </a:rPr>
+              <a:t> (LU, </a:t>
+            </a:r>
+            <a:r>
+              <a:rPr lang="es-ES" dirty="0" err="1">
+                <a:solidFill>
+                  <a:srgbClr val="222222"/>
+                </a:solidFill>
+                <a:latin typeface="Arial" panose="020B0604020202020204" pitchFamily="34" charset="0"/>
+              </a:rPr>
+              <a:t>Cholesky</a:t>
+            </a:r>
+            <a:r>
+              <a:rPr lang="es-ES" dirty="0">
+                <a:solidFill>
+                  <a:srgbClr val="222222"/>
+                </a:solidFill>
+                <a:latin typeface="Arial" panose="020B0604020202020204" pitchFamily="34" charset="0"/>
+              </a:rPr>
+              <a:t>)</a:t>
+            </a:r>
+          </a:p>
+          <a:p>
+            <a:pPr marL="285750" indent="-285750">
+              <a:buFont typeface="Arial" panose="020B0604020202020204" pitchFamily="34" charset="0"/>
+              <a:buChar char="•"/>
+            </a:pPr>
+            <a:r>
+              <a:rPr lang="es-ES" i="1" dirty="0">
+                <a:solidFill>
+                  <a:srgbClr val="222222"/>
+                </a:solidFill>
+                <a:latin typeface="Arial" panose="020B0604020202020204" pitchFamily="34" charset="0"/>
+              </a:rPr>
+              <a:t>OF</a:t>
+            </a:r>
+            <a:r>
+              <a:rPr lang="es-ES" dirty="0">
+                <a:solidFill>
+                  <a:srgbClr val="222222"/>
+                </a:solidFill>
+                <a:latin typeface="Arial" panose="020B0604020202020204" pitchFamily="34" charset="0"/>
+              </a:rPr>
+              <a:t> - </a:t>
+            </a:r>
+            <a:r>
+              <a:rPr lang="es-ES" dirty="0" err="1">
+                <a:solidFill>
+                  <a:srgbClr val="222222"/>
+                </a:solidFill>
+                <a:latin typeface="Arial" panose="020B0604020202020204" pitchFamily="34" charset="0"/>
+              </a:rPr>
+              <a:t>orthogonal</a:t>
+            </a:r>
+            <a:r>
+              <a:rPr lang="es-ES" dirty="0">
+                <a:solidFill>
+                  <a:srgbClr val="222222"/>
+                </a:solidFill>
+                <a:latin typeface="Arial" panose="020B0604020202020204" pitchFamily="34" charset="0"/>
+              </a:rPr>
+              <a:t> </a:t>
+            </a:r>
+            <a:r>
+              <a:rPr lang="es-ES" dirty="0" err="1">
+                <a:solidFill>
+                  <a:srgbClr val="222222"/>
+                </a:solidFill>
+                <a:latin typeface="Arial" panose="020B0604020202020204" pitchFamily="34" charset="0"/>
+              </a:rPr>
+              <a:t>factorizations</a:t>
+            </a:r>
+            <a:r>
+              <a:rPr lang="es-ES" dirty="0">
+                <a:solidFill>
+                  <a:srgbClr val="222222"/>
+                </a:solidFill>
+                <a:latin typeface="Arial" panose="020B0604020202020204" pitchFamily="34" charset="0"/>
+              </a:rPr>
+              <a:t> (QR, QL, </a:t>
+            </a:r>
+            <a:r>
+              <a:rPr lang="es-ES" dirty="0" err="1">
+                <a:solidFill>
+                  <a:srgbClr val="222222"/>
+                </a:solidFill>
+                <a:latin typeface="Arial" panose="020B0604020202020204" pitchFamily="34" charset="0"/>
+              </a:rPr>
+              <a:t>generalized</a:t>
+            </a:r>
+            <a:r>
+              <a:rPr lang="es-ES" dirty="0">
+                <a:solidFill>
+                  <a:srgbClr val="222222"/>
+                </a:solidFill>
+                <a:latin typeface="Arial" panose="020B0604020202020204" pitchFamily="34" charset="0"/>
+              </a:rPr>
+              <a:t> </a:t>
+            </a:r>
+            <a:r>
+              <a:rPr lang="es-ES" dirty="0" err="1">
+                <a:solidFill>
+                  <a:srgbClr val="222222"/>
+                </a:solidFill>
+                <a:latin typeface="Arial" panose="020B0604020202020204" pitchFamily="34" charset="0"/>
+              </a:rPr>
+              <a:t>factorizations</a:t>
+            </a:r>
+            <a:r>
+              <a:rPr lang="es-ES" dirty="0">
+                <a:solidFill>
+                  <a:srgbClr val="222222"/>
+                </a:solidFill>
+                <a:latin typeface="Arial" panose="020B0604020202020204" pitchFamily="34" charset="0"/>
+              </a:rPr>
+              <a:t>)</a:t>
+            </a:r>
+          </a:p>
+          <a:p>
+            <a:pPr marL="285750" indent="-285750">
+              <a:buFont typeface="Arial" panose="020B0604020202020204" pitchFamily="34" charset="0"/>
+              <a:buChar char="•"/>
+            </a:pPr>
+            <a:r>
+              <a:rPr lang="es-ES" i="1" dirty="0">
+                <a:solidFill>
+                  <a:srgbClr val="222222"/>
+                </a:solidFill>
+                <a:latin typeface="Arial" panose="020B0604020202020204" pitchFamily="34" charset="0"/>
+              </a:rPr>
+              <a:t>EVD</a:t>
+            </a:r>
+            <a:r>
+              <a:rPr lang="es-ES" dirty="0">
+                <a:solidFill>
+                  <a:srgbClr val="222222"/>
+                </a:solidFill>
+                <a:latin typeface="Arial" panose="020B0604020202020204" pitchFamily="34" charset="0"/>
+              </a:rPr>
+              <a:t> - </a:t>
+            </a:r>
+            <a:r>
+              <a:rPr lang="es-ES" dirty="0" err="1">
+                <a:solidFill>
+                  <a:srgbClr val="222222"/>
+                </a:solidFill>
+                <a:latin typeface="Arial" panose="020B0604020202020204" pitchFamily="34" charset="0"/>
+              </a:rPr>
+              <a:t>eigenproblems</a:t>
+            </a:r>
+            <a:endParaRPr lang="es-ES" dirty="0">
+              <a:solidFill>
+                <a:srgbClr val="222222"/>
+              </a:solidFill>
+              <a:latin typeface="Arial" panose="020B0604020202020204" pitchFamily="34" charset="0"/>
+            </a:endParaRPr>
+          </a:p>
+          <a:p>
+            <a:pPr marL="285750" indent="-285750">
+              <a:buFont typeface="Arial" panose="020B0604020202020204" pitchFamily="34" charset="0"/>
+              <a:buChar char="•"/>
+            </a:pPr>
+            <a:r>
+              <a:rPr lang="es-ES" i="1" dirty="0">
+                <a:solidFill>
+                  <a:srgbClr val="222222"/>
+                </a:solidFill>
+                <a:latin typeface="Arial" panose="020B0604020202020204" pitchFamily="34" charset="0"/>
+              </a:rPr>
+              <a:t>SVD</a:t>
+            </a:r>
+            <a:r>
+              <a:rPr lang="es-ES" dirty="0">
+                <a:solidFill>
+                  <a:srgbClr val="222222"/>
+                </a:solidFill>
+                <a:latin typeface="Arial" panose="020B0604020202020204" pitchFamily="34" charset="0"/>
+              </a:rPr>
+              <a:t> - singular </a:t>
+            </a:r>
+            <a:r>
+              <a:rPr lang="es-ES" dirty="0" err="1">
+                <a:solidFill>
+                  <a:srgbClr val="222222"/>
+                </a:solidFill>
+                <a:latin typeface="Arial" panose="020B0604020202020204" pitchFamily="34" charset="0"/>
+              </a:rPr>
+              <a:t>value</a:t>
+            </a:r>
+            <a:r>
+              <a:rPr lang="es-ES" dirty="0">
+                <a:solidFill>
+                  <a:srgbClr val="222222"/>
+                </a:solidFill>
+                <a:latin typeface="Arial" panose="020B0604020202020204" pitchFamily="34" charset="0"/>
+              </a:rPr>
+              <a:t> </a:t>
+            </a:r>
+            <a:r>
+              <a:rPr lang="es-ES" dirty="0" err="1">
+                <a:solidFill>
+                  <a:srgbClr val="222222"/>
+                </a:solidFill>
+                <a:latin typeface="Arial" panose="020B0604020202020204" pitchFamily="34" charset="0"/>
+              </a:rPr>
+              <a:t>decomposition</a:t>
+            </a:r>
+            <a:endParaRPr lang="es-ES" dirty="0">
+              <a:solidFill>
+                <a:srgbClr val="222222"/>
+              </a:solidFill>
+              <a:latin typeface="Arial" panose="020B0604020202020204" pitchFamily="34" charset="0"/>
+            </a:endParaRPr>
+          </a:p>
+          <a:p>
+            <a:pPr marL="285750" indent="-285750">
+              <a:buFont typeface="Arial" panose="020B0604020202020204" pitchFamily="34" charset="0"/>
+              <a:buChar char="•"/>
+            </a:pPr>
+            <a:r>
+              <a:rPr lang="es-ES" i="1" dirty="0">
+                <a:solidFill>
+                  <a:srgbClr val="222222"/>
+                </a:solidFill>
+                <a:latin typeface="Arial" panose="020B0604020202020204" pitchFamily="34" charset="0"/>
+              </a:rPr>
+              <a:t>GEVD</a:t>
+            </a:r>
+            <a:r>
+              <a:rPr lang="es-ES" dirty="0">
+                <a:solidFill>
+                  <a:srgbClr val="222222"/>
+                </a:solidFill>
+                <a:latin typeface="Arial" panose="020B0604020202020204" pitchFamily="34" charset="0"/>
+              </a:rPr>
+              <a:t> - </a:t>
+            </a:r>
+            <a:r>
+              <a:rPr lang="es-ES" dirty="0" err="1">
+                <a:solidFill>
+                  <a:srgbClr val="222222"/>
+                </a:solidFill>
+                <a:latin typeface="Arial" panose="020B0604020202020204" pitchFamily="34" charset="0"/>
+              </a:rPr>
+              <a:t>generalized</a:t>
+            </a:r>
+            <a:r>
+              <a:rPr lang="es-ES" dirty="0">
+                <a:solidFill>
+                  <a:srgbClr val="222222"/>
+                </a:solidFill>
+                <a:latin typeface="Arial" panose="020B0604020202020204" pitchFamily="34" charset="0"/>
+              </a:rPr>
+              <a:t> EVD</a:t>
+            </a:r>
+          </a:p>
+          <a:p>
+            <a:pPr marL="285750" indent="-285750">
+              <a:buFont typeface="Arial" panose="020B0604020202020204" pitchFamily="34" charset="0"/>
+              <a:buChar char="•"/>
+            </a:pPr>
+            <a:r>
+              <a:rPr lang="es-ES" i="1" dirty="0">
+                <a:solidFill>
+                  <a:srgbClr val="222222"/>
+                </a:solidFill>
+                <a:latin typeface="Arial" panose="020B0604020202020204" pitchFamily="34" charset="0"/>
+              </a:rPr>
+              <a:t>GSVD</a:t>
+            </a:r>
+            <a:r>
+              <a:rPr lang="es-ES" dirty="0">
+                <a:solidFill>
+                  <a:srgbClr val="222222"/>
+                </a:solidFill>
+                <a:latin typeface="Arial" panose="020B0604020202020204" pitchFamily="34" charset="0"/>
+              </a:rPr>
+              <a:t> - </a:t>
+            </a:r>
+            <a:r>
+              <a:rPr lang="es-ES" dirty="0" err="1">
+                <a:solidFill>
+                  <a:srgbClr val="222222"/>
+                </a:solidFill>
+                <a:latin typeface="Arial" panose="020B0604020202020204" pitchFamily="34" charset="0"/>
+              </a:rPr>
+              <a:t>generalized</a:t>
+            </a:r>
+            <a:r>
+              <a:rPr lang="es-ES" dirty="0">
+                <a:solidFill>
+                  <a:srgbClr val="222222"/>
+                </a:solidFill>
+                <a:latin typeface="Arial" panose="020B0604020202020204" pitchFamily="34" charset="0"/>
+              </a:rPr>
+              <a:t> SVD</a:t>
+            </a:r>
+            <a:endParaRPr lang="es-ES" b="0" i="0" dirty="0">
+              <a:solidFill>
+                <a:srgbClr val="222222"/>
+              </a:solidFill>
+              <a:effectLst/>
+              <a:latin typeface="Arial" panose="020B0604020202020204" pitchFamily="34" charset="0"/>
+            </a:endParaRPr>
+          </a:p>
+        </p:txBody>
+      </p:sp>
+      <p:sp>
+        <p:nvSpPr>
+          <p:cNvPr id="6" name="Elipse 5">
+            <a:extLst>
+              <a:ext uri="{FF2B5EF4-FFF2-40B4-BE49-F238E27FC236}">
+                <a16:creationId xmlns:a16="http://schemas.microsoft.com/office/drawing/2014/main" id="{E6EAB6B6-BFE6-4A3B-ADCC-A79C0D354213}"/>
+              </a:ext>
+            </a:extLst>
+          </p:cNvPr>
+          <p:cNvSpPr/>
+          <p:nvPr/>
+        </p:nvSpPr>
+        <p:spPr>
+          <a:xfrm>
+            <a:off x="5698368" y="4005064"/>
+            <a:ext cx="720080" cy="288032"/>
+          </a:xfrm>
+          <a:prstGeom prst="ellipse">
+            <a:avLst/>
+          </a:prstGeom>
+          <a:noFill/>
+          <a:ln>
+            <a:solidFill>
+              <a:srgbClr val="FF0000"/>
+            </a:solidFill>
+          </a:ln>
+        </p:spPr>
+        <p:style>
+          <a:lnRef idx="2">
+            <a:schemeClr val="dk1"/>
+          </a:lnRef>
+          <a:fillRef idx="1">
+            <a:schemeClr val="lt1"/>
+          </a:fillRef>
+          <a:effectRef idx="0">
+            <a:schemeClr val="dk1"/>
+          </a:effectRef>
+          <a:fontRef idx="minor">
+            <a:schemeClr val="dk1"/>
+          </a:fontRef>
+        </p:style>
+        <p:txBody>
+          <a:bodyPr rtlCol="0" anchor="ctr"/>
+          <a:lstStyle/>
+          <a:p>
+            <a:pPr algn="ctr"/>
+            <a:endParaRPr lang="es-ES" dirty="0">
+              <a:solidFill>
+                <a:srgbClr val="FF0000"/>
+              </a:solidFill>
+            </a:endParaRPr>
+          </a:p>
+        </p:txBody>
+      </p:sp>
+      <p:cxnSp>
+        <p:nvCxnSpPr>
+          <p:cNvPr id="9" name="Conector recto de flecha 8">
+            <a:extLst>
+              <a:ext uri="{FF2B5EF4-FFF2-40B4-BE49-F238E27FC236}">
+                <a16:creationId xmlns:a16="http://schemas.microsoft.com/office/drawing/2014/main" id="{FB45939F-A7CF-489C-893A-B217551831E4}"/>
+              </a:ext>
+            </a:extLst>
+          </p:cNvPr>
+          <p:cNvCxnSpPr/>
+          <p:nvPr/>
+        </p:nvCxnSpPr>
+        <p:spPr>
+          <a:xfrm>
+            <a:off x="4366220" y="3933056"/>
+            <a:ext cx="1296144" cy="216024"/>
+          </a:xfrm>
+          <a:prstGeom prst="straightConnector1">
+            <a:avLst/>
+          </a:prstGeom>
+          <a:ln>
+            <a:solidFill>
+              <a:srgbClr val="FF0000"/>
+            </a:solidFill>
+            <a:tailEnd type="triangle"/>
+          </a:ln>
+        </p:spPr>
+        <p:style>
+          <a:lnRef idx="1">
+            <a:schemeClr val="accent1"/>
+          </a:lnRef>
+          <a:fillRef idx="0">
+            <a:schemeClr val="accent1"/>
+          </a:fillRef>
+          <a:effectRef idx="0">
+            <a:schemeClr val="accent1"/>
+          </a:effectRef>
+          <a:fontRef idx="minor">
+            <a:schemeClr val="tx1"/>
+          </a:fontRef>
+        </p:style>
+      </p:cxnSp>
+      <p:pic>
+        <p:nvPicPr>
+          <p:cNvPr id="8" name="Imagen 7">
+            <a:extLst>
+              <a:ext uri="{FF2B5EF4-FFF2-40B4-BE49-F238E27FC236}">
+                <a16:creationId xmlns:a16="http://schemas.microsoft.com/office/drawing/2014/main" id="{BCB71AFC-64CB-664C-A534-BC5D81F4CA5F}"/>
+              </a:ext>
+            </a:extLst>
+          </p:cNvPr>
+          <p:cNvPicPr>
+            <a:picLocks noChangeAspect="1"/>
+          </p:cNvPicPr>
+          <p:nvPr/>
+        </p:nvPicPr>
+        <p:blipFill>
+          <a:blip r:embed="rId3">
+            <a:extLst>
+              <a:ext uri="{28A0092B-C50C-407E-A947-70E740481C1C}">
+                <a14:useLocalDpi xmlns:a14="http://schemas.microsoft.com/office/drawing/2010/main" val="0"/>
+              </a:ext>
+            </a:extLst>
+          </a:blip>
+          <a:stretch>
+            <a:fillRect/>
+          </a:stretch>
+        </p:blipFill>
+        <p:spPr>
+          <a:xfrm>
+            <a:off x="199436" y="189204"/>
+            <a:ext cx="2019582" cy="924054"/>
+          </a:xfrm>
+          <a:prstGeom prst="rect">
+            <a:avLst/>
+          </a:prstGeom>
+        </p:spPr>
+      </p:pic>
+    </p:spTree>
+    <p:extLst>
+      <p:ext uri="{BB962C8B-B14F-4D97-AF65-F5344CB8AC3E}">
+        <p14:creationId xmlns:p14="http://schemas.microsoft.com/office/powerpoint/2010/main" val="47941704"/>
+      </p:ext>
+    </p:extLst>
+  </p:cSld>
+  <p:clrMapOvr>
+    <a:masterClrMapping/>
+  </p:clrMapOvr>
+  <mc:AlternateContent xmlns:mc="http://schemas.openxmlformats.org/markup-compatibility/2006" xmlns:p14="http://schemas.microsoft.com/office/powerpoint/2010/main">
+    <mc:Choice Requires="p14">
+      <p:transition spd="med" p14:dur="700">
+        <p:fade/>
+      </p:transition>
+    </mc:Choice>
+    <mc:Fallback xmlns="">
+      <p:transition spd="med">
+        <p:fade/>
+      </p:transition>
+    </mc:Fallback>
+  </mc:AlternateContent>
+</p:sld>
+</file>
+
+<file path=ppt/slides/slide4.xml><?xml version="1.0" encoding="utf-8"?>
+<p:sld xmlns:a="http://schemas.openxmlformats.org/drawingml/2006/main" xmlns:r="http://schemas.openxmlformats.org/officeDocument/2006/relationships" xmlns:p="http://schemas.openxmlformats.org/presentationml/2006/main">
+  <p:cSld>
+    <p:spTree>
+      <p:nvGrpSpPr>
+        <p:cNvPr id="1" name=""/>
+        <p:cNvGrpSpPr/>
+        <p:nvPr/>
+      </p:nvGrpSpPr>
+      <p:grpSpPr>
+        <a:xfrm>
+          <a:off x="0" y="0"/>
+          <a:ext cx="0" cy="0"/>
+          <a:chOff x="0" y="0"/>
+          <a:chExt cx="0" cy="0"/>
+        </a:xfrm>
+      </p:grpSpPr>
+      <p:sp>
+        <p:nvSpPr>
           <p:cNvPr id="3" name="Marcador de contenido 2">
             <a:extLst>
               <a:ext uri="{FF2B5EF4-FFF2-40B4-BE49-F238E27FC236}">
@@ -5731,7 +6842,7 @@
 </p:sld>
 </file>
 
-<file path=ppt/slides/slide4.xml><?xml version="1.0" encoding="utf-8"?>
+<file path=ppt/slides/slide5.xml><?xml version="1.0" encoding="utf-8"?>
 <p:sld xmlns:a="http://schemas.openxmlformats.org/drawingml/2006/main" xmlns:r="http://schemas.openxmlformats.org/officeDocument/2006/relationships" xmlns:p="http://schemas.openxmlformats.org/presentationml/2006/main">
   <p:cSld>
     <p:spTree>
@@ -5901,7 +7012,7 @@
 </p:sld>
 </file>
 
-<file path=ppt/slides/slide5.xml><?xml version="1.0" encoding="utf-8"?>
+<file path=ppt/slides/slide6.xml><?xml version="1.0" encoding="utf-8"?>
 <p:sld xmlns:a="http://schemas.openxmlformats.org/drawingml/2006/main" xmlns:r="http://schemas.openxmlformats.org/officeDocument/2006/relationships" xmlns:p="http://schemas.openxmlformats.org/presentationml/2006/main">
   <p:cSld>
     <p:spTree>
@@ -6117,7 +7228,7 @@
 </p:sld>
 </file>
 
-<file path=ppt/slides/slide6.xml><?xml version="1.0" encoding="utf-8"?>
+<file path=ppt/slides/slide7.xml><?xml version="1.0" encoding="utf-8"?>
 <p:sld xmlns:a="http://schemas.openxmlformats.org/drawingml/2006/main" xmlns:r="http://schemas.openxmlformats.org/officeDocument/2006/relationships" xmlns:p="http://schemas.openxmlformats.org/presentationml/2006/main">
   <p:cSld>
     <p:spTree>
@@ -6312,7 +7423,7 @@
 </p:sld>
 </file>
 
-<file path=ppt/slides/slide7.xml><?xml version="1.0" encoding="utf-8"?>
+<file path=ppt/slides/slide8.xml><?xml version="1.0" encoding="utf-8"?>
 <p:sld xmlns:a="http://schemas.openxmlformats.org/drawingml/2006/main" xmlns:r="http://schemas.openxmlformats.org/officeDocument/2006/relationships" xmlns:p="http://schemas.openxmlformats.org/presentationml/2006/main">
   <p:cSld>
     <p:spTree>
@@ -6484,1072 +7595,6 @@
 </p:sld>
 </file>
 
-<file path=ppt/slides/slide8.xml><?xml version="1.0" encoding="utf-8"?>
-<p:sld xmlns:a="http://schemas.openxmlformats.org/drawingml/2006/main" xmlns:r="http://schemas.openxmlformats.org/officeDocument/2006/relationships" xmlns:p="http://schemas.openxmlformats.org/presentationml/2006/main">
-  <p:cSld>
-    <p:spTree>
-      <p:nvGrpSpPr>
-        <p:cNvPr id="1" name=""/>
-        <p:cNvGrpSpPr/>
-        <p:nvPr/>
-      </p:nvGrpSpPr>
-      <p:grpSpPr>
-        <a:xfrm>
-          <a:off x="0" y="0"/>
-          <a:ext cx="0" cy="0"/>
-          <a:chOff x="0" y="0"/>
-          <a:chExt cx="0" cy="0"/>
-        </a:xfrm>
-      </p:grpSpPr>
-      <p:sp>
-        <p:nvSpPr>
-          <p:cNvPr id="2" name="Título 1">
-            <a:extLst>
-              <a:ext uri="{FF2B5EF4-FFF2-40B4-BE49-F238E27FC236}">
-                <a16:creationId xmlns:a16="http://schemas.microsoft.com/office/drawing/2014/main" id="{E27459C6-0D6B-40E3-9327-CD4E2418E883}"/>
-              </a:ext>
-            </a:extLst>
-          </p:cNvPr>
-          <p:cNvSpPr>
-            <a:spLocks noGrp="1"/>
-          </p:cNvSpPr>
-          <p:nvPr>
-            <p:ph type="title"/>
-          </p:nvPr>
-        </p:nvSpPr>
-        <p:spPr>
-          <a:xfrm>
-            <a:off x="1125860" y="215534"/>
-            <a:ext cx="10585176" cy="1066800"/>
-          </a:xfrm>
-        </p:spPr>
-        <p:txBody>
-          <a:bodyPr>
-            <a:normAutofit/>
-          </a:bodyPr>
-          <a:lstStyle/>
-          <a:p>
-            <a:pPr algn="ctr"/>
-            <a:r>
-              <a:rPr lang="es-ES" dirty="0"/>
-              <a:t>Comparativa de funciones entre otras bibliotecas de algebra lineal</a:t>
-            </a:r>
-          </a:p>
-        </p:txBody>
-      </p:sp>
-      <p:pic>
-        <p:nvPicPr>
-          <p:cNvPr id="4" name="Imagen 3">
-            <a:extLst>
-              <a:ext uri="{FF2B5EF4-FFF2-40B4-BE49-F238E27FC236}">
-                <a16:creationId xmlns:a16="http://schemas.microsoft.com/office/drawing/2014/main" id="{8864F4D3-DA6C-4F18-AE4D-0A0397D7F655}"/>
-              </a:ext>
-            </a:extLst>
-          </p:cNvPr>
-          <p:cNvPicPr>
-            <a:picLocks noChangeAspect="1"/>
-          </p:cNvPicPr>
-          <p:nvPr/>
-        </p:nvPicPr>
-        <p:blipFill>
-          <a:blip r:embed="rId2"/>
-          <a:stretch>
-            <a:fillRect/>
-          </a:stretch>
-        </p:blipFill>
-        <p:spPr>
-          <a:xfrm>
-            <a:off x="5230317" y="1916832"/>
-            <a:ext cx="6752492" cy="3960440"/>
-          </a:xfrm>
-          <a:prstGeom prst="rect">
-            <a:avLst/>
-          </a:prstGeom>
-        </p:spPr>
-      </p:pic>
-      <p:sp>
-        <p:nvSpPr>
-          <p:cNvPr id="5" name="Rectángulo 4">
-            <a:extLst>
-              <a:ext uri="{FF2B5EF4-FFF2-40B4-BE49-F238E27FC236}">
-                <a16:creationId xmlns:a16="http://schemas.microsoft.com/office/drawing/2014/main" id="{A454AD10-A6B9-4BAF-AB5A-2F05DEA07154}"/>
-              </a:ext>
-            </a:extLst>
-          </p:cNvPr>
-          <p:cNvSpPr/>
-          <p:nvPr/>
-        </p:nvSpPr>
-        <p:spPr>
-          <a:xfrm>
-            <a:off x="261764" y="1204007"/>
-            <a:ext cx="4968553" cy="5386090"/>
-          </a:xfrm>
-          <a:prstGeom prst="rect">
-            <a:avLst/>
-          </a:prstGeom>
-        </p:spPr>
-        <p:txBody>
-          <a:bodyPr wrap="square">
-            <a:spAutoFit/>
-          </a:bodyPr>
-          <a:lstStyle/>
-          <a:p>
-            <a:r>
-              <a:rPr lang="es-ES" b="1" dirty="0">
-                <a:solidFill>
-                  <a:srgbClr val="000000"/>
-                </a:solidFill>
-                <a:latin typeface="Arial" panose="020B0604020202020204" pitchFamily="34" charset="0"/>
-              </a:rPr>
-              <a:t>Matrix </a:t>
-            </a:r>
-            <a:r>
-              <a:rPr lang="es-ES" b="1" dirty="0" err="1">
-                <a:solidFill>
-                  <a:srgbClr val="000000"/>
-                </a:solidFill>
-                <a:latin typeface="Arial" panose="020B0604020202020204" pitchFamily="34" charset="0"/>
-              </a:rPr>
-              <a:t>types</a:t>
-            </a:r>
-            <a:r>
-              <a:rPr lang="es-ES" b="1" dirty="0">
-                <a:solidFill>
-                  <a:srgbClr val="000000"/>
-                </a:solidFill>
-                <a:latin typeface="Arial" panose="020B0604020202020204" pitchFamily="34" charset="0"/>
-              </a:rPr>
-              <a:t> and </a:t>
-            </a:r>
-            <a:r>
-              <a:rPr lang="es-ES" b="1" dirty="0" err="1">
-                <a:solidFill>
-                  <a:srgbClr val="000000"/>
-                </a:solidFill>
-                <a:latin typeface="Arial" panose="020B0604020202020204" pitchFamily="34" charset="0"/>
-              </a:rPr>
-              <a:t>operations</a:t>
-            </a:r>
-            <a:endParaRPr lang="es-ES" b="1" dirty="0">
-              <a:solidFill>
-                <a:srgbClr val="000000"/>
-              </a:solidFill>
-              <a:latin typeface="Arial" panose="020B0604020202020204" pitchFamily="34" charset="0"/>
-            </a:endParaRPr>
-          </a:p>
-          <a:p>
-            <a:endParaRPr lang="es-ES" b="1" i="1" dirty="0">
-              <a:solidFill>
-                <a:srgbClr val="000000"/>
-              </a:solidFill>
-              <a:latin typeface="Arial" panose="020B0604020202020204" pitchFamily="34" charset="0"/>
-            </a:endParaRPr>
-          </a:p>
-          <a:p>
-            <a:pPr marL="285750" indent="-285750">
-              <a:buFont typeface="Arial" panose="020B0604020202020204" pitchFamily="34" charset="0"/>
-              <a:buChar char="•"/>
-            </a:pPr>
-            <a:r>
-              <a:rPr lang="es-ES" i="1" dirty="0">
-                <a:solidFill>
-                  <a:srgbClr val="222222"/>
-                </a:solidFill>
-                <a:latin typeface="Arial" panose="020B0604020202020204" pitchFamily="34" charset="0"/>
-              </a:rPr>
-              <a:t>Real</a:t>
-            </a:r>
-            <a:r>
-              <a:rPr lang="es-ES" dirty="0">
-                <a:solidFill>
-                  <a:srgbClr val="222222"/>
-                </a:solidFill>
-                <a:latin typeface="Arial" panose="020B0604020202020204" pitchFamily="34" charset="0"/>
-              </a:rPr>
-              <a:t> - general (</a:t>
-            </a:r>
-            <a:r>
-              <a:rPr lang="es-ES" dirty="0" err="1">
-                <a:solidFill>
-                  <a:srgbClr val="222222"/>
-                </a:solidFill>
-                <a:latin typeface="Arial" panose="020B0604020202020204" pitchFamily="34" charset="0"/>
-              </a:rPr>
-              <a:t>nonsymmetric</a:t>
-            </a:r>
-            <a:r>
-              <a:rPr lang="es-ES" dirty="0">
-                <a:solidFill>
-                  <a:srgbClr val="222222"/>
-                </a:solidFill>
-                <a:latin typeface="Arial" panose="020B0604020202020204" pitchFamily="34" charset="0"/>
-              </a:rPr>
-              <a:t>) real</a:t>
-            </a:r>
-          </a:p>
-          <a:p>
-            <a:pPr marL="285750" indent="-285750">
-              <a:buFont typeface="Arial" panose="020B0604020202020204" pitchFamily="34" charset="0"/>
-              <a:buChar char="•"/>
-            </a:pPr>
-            <a:r>
-              <a:rPr lang="es-ES" i="1" dirty="0" err="1">
-                <a:solidFill>
-                  <a:srgbClr val="222222"/>
-                </a:solidFill>
-                <a:latin typeface="Arial" panose="020B0604020202020204" pitchFamily="34" charset="0"/>
-              </a:rPr>
-              <a:t>Complex</a:t>
-            </a:r>
-            <a:r>
-              <a:rPr lang="es-ES" dirty="0">
-                <a:solidFill>
-                  <a:srgbClr val="222222"/>
-                </a:solidFill>
-                <a:latin typeface="Arial" panose="020B0604020202020204" pitchFamily="34" charset="0"/>
-              </a:rPr>
-              <a:t> - general (</a:t>
-            </a:r>
-            <a:r>
-              <a:rPr lang="es-ES" dirty="0" err="1">
-                <a:solidFill>
-                  <a:srgbClr val="222222"/>
-                </a:solidFill>
-                <a:latin typeface="Arial" panose="020B0604020202020204" pitchFamily="34" charset="0"/>
-              </a:rPr>
-              <a:t>nonsymmetric</a:t>
-            </a:r>
-            <a:r>
-              <a:rPr lang="es-ES" dirty="0">
-                <a:solidFill>
-                  <a:srgbClr val="222222"/>
-                </a:solidFill>
-                <a:latin typeface="Arial" panose="020B0604020202020204" pitchFamily="34" charset="0"/>
-              </a:rPr>
-              <a:t>) </a:t>
-            </a:r>
-            <a:r>
-              <a:rPr lang="es-ES" dirty="0" err="1">
-                <a:solidFill>
-                  <a:srgbClr val="222222"/>
-                </a:solidFill>
-                <a:latin typeface="Arial" panose="020B0604020202020204" pitchFamily="34" charset="0"/>
-              </a:rPr>
-              <a:t>complex</a:t>
-            </a:r>
-            <a:endParaRPr lang="es-ES" dirty="0">
-              <a:solidFill>
-                <a:srgbClr val="222222"/>
-              </a:solidFill>
-              <a:latin typeface="Arial" panose="020B0604020202020204" pitchFamily="34" charset="0"/>
-            </a:endParaRPr>
-          </a:p>
-          <a:p>
-            <a:pPr marL="285750" indent="-285750">
-              <a:buFont typeface="Arial" panose="020B0604020202020204" pitchFamily="34" charset="0"/>
-              <a:buChar char="•"/>
-            </a:pPr>
-            <a:r>
-              <a:rPr lang="es-ES" i="1" dirty="0">
-                <a:solidFill>
-                  <a:srgbClr val="222222"/>
-                </a:solidFill>
-                <a:latin typeface="Arial" panose="020B0604020202020204" pitchFamily="34" charset="0"/>
-              </a:rPr>
-              <a:t>SPD</a:t>
-            </a:r>
-            <a:r>
-              <a:rPr lang="es-ES" dirty="0">
-                <a:solidFill>
-                  <a:srgbClr val="222222"/>
-                </a:solidFill>
-                <a:latin typeface="Arial" panose="020B0604020202020204" pitchFamily="34" charset="0"/>
-              </a:rPr>
-              <a:t> - </a:t>
-            </a:r>
-            <a:r>
-              <a:rPr lang="es-ES" dirty="0" err="1">
-                <a:solidFill>
-                  <a:srgbClr val="222222"/>
-                </a:solidFill>
-                <a:latin typeface="Arial" panose="020B0604020202020204" pitchFamily="34" charset="0"/>
-              </a:rPr>
-              <a:t>symmetric</a:t>
-            </a:r>
-            <a:r>
-              <a:rPr lang="es-ES" dirty="0">
-                <a:solidFill>
-                  <a:srgbClr val="222222"/>
-                </a:solidFill>
-                <a:latin typeface="Arial" panose="020B0604020202020204" pitchFamily="34" charset="0"/>
-              </a:rPr>
-              <a:t> positive </a:t>
-            </a:r>
-            <a:r>
-              <a:rPr lang="es-ES" dirty="0" err="1">
-                <a:solidFill>
-                  <a:srgbClr val="222222"/>
-                </a:solidFill>
-                <a:latin typeface="Arial" panose="020B0604020202020204" pitchFamily="34" charset="0"/>
-              </a:rPr>
-              <a:t>definite</a:t>
-            </a:r>
-            <a:r>
-              <a:rPr lang="es-ES" dirty="0">
-                <a:solidFill>
-                  <a:srgbClr val="222222"/>
-                </a:solidFill>
-                <a:latin typeface="Arial" panose="020B0604020202020204" pitchFamily="34" charset="0"/>
-              </a:rPr>
-              <a:t> (real)</a:t>
-            </a:r>
-          </a:p>
-          <a:p>
-            <a:pPr marL="285750" indent="-285750">
-              <a:buFont typeface="Arial" panose="020B0604020202020204" pitchFamily="34" charset="0"/>
-              <a:buChar char="•"/>
-            </a:pPr>
-            <a:r>
-              <a:rPr lang="es-ES" i="1" dirty="0">
-                <a:solidFill>
-                  <a:srgbClr val="222222"/>
-                </a:solidFill>
-                <a:latin typeface="Arial" panose="020B0604020202020204" pitchFamily="34" charset="0"/>
-              </a:rPr>
-              <a:t>HPD</a:t>
-            </a:r>
-            <a:r>
-              <a:rPr lang="es-ES" dirty="0">
-                <a:solidFill>
-                  <a:srgbClr val="222222"/>
-                </a:solidFill>
-                <a:latin typeface="Arial" panose="020B0604020202020204" pitchFamily="34" charset="0"/>
-              </a:rPr>
-              <a:t> - </a:t>
-            </a:r>
-            <a:r>
-              <a:rPr lang="es-ES" dirty="0" err="1">
-                <a:solidFill>
-                  <a:srgbClr val="222222"/>
-                </a:solidFill>
-                <a:latin typeface="Arial" panose="020B0604020202020204" pitchFamily="34" charset="0"/>
-              </a:rPr>
-              <a:t>Hermitian</a:t>
-            </a:r>
-            <a:r>
-              <a:rPr lang="es-ES" dirty="0">
-                <a:solidFill>
-                  <a:srgbClr val="222222"/>
-                </a:solidFill>
-                <a:latin typeface="Arial" panose="020B0604020202020204" pitchFamily="34" charset="0"/>
-              </a:rPr>
-              <a:t> positive </a:t>
-            </a:r>
-            <a:r>
-              <a:rPr lang="es-ES" dirty="0" err="1">
-                <a:solidFill>
-                  <a:srgbClr val="222222"/>
-                </a:solidFill>
-                <a:latin typeface="Arial" panose="020B0604020202020204" pitchFamily="34" charset="0"/>
-              </a:rPr>
-              <a:t>definite</a:t>
-            </a:r>
-            <a:r>
-              <a:rPr lang="es-ES" dirty="0">
-                <a:solidFill>
-                  <a:srgbClr val="222222"/>
-                </a:solidFill>
-                <a:latin typeface="Arial" panose="020B0604020202020204" pitchFamily="34" charset="0"/>
-              </a:rPr>
-              <a:t> (</a:t>
-            </a:r>
-            <a:r>
-              <a:rPr lang="es-ES" dirty="0" err="1">
-                <a:solidFill>
-                  <a:srgbClr val="222222"/>
-                </a:solidFill>
-                <a:latin typeface="Arial" panose="020B0604020202020204" pitchFamily="34" charset="0"/>
-              </a:rPr>
-              <a:t>complex</a:t>
-            </a:r>
-            <a:r>
-              <a:rPr lang="es-ES" dirty="0">
-                <a:solidFill>
-                  <a:srgbClr val="222222"/>
-                </a:solidFill>
-                <a:latin typeface="Arial" panose="020B0604020202020204" pitchFamily="34" charset="0"/>
-              </a:rPr>
-              <a:t>)</a:t>
-            </a:r>
-          </a:p>
-          <a:p>
-            <a:pPr marL="285750" indent="-285750">
-              <a:buFont typeface="Arial" panose="020B0604020202020204" pitchFamily="34" charset="0"/>
-              <a:buChar char="•"/>
-            </a:pPr>
-            <a:r>
-              <a:rPr lang="es-ES" i="1" dirty="0">
-                <a:solidFill>
-                  <a:srgbClr val="222222"/>
-                </a:solidFill>
-                <a:latin typeface="Arial" panose="020B0604020202020204" pitchFamily="34" charset="0"/>
-              </a:rPr>
-              <a:t>SY</a:t>
-            </a:r>
-            <a:r>
-              <a:rPr lang="es-ES" dirty="0">
-                <a:solidFill>
-                  <a:srgbClr val="222222"/>
-                </a:solidFill>
-                <a:latin typeface="Arial" panose="020B0604020202020204" pitchFamily="34" charset="0"/>
-              </a:rPr>
-              <a:t> - </a:t>
-            </a:r>
-            <a:r>
-              <a:rPr lang="es-ES" dirty="0" err="1">
-                <a:solidFill>
-                  <a:srgbClr val="222222"/>
-                </a:solidFill>
-                <a:latin typeface="Arial" panose="020B0604020202020204" pitchFamily="34" charset="0"/>
-              </a:rPr>
-              <a:t>symmetric</a:t>
-            </a:r>
-            <a:r>
-              <a:rPr lang="es-ES" dirty="0">
-                <a:solidFill>
-                  <a:srgbClr val="222222"/>
-                </a:solidFill>
-                <a:latin typeface="Arial" panose="020B0604020202020204" pitchFamily="34" charset="0"/>
-              </a:rPr>
-              <a:t> (real)</a:t>
-            </a:r>
-          </a:p>
-          <a:p>
-            <a:pPr marL="285750" indent="-285750">
-              <a:buFont typeface="Arial" panose="020B0604020202020204" pitchFamily="34" charset="0"/>
-              <a:buChar char="•"/>
-            </a:pPr>
-            <a:r>
-              <a:rPr lang="es-ES" i="1" dirty="0">
-                <a:solidFill>
-                  <a:srgbClr val="222222"/>
-                </a:solidFill>
-                <a:latin typeface="Arial" panose="020B0604020202020204" pitchFamily="34" charset="0"/>
-              </a:rPr>
-              <a:t>HE</a:t>
-            </a:r>
-            <a:r>
-              <a:rPr lang="es-ES" dirty="0">
-                <a:solidFill>
-                  <a:srgbClr val="222222"/>
-                </a:solidFill>
-                <a:latin typeface="Arial" panose="020B0604020202020204" pitchFamily="34" charset="0"/>
-              </a:rPr>
-              <a:t> - </a:t>
-            </a:r>
-            <a:r>
-              <a:rPr lang="es-ES" dirty="0" err="1">
-                <a:solidFill>
-                  <a:srgbClr val="222222"/>
-                </a:solidFill>
-                <a:latin typeface="Arial" panose="020B0604020202020204" pitchFamily="34" charset="0"/>
-              </a:rPr>
-              <a:t>Hermitian</a:t>
-            </a:r>
-            <a:r>
-              <a:rPr lang="es-ES" dirty="0">
-                <a:solidFill>
-                  <a:srgbClr val="222222"/>
-                </a:solidFill>
-                <a:latin typeface="Arial" panose="020B0604020202020204" pitchFamily="34" charset="0"/>
-              </a:rPr>
-              <a:t> (</a:t>
-            </a:r>
-            <a:r>
-              <a:rPr lang="es-ES" dirty="0" err="1">
-                <a:solidFill>
-                  <a:srgbClr val="222222"/>
-                </a:solidFill>
-                <a:latin typeface="Arial" panose="020B0604020202020204" pitchFamily="34" charset="0"/>
-              </a:rPr>
-              <a:t>complex</a:t>
-            </a:r>
-            <a:r>
-              <a:rPr lang="es-ES" dirty="0">
-                <a:solidFill>
-                  <a:srgbClr val="222222"/>
-                </a:solidFill>
-                <a:latin typeface="Arial" panose="020B0604020202020204" pitchFamily="34" charset="0"/>
-              </a:rPr>
-              <a:t>)</a:t>
-            </a:r>
-          </a:p>
-          <a:p>
-            <a:pPr marL="285750" indent="-285750">
-              <a:buFont typeface="Arial" panose="020B0604020202020204" pitchFamily="34" charset="0"/>
-              <a:buChar char="•"/>
-            </a:pPr>
-            <a:r>
-              <a:rPr lang="es-ES" i="1" dirty="0">
-                <a:solidFill>
-                  <a:srgbClr val="222222"/>
-                </a:solidFill>
-                <a:latin typeface="Arial" panose="020B0604020202020204" pitchFamily="34" charset="0"/>
-              </a:rPr>
-              <a:t>BND</a:t>
-            </a:r>
-            <a:r>
-              <a:rPr lang="es-ES" dirty="0">
-                <a:solidFill>
-                  <a:srgbClr val="222222"/>
-                </a:solidFill>
-                <a:latin typeface="Arial" panose="020B0604020202020204" pitchFamily="34" charset="0"/>
-              </a:rPr>
-              <a:t> - band</a:t>
-            </a:r>
-          </a:p>
-          <a:p>
-            <a:pPr marL="285750" indent="-285750">
-              <a:buFont typeface="Arial" panose="020B0604020202020204" pitchFamily="34" charset="0"/>
-              <a:buChar char="•"/>
-            </a:pPr>
-            <a:endParaRPr lang="es-ES" dirty="0">
-              <a:solidFill>
-                <a:srgbClr val="222222"/>
-              </a:solidFill>
-              <a:latin typeface="Arial" panose="020B0604020202020204" pitchFamily="34" charset="0"/>
-            </a:endParaRPr>
-          </a:p>
-          <a:p>
-            <a:r>
-              <a:rPr lang="es-ES" sz="2000" b="1" u="sng" dirty="0" err="1">
-                <a:solidFill>
-                  <a:srgbClr val="222222"/>
-                </a:solidFill>
-                <a:latin typeface="Arial" panose="020B0604020202020204" pitchFamily="34" charset="0"/>
-              </a:rPr>
-              <a:t>Operations</a:t>
-            </a:r>
-            <a:r>
-              <a:rPr lang="es-ES" sz="2000" b="1" u="sng" dirty="0">
-                <a:solidFill>
-                  <a:srgbClr val="222222"/>
-                </a:solidFill>
-                <a:latin typeface="Arial" panose="020B0604020202020204" pitchFamily="34" charset="0"/>
-              </a:rPr>
-              <a:t>:</a:t>
-            </a:r>
-          </a:p>
-          <a:p>
-            <a:endParaRPr lang="es-ES" dirty="0">
-              <a:solidFill>
-                <a:srgbClr val="222222"/>
-              </a:solidFill>
-              <a:latin typeface="Arial" panose="020B0604020202020204" pitchFamily="34" charset="0"/>
-            </a:endParaRPr>
-          </a:p>
-          <a:p>
-            <a:pPr marL="285750" indent="-285750">
-              <a:buFont typeface="Arial" panose="020B0604020202020204" pitchFamily="34" charset="0"/>
-              <a:buChar char="•"/>
-            </a:pPr>
-            <a:r>
-              <a:rPr lang="es-ES" i="1" dirty="0">
-                <a:solidFill>
-                  <a:srgbClr val="222222"/>
-                </a:solidFill>
-                <a:latin typeface="Arial" panose="020B0604020202020204" pitchFamily="34" charset="0"/>
-              </a:rPr>
-              <a:t>TF</a:t>
-            </a:r>
-            <a:r>
-              <a:rPr lang="es-ES" dirty="0">
-                <a:solidFill>
-                  <a:srgbClr val="222222"/>
-                </a:solidFill>
-                <a:latin typeface="Arial" panose="020B0604020202020204" pitchFamily="34" charset="0"/>
-              </a:rPr>
-              <a:t> - triangular </a:t>
-            </a:r>
-            <a:r>
-              <a:rPr lang="es-ES" dirty="0" err="1">
-                <a:solidFill>
-                  <a:srgbClr val="222222"/>
-                </a:solidFill>
-                <a:latin typeface="Arial" panose="020B0604020202020204" pitchFamily="34" charset="0"/>
-              </a:rPr>
-              <a:t>factorizations</a:t>
-            </a:r>
-            <a:r>
-              <a:rPr lang="es-ES" dirty="0">
-                <a:solidFill>
-                  <a:srgbClr val="222222"/>
-                </a:solidFill>
-                <a:latin typeface="Arial" panose="020B0604020202020204" pitchFamily="34" charset="0"/>
-              </a:rPr>
-              <a:t> (LU, </a:t>
-            </a:r>
-            <a:r>
-              <a:rPr lang="es-ES" dirty="0" err="1">
-                <a:solidFill>
-                  <a:srgbClr val="222222"/>
-                </a:solidFill>
-                <a:latin typeface="Arial" panose="020B0604020202020204" pitchFamily="34" charset="0"/>
-              </a:rPr>
-              <a:t>Cholesky</a:t>
-            </a:r>
-            <a:r>
-              <a:rPr lang="es-ES" dirty="0">
-                <a:solidFill>
-                  <a:srgbClr val="222222"/>
-                </a:solidFill>
-                <a:latin typeface="Arial" panose="020B0604020202020204" pitchFamily="34" charset="0"/>
-              </a:rPr>
-              <a:t>)</a:t>
-            </a:r>
-          </a:p>
-          <a:p>
-            <a:pPr marL="285750" indent="-285750">
-              <a:buFont typeface="Arial" panose="020B0604020202020204" pitchFamily="34" charset="0"/>
-              <a:buChar char="•"/>
-            </a:pPr>
-            <a:r>
-              <a:rPr lang="es-ES" i="1" dirty="0">
-                <a:solidFill>
-                  <a:srgbClr val="222222"/>
-                </a:solidFill>
-                <a:latin typeface="Arial" panose="020B0604020202020204" pitchFamily="34" charset="0"/>
-              </a:rPr>
-              <a:t>OF</a:t>
-            </a:r>
-            <a:r>
-              <a:rPr lang="es-ES" dirty="0">
-                <a:solidFill>
-                  <a:srgbClr val="222222"/>
-                </a:solidFill>
-                <a:latin typeface="Arial" panose="020B0604020202020204" pitchFamily="34" charset="0"/>
-              </a:rPr>
-              <a:t> - </a:t>
-            </a:r>
-            <a:r>
-              <a:rPr lang="es-ES" dirty="0" err="1">
-                <a:solidFill>
-                  <a:srgbClr val="222222"/>
-                </a:solidFill>
-                <a:latin typeface="Arial" panose="020B0604020202020204" pitchFamily="34" charset="0"/>
-              </a:rPr>
-              <a:t>orthogonal</a:t>
-            </a:r>
-            <a:r>
-              <a:rPr lang="es-ES" dirty="0">
-                <a:solidFill>
-                  <a:srgbClr val="222222"/>
-                </a:solidFill>
-                <a:latin typeface="Arial" panose="020B0604020202020204" pitchFamily="34" charset="0"/>
-              </a:rPr>
-              <a:t> </a:t>
-            </a:r>
-            <a:r>
-              <a:rPr lang="es-ES" dirty="0" err="1">
-                <a:solidFill>
-                  <a:srgbClr val="222222"/>
-                </a:solidFill>
-                <a:latin typeface="Arial" panose="020B0604020202020204" pitchFamily="34" charset="0"/>
-              </a:rPr>
-              <a:t>factorizations</a:t>
-            </a:r>
-            <a:r>
-              <a:rPr lang="es-ES" dirty="0">
-                <a:solidFill>
-                  <a:srgbClr val="222222"/>
-                </a:solidFill>
-                <a:latin typeface="Arial" panose="020B0604020202020204" pitchFamily="34" charset="0"/>
-              </a:rPr>
-              <a:t> (QR, QL, </a:t>
-            </a:r>
-            <a:r>
-              <a:rPr lang="es-ES" dirty="0" err="1">
-                <a:solidFill>
-                  <a:srgbClr val="222222"/>
-                </a:solidFill>
-                <a:latin typeface="Arial" panose="020B0604020202020204" pitchFamily="34" charset="0"/>
-              </a:rPr>
-              <a:t>generalized</a:t>
-            </a:r>
-            <a:r>
-              <a:rPr lang="es-ES" dirty="0">
-                <a:solidFill>
-                  <a:srgbClr val="222222"/>
-                </a:solidFill>
-                <a:latin typeface="Arial" panose="020B0604020202020204" pitchFamily="34" charset="0"/>
-              </a:rPr>
-              <a:t> </a:t>
-            </a:r>
-            <a:r>
-              <a:rPr lang="es-ES" dirty="0" err="1">
-                <a:solidFill>
-                  <a:srgbClr val="222222"/>
-                </a:solidFill>
-                <a:latin typeface="Arial" panose="020B0604020202020204" pitchFamily="34" charset="0"/>
-              </a:rPr>
-              <a:t>factorizations</a:t>
-            </a:r>
-            <a:r>
-              <a:rPr lang="es-ES" dirty="0">
-                <a:solidFill>
-                  <a:srgbClr val="222222"/>
-                </a:solidFill>
-                <a:latin typeface="Arial" panose="020B0604020202020204" pitchFamily="34" charset="0"/>
-              </a:rPr>
-              <a:t>)</a:t>
-            </a:r>
-          </a:p>
-          <a:p>
-            <a:pPr marL="285750" indent="-285750">
-              <a:buFont typeface="Arial" panose="020B0604020202020204" pitchFamily="34" charset="0"/>
-              <a:buChar char="•"/>
-            </a:pPr>
-            <a:r>
-              <a:rPr lang="es-ES" i="1" dirty="0">
-                <a:solidFill>
-                  <a:srgbClr val="222222"/>
-                </a:solidFill>
-                <a:latin typeface="Arial" panose="020B0604020202020204" pitchFamily="34" charset="0"/>
-              </a:rPr>
-              <a:t>EVD</a:t>
-            </a:r>
-            <a:r>
-              <a:rPr lang="es-ES" dirty="0">
-                <a:solidFill>
-                  <a:srgbClr val="222222"/>
-                </a:solidFill>
-                <a:latin typeface="Arial" panose="020B0604020202020204" pitchFamily="34" charset="0"/>
-              </a:rPr>
-              <a:t> - </a:t>
-            </a:r>
-            <a:r>
-              <a:rPr lang="es-ES" dirty="0" err="1">
-                <a:solidFill>
-                  <a:srgbClr val="222222"/>
-                </a:solidFill>
-                <a:latin typeface="Arial" panose="020B0604020202020204" pitchFamily="34" charset="0"/>
-              </a:rPr>
-              <a:t>eigenproblems</a:t>
-            </a:r>
-            <a:endParaRPr lang="es-ES" dirty="0">
-              <a:solidFill>
-                <a:srgbClr val="222222"/>
-              </a:solidFill>
-              <a:latin typeface="Arial" panose="020B0604020202020204" pitchFamily="34" charset="0"/>
-            </a:endParaRPr>
-          </a:p>
-          <a:p>
-            <a:pPr marL="285750" indent="-285750">
-              <a:buFont typeface="Arial" panose="020B0604020202020204" pitchFamily="34" charset="0"/>
-              <a:buChar char="•"/>
-            </a:pPr>
-            <a:r>
-              <a:rPr lang="es-ES" i="1" dirty="0">
-                <a:solidFill>
-                  <a:srgbClr val="222222"/>
-                </a:solidFill>
-                <a:latin typeface="Arial" panose="020B0604020202020204" pitchFamily="34" charset="0"/>
-              </a:rPr>
-              <a:t>SVD</a:t>
-            </a:r>
-            <a:r>
-              <a:rPr lang="es-ES" dirty="0">
-                <a:solidFill>
-                  <a:srgbClr val="222222"/>
-                </a:solidFill>
-                <a:latin typeface="Arial" panose="020B0604020202020204" pitchFamily="34" charset="0"/>
-              </a:rPr>
-              <a:t> - singular </a:t>
-            </a:r>
-            <a:r>
-              <a:rPr lang="es-ES" dirty="0" err="1">
-                <a:solidFill>
-                  <a:srgbClr val="222222"/>
-                </a:solidFill>
-                <a:latin typeface="Arial" panose="020B0604020202020204" pitchFamily="34" charset="0"/>
-              </a:rPr>
-              <a:t>value</a:t>
-            </a:r>
-            <a:r>
-              <a:rPr lang="es-ES" dirty="0">
-                <a:solidFill>
-                  <a:srgbClr val="222222"/>
-                </a:solidFill>
-                <a:latin typeface="Arial" panose="020B0604020202020204" pitchFamily="34" charset="0"/>
-              </a:rPr>
-              <a:t> </a:t>
-            </a:r>
-            <a:r>
-              <a:rPr lang="es-ES" dirty="0" err="1">
-                <a:solidFill>
-                  <a:srgbClr val="222222"/>
-                </a:solidFill>
-                <a:latin typeface="Arial" panose="020B0604020202020204" pitchFamily="34" charset="0"/>
-              </a:rPr>
-              <a:t>decomposition</a:t>
-            </a:r>
-            <a:endParaRPr lang="es-ES" dirty="0">
-              <a:solidFill>
-                <a:srgbClr val="222222"/>
-              </a:solidFill>
-              <a:latin typeface="Arial" panose="020B0604020202020204" pitchFamily="34" charset="0"/>
-            </a:endParaRPr>
-          </a:p>
-          <a:p>
-            <a:pPr marL="285750" indent="-285750">
-              <a:buFont typeface="Arial" panose="020B0604020202020204" pitchFamily="34" charset="0"/>
-              <a:buChar char="•"/>
-            </a:pPr>
-            <a:r>
-              <a:rPr lang="es-ES" i="1" dirty="0">
-                <a:solidFill>
-                  <a:srgbClr val="222222"/>
-                </a:solidFill>
-                <a:latin typeface="Arial" panose="020B0604020202020204" pitchFamily="34" charset="0"/>
-              </a:rPr>
-              <a:t>GEVD</a:t>
-            </a:r>
-            <a:r>
-              <a:rPr lang="es-ES" dirty="0">
-                <a:solidFill>
-                  <a:srgbClr val="222222"/>
-                </a:solidFill>
-                <a:latin typeface="Arial" panose="020B0604020202020204" pitchFamily="34" charset="0"/>
-              </a:rPr>
-              <a:t> - </a:t>
-            </a:r>
-            <a:r>
-              <a:rPr lang="es-ES" dirty="0" err="1">
-                <a:solidFill>
-                  <a:srgbClr val="222222"/>
-                </a:solidFill>
-                <a:latin typeface="Arial" panose="020B0604020202020204" pitchFamily="34" charset="0"/>
-              </a:rPr>
-              <a:t>generalized</a:t>
-            </a:r>
-            <a:r>
-              <a:rPr lang="es-ES" dirty="0">
-                <a:solidFill>
-                  <a:srgbClr val="222222"/>
-                </a:solidFill>
-                <a:latin typeface="Arial" panose="020B0604020202020204" pitchFamily="34" charset="0"/>
-              </a:rPr>
-              <a:t> EVD</a:t>
-            </a:r>
-          </a:p>
-          <a:p>
-            <a:pPr marL="285750" indent="-285750">
-              <a:buFont typeface="Arial" panose="020B0604020202020204" pitchFamily="34" charset="0"/>
-              <a:buChar char="•"/>
-            </a:pPr>
-            <a:r>
-              <a:rPr lang="es-ES" i="1" dirty="0">
-                <a:solidFill>
-                  <a:srgbClr val="222222"/>
-                </a:solidFill>
-                <a:latin typeface="Arial" panose="020B0604020202020204" pitchFamily="34" charset="0"/>
-              </a:rPr>
-              <a:t>GSVD</a:t>
-            </a:r>
-            <a:r>
-              <a:rPr lang="es-ES" dirty="0">
-                <a:solidFill>
-                  <a:srgbClr val="222222"/>
-                </a:solidFill>
-                <a:latin typeface="Arial" panose="020B0604020202020204" pitchFamily="34" charset="0"/>
-              </a:rPr>
-              <a:t> - </a:t>
-            </a:r>
-            <a:r>
-              <a:rPr lang="es-ES" dirty="0" err="1">
-                <a:solidFill>
-                  <a:srgbClr val="222222"/>
-                </a:solidFill>
-                <a:latin typeface="Arial" panose="020B0604020202020204" pitchFamily="34" charset="0"/>
-              </a:rPr>
-              <a:t>generalized</a:t>
-            </a:r>
-            <a:r>
-              <a:rPr lang="es-ES" dirty="0">
-                <a:solidFill>
-                  <a:srgbClr val="222222"/>
-                </a:solidFill>
-                <a:latin typeface="Arial" panose="020B0604020202020204" pitchFamily="34" charset="0"/>
-              </a:rPr>
-              <a:t> SVD</a:t>
-            </a:r>
-            <a:endParaRPr lang="es-ES" b="0" i="0" dirty="0">
-              <a:solidFill>
-                <a:srgbClr val="222222"/>
-              </a:solidFill>
-              <a:effectLst/>
-              <a:latin typeface="Arial" panose="020B0604020202020204" pitchFamily="34" charset="0"/>
-            </a:endParaRPr>
-          </a:p>
-        </p:txBody>
-      </p:sp>
-      <p:sp>
-        <p:nvSpPr>
-          <p:cNvPr id="6" name="Elipse 5">
-            <a:extLst>
-              <a:ext uri="{FF2B5EF4-FFF2-40B4-BE49-F238E27FC236}">
-                <a16:creationId xmlns:a16="http://schemas.microsoft.com/office/drawing/2014/main" id="{E6EAB6B6-BFE6-4A3B-ADCC-A79C0D354213}"/>
-              </a:ext>
-            </a:extLst>
-          </p:cNvPr>
-          <p:cNvSpPr/>
-          <p:nvPr/>
-        </p:nvSpPr>
-        <p:spPr>
-          <a:xfrm>
-            <a:off x="5698368" y="4005064"/>
-            <a:ext cx="720080" cy="288032"/>
-          </a:xfrm>
-          <a:prstGeom prst="ellipse">
-            <a:avLst/>
-          </a:prstGeom>
-          <a:noFill/>
-          <a:ln>
-            <a:solidFill>
-              <a:srgbClr val="FF0000"/>
-            </a:solidFill>
-          </a:ln>
-        </p:spPr>
-        <p:style>
-          <a:lnRef idx="2">
-            <a:schemeClr val="dk1"/>
-          </a:lnRef>
-          <a:fillRef idx="1">
-            <a:schemeClr val="lt1"/>
-          </a:fillRef>
-          <a:effectRef idx="0">
-            <a:schemeClr val="dk1"/>
-          </a:effectRef>
-          <a:fontRef idx="minor">
-            <a:schemeClr val="dk1"/>
-          </a:fontRef>
-        </p:style>
-        <p:txBody>
-          <a:bodyPr rtlCol="0" anchor="ctr"/>
-          <a:lstStyle/>
-          <a:p>
-            <a:pPr algn="ctr"/>
-            <a:endParaRPr lang="es-ES" dirty="0">
-              <a:solidFill>
-                <a:srgbClr val="FF0000"/>
-              </a:solidFill>
-            </a:endParaRPr>
-          </a:p>
-        </p:txBody>
-      </p:sp>
-      <p:cxnSp>
-        <p:nvCxnSpPr>
-          <p:cNvPr id="9" name="Conector recto de flecha 8">
-            <a:extLst>
-              <a:ext uri="{FF2B5EF4-FFF2-40B4-BE49-F238E27FC236}">
-                <a16:creationId xmlns:a16="http://schemas.microsoft.com/office/drawing/2014/main" id="{FB45939F-A7CF-489C-893A-B217551831E4}"/>
-              </a:ext>
-            </a:extLst>
-          </p:cNvPr>
-          <p:cNvCxnSpPr/>
-          <p:nvPr/>
-        </p:nvCxnSpPr>
-        <p:spPr>
-          <a:xfrm>
-            <a:off x="4366220" y="3933056"/>
-            <a:ext cx="1296144" cy="216024"/>
-          </a:xfrm>
-          <a:prstGeom prst="straightConnector1">
-            <a:avLst/>
-          </a:prstGeom>
-          <a:ln>
-            <a:solidFill>
-              <a:srgbClr val="FF0000"/>
-            </a:solidFill>
-            <a:tailEnd type="triangle"/>
-          </a:ln>
-        </p:spPr>
-        <p:style>
-          <a:lnRef idx="1">
-            <a:schemeClr val="accent1"/>
-          </a:lnRef>
-          <a:fillRef idx="0">
-            <a:schemeClr val="accent1"/>
-          </a:fillRef>
-          <a:effectRef idx="0">
-            <a:schemeClr val="accent1"/>
-          </a:effectRef>
-          <a:fontRef idx="minor">
-            <a:schemeClr val="tx1"/>
-          </a:fontRef>
-        </p:style>
-      </p:cxnSp>
-      <p:pic>
-        <p:nvPicPr>
-          <p:cNvPr id="8" name="Imagen 7">
-            <a:extLst>
-              <a:ext uri="{FF2B5EF4-FFF2-40B4-BE49-F238E27FC236}">
-                <a16:creationId xmlns:a16="http://schemas.microsoft.com/office/drawing/2014/main" id="{BCB71AFC-64CB-664C-A534-BC5D81F4CA5F}"/>
-              </a:ext>
-            </a:extLst>
-          </p:cNvPr>
-          <p:cNvPicPr>
-            <a:picLocks noChangeAspect="1"/>
-          </p:cNvPicPr>
-          <p:nvPr/>
-        </p:nvPicPr>
-        <p:blipFill>
-          <a:blip r:embed="rId3">
-            <a:extLst>
-              <a:ext uri="{28A0092B-C50C-407E-A947-70E740481C1C}">
-                <a14:useLocalDpi xmlns:a14="http://schemas.microsoft.com/office/drawing/2010/main" val="0"/>
-              </a:ext>
-            </a:extLst>
-          </a:blip>
-          <a:stretch>
-            <a:fillRect/>
-          </a:stretch>
-        </p:blipFill>
-        <p:spPr>
-          <a:xfrm>
-            <a:off x="199436" y="189204"/>
-            <a:ext cx="2019582" cy="924054"/>
-          </a:xfrm>
-          <a:prstGeom prst="rect">
-            <a:avLst/>
-          </a:prstGeom>
-        </p:spPr>
-      </p:pic>
-    </p:spTree>
-    <p:extLst>
-      <p:ext uri="{BB962C8B-B14F-4D97-AF65-F5344CB8AC3E}">
-        <p14:creationId xmlns:p14="http://schemas.microsoft.com/office/powerpoint/2010/main" val="47941704"/>
-      </p:ext>
-    </p:extLst>
-  </p:cSld>
-  <p:clrMapOvr>
-    <a:masterClrMapping/>
-  </p:clrMapOvr>
-  <mc:AlternateContent xmlns:mc="http://schemas.openxmlformats.org/markup-compatibility/2006" xmlns:p14="http://schemas.microsoft.com/office/powerpoint/2010/main">
-    <mc:Choice Requires="p14">
-      <p:transition spd="med" p14:dur="700">
-        <p:fade/>
-      </p:transition>
-    </mc:Choice>
-    <mc:Fallback xmlns="">
-      <p:transition spd="med">
-        <p:fade/>
-      </p:transition>
-    </mc:Fallback>
-  </mc:AlternateContent>
-</p:sld>
-</file>
-
 <file path=ppt/slides/slide9.xml><?xml version="1.0" encoding="utf-8"?>
 <p:sld xmlns:a="http://schemas.openxmlformats.org/drawingml/2006/main" xmlns:r="http://schemas.openxmlformats.org/officeDocument/2006/relationships" xmlns:p="http://schemas.openxmlformats.org/presentationml/2006/main">
   <p:cSld>
@@ -7577,50 +7622,41 @@
             <p:ph type="title"/>
           </p:nvPr>
         </p:nvSpPr>
-        <p:spPr/>
+        <p:spPr>
+          <a:xfrm>
+            <a:off x="2219018" y="460827"/>
+            <a:ext cx="6613376" cy="1066800"/>
+          </a:xfrm>
+        </p:spPr>
         <p:txBody>
-          <a:bodyPr rtlCol="0"/>
+          <a:bodyPr rtlCol="0">
+            <a:normAutofit fontScale="90000"/>
+          </a:bodyPr>
           <a:lstStyle/>
           <a:p>
             <a:pPr rtl="0"/>
             <a:r>
-              <a:rPr lang="es-ES" dirty="0"/>
-              <a:t>Comparación de cpu_time </a:t>
+              <a:rPr lang="es-ES" sz="2800" dirty="0"/>
+              <a:t>Comparación de </a:t>
+            </a:r>
+            <a:r>
+              <a:rPr lang="es-ES" sz="2800" dirty="0" err="1"/>
+              <a:t>cpu_time</a:t>
+            </a:r>
+            <a:r>
+              <a:rPr lang="es-ES" sz="2800" dirty="0"/>
+              <a:t> al</a:t>
+            </a:r>
+            <a:br>
+              <a:rPr lang="es-ES" sz="2800" dirty="0"/>
+            </a:br>
+            <a:r>
+              <a:rPr lang="es-ES" sz="2800" dirty="0"/>
+              <a:t>resolver un sistema de ecuaciones lineales (método LU)</a:t>
             </a:r>
           </a:p>
         </p:txBody>
       </p:sp>
-      <p:graphicFrame>
-        <p:nvGraphicFramePr>
-          <p:cNvPr id="8" name="Marcador de contenido 7">
-            <a:extLst>
-              <a:ext uri="{FF2B5EF4-FFF2-40B4-BE49-F238E27FC236}">
-                <a16:creationId xmlns:a16="http://schemas.microsoft.com/office/drawing/2014/main" id="{09E9A23C-63DD-47AC-BED2-64C804F694D0}"/>
-              </a:ext>
-            </a:extLst>
-          </p:cNvPr>
-          <p:cNvGraphicFramePr>
-            <a:graphicFrameLocks noGrp="1"/>
-          </p:cNvGraphicFramePr>
-          <p:nvPr>
-            <p:ph idx="1"/>
-            <p:extLst>
-              <p:ext uri="{D42A27DB-BD31-4B8C-83A1-F6EECF244321}">
-                <p14:modId xmlns:p14="http://schemas.microsoft.com/office/powerpoint/2010/main" val="3504525761"/>
-              </p:ext>
-            </p:extLst>
-          </p:nvPr>
-        </p:nvGraphicFramePr>
-        <p:xfrm>
-          <a:off x="1065212" y="1828800"/>
-          <a:ext cx="9637711" cy="4768552"/>
-        </p:xfrm>
-        <a:graphic>
-          <a:graphicData uri="http://schemas.openxmlformats.org/drawingml/2006/chart">
-            <c:chart xmlns:c="http://schemas.openxmlformats.org/drawingml/2006/chart" xmlns:r="http://schemas.openxmlformats.org/officeDocument/2006/relationships" r:id="rId3"/>
-          </a:graphicData>
-        </a:graphic>
-      </p:graphicFrame>
       <p:pic>
         <p:nvPicPr>
           <p:cNvPr id="1026" name="Picture 2" descr="inappropriate lizard GIF">
@@ -7636,7 +7672,7 @@
           <p:nvPr/>
         </p:nvPicPr>
         <p:blipFill>
-          <a:blip r:embed="rId4">
+          <a:blip r:embed="rId3">
             <a:extLst>
               <a:ext uri="{28A0092B-C50C-407E-A947-70E740481C1C}">
                 <a14:useLocalDpi xmlns:a14="http://schemas.microsoft.com/office/drawing/2010/main" val="0"/>
@@ -7720,8 +7756,8 @@
         </p:nvSpPr>
         <p:spPr>
           <a:xfrm rot="16200000">
-            <a:off x="242714" y="2445535"/>
-            <a:ext cx="1282723" cy="369332"/>
+            <a:off x="88505" y="2569707"/>
+            <a:ext cx="1037463" cy="307777"/>
           </a:xfrm>
           <a:prstGeom prst="rect">
             <a:avLst/>
@@ -7738,7 +7774,7 @@
           <a:lstStyle/>
           <a:p>
             <a:r>
-              <a:rPr lang="es-ES" dirty="0">
+              <a:rPr lang="es-ES" sz="1400" dirty="0">
                 <a:solidFill>
                   <a:schemeClr val="accent6">
                     <a:lumMod val="50000"/>
@@ -7764,8 +7800,8 @@
         </p:nvSpPr>
         <p:spPr>
           <a:xfrm>
-            <a:off x="7822604" y="6225897"/>
-            <a:ext cx="2377574" cy="369332"/>
+            <a:off x="4078188" y="5063013"/>
+            <a:ext cx="1890261" cy="307777"/>
           </a:xfrm>
           <a:prstGeom prst="rect">
             <a:avLst/>
@@ -7782,7 +7818,7 @@
           <a:lstStyle/>
           <a:p>
             <a:r>
-              <a:rPr lang="es-ES" dirty="0">
+              <a:rPr lang="es-ES" sz="1400" dirty="0">
                 <a:solidFill>
                   <a:schemeClr val="accent6">
                     <a:lumMod val="50000"/>
@@ -7800,6 +7836,42 @@
             <a:extLst>
               <a:ext uri="{FF2B5EF4-FFF2-40B4-BE49-F238E27FC236}">
                 <a16:creationId xmlns:a16="http://schemas.microsoft.com/office/drawing/2014/main" id="{F51FA9DD-A69E-3549-858D-E2FFE104DA1A}"/>
+              </a:ext>
+            </a:extLst>
+          </p:cNvPr>
+          <p:cNvPicPr>
+            <a:picLocks noChangeAspect="1"/>
+          </p:cNvPicPr>
+          <p:nvPr/>
+        </p:nvPicPr>
+        <p:blipFill>
+          <a:blip r:embed="rId4">
+            <a:extLst>
+              <a:ext uri="{28A0092B-C50C-407E-A947-70E740481C1C}">
+                <a14:useLocalDpi xmlns:a14="http://schemas.microsoft.com/office/drawing/2010/main" val="0"/>
+              </a:ext>
+            </a:extLst>
+          </a:blip>
+          <a:stretch>
+            <a:fillRect/>
+          </a:stretch>
+        </p:blipFill>
+        <p:spPr>
+          <a:xfrm>
+            <a:off x="199436" y="189204"/>
+            <a:ext cx="2019582" cy="924054"/>
+          </a:xfrm>
+          <a:prstGeom prst="rect">
+            <a:avLst/>
+          </a:prstGeom>
+        </p:spPr>
+      </p:pic>
+      <p:pic>
+        <p:nvPicPr>
+          <p:cNvPr id="6" name="Imagen 5">
+            <a:extLst>
+              <a:ext uri="{FF2B5EF4-FFF2-40B4-BE49-F238E27FC236}">
+                <a16:creationId xmlns:a16="http://schemas.microsoft.com/office/drawing/2014/main" id="{CCF22778-8CB1-554A-B7C4-A57E279326F0}"/>
               </a:ext>
             </a:extLst>
           </p:cNvPr>
@@ -7822,14 +7894,152 @@
         </p:blipFill>
         <p:spPr>
           <a:xfrm>
-            <a:off x="199436" y="189204"/>
-            <a:ext cx="2019582" cy="924054"/>
+            <a:off x="6670476" y="1876692"/>
+            <a:ext cx="4968552" cy="4776159"/>
           </a:xfrm>
           <a:prstGeom prst="rect">
             <a:avLst/>
           </a:prstGeom>
         </p:spPr>
       </p:pic>
+      <p:sp>
+        <p:nvSpPr>
+          <p:cNvPr id="7" name="CuadroTexto 6">
+            <a:extLst>
+              <a:ext uri="{FF2B5EF4-FFF2-40B4-BE49-F238E27FC236}">
+                <a16:creationId xmlns:a16="http://schemas.microsoft.com/office/drawing/2014/main" id="{0B84CC28-937D-8045-92DB-AC7B89B98A9D}"/>
+              </a:ext>
+            </a:extLst>
+          </p:cNvPr>
+          <p:cNvSpPr txBox="1"/>
+          <p:nvPr/>
+        </p:nvSpPr>
+        <p:spPr>
+          <a:xfrm>
+            <a:off x="909836" y="5577975"/>
+            <a:ext cx="4752528" cy="1107996"/>
+          </a:xfrm>
+          <a:prstGeom prst="rect">
+            <a:avLst/>
+          </a:prstGeom>
+          <a:noFill/>
+          <a:ln>
+            <a:noFill/>
+          </a:ln>
+        </p:spPr>
+        <p:txBody>
+          <a:bodyPr wrap="square" rtlCol="0" anchor="ctr" anchorCtr="1">
+            <a:spAutoFit/>
+          </a:bodyPr>
+          <a:lstStyle/>
+          <a:p>
+            <a:r>
+              <a:rPr lang="es-ES" sz="1600" dirty="0">
+                <a:solidFill>
+                  <a:schemeClr val="accent6">
+                    <a:lumMod val="50000"/>
+                  </a:schemeClr>
+                </a:solidFill>
+              </a:rPr>
+              <a:t>Empleado Procesador </a:t>
+            </a:r>
+            <a:r>
+              <a:rPr lang="es-ES" sz="1600" b="1" dirty="0">
+                <a:solidFill>
+                  <a:schemeClr val="accent6">
+                    <a:lumMod val="50000"/>
+                  </a:schemeClr>
+                </a:solidFill>
+              </a:rPr>
+              <a:t>Intel Core i7 (</a:t>
+            </a:r>
+            <a:r>
+              <a:rPr lang="es-ES" sz="1600" b="1" dirty="0" err="1">
+                <a:solidFill>
+                  <a:schemeClr val="accent6">
+                    <a:lumMod val="50000"/>
+                  </a:schemeClr>
+                </a:solidFill>
+              </a:rPr>
+              <a:t>Kaby</a:t>
+            </a:r>
+            <a:r>
+              <a:rPr lang="es-ES" sz="1600" b="1" dirty="0">
+                <a:solidFill>
+                  <a:schemeClr val="accent6">
+                    <a:lumMod val="50000"/>
+                  </a:schemeClr>
+                </a:solidFill>
+              </a:rPr>
+              <a:t> Lake)</a:t>
+            </a:r>
+            <a:r>
+              <a:rPr lang="es-ES" sz="1600" dirty="0">
+                <a:solidFill>
+                  <a:schemeClr val="accent6">
+                    <a:lumMod val="50000"/>
+                  </a:schemeClr>
+                </a:solidFill>
+              </a:rPr>
+              <a:t> de cuatro núcleos a 2,8 GHz (Turbo </a:t>
+            </a:r>
+            <a:r>
+              <a:rPr lang="es-ES" sz="1600" dirty="0" err="1">
+                <a:solidFill>
+                  <a:schemeClr val="accent6">
+                    <a:lumMod val="50000"/>
+                  </a:schemeClr>
+                </a:solidFill>
+              </a:rPr>
+              <a:t>Boost</a:t>
+            </a:r>
+            <a:r>
+              <a:rPr lang="es-ES" sz="1600" dirty="0">
+                <a:solidFill>
+                  <a:schemeClr val="accent6">
+                    <a:lumMod val="50000"/>
+                  </a:schemeClr>
+                </a:solidFill>
+              </a:rPr>
+              <a:t> de hasta 3,8 GHz) con 6 MB de caché de nivel 3 compartida</a:t>
+            </a:r>
+          </a:p>
+          <a:p>
+            <a:endParaRPr lang="es-ES" sz="1600" dirty="0"/>
+          </a:p>
+        </p:txBody>
+      </p:sp>
+      <p:graphicFrame>
+        <p:nvGraphicFramePr>
+          <p:cNvPr id="12" name="Marcador de contenido 11">
+            <a:extLst>
+              <a:ext uri="{FF2B5EF4-FFF2-40B4-BE49-F238E27FC236}">
+                <a16:creationId xmlns:a16="http://schemas.microsoft.com/office/drawing/2014/main" id="{D3E8F1A2-D370-9140-9BBA-9181D305BFD1}"/>
+              </a:ext>
+            </a:extLst>
+          </p:cNvPr>
+          <p:cNvGraphicFramePr>
+            <a:graphicFrameLocks noGrp="1"/>
+          </p:cNvGraphicFramePr>
+          <p:nvPr>
+            <p:ph idx="1"/>
+            <p:extLst>
+              <p:ext uri="{D42A27DB-BD31-4B8C-83A1-F6EECF244321}">
+                <p14:modId xmlns:p14="http://schemas.microsoft.com/office/powerpoint/2010/main" val="3206109280"/>
+              </p:ext>
+            </p:extLst>
+          </p:nvPr>
+        </p:nvGraphicFramePr>
+        <p:xfrm>
+          <a:off x="837829" y="1884700"/>
+          <a:ext cx="5371462" cy="3278906"/>
+        </p:xfrm>
+        <a:graphic>
+          <a:graphicData uri="http://schemas.openxmlformats.org/drawingml/2006/chart">
+            <c:chart xmlns:c="http://schemas.openxmlformats.org/drawingml/2006/chart" xmlns:r="http://schemas.openxmlformats.org/officeDocument/2006/relationships" r:id="rId6"/>
+          </a:graphicData>
+        </a:graphic>
+      </p:graphicFrame>
     </p:spTree>
     <p:extLst>
       <p:ext uri="{BB962C8B-B14F-4D97-AF65-F5344CB8AC3E}">
@@ -8694,6 +8904,15 @@
 </file>
 
 <file path=customXml/item1.xml><?xml version="1.0" encoding="utf-8"?>
+<?mso-contentType ?>
+<FormTemplates xmlns="http://schemas.microsoft.com/sharepoint/v3/contenttype/forms">
+  <Display>DocumentLibraryForm</Display>
+  <Edit>DocumentLibraryForm</Edit>
+  <New>DocumentLibraryForm</New>
+</FormTemplates>
+</file>
+
+<file path=customXml/item2.xml><?xml version="1.0" encoding="utf-8"?>
 <ct:contentTypeSchema xmlns:ct="http://schemas.microsoft.com/office/2006/metadata/contentType" xmlns:ma="http://schemas.microsoft.com/office/2006/metadata/properties/metaAttributes" ct:_="" ma:_="" ma:contentTypeName="Document" ma:contentTypeID="0x010100AA3F7D94069FF64A86F7DFF56D60E3BE" ma:contentTypeVersion="6" ma:contentTypeDescription="Create a new document." ma:contentTypeScope="" ma:versionID="c32302c77d4085ecf495bdddb7f5e889">
   <xsd:schema xmlns:xsd="http://www.w3.org/2001/XMLSchema" xmlns:xs="http://www.w3.org/2001/XMLSchema" xmlns:p="http://schemas.microsoft.com/office/2006/metadata/properties" xmlns:ns2="a4f35948-e619-41b3-aa29-22878b09cfd2" xmlns:ns3="40262f94-9f35-4ac3-9a90-690165a166b7" targetNamespace="http://schemas.microsoft.com/office/2006/metadata/properties" ma:root="true" ma:fieldsID="4ab5ae46be95f9d0be6107e8200be7a2" ns2:_="" ns3:_="">
     <xsd:import namespace="a4f35948-e619-41b3-aa29-22878b09cfd2"/>
@@ -8874,15 +9093,6 @@
 </ct:contentTypeSchema>
 </file>
 
-<file path=customXml/item2.xml><?xml version="1.0" encoding="utf-8"?>
-<?mso-contentType ?>
-<FormTemplates xmlns="http://schemas.microsoft.com/sharepoint/v3/contenttype/forms">
-  <Display>DocumentLibraryForm</Display>
-  <Edit>DocumentLibraryForm</Edit>
-  <New>DocumentLibraryForm</New>
-</FormTemplates>
-</file>
-
 <file path=customXml/item3.xml><?xml version="1.0" encoding="utf-8"?>
 <p:properties xmlns:p="http://schemas.microsoft.com/office/2006/metadata/properties" xmlns:xsi="http://www.w3.org/2001/XMLSchema-instance" xmlns:pc="http://schemas.microsoft.com/office/infopath/2007/PartnerControls">
   <documentManagement>
@@ -8895,6 +9105,14 @@
 </file>
 
 <file path=customXml/itemProps1.xml><?xml version="1.0" encoding="utf-8"?>
+<ds:datastoreItem xmlns:ds="http://schemas.openxmlformats.org/officeDocument/2006/customXml" ds:itemID="{653E1689-1E09-4ADC-A5E7-6718BF79A8A6}">
+  <ds:schemaRefs>
+    <ds:schemaRef ds:uri="http://schemas.microsoft.com/sharepoint/v3/contenttype/forms"/>
+  </ds:schemaRefs>
+</ds:datastoreItem>
+</file>
+
+<file path=customXml/itemProps2.xml><?xml version="1.0" encoding="utf-8"?>
 <ds:datastoreItem xmlns:ds="http://schemas.openxmlformats.org/officeDocument/2006/customXml" ds:itemID="{7CB30B94-6D3B-4C91-947C-5EB8E8EFFE4F}">
   <ds:schemaRefs>
     <ds:schemaRef ds:uri="http://schemas.microsoft.com/office/2006/metadata/contentType"/>
@@ -8909,14 +9127,6 @@
     <ds:schemaRef ds:uri="http://purl.org/dc/elements/1.1/"/>
     <ds:schemaRef ds:uri="http://purl.org/dc/terms/"/>
     <ds:schemaRef ds:uri="http://schemas.microsoft.com/internal/obd"/>
-  </ds:schemaRefs>
-</ds:datastoreItem>
-</file>
-
-<file path=customXml/itemProps2.xml><?xml version="1.0" encoding="utf-8"?>
-<ds:datastoreItem xmlns:ds="http://schemas.openxmlformats.org/officeDocument/2006/customXml" ds:itemID="{653E1689-1E09-4ADC-A5E7-6718BF79A8A6}">
-  <ds:schemaRefs>
-    <ds:schemaRef ds:uri="http://schemas.microsoft.com/sharepoint/v3/contenttype/forms"/>
   </ds:schemaRefs>
 </ds:datastoreItem>
 </file>

--- a/lu-lapack.pptx
+++ b/lu-lapack.pptx
@@ -421,10 +421,10 @@
           </c:cat>
           <c:val>
             <c:numRef>
-              <c:f>Hoja1!$B$2:$B$12</c:f>
+              <c:f>Hoja1!$B$2:$B$7</c:f>
               <c:numCache>
                 <c:formatCode>General</c:formatCode>
-                <c:ptCount val="11"/>
+                <c:ptCount val="6"/>
                 <c:pt idx="0">
                   <c:v>2.15E-3</c:v>
                 </c:pt>
@@ -439,6 +439,9 @@
                 </c:pt>
                 <c:pt idx="4">
                   <c:v>31.11</c:v>
+                </c:pt>
+                <c:pt idx="5">
+                  <c:v>113.62</c:v>
                 </c:pt>
               </c:numCache>
             </c:numRef>
@@ -523,6 +526,7 @@
           </a:p>
         </c:txPr>
         <c:crossAx val="1614241711"/>
+        <c:crosses val="autoZero"/>
         <c:auto val="1"/>
         <c:lblAlgn val="ctr"/>
         <c:lblOffset val="100"/>
@@ -567,6 +571,7 @@
           </a:p>
         </c:txPr>
         <c:crossAx val="1614040815"/>
+        <c:crosses val="autoZero"/>
         <c:crossBetween val="between"/>
       </c:valAx>
       <c:catAx>
@@ -595,6 +600,37 @@
         <a:effectLst/>
       </c:spPr>
     </c:plotArea>
+    <c:legend>
+      <c:legendPos val="t"/>
+      <c:overlay val="0"/>
+      <c:spPr>
+        <a:noFill/>
+        <a:ln>
+          <a:noFill/>
+        </a:ln>
+        <a:effectLst/>
+      </c:spPr>
+      <c:txPr>
+        <a:bodyPr rot="0" spcFirstLastPara="1" vertOverflow="ellipsis" vert="horz" wrap="square" anchor="ctr" anchorCtr="1"/>
+        <a:lstStyle/>
+        <a:p>
+          <a:pPr>
+            <a:defRPr sz="1197" b="0" i="0" u="none" strike="noStrike" kern="1200" baseline="0">
+              <a:solidFill>
+                <a:schemeClr val="tx1">
+                  <a:lumMod val="65000"/>
+                  <a:lumOff val="35000"/>
+                </a:schemeClr>
+              </a:solidFill>
+              <a:latin typeface="+mn-lt"/>
+              <a:ea typeface="+mn-ea"/>
+              <a:cs typeface="+mn-cs"/>
+            </a:defRPr>
+          </a:pPr>
+          <a:endParaRPr lang="es-ES"/>
+        </a:p>
+      </c:txPr>
+    </c:legend>
     <c:plotVisOnly val="1"/>
     <c:dispBlanksAs val="zero"/>
     <c:extLst>
@@ -8025,7 +8061,7 @@
             <p:ph idx="1"/>
             <p:extLst>
               <p:ext uri="{D42A27DB-BD31-4B8C-83A1-F6EECF244321}">
-                <p14:modId xmlns:p14="http://schemas.microsoft.com/office/powerpoint/2010/main" val="3206109280"/>
+                <p14:modId xmlns:p14="http://schemas.microsoft.com/office/powerpoint/2010/main" val="3575606488"/>
               </p:ext>
             </p:extLst>
           </p:nvPr>
@@ -8904,15 +8940,6 @@
 </file>
 
 <file path=customXml/item1.xml><?xml version="1.0" encoding="utf-8"?>
-<?mso-contentType ?>
-<FormTemplates xmlns="http://schemas.microsoft.com/sharepoint/v3/contenttype/forms">
-  <Display>DocumentLibraryForm</Display>
-  <Edit>DocumentLibraryForm</Edit>
-  <New>DocumentLibraryForm</New>
-</FormTemplates>
-</file>
-
-<file path=customXml/item2.xml><?xml version="1.0" encoding="utf-8"?>
 <ct:contentTypeSchema xmlns:ct="http://schemas.microsoft.com/office/2006/metadata/contentType" xmlns:ma="http://schemas.microsoft.com/office/2006/metadata/properties/metaAttributes" ct:_="" ma:_="" ma:contentTypeName="Document" ma:contentTypeID="0x010100AA3F7D94069FF64A86F7DFF56D60E3BE" ma:contentTypeVersion="6" ma:contentTypeDescription="Create a new document." ma:contentTypeScope="" ma:versionID="c32302c77d4085ecf495bdddb7f5e889">
   <xsd:schema xmlns:xsd="http://www.w3.org/2001/XMLSchema" xmlns:xs="http://www.w3.org/2001/XMLSchema" xmlns:p="http://schemas.microsoft.com/office/2006/metadata/properties" xmlns:ns2="a4f35948-e619-41b3-aa29-22878b09cfd2" xmlns:ns3="40262f94-9f35-4ac3-9a90-690165a166b7" targetNamespace="http://schemas.microsoft.com/office/2006/metadata/properties" ma:root="true" ma:fieldsID="4ab5ae46be95f9d0be6107e8200be7a2" ns2:_="" ns3:_="">
     <xsd:import namespace="a4f35948-e619-41b3-aa29-22878b09cfd2"/>
@@ -9093,6 +9120,15 @@
 </ct:contentTypeSchema>
 </file>
 
+<file path=customXml/item2.xml><?xml version="1.0" encoding="utf-8"?>
+<?mso-contentType ?>
+<FormTemplates xmlns="http://schemas.microsoft.com/sharepoint/v3/contenttype/forms">
+  <Display>DocumentLibraryForm</Display>
+  <Edit>DocumentLibraryForm</Edit>
+  <New>DocumentLibraryForm</New>
+</FormTemplates>
+</file>
+
 <file path=customXml/item3.xml><?xml version="1.0" encoding="utf-8"?>
 <p:properties xmlns:p="http://schemas.microsoft.com/office/2006/metadata/properties" xmlns:xsi="http://www.w3.org/2001/XMLSchema-instance" xmlns:pc="http://schemas.microsoft.com/office/infopath/2007/PartnerControls">
   <documentManagement>
@@ -9105,14 +9141,6 @@
 </file>
 
 <file path=customXml/itemProps1.xml><?xml version="1.0" encoding="utf-8"?>
-<ds:datastoreItem xmlns:ds="http://schemas.openxmlformats.org/officeDocument/2006/customXml" ds:itemID="{653E1689-1E09-4ADC-A5E7-6718BF79A8A6}">
-  <ds:schemaRefs>
-    <ds:schemaRef ds:uri="http://schemas.microsoft.com/sharepoint/v3/contenttype/forms"/>
-  </ds:schemaRefs>
-</ds:datastoreItem>
-</file>
-
-<file path=customXml/itemProps2.xml><?xml version="1.0" encoding="utf-8"?>
 <ds:datastoreItem xmlns:ds="http://schemas.openxmlformats.org/officeDocument/2006/customXml" ds:itemID="{7CB30B94-6D3B-4C91-947C-5EB8E8EFFE4F}">
   <ds:schemaRefs>
     <ds:schemaRef ds:uri="http://schemas.microsoft.com/office/2006/metadata/contentType"/>
@@ -9127,6 +9155,14 @@
     <ds:schemaRef ds:uri="http://purl.org/dc/elements/1.1/"/>
     <ds:schemaRef ds:uri="http://purl.org/dc/terms/"/>
     <ds:schemaRef ds:uri="http://schemas.microsoft.com/internal/obd"/>
+  </ds:schemaRefs>
+</ds:datastoreItem>
+</file>
+
+<file path=customXml/itemProps2.xml><?xml version="1.0" encoding="utf-8"?>
+<ds:datastoreItem xmlns:ds="http://schemas.openxmlformats.org/officeDocument/2006/customXml" ds:itemID="{653E1689-1E09-4ADC-A5E7-6718BF79A8A6}">
+  <ds:schemaRefs>
+    <ds:schemaRef ds:uri="http://schemas.microsoft.com/sharepoint/v3/contenttype/forms"/>
   </ds:schemaRefs>
 </ds:datastoreItem>
 </file>

--- a/lu-lapack.pptx
+++ b/lu-lapack.pptx
@@ -13,8 +13,8 @@
   <p:sldIdLst>
     <p:sldId id="257" r:id="rId5"/>
     <p:sldId id="265" r:id="rId6"/>
-    <p:sldId id="267" r:id="rId7"/>
-    <p:sldId id="266" r:id="rId8"/>
+    <p:sldId id="266" r:id="rId7"/>
+    <p:sldId id="267" r:id="rId8"/>
     <p:sldId id="262" r:id="rId9"/>
     <p:sldId id="268" r:id="rId10"/>
     <p:sldId id="263" r:id="rId11"/>
@@ -5668,6 +5668,169 @@
       </p:grpSpPr>
       <p:sp>
         <p:nvSpPr>
+          <p:cNvPr id="3" name="Marcador de contenido 2">
+            <a:extLst>
+              <a:ext uri="{FF2B5EF4-FFF2-40B4-BE49-F238E27FC236}">
+                <a16:creationId xmlns:a16="http://schemas.microsoft.com/office/drawing/2014/main" id="{AAFF2FF5-086E-4C91-9EDC-8FBE0C0542BA}"/>
+              </a:ext>
+            </a:extLst>
+          </p:cNvPr>
+          <p:cNvSpPr>
+            <a:spLocks noGrp="1"/>
+          </p:cNvSpPr>
+          <p:nvPr>
+            <p:ph idx="1"/>
+          </p:nvPr>
+        </p:nvSpPr>
+        <p:spPr>
+          <a:xfrm>
+            <a:off x="621804" y="1101197"/>
+            <a:ext cx="10297144" cy="5904656"/>
+          </a:xfrm>
+        </p:spPr>
+        <p:txBody>
+          <a:bodyPr/>
+          <a:lstStyle/>
+          <a:p>
+            <a:pPr marL="0" indent="0" algn="ctr">
+              <a:buNone/>
+            </a:pPr>
+            <a:r>
+              <a:rPr lang="es-ES" sz="3200" u="sng" dirty="0"/>
+              <a:t>LAPACK </a:t>
+            </a:r>
+            <a:endParaRPr lang="es-ES" dirty="0"/>
+          </a:p>
+          <a:p>
+            <a:pPr marL="45720" indent="0">
+              <a:buNone/>
+            </a:pPr>
+            <a:r>
+              <a:rPr lang="es-ES" sz="2800" dirty="0"/>
+              <a:t>LAPACK es una biblioteca de software para el </a:t>
+            </a:r>
+            <a:r>
+              <a:rPr lang="es-ES" sz="2800" b="1" dirty="0"/>
+              <a:t>álgebra lineal numérica</a:t>
+            </a:r>
+            <a:r>
+              <a:rPr lang="es-ES" sz="2800" dirty="0"/>
+              <a:t>. Proporciona rutinas para resolver sistemas de ecuaciones lineales y mínimos cuadrados lineales, problemas de valores propios y descomposición de valores singulares. </a:t>
+            </a:r>
+          </a:p>
+          <a:p>
+            <a:pPr marL="45720" indent="0">
+              <a:buNone/>
+            </a:pPr>
+            <a:r>
+              <a:rPr lang="es-ES" sz="2800" dirty="0"/>
+              <a:t>También incluye rutinas para implementar las </a:t>
+            </a:r>
+            <a:r>
+              <a:rPr lang="es-ES" sz="2800" b="1" dirty="0"/>
+              <a:t>factorizaciones matriciales </a:t>
+            </a:r>
+            <a:r>
+              <a:rPr lang="es-ES" sz="2800" dirty="0"/>
+              <a:t>asociadas tales como la descomposición </a:t>
+            </a:r>
+            <a:r>
+              <a:rPr lang="es-ES" sz="2800" b="1" dirty="0"/>
+              <a:t>LU, QR, Cholesky y Schur</a:t>
+            </a:r>
+            <a:r>
+              <a:rPr lang="es-ES" sz="2800" dirty="0"/>
+              <a:t>, manejándose matrices reales y complejas en precisión simple y doble.</a:t>
+            </a:r>
+          </a:p>
+          <a:p>
+            <a:pPr marL="45720" indent="0">
+              <a:buNone/>
+            </a:pPr>
+            <a:endParaRPr lang="es-ES" dirty="0"/>
+          </a:p>
+        </p:txBody>
+      </p:sp>
+      <p:pic>
+        <p:nvPicPr>
+          <p:cNvPr id="5" name="Imagen 4">
+            <a:extLst>
+              <a:ext uri="{FF2B5EF4-FFF2-40B4-BE49-F238E27FC236}">
+                <a16:creationId xmlns:a16="http://schemas.microsoft.com/office/drawing/2014/main" id="{03C30A2F-45A9-9E48-8593-563BF011CB2E}"/>
+              </a:ext>
+            </a:extLst>
+          </p:cNvPr>
+          <p:cNvPicPr>
+            <a:picLocks noChangeAspect="1"/>
+          </p:cNvPicPr>
+          <p:nvPr/>
+        </p:nvPicPr>
+        <p:blipFill>
+          <a:blip r:embed="rId2">
+            <a:extLst>
+              <a:ext uri="{28A0092B-C50C-407E-A947-70E740481C1C}">
+                <a14:useLocalDpi xmlns:a14="http://schemas.microsoft.com/office/drawing/2010/main" val="0"/>
+              </a:ext>
+            </a:extLst>
+          </a:blip>
+          <a:stretch>
+            <a:fillRect/>
+          </a:stretch>
+        </p:blipFill>
+        <p:spPr>
+          <a:xfrm>
+            <a:off x="199436" y="189204"/>
+            <a:ext cx="2019582" cy="924054"/>
+          </a:xfrm>
+          <a:prstGeom prst="rect">
+            <a:avLst/>
+          </a:prstGeom>
+        </p:spPr>
+      </p:pic>
+    </p:spTree>
+    <p:extLst>
+      <p:ext uri="{BB962C8B-B14F-4D97-AF65-F5344CB8AC3E}">
+        <p14:creationId xmlns:p14="http://schemas.microsoft.com/office/powerpoint/2010/main" val="3767506213"/>
+      </p:ext>
+    </p:extLst>
+  </p:cSld>
+  <p:clrMapOvr>
+    <a:masterClrMapping/>
+  </p:clrMapOvr>
+  <mc:AlternateContent xmlns:mc="http://schemas.openxmlformats.org/markup-compatibility/2006" xmlns:p14="http://schemas.microsoft.com/office/powerpoint/2010/main">
+    <mc:Choice Requires="p14">
+      <p:transition spd="med" p14:dur="700">
+        <p:fade/>
+      </p:transition>
+    </mc:Choice>
+    <mc:Fallback xmlns="">
+      <p:transition spd="med">
+        <p:fade/>
+      </p:transition>
+    </mc:Fallback>
+  </mc:AlternateContent>
+</p:sld>
+</file>
+
+<file path=ppt/slides/slide4.xml><?xml version="1.0" encoding="utf-8"?>
+<p:sld xmlns:a="http://schemas.openxmlformats.org/drawingml/2006/main" xmlns:r="http://schemas.openxmlformats.org/officeDocument/2006/relationships" xmlns:p="http://schemas.openxmlformats.org/presentationml/2006/main">
+  <p:cSld>
+    <p:spTree>
+      <p:nvGrpSpPr>
+        <p:cNvPr id="1" name=""/>
+        <p:cNvGrpSpPr/>
+        <p:nvPr/>
+      </p:nvGrpSpPr>
+      <p:grpSpPr>
+        <a:xfrm>
+          <a:off x="0" y="0"/>
+          <a:ext cx="0" cy="0"/>
+          <a:chOff x="0" y="0"/>
+          <a:chExt cx="0" cy="0"/>
+        </a:xfrm>
+      </p:grpSpPr>
+      <p:sp>
+        <p:nvSpPr>
           <p:cNvPr id="2" name="Título 1">
             <a:extLst>
               <a:ext uri="{FF2B5EF4-FFF2-40B4-BE49-F238E27FC236}">
@@ -6694,169 +6857,6 @@
     <p:extLst>
       <p:ext uri="{BB962C8B-B14F-4D97-AF65-F5344CB8AC3E}">
         <p14:creationId xmlns:p14="http://schemas.microsoft.com/office/powerpoint/2010/main" val="47941704"/>
-      </p:ext>
-    </p:extLst>
-  </p:cSld>
-  <p:clrMapOvr>
-    <a:masterClrMapping/>
-  </p:clrMapOvr>
-  <mc:AlternateContent xmlns:mc="http://schemas.openxmlformats.org/markup-compatibility/2006" xmlns:p14="http://schemas.microsoft.com/office/powerpoint/2010/main">
-    <mc:Choice Requires="p14">
-      <p:transition spd="med" p14:dur="700">
-        <p:fade/>
-      </p:transition>
-    </mc:Choice>
-    <mc:Fallback xmlns="">
-      <p:transition spd="med">
-        <p:fade/>
-      </p:transition>
-    </mc:Fallback>
-  </mc:AlternateContent>
-</p:sld>
-</file>
-
-<file path=ppt/slides/slide4.xml><?xml version="1.0" encoding="utf-8"?>
-<p:sld xmlns:a="http://schemas.openxmlformats.org/drawingml/2006/main" xmlns:r="http://schemas.openxmlformats.org/officeDocument/2006/relationships" xmlns:p="http://schemas.openxmlformats.org/presentationml/2006/main">
-  <p:cSld>
-    <p:spTree>
-      <p:nvGrpSpPr>
-        <p:cNvPr id="1" name=""/>
-        <p:cNvGrpSpPr/>
-        <p:nvPr/>
-      </p:nvGrpSpPr>
-      <p:grpSpPr>
-        <a:xfrm>
-          <a:off x="0" y="0"/>
-          <a:ext cx="0" cy="0"/>
-          <a:chOff x="0" y="0"/>
-          <a:chExt cx="0" cy="0"/>
-        </a:xfrm>
-      </p:grpSpPr>
-      <p:sp>
-        <p:nvSpPr>
-          <p:cNvPr id="3" name="Marcador de contenido 2">
-            <a:extLst>
-              <a:ext uri="{FF2B5EF4-FFF2-40B4-BE49-F238E27FC236}">
-                <a16:creationId xmlns:a16="http://schemas.microsoft.com/office/drawing/2014/main" id="{AAFF2FF5-086E-4C91-9EDC-8FBE0C0542BA}"/>
-              </a:ext>
-            </a:extLst>
-          </p:cNvPr>
-          <p:cNvSpPr>
-            <a:spLocks noGrp="1"/>
-          </p:cNvSpPr>
-          <p:nvPr>
-            <p:ph idx="1"/>
-          </p:nvPr>
-        </p:nvSpPr>
-        <p:spPr>
-          <a:xfrm>
-            <a:off x="621804" y="1101197"/>
-            <a:ext cx="10297144" cy="5904656"/>
-          </a:xfrm>
-        </p:spPr>
-        <p:txBody>
-          <a:bodyPr/>
-          <a:lstStyle/>
-          <a:p>
-            <a:pPr marL="0" indent="0" algn="ctr">
-              <a:buNone/>
-            </a:pPr>
-            <a:r>
-              <a:rPr lang="es-ES" sz="3200" u="sng" dirty="0"/>
-              <a:t>LAPACK </a:t>
-            </a:r>
-            <a:endParaRPr lang="es-ES" dirty="0"/>
-          </a:p>
-          <a:p>
-            <a:pPr marL="45720" indent="0">
-              <a:buNone/>
-            </a:pPr>
-            <a:r>
-              <a:rPr lang="es-ES" sz="2800" dirty="0"/>
-              <a:t>LAPACK es una biblioteca de software para el </a:t>
-            </a:r>
-            <a:r>
-              <a:rPr lang="es-ES" sz="2800" b="1" dirty="0"/>
-              <a:t>álgebra lineal numérica</a:t>
-            </a:r>
-            <a:r>
-              <a:rPr lang="es-ES" sz="2800" dirty="0"/>
-              <a:t>. Proporciona rutinas para resolver sistemas de ecuaciones lineales y mínimos cuadrados lineales, problemas de valores propios y descomposición de valores singulares. </a:t>
-            </a:r>
-          </a:p>
-          <a:p>
-            <a:pPr marL="45720" indent="0">
-              <a:buNone/>
-            </a:pPr>
-            <a:r>
-              <a:rPr lang="es-ES" sz="2800" dirty="0"/>
-              <a:t>También incluye rutinas para implementar las </a:t>
-            </a:r>
-            <a:r>
-              <a:rPr lang="es-ES" sz="2800" b="1" dirty="0"/>
-              <a:t>factorizaciones matriciales </a:t>
-            </a:r>
-            <a:r>
-              <a:rPr lang="es-ES" sz="2800" dirty="0"/>
-              <a:t>asociadas tales como la descomposición </a:t>
-            </a:r>
-            <a:r>
-              <a:rPr lang="es-ES" sz="2800" b="1" dirty="0"/>
-              <a:t>LU, QR, Cholesky y Schur</a:t>
-            </a:r>
-            <a:r>
-              <a:rPr lang="es-ES" sz="2800" dirty="0"/>
-              <a:t>, manejándose matrices reales y complejas en precisión simple y doble.</a:t>
-            </a:r>
-          </a:p>
-          <a:p>
-            <a:pPr marL="45720" indent="0">
-              <a:buNone/>
-            </a:pPr>
-            <a:endParaRPr lang="es-ES" dirty="0"/>
-          </a:p>
-        </p:txBody>
-      </p:sp>
-      <p:pic>
-        <p:nvPicPr>
-          <p:cNvPr id="5" name="Imagen 4">
-            <a:extLst>
-              <a:ext uri="{FF2B5EF4-FFF2-40B4-BE49-F238E27FC236}">
-                <a16:creationId xmlns:a16="http://schemas.microsoft.com/office/drawing/2014/main" id="{03C30A2F-45A9-9E48-8593-563BF011CB2E}"/>
-              </a:ext>
-            </a:extLst>
-          </p:cNvPr>
-          <p:cNvPicPr>
-            <a:picLocks noChangeAspect="1"/>
-          </p:cNvPicPr>
-          <p:nvPr/>
-        </p:nvPicPr>
-        <p:blipFill>
-          <a:blip r:embed="rId2">
-            <a:extLst>
-              <a:ext uri="{28A0092B-C50C-407E-A947-70E740481C1C}">
-                <a14:useLocalDpi xmlns:a14="http://schemas.microsoft.com/office/drawing/2010/main" val="0"/>
-              </a:ext>
-            </a:extLst>
-          </a:blip>
-          <a:stretch>
-            <a:fillRect/>
-          </a:stretch>
-        </p:blipFill>
-        <p:spPr>
-          <a:xfrm>
-            <a:off x="199436" y="189204"/>
-            <a:ext cx="2019582" cy="924054"/>
-          </a:xfrm>
-          <a:prstGeom prst="rect">
-            <a:avLst/>
-          </a:prstGeom>
-        </p:spPr>
-      </p:pic>
-    </p:spTree>
-    <p:extLst>
-      <p:ext uri="{BB962C8B-B14F-4D97-AF65-F5344CB8AC3E}">
-        <p14:creationId xmlns:p14="http://schemas.microsoft.com/office/powerpoint/2010/main" val="3767506213"/>
       </p:ext>
     </p:extLst>
   </p:cSld>
@@ -8940,6 +8940,26 @@
 </file>
 
 <file path=customXml/item1.xml><?xml version="1.0" encoding="utf-8"?>
+<p:properties xmlns:p="http://schemas.microsoft.com/office/2006/metadata/properties" xmlns:xsi="http://www.w3.org/2001/XMLSchema-instance" xmlns:pc="http://schemas.microsoft.com/office/infopath/2007/PartnerControls">
+  <documentManagement>
+    <VSO_x0020_item_x0020_id xmlns="40262f94-9f35-4ac3-9a90-690165a166b7" xsi:nil="true"/>
+    <Assetid_x0020_ xmlns="40262f94-9f35-4ac3-9a90-690165a166b7" xsi:nil="true"/>
+    <Item_x0020_Details xmlns="40262f94-9f35-4ac3-9a90-690165a166b7" xsi:nil="true"/>
+    <Template_x0020_details xmlns="40262f94-9f35-4ac3-9a90-690165a166b7" xsi:nil="true"/>
+  </documentManagement>
+</p:properties>
+</file>
+
+<file path=customXml/item2.xml><?xml version="1.0" encoding="utf-8"?>
+<?mso-contentType ?>
+<FormTemplates xmlns="http://schemas.microsoft.com/sharepoint/v3/contenttype/forms">
+  <Display>DocumentLibraryForm</Display>
+  <Edit>DocumentLibraryForm</Edit>
+  <New>DocumentLibraryForm</New>
+</FormTemplates>
+</file>
+
+<file path=customXml/item3.xml><?xml version="1.0" encoding="utf-8"?>
 <ct:contentTypeSchema xmlns:ct="http://schemas.microsoft.com/office/2006/metadata/contentType" xmlns:ma="http://schemas.microsoft.com/office/2006/metadata/properties/metaAttributes" ct:_="" ma:_="" ma:contentTypeName="Document" ma:contentTypeID="0x010100AA3F7D94069FF64A86F7DFF56D60E3BE" ma:contentTypeVersion="6" ma:contentTypeDescription="Create a new document." ma:contentTypeScope="" ma:versionID="c32302c77d4085ecf495bdddb7f5e889">
   <xsd:schema xmlns:xsd="http://www.w3.org/2001/XMLSchema" xmlns:xs="http://www.w3.org/2001/XMLSchema" xmlns:p="http://schemas.microsoft.com/office/2006/metadata/properties" xmlns:ns2="a4f35948-e619-41b3-aa29-22878b09cfd2" xmlns:ns3="40262f94-9f35-4ac3-9a90-690165a166b7" targetNamespace="http://schemas.microsoft.com/office/2006/metadata/properties" ma:root="true" ma:fieldsID="4ab5ae46be95f9d0be6107e8200be7a2" ns2:_="" ns3:_="">
     <xsd:import namespace="a4f35948-e619-41b3-aa29-22878b09cfd2"/>
@@ -9120,27 +9140,32 @@
 </ct:contentTypeSchema>
 </file>
 
-<file path=customXml/item2.xml><?xml version="1.0" encoding="utf-8"?>
-<?mso-contentType ?>
-<FormTemplates xmlns="http://schemas.microsoft.com/sharepoint/v3/contenttype/forms">
-  <Display>DocumentLibraryForm</Display>
-  <Edit>DocumentLibraryForm</Edit>
-  <New>DocumentLibraryForm</New>
-</FormTemplates>
+<file path=customXml/itemProps1.xml><?xml version="1.0" encoding="utf-8"?>
+<ds:datastoreItem xmlns:ds="http://schemas.openxmlformats.org/officeDocument/2006/customXml" ds:itemID="{3FFF1070-8794-47AC-90B7-1F2E078096FF}">
+  <ds:schemaRefs>
+    <ds:schemaRef ds:uri="http://schemas.microsoft.com/office/2006/metadata/properties"/>
+    <ds:schemaRef ds:uri="http://www.w3.org/XML/1998/namespace"/>
+    <ds:schemaRef ds:uri="http://schemas.microsoft.com/office/2006/documentManagement/types"/>
+    <ds:schemaRef ds:uri="http://purl.org/dc/terms/"/>
+    <ds:schemaRef ds:uri="40262f94-9f35-4ac3-9a90-690165a166b7"/>
+    <ds:schemaRef ds:uri="http://schemas.microsoft.com/office/infopath/2007/PartnerControls"/>
+    <ds:schemaRef ds:uri="http://purl.org/dc/dcmitype/"/>
+    <ds:schemaRef ds:uri="http://purl.org/dc/elements/1.1/"/>
+    <ds:schemaRef ds:uri="http://schemas.openxmlformats.org/package/2006/metadata/core-properties"/>
+    <ds:schemaRef ds:uri="a4f35948-e619-41b3-aa29-22878b09cfd2"/>
+  </ds:schemaRefs>
+</ds:datastoreItem>
 </file>
 
-<file path=customXml/item3.xml><?xml version="1.0" encoding="utf-8"?>
-<p:properties xmlns:p="http://schemas.microsoft.com/office/2006/metadata/properties" xmlns:xsi="http://www.w3.org/2001/XMLSchema-instance" xmlns:pc="http://schemas.microsoft.com/office/infopath/2007/PartnerControls">
-  <documentManagement>
-    <VSO_x0020_item_x0020_id xmlns="40262f94-9f35-4ac3-9a90-690165a166b7" xsi:nil="true"/>
-    <Assetid_x0020_ xmlns="40262f94-9f35-4ac3-9a90-690165a166b7" xsi:nil="true"/>
-    <Item_x0020_Details xmlns="40262f94-9f35-4ac3-9a90-690165a166b7" xsi:nil="true"/>
-    <Template_x0020_details xmlns="40262f94-9f35-4ac3-9a90-690165a166b7" xsi:nil="true"/>
-  </documentManagement>
-</p:properties>
+<file path=customXml/itemProps2.xml><?xml version="1.0" encoding="utf-8"?>
+<ds:datastoreItem xmlns:ds="http://schemas.openxmlformats.org/officeDocument/2006/customXml" ds:itemID="{653E1689-1E09-4ADC-A5E7-6718BF79A8A6}">
+  <ds:schemaRefs>
+    <ds:schemaRef ds:uri="http://schemas.microsoft.com/sharepoint/v3/contenttype/forms"/>
+  </ds:schemaRefs>
+</ds:datastoreItem>
 </file>
 
-<file path=customXml/itemProps1.xml><?xml version="1.0" encoding="utf-8"?>
+<file path=customXml/itemProps3.xml><?xml version="1.0" encoding="utf-8"?>
 <ds:datastoreItem xmlns:ds="http://schemas.openxmlformats.org/officeDocument/2006/customXml" ds:itemID="{7CB30B94-6D3B-4C91-947C-5EB8E8EFFE4F}">
   <ds:schemaRefs>
     <ds:schemaRef ds:uri="http://schemas.microsoft.com/office/2006/metadata/contentType"/>
@@ -9157,29 +9182,4 @@
     <ds:schemaRef ds:uri="http://schemas.microsoft.com/internal/obd"/>
   </ds:schemaRefs>
 </ds:datastoreItem>
-</file>
-
-<file path=customXml/itemProps2.xml><?xml version="1.0" encoding="utf-8"?>
-<ds:datastoreItem xmlns:ds="http://schemas.openxmlformats.org/officeDocument/2006/customXml" ds:itemID="{653E1689-1E09-4ADC-A5E7-6718BF79A8A6}">
-  <ds:schemaRefs>
-    <ds:schemaRef ds:uri="http://schemas.microsoft.com/sharepoint/v3/contenttype/forms"/>
-  </ds:schemaRefs>
-</ds:datastoreItem>
-</file>
-
-<file path=customXml/itemProps3.xml><?xml version="1.0" encoding="utf-8"?>
-<ds:datastoreItem xmlns:ds="http://schemas.openxmlformats.org/officeDocument/2006/customXml" ds:itemID="{3FFF1070-8794-47AC-90B7-1F2E078096FF}">
-  <ds:schemaRefs>
-    <ds:schemaRef ds:uri="http://schemas.microsoft.com/office/2006/metadata/properties"/>
-    <ds:schemaRef ds:uri="http://www.w3.org/XML/1998/namespace"/>
-    <ds:schemaRef ds:uri="http://schemas.microsoft.com/office/2006/documentManagement/types"/>
-    <ds:schemaRef ds:uri="http://purl.org/dc/terms/"/>
-    <ds:schemaRef ds:uri="40262f94-9f35-4ac3-9a90-690165a166b7"/>
-    <ds:schemaRef ds:uri="http://schemas.microsoft.com/office/infopath/2007/PartnerControls"/>
-    <ds:schemaRef ds:uri="http://purl.org/dc/dcmitype/"/>
-    <ds:schemaRef ds:uri="http://purl.org/dc/elements/1.1/"/>
-    <ds:schemaRef ds:uri="http://schemas.openxmlformats.org/package/2006/metadata/core-properties"/>
-    <ds:schemaRef ds:uri="a4f35948-e619-41b3-aa29-22878b09cfd2"/>
-  </ds:schemaRefs>
-</ds:datastoreItem>
 </file>
--- a/lu-lapack.pptx
+++ b/lu-lapack.pptx
@@ -5,21 +5,23 @@
     <p:sldMasterId id="2147483660" r:id="rId4"/>
   </p:sldMasterIdLst>
   <p:notesMasterIdLst>
-    <p:notesMasterId r:id="rId14"/>
+    <p:notesMasterId r:id="rId16"/>
   </p:notesMasterIdLst>
   <p:handoutMasterIdLst>
-    <p:handoutMasterId r:id="rId15"/>
+    <p:handoutMasterId r:id="rId17"/>
   </p:handoutMasterIdLst>
   <p:sldIdLst>
     <p:sldId id="257" r:id="rId5"/>
     <p:sldId id="265" r:id="rId6"/>
     <p:sldId id="266" r:id="rId7"/>
-    <p:sldId id="267" r:id="rId8"/>
-    <p:sldId id="262" r:id="rId9"/>
-    <p:sldId id="268" r:id="rId10"/>
-    <p:sldId id="263" r:id="rId11"/>
-    <p:sldId id="264" r:id="rId12"/>
+    <p:sldId id="262" r:id="rId8"/>
+    <p:sldId id="268" r:id="rId9"/>
+    <p:sldId id="263" r:id="rId10"/>
+    <p:sldId id="264" r:id="rId11"/>
+    <p:sldId id="267" r:id="rId12"/>
     <p:sldId id="261" r:id="rId13"/>
+    <p:sldId id="269" r:id="rId14"/>
+    <p:sldId id="270" r:id="rId15"/>
   </p:sldIdLst>
   <p:sldSz cx="12188825" cy="6858000"/>
   <p:notesSz cx="6858000" cy="9144000"/>
@@ -198,6 +200,10 @@
     </p:ext>
   </p:extLst>
 </p:presentation>
+</file>
+
+<file path=ppt/revisionInfo.xml><?xml version="1.0" encoding="utf-8"?>
+<p1510:revInfo xmlns:a="http://schemas.openxmlformats.org/drawingml/2006/main" xmlns:r="http://schemas.openxmlformats.org/officeDocument/2006/relationships" xmlns:p1510="http://schemas.microsoft.com/office/powerpoint/2015/10/main"/>
 </file>
 
 <file path=ppt/charts/chart1.xml><?xml version="1.0" encoding="utf-8"?>
@@ -633,6 +639,7 @@
     </c:legend>
     <c:plotVisOnly val="1"/>
     <c:dispBlanksAs val="zero"/>
+    <c:showDLblsOverMax val="0"/>
     <c:extLst>
       <c:ext xmlns:c16r3="http://schemas.microsoft.com/office/drawing/2017/03/chart" uri="{56B9EC1D-385E-4148-901F-78D8002777C0}">
         <c16r3:dataDisplayOptions16>
@@ -640,7 +647,6 @@
         </c16r3:dataDisplayOptions16>
       </c:ext>
     </c:extLst>
-    <c:showDLblsOverMax val="0"/>
   </c:chart>
   <c:spPr>
     <a:noFill/>
@@ -1305,7 +1311,7 @@
             <a:pPr rtl="0"/>
             <a:fld id="{CFC3AB43-A716-41D3-8542-E2B83FF90C30}" type="datetime1">
               <a:rPr lang="es-ES" smtClean="0"/>
-              <a:t>19/2/18</a:t>
+              <a:t>19/02/2018</a:t>
             </a:fld>
             <a:endParaRPr lang="es-ES" dirty="0"/>
           </a:p>
@@ -1474,7 +1480,7 @@
             <a:fld id="{B99415C8-EA5F-40DA-B692-F57629F0830E}" type="datetime1">
               <a:rPr lang="es-ES" noProof="0" smtClean="0"/>
               <a:pPr/>
-              <a:t>19/2/18</a:t>
+              <a:t>19/02/2018</a:t>
             </a:fld>
             <a:endParaRPr lang="es-ES" noProof="0" dirty="0"/>
           </a:p>
@@ -2169,7 +2175,7 @@
             <a:fld id="{D3E5EB10-21A3-46AF-9F87-719B4871B7E9}" type="datetime1">
               <a:rPr lang="es-ES" noProof="0" smtClean="0"/>
               <a:pPr/>
-              <a:t>19/2/18</a:t>
+              <a:t>19/02/2018</a:t>
             </a:fld>
             <a:endParaRPr lang="es-ES" noProof="0" dirty="0"/>
           </a:p>
@@ -2371,7 +2377,7 @@
             <a:fld id="{1B150DC9-D51B-4532-9742-17D563F7B844}" type="datetime1">
               <a:rPr lang="es-ES" noProof="0" smtClean="0"/>
               <a:pPr/>
-              <a:t>19/2/18</a:t>
+              <a:t>19/02/2018</a:t>
             </a:fld>
             <a:endParaRPr lang="es-ES" noProof="0" dirty="0"/>
           </a:p>
@@ -2578,7 +2584,7 @@
             <a:fld id="{435D6C72-29E8-4745-90E7-3DCDC3BB08B1}" type="datetime1">
               <a:rPr lang="es-ES" noProof="0" smtClean="0"/>
               <a:pPr/>
-              <a:t>19/2/18</a:t>
+              <a:t>19/02/2018</a:t>
             </a:fld>
             <a:endParaRPr lang="es-ES" noProof="0" dirty="0"/>
           </a:p>
@@ -2775,7 +2781,7 @@
             <a:fld id="{18582301-5656-41C5-859E-C3578B1613A0}" type="datetime1">
               <a:rPr lang="es-ES" noProof="0" smtClean="0"/>
               <a:pPr/>
-              <a:t>19/2/18</a:t>
+              <a:t>19/02/2018</a:t>
             </a:fld>
             <a:endParaRPr lang="es-ES" noProof="0" dirty="0"/>
           </a:p>
@@ -3052,7 +3058,7 @@
             <a:fld id="{98063A5B-0A71-4EE0-8ADD-6A894F185F26}" type="datetime1">
               <a:rPr lang="es-ES" noProof="0" smtClean="0"/>
               <a:pPr/>
-              <a:t>19/2/18</a:t>
+              <a:t>19/02/2018</a:t>
             </a:fld>
             <a:endParaRPr lang="es-ES" noProof="0" dirty="0"/>
           </a:p>
@@ -3371,7 +3377,7 @@
             <a:fld id="{C0E0A9B6-D611-4A47-BC84-432D674749BC}" type="datetime1">
               <a:rPr lang="es-ES" noProof="0" smtClean="0"/>
               <a:pPr/>
-              <a:t>19/2/18</a:t>
+              <a:t>19/02/2018</a:t>
             </a:fld>
             <a:endParaRPr lang="es-ES" noProof="0" dirty="0"/>
           </a:p>
@@ -3835,7 +3841,7 @@
             <a:fld id="{4A9FB027-3733-4D18-9487-B5EE970DC99F}" type="datetime1">
               <a:rPr lang="es-ES" noProof="0" smtClean="0"/>
               <a:pPr/>
-              <a:t>19/2/18</a:t>
+              <a:t>19/02/2018</a:t>
             </a:fld>
             <a:endParaRPr lang="es-ES" noProof="0" dirty="0"/>
           </a:p>
@@ -3980,7 +3986,7 @@
             <a:fld id="{C74CDD08-FBA2-4EDF-8E1E-C931D29CAE1C}" type="datetime1">
               <a:rPr lang="es-ES" noProof="0" smtClean="0"/>
               <a:pPr/>
-              <a:t>19/2/18</a:t>
+              <a:t>19/02/2018</a:t>
             </a:fld>
             <a:endParaRPr lang="es-ES" noProof="0" dirty="0"/>
           </a:p>
@@ -4097,7 +4103,7 @@
             <a:fld id="{92EEC9CC-5F6E-41D6-9BA1-1B03DDFF2A74}" type="datetime1">
               <a:rPr lang="es-ES" noProof="0" smtClean="0"/>
               <a:pPr/>
-              <a:t>19/2/18</a:t>
+              <a:t>19/02/2018</a:t>
             </a:fld>
             <a:endParaRPr lang="es-ES" noProof="0" dirty="0"/>
           </a:p>
@@ -4416,7 +4422,7 @@
             <a:fld id="{793776FF-CBB8-47A4-90DF-2EBF2E3DC8FF}" type="datetime1">
               <a:rPr lang="es-ES" noProof="0" smtClean="0"/>
               <a:pPr/>
-              <a:t>19/2/18</a:t>
+              <a:t>19/02/2018</a:t>
             </a:fld>
             <a:endParaRPr lang="es-ES" noProof="0" dirty="0"/>
           </a:p>
@@ -4895,7 +4901,7 @@
             <a:fld id="{9FD2ED8E-5314-4CC6-97E3-FFA8A74630E9}" type="datetime1">
               <a:rPr lang="es-ES" noProof="0" smtClean="0"/>
               <a:pPr/>
-              <a:t>19/2/18</a:t>
+              <a:t>19/02/2018</a:t>
             </a:fld>
             <a:endParaRPr lang="es-ES" noProof="0" dirty="0"/>
           </a:p>
@@ -5494,6 +5500,360 @@
 </p:sld>
 </file>
 
+<file path=ppt/slides/slide10.xml><?xml version="1.0" encoding="utf-8"?>
+<p:sld xmlns:a="http://schemas.openxmlformats.org/drawingml/2006/main" xmlns:r="http://schemas.openxmlformats.org/officeDocument/2006/relationships" xmlns:p="http://schemas.openxmlformats.org/presentationml/2006/main">
+  <p:cSld>
+    <p:spTree>
+      <p:nvGrpSpPr>
+        <p:cNvPr id="1" name=""/>
+        <p:cNvGrpSpPr/>
+        <p:nvPr/>
+      </p:nvGrpSpPr>
+      <p:grpSpPr>
+        <a:xfrm>
+          <a:off x="0" y="0"/>
+          <a:ext cx="0" cy="0"/>
+          <a:chOff x="0" y="0"/>
+          <a:chExt cx="0" cy="0"/>
+        </a:xfrm>
+      </p:grpSpPr>
+      <p:sp>
+        <p:nvSpPr>
+          <p:cNvPr id="2" name="Título 1">
+            <a:extLst>
+              <a:ext uri="{FF2B5EF4-FFF2-40B4-BE49-F238E27FC236}">
+                <a16:creationId xmlns:a16="http://schemas.microsoft.com/office/drawing/2014/main" id="{C35F5D3C-D478-4CD0-AAF4-3B08ABA7A65A}"/>
+              </a:ext>
+            </a:extLst>
+          </p:cNvPr>
+          <p:cNvSpPr>
+            <a:spLocks noGrp="1"/>
+          </p:cNvSpPr>
+          <p:nvPr>
+            <p:ph type="title"/>
+          </p:nvPr>
+        </p:nvSpPr>
+        <p:spPr>
+          <a:xfrm>
+            <a:off x="1065126" y="-87153"/>
+            <a:ext cx="8686801" cy="1066800"/>
+          </a:xfrm>
+        </p:spPr>
+        <p:txBody>
+          <a:bodyPr/>
+          <a:lstStyle/>
+          <a:p>
+            <a:r>
+              <a:rPr lang="es-ES" dirty="0"/>
+              <a:t>Funciones intrínsecas LAPACK</a:t>
+            </a:r>
+          </a:p>
+        </p:txBody>
+      </p:sp>
+      <p:sp>
+        <p:nvSpPr>
+          <p:cNvPr id="3" name="Marcador de contenido 2">
+            <a:extLst>
+              <a:ext uri="{FF2B5EF4-FFF2-40B4-BE49-F238E27FC236}">
+                <a16:creationId xmlns:a16="http://schemas.microsoft.com/office/drawing/2014/main" id="{11D89DE3-4B1B-46A1-8912-7545A43FAFE5}"/>
+              </a:ext>
+            </a:extLst>
+          </p:cNvPr>
+          <p:cNvSpPr>
+            <a:spLocks noGrp="1"/>
+          </p:cNvSpPr>
+          <p:nvPr>
+            <p:ph sz="half" idx="1"/>
+          </p:nvPr>
+        </p:nvSpPr>
+        <p:spPr/>
+        <p:txBody>
+          <a:bodyPr/>
+          <a:lstStyle/>
+          <a:p>
+            <a:r>
+              <a:rPr lang="es-ES" dirty="0"/>
+              <a:t>DGESEV: Resolución de sistemas AX=B por LU</a:t>
+            </a:r>
+          </a:p>
+          <a:p>
+            <a:r>
+              <a:rPr lang="es-ES" dirty="0"/>
+              <a:t>DGEEV: Obtención de autovalores</a:t>
+            </a:r>
+          </a:p>
+          <a:p>
+            <a:r>
+              <a:rPr lang="es-ES" dirty="0"/>
+              <a:t>DSYSV: Resolución de sistemas AX=B, con A simétrica</a:t>
+            </a:r>
+          </a:p>
+          <a:p>
+            <a:r>
+              <a:rPr lang="es-ES" dirty="0"/>
+              <a:t>Cientos de rutinas auxiliares…</a:t>
+            </a:r>
+          </a:p>
+          <a:p>
+            <a:endParaRPr lang="es-ES" dirty="0"/>
+          </a:p>
+        </p:txBody>
+      </p:sp>
+      <p:sp>
+        <p:nvSpPr>
+          <p:cNvPr id="5" name="CuadroTexto 4">
+            <a:extLst>
+              <a:ext uri="{FF2B5EF4-FFF2-40B4-BE49-F238E27FC236}">
+                <a16:creationId xmlns:a16="http://schemas.microsoft.com/office/drawing/2014/main" id="{07F4D82C-B4F0-441C-9F29-6968D2A447C4}"/>
+              </a:ext>
+            </a:extLst>
+          </p:cNvPr>
+          <p:cNvSpPr txBox="1"/>
+          <p:nvPr/>
+        </p:nvSpPr>
+        <p:spPr>
+          <a:xfrm>
+            <a:off x="1065211" y="6319192"/>
+            <a:ext cx="8686801" cy="338554"/>
+          </a:xfrm>
+          <a:prstGeom prst="rect">
+            <a:avLst/>
+          </a:prstGeom>
+          <a:noFill/>
+          <a:ln>
+            <a:solidFill>
+              <a:schemeClr val="bg2"/>
+            </a:solidFill>
+          </a:ln>
+        </p:spPr>
+        <p:txBody>
+          <a:bodyPr wrap="square" rtlCol="0" anchor="ctr" anchorCtr="1">
+            <a:spAutoFit/>
+          </a:bodyPr>
+          <a:lstStyle/>
+          <a:p>
+            <a:r>
+              <a:rPr lang="es-ES" sz="1600" dirty="0"/>
+              <a:t>http://www.netlib.org/lapack/explore-html/d8/d70/group__lapack.html</a:t>
+            </a:r>
+          </a:p>
+        </p:txBody>
+      </p:sp>
+      <p:pic>
+        <p:nvPicPr>
+          <p:cNvPr id="11" name="Imagen 10">
+            <a:extLst>
+              <a:ext uri="{FF2B5EF4-FFF2-40B4-BE49-F238E27FC236}">
+                <a16:creationId xmlns:a16="http://schemas.microsoft.com/office/drawing/2014/main" id="{1412E769-E9FA-4896-9AE6-F248002A58D3}"/>
+              </a:ext>
+            </a:extLst>
+          </p:cNvPr>
+          <p:cNvPicPr>
+            <a:picLocks noChangeAspect="1"/>
+          </p:cNvPicPr>
+          <p:nvPr/>
+        </p:nvPicPr>
+        <p:blipFill>
+          <a:blip r:embed="rId2">
+            <a:extLst>
+              <a:ext uri="{28A0092B-C50C-407E-A947-70E740481C1C}">
+                <a14:useLocalDpi xmlns:a14="http://schemas.microsoft.com/office/drawing/2010/main" val="0"/>
+              </a:ext>
+            </a:extLst>
+          </a:blip>
+          <a:stretch>
+            <a:fillRect/>
+          </a:stretch>
+        </p:blipFill>
+        <p:spPr>
+          <a:xfrm>
+            <a:off x="8326660" y="1150423"/>
+            <a:ext cx="2376264" cy="1345595"/>
+          </a:xfrm>
+          <a:prstGeom prst="rect">
+            <a:avLst/>
+          </a:prstGeom>
+        </p:spPr>
+      </p:pic>
+      <p:pic>
+        <p:nvPicPr>
+          <p:cNvPr id="13" name="Imagen 12">
+            <a:extLst>
+              <a:ext uri="{FF2B5EF4-FFF2-40B4-BE49-F238E27FC236}">
+                <a16:creationId xmlns:a16="http://schemas.microsoft.com/office/drawing/2014/main" id="{30EE297F-7FBC-40C0-99CC-201C80C429CA}"/>
+              </a:ext>
+            </a:extLst>
+          </p:cNvPr>
+          <p:cNvPicPr>
+            <a:picLocks noChangeAspect="1"/>
+          </p:cNvPicPr>
+          <p:nvPr/>
+        </p:nvPicPr>
+        <p:blipFill>
+          <a:blip r:embed="rId3">
+            <a:extLst>
+              <a:ext uri="{28A0092B-C50C-407E-A947-70E740481C1C}">
+                <a14:useLocalDpi xmlns:a14="http://schemas.microsoft.com/office/drawing/2010/main" val="0"/>
+              </a:ext>
+            </a:extLst>
+          </a:blip>
+          <a:stretch>
+            <a:fillRect/>
+          </a:stretch>
+        </p:blipFill>
+        <p:spPr>
+          <a:xfrm>
+            <a:off x="7297958" y="2776221"/>
+            <a:ext cx="3929611" cy="3262768"/>
+          </a:xfrm>
+          <a:prstGeom prst="rect">
+            <a:avLst/>
+          </a:prstGeom>
+        </p:spPr>
+      </p:pic>
+      <p:pic>
+        <p:nvPicPr>
+          <p:cNvPr id="15" name="Imagen 14">
+            <a:extLst>
+              <a:ext uri="{FF2B5EF4-FFF2-40B4-BE49-F238E27FC236}">
+                <a16:creationId xmlns:a16="http://schemas.microsoft.com/office/drawing/2014/main" id="{F6548208-CB83-4F5D-9ACF-ADD5B9440CE4}"/>
+              </a:ext>
+            </a:extLst>
+          </p:cNvPr>
+          <p:cNvPicPr>
+            <a:picLocks noChangeAspect="1"/>
+          </p:cNvPicPr>
+          <p:nvPr/>
+        </p:nvPicPr>
+        <p:blipFill>
+          <a:blip r:embed="rId4">
+            <a:extLst>
+              <a:ext uri="{28A0092B-C50C-407E-A947-70E740481C1C}">
+                <a14:useLocalDpi xmlns:a14="http://schemas.microsoft.com/office/drawing/2010/main" val="0"/>
+              </a:ext>
+            </a:extLst>
+          </a:blip>
+          <a:stretch>
+            <a:fillRect/>
+          </a:stretch>
+        </p:blipFill>
+        <p:spPr>
+          <a:xfrm>
+            <a:off x="5849808" y="4118555"/>
+            <a:ext cx="648072" cy="1920434"/>
+          </a:xfrm>
+          <a:prstGeom prst="rect">
+            <a:avLst/>
+          </a:prstGeom>
+        </p:spPr>
+      </p:pic>
+    </p:spTree>
+    <p:extLst>
+      <p:ext uri="{BB962C8B-B14F-4D97-AF65-F5344CB8AC3E}">
+        <p14:creationId xmlns:p14="http://schemas.microsoft.com/office/powerpoint/2010/main" val="2982902580"/>
+      </p:ext>
+    </p:extLst>
+  </p:cSld>
+  <p:clrMapOvr>
+    <a:masterClrMapping/>
+  </p:clrMapOvr>
+  <mc:AlternateContent xmlns:mc="http://schemas.openxmlformats.org/markup-compatibility/2006" xmlns:p14="http://schemas.microsoft.com/office/powerpoint/2010/main">
+    <mc:Choice Requires="p14">
+      <p:transition spd="med" p14:dur="700">
+        <p:fade/>
+      </p:transition>
+    </mc:Choice>
+    <mc:Fallback xmlns="">
+      <p:transition spd="med">
+        <p:fade/>
+      </p:transition>
+    </mc:Fallback>
+  </mc:AlternateContent>
+</p:sld>
+</file>
+
+<file path=ppt/slides/slide11.xml><?xml version="1.0" encoding="utf-8"?>
+<p:sld xmlns:a="http://schemas.openxmlformats.org/drawingml/2006/main" xmlns:r="http://schemas.openxmlformats.org/officeDocument/2006/relationships" xmlns:p="http://schemas.openxmlformats.org/presentationml/2006/main">
+  <p:cSld>
+    <p:spTree>
+      <p:nvGrpSpPr>
+        <p:cNvPr id="1" name=""/>
+        <p:cNvGrpSpPr/>
+        <p:nvPr/>
+      </p:nvGrpSpPr>
+      <p:grpSpPr>
+        <a:xfrm>
+          <a:off x="0" y="0"/>
+          <a:ext cx="0" cy="0"/>
+          <a:chOff x="0" y="0"/>
+          <a:chExt cx="0" cy="0"/>
+        </a:xfrm>
+      </p:grpSpPr>
+      <p:sp>
+        <p:nvSpPr>
+          <p:cNvPr id="2" name="CuadroTexto 1">
+            <a:extLst>
+              <a:ext uri="{FF2B5EF4-FFF2-40B4-BE49-F238E27FC236}">
+                <a16:creationId xmlns:a16="http://schemas.microsoft.com/office/drawing/2014/main" id="{6BA3501E-08A2-4497-96F7-9CAAF0C80179}"/>
+              </a:ext>
+            </a:extLst>
+          </p:cNvPr>
+          <p:cNvSpPr txBox="1"/>
+          <p:nvPr/>
+        </p:nvSpPr>
+        <p:spPr>
+          <a:xfrm>
+            <a:off x="2710036" y="2545450"/>
+            <a:ext cx="5688632" cy="830997"/>
+          </a:xfrm>
+          <a:prstGeom prst="rect">
+            <a:avLst/>
+          </a:prstGeom>
+          <a:noFill/>
+          <a:ln>
+            <a:solidFill>
+              <a:schemeClr val="bg2"/>
+            </a:solidFill>
+          </a:ln>
+        </p:spPr>
+        <p:txBody>
+          <a:bodyPr wrap="square" rtlCol="0" anchor="ctr" anchorCtr="1">
+            <a:spAutoFit/>
+          </a:bodyPr>
+          <a:lstStyle/>
+          <a:p>
+            <a:r>
+              <a:rPr lang="es-ES" sz="4800" dirty="0"/>
+              <a:t>¿Preguntas?</a:t>
+            </a:r>
+          </a:p>
+        </p:txBody>
+      </p:sp>
+    </p:spTree>
+    <p:extLst>
+      <p:ext uri="{BB962C8B-B14F-4D97-AF65-F5344CB8AC3E}">
+        <p14:creationId xmlns:p14="http://schemas.microsoft.com/office/powerpoint/2010/main" val="1996724420"/>
+      </p:ext>
+    </p:extLst>
+  </p:cSld>
+  <p:clrMapOvr>
+    <a:masterClrMapping/>
+  </p:clrMapOvr>
+  <mc:AlternateContent xmlns:mc="http://schemas.openxmlformats.org/markup-compatibility/2006" xmlns:p14="http://schemas.microsoft.com/office/powerpoint/2010/main">
+    <mc:Choice Requires="p14">
+      <p:transition spd="med" p14:dur="700">
+        <p:fade/>
+      </p:transition>
+    </mc:Choice>
+    <mc:Fallback xmlns="">
+      <p:transition spd="med">
+        <p:fade/>
+      </p:transition>
+    </mc:Fallback>
+  </mc:AlternateContent>
+</p:sld>
+</file>
+
 <file path=ppt/slides/slide2.xml><?xml version="1.0" encoding="utf-8"?>
 <p:sld xmlns:a="http://schemas.openxmlformats.org/drawingml/2006/main" xmlns:r="http://schemas.openxmlformats.org/officeDocument/2006/relationships" xmlns:p="http://schemas.openxmlformats.org/presentationml/2006/main">
   <p:cSld>
@@ -5813,1072 +6173,6 @@
 </file>
 
 <file path=ppt/slides/slide4.xml><?xml version="1.0" encoding="utf-8"?>
-<p:sld xmlns:a="http://schemas.openxmlformats.org/drawingml/2006/main" xmlns:r="http://schemas.openxmlformats.org/officeDocument/2006/relationships" xmlns:p="http://schemas.openxmlformats.org/presentationml/2006/main">
-  <p:cSld>
-    <p:spTree>
-      <p:nvGrpSpPr>
-        <p:cNvPr id="1" name=""/>
-        <p:cNvGrpSpPr/>
-        <p:nvPr/>
-      </p:nvGrpSpPr>
-      <p:grpSpPr>
-        <a:xfrm>
-          <a:off x="0" y="0"/>
-          <a:ext cx="0" cy="0"/>
-          <a:chOff x="0" y="0"/>
-          <a:chExt cx="0" cy="0"/>
-        </a:xfrm>
-      </p:grpSpPr>
-      <p:sp>
-        <p:nvSpPr>
-          <p:cNvPr id="2" name="Título 1">
-            <a:extLst>
-              <a:ext uri="{FF2B5EF4-FFF2-40B4-BE49-F238E27FC236}">
-                <a16:creationId xmlns:a16="http://schemas.microsoft.com/office/drawing/2014/main" id="{E27459C6-0D6B-40E3-9327-CD4E2418E883}"/>
-              </a:ext>
-            </a:extLst>
-          </p:cNvPr>
-          <p:cNvSpPr>
-            <a:spLocks noGrp="1"/>
-          </p:cNvSpPr>
-          <p:nvPr>
-            <p:ph type="title"/>
-          </p:nvPr>
-        </p:nvSpPr>
-        <p:spPr>
-          <a:xfrm>
-            <a:off x="1269876" y="271258"/>
-            <a:ext cx="10585176" cy="1066800"/>
-          </a:xfrm>
-        </p:spPr>
-        <p:txBody>
-          <a:bodyPr>
-            <a:normAutofit/>
-          </a:bodyPr>
-          <a:lstStyle/>
-          <a:p>
-            <a:pPr algn="ctr"/>
-            <a:r>
-              <a:rPr lang="es-ES" dirty="0"/>
-              <a:t>Comparativa de funciones entre varias bibliotecas de algebra lineal</a:t>
-            </a:r>
-          </a:p>
-        </p:txBody>
-      </p:sp>
-      <p:pic>
-        <p:nvPicPr>
-          <p:cNvPr id="4" name="Imagen 3">
-            <a:extLst>
-              <a:ext uri="{FF2B5EF4-FFF2-40B4-BE49-F238E27FC236}">
-                <a16:creationId xmlns:a16="http://schemas.microsoft.com/office/drawing/2014/main" id="{8864F4D3-DA6C-4F18-AE4D-0A0397D7F655}"/>
-              </a:ext>
-            </a:extLst>
-          </p:cNvPr>
-          <p:cNvPicPr>
-            <a:picLocks noChangeAspect="1"/>
-          </p:cNvPicPr>
-          <p:nvPr/>
-        </p:nvPicPr>
-        <p:blipFill>
-          <a:blip r:embed="rId2"/>
-          <a:stretch>
-            <a:fillRect/>
-          </a:stretch>
-        </p:blipFill>
-        <p:spPr>
-          <a:xfrm>
-            <a:off x="5230317" y="1916832"/>
-            <a:ext cx="6752492" cy="3960440"/>
-          </a:xfrm>
-          <a:prstGeom prst="rect">
-            <a:avLst/>
-          </a:prstGeom>
-        </p:spPr>
-      </p:pic>
-      <p:sp>
-        <p:nvSpPr>
-          <p:cNvPr id="5" name="Rectángulo 4">
-            <a:extLst>
-              <a:ext uri="{FF2B5EF4-FFF2-40B4-BE49-F238E27FC236}">
-                <a16:creationId xmlns:a16="http://schemas.microsoft.com/office/drawing/2014/main" id="{A454AD10-A6B9-4BAF-AB5A-2F05DEA07154}"/>
-              </a:ext>
-            </a:extLst>
-          </p:cNvPr>
-          <p:cNvSpPr/>
-          <p:nvPr/>
-        </p:nvSpPr>
-        <p:spPr>
-          <a:xfrm>
-            <a:off x="261764" y="1204007"/>
-            <a:ext cx="4968553" cy="5386090"/>
-          </a:xfrm>
-          <a:prstGeom prst="rect">
-            <a:avLst/>
-          </a:prstGeom>
-        </p:spPr>
-        <p:txBody>
-          <a:bodyPr wrap="square">
-            <a:spAutoFit/>
-          </a:bodyPr>
-          <a:lstStyle/>
-          <a:p>
-            <a:r>
-              <a:rPr lang="es-ES" b="1" dirty="0">
-                <a:solidFill>
-                  <a:srgbClr val="000000"/>
-                </a:solidFill>
-                <a:latin typeface="Arial" panose="020B0604020202020204" pitchFamily="34" charset="0"/>
-              </a:rPr>
-              <a:t>Matrix </a:t>
-            </a:r>
-            <a:r>
-              <a:rPr lang="es-ES" b="1" dirty="0" err="1">
-                <a:solidFill>
-                  <a:srgbClr val="000000"/>
-                </a:solidFill>
-                <a:latin typeface="Arial" panose="020B0604020202020204" pitchFamily="34" charset="0"/>
-              </a:rPr>
-              <a:t>types</a:t>
-            </a:r>
-            <a:r>
-              <a:rPr lang="es-ES" b="1" dirty="0">
-                <a:solidFill>
-                  <a:srgbClr val="000000"/>
-                </a:solidFill>
-                <a:latin typeface="Arial" panose="020B0604020202020204" pitchFamily="34" charset="0"/>
-              </a:rPr>
-              <a:t> and </a:t>
-            </a:r>
-            <a:r>
-              <a:rPr lang="es-ES" b="1" dirty="0" err="1">
-                <a:solidFill>
-                  <a:srgbClr val="000000"/>
-                </a:solidFill>
-                <a:latin typeface="Arial" panose="020B0604020202020204" pitchFamily="34" charset="0"/>
-              </a:rPr>
-              <a:t>operations</a:t>
-            </a:r>
-            <a:endParaRPr lang="es-ES" b="1" dirty="0">
-              <a:solidFill>
-                <a:srgbClr val="000000"/>
-              </a:solidFill>
-              <a:latin typeface="Arial" panose="020B0604020202020204" pitchFamily="34" charset="0"/>
-            </a:endParaRPr>
-          </a:p>
-          <a:p>
-            <a:endParaRPr lang="es-ES" b="1" i="1" dirty="0">
-              <a:solidFill>
-                <a:srgbClr val="000000"/>
-              </a:solidFill>
-              <a:latin typeface="Arial" panose="020B0604020202020204" pitchFamily="34" charset="0"/>
-            </a:endParaRPr>
-          </a:p>
-          <a:p>
-            <a:pPr marL="285750" indent="-285750">
-              <a:buFont typeface="Arial" panose="020B0604020202020204" pitchFamily="34" charset="0"/>
-              <a:buChar char="•"/>
-            </a:pPr>
-            <a:r>
-              <a:rPr lang="es-ES" i="1" dirty="0">
-                <a:solidFill>
-                  <a:srgbClr val="222222"/>
-                </a:solidFill>
-                <a:latin typeface="Arial" panose="020B0604020202020204" pitchFamily="34" charset="0"/>
-              </a:rPr>
-              <a:t>Real</a:t>
-            </a:r>
-            <a:r>
-              <a:rPr lang="es-ES" dirty="0">
-                <a:solidFill>
-                  <a:srgbClr val="222222"/>
-                </a:solidFill>
-                <a:latin typeface="Arial" panose="020B0604020202020204" pitchFamily="34" charset="0"/>
-              </a:rPr>
-              <a:t> - general (</a:t>
-            </a:r>
-            <a:r>
-              <a:rPr lang="es-ES" dirty="0" err="1">
-                <a:solidFill>
-                  <a:srgbClr val="222222"/>
-                </a:solidFill>
-                <a:latin typeface="Arial" panose="020B0604020202020204" pitchFamily="34" charset="0"/>
-              </a:rPr>
-              <a:t>nonsymmetric</a:t>
-            </a:r>
-            <a:r>
-              <a:rPr lang="es-ES" dirty="0">
-                <a:solidFill>
-                  <a:srgbClr val="222222"/>
-                </a:solidFill>
-                <a:latin typeface="Arial" panose="020B0604020202020204" pitchFamily="34" charset="0"/>
-              </a:rPr>
-              <a:t>) real</a:t>
-            </a:r>
-          </a:p>
-          <a:p>
-            <a:pPr marL="285750" indent="-285750">
-              <a:buFont typeface="Arial" panose="020B0604020202020204" pitchFamily="34" charset="0"/>
-              <a:buChar char="•"/>
-            </a:pPr>
-            <a:r>
-              <a:rPr lang="es-ES" i="1" dirty="0" err="1">
-                <a:solidFill>
-                  <a:srgbClr val="222222"/>
-                </a:solidFill>
-                <a:latin typeface="Arial" panose="020B0604020202020204" pitchFamily="34" charset="0"/>
-              </a:rPr>
-              <a:t>Complex</a:t>
-            </a:r>
-            <a:r>
-              <a:rPr lang="es-ES" dirty="0">
-                <a:solidFill>
-                  <a:srgbClr val="222222"/>
-                </a:solidFill>
-                <a:latin typeface="Arial" panose="020B0604020202020204" pitchFamily="34" charset="0"/>
-              </a:rPr>
-              <a:t> - general (</a:t>
-            </a:r>
-            <a:r>
-              <a:rPr lang="es-ES" dirty="0" err="1">
-                <a:solidFill>
-                  <a:srgbClr val="222222"/>
-                </a:solidFill>
-                <a:latin typeface="Arial" panose="020B0604020202020204" pitchFamily="34" charset="0"/>
-              </a:rPr>
-              <a:t>nonsymmetric</a:t>
-            </a:r>
-            <a:r>
-              <a:rPr lang="es-ES" dirty="0">
-                <a:solidFill>
-                  <a:srgbClr val="222222"/>
-                </a:solidFill>
-                <a:latin typeface="Arial" panose="020B0604020202020204" pitchFamily="34" charset="0"/>
-              </a:rPr>
-              <a:t>) </a:t>
-            </a:r>
-            <a:r>
-              <a:rPr lang="es-ES" dirty="0" err="1">
-                <a:solidFill>
-                  <a:srgbClr val="222222"/>
-                </a:solidFill>
-                <a:latin typeface="Arial" panose="020B0604020202020204" pitchFamily="34" charset="0"/>
-              </a:rPr>
-              <a:t>complex</a:t>
-            </a:r>
-            <a:endParaRPr lang="es-ES" dirty="0">
-              <a:solidFill>
-                <a:srgbClr val="222222"/>
-              </a:solidFill>
-              <a:latin typeface="Arial" panose="020B0604020202020204" pitchFamily="34" charset="0"/>
-            </a:endParaRPr>
-          </a:p>
-          <a:p>
-            <a:pPr marL="285750" indent="-285750">
-              <a:buFont typeface="Arial" panose="020B0604020202020204" pitchFamily="34" charset="0"/>
-              <a:buChar char="•"/>
-            </a:pPr>
-            <a:r>
-              <a:rPr lang="es-ES" i="1" dirty="0">
-                <a:solidFill>
-                  <a:srgbClr val="222222"/>
-                </a:solidFill>
-                <a:latin typeface="Arial" panose="020B0604020202020204" pitchFamily="34" charset="0"/>
-              </a:rPr>
-              <a:t>SPD</a:t>
-            </a:r>
-            <a:r>
-              <a:rPr lang="es-ES" dirty="0">
-                <a:solidFill>
-                  <a:srgbClr val="222222"/>
-                </a:solidFill>
-                <a:latin typeface="Arial" panose="020B0604020202020204" pitchFamily="34" charset="0"/>
-              </a:rPr>
-              <a:t> - </a:t>
-            </a:r>
-            <a:r>
-              <a:rPr lang="es-ES" dirty="0" err="1">
-                <a:solidFill>
-                  <a:srgbClr val="222222"/>
-                </a:solidFill>
-                <a:latin typeface="Arial" panose="020B0604020202020204" pitchFamily="34" charset="0"/>
-              </a:rPr>
-              <a:t>symmetric</a:t>
-            </a:r>
-            <a:r>
-              <a:rPr lang="es-ES" dirty="0">
-                <a:solidFill>
-                  <a:srgbClr val="222222"/>
-                </a:solidFill>
-                <a:latin typeface="Arial" panose="020B0604020202020204" pitchFamily="34" charset="0"/>
-              </a:rPr>
-              <a:t> positive </a:t>
-            </a:r>
-            <a:r>
-              <a:rPr lang="es-ES" dirty="0" err="1">
-                <a:solidFill>
-                  <a:srgbClr val="222222"/>
-                </a:solidFill>
-                <a:latin typeface="Arial" panose="020B0604020202020204" pitchFamily="34" charset="0"/>
-              </a:rPr>
-              <a:t>definite</a:t>
-            </a:r>
-            <a:r>
-              <a:rPr lang="es-ES" dirty="0">
-                <a:solidFill>
-                  <a:srgbClr val="222222"/>
-                </a:solidFill>
-                <a:latin typeface="Arial" panose="020B0604020202020204" pitchFamily="34" charset="0"/>
-              </a:rPr>
-              <a:t> (real)</a:t>
-            </a:r>
-          </a:p>
-          <a:p>
-            <a:pPr marL="285750" indent="-285750">
-              <a:buFont typeface="Arial" panose="020B0604020202020204" pitchFamily="34" charset="0"/>
-              <a:buChar char="•"/>
-            </a:pPr>
-            <a:r>
-              <a:rPr lang="es-ES" i="1" dirty="0">
-                <a:solidFill>
-                  <a:srgbClr val="222222"/>
-                </a:solidFill>
-                <a:latin typeface="Arial" panose="020B0604020202020204" pitchFamily="34" charset="0"/>
-              </a:rPr>
-              <a:t>HPD</a:t>
-            </a:r>
-            <a:r>
-              <a:rPr lang="es-ES" dirty="0">
-                <a:solidFill>
-                  <a:srgbClr val="222222"/>
-                </a:solidFill>
-                <a:latin typeface="Arial" panose="020B0604020202020204" pitchFamily="34" charset="0"/>
-              </a:rPr>
-              <a:t> - </a:t>
-            </a:r>
-            <a:r>
-              <a:rPr lang="es-ES" dirty="0" err="1">
-                <a:solidFill>
-                  <a:srgbClr val="222222"/>
-                </a:solidFill>
-                <a:latin typeface="Arial" panose="020B0604020202020204" pitchFamily="34" charset="0"/>
-              </a:rPr>
-              <a:t>Hermitian</a:t>
-            </a:r>
-            <a:r>
-              <a:rPr lang="es-ES" dirty="0">
-                <a:solidFill>
-                  <a:srgbClr val="222222"/>
-                </a:solidFill>
-                <a:latin typeface="Arial" panose="020B0604020202020204" pitchFamily="34" charset="0"/>
-              </a:rPr>
-              <a:t> positive </a:t>
-            </a:r>
-            <a:r>
-              <a:rPr lang="es-ES" dirty="0" err="1">
-                <a:solidFill>
-                  <a:srgbClr val="222222"/>
-                </a:solidFill>
-                <a:latin typeface="Arial" panose="020B0604020202020204" pitchFamily="34" charset="0"/>
-              </a:rPr>
-              <a:t>definite</a:t>
-            </a:r>
-            <a:r>
-              <a:rPr lang="es-ES" dirty="0">
-                <a:solidFill>
-                  <a:srgbClr val="222222"/>
-                </a:solidFill>
-                <a:latin typeface="Arial" panose="020B0604020202020204" pitchFamily="34" charset="0"/>
-              </a:rPr>
-              <a:t> (</a:t>
-            </a:r>
-            <a:r>
-              <a:rPr lang="es-ES" dirty="0" err="1">
-                <a:solidFill>
-                  <a:srgbClr val="222222"/>
-                </a:solidFill>
-                <a:latin typeface="Arial" panose="020B0604020202020204" pitchFamily="34" charset="0"/>
-              </a:rPr>
-              <a:t>complex</a:t>
-            </a:r>
-            <a:r>
-              <a:rPr lang="es-ES" dirty="0">
-                <a:solidFill>
-                  <a:srgbClr val="222222"/>
-                </a:solidFill>
-                <a:latin typeface="Arial" panose="020B0604020202020204" pitchFamily="34" charset="0"/>
-              </a:rPr>
-              <a:t>)</a:t>
-            </a:r>
-          </a:p>
-          <a:p>
-            <a:pPr marL="285750" indent="-285750">
-              <a:buFont typeface="Arial" panose="020B0604020202020204" pitchFamily="34" charset="0"/>
-              <a:buChar char="•"/>
-            </a:pPr>
-            <a:r>
-              <a:rPr lang="es-ES" i="1" dirty="0">
-                <a:solidFill>
-                  <a:srgbClr val="222222"/>
-                </a:solidFill>
-                <a:latin typeface="Arial" panose="020B0604020202020204" pitchFamily="34" charset="0"/>
-              </a:rPr>
-              <a:t>SY</a:t>
-            </a:r>
-            <a:r>
-              <a:rPr lang="es-ES" dirty="0">
-                <a:solidFill>
-                  <a:srgbClr val="222222"/>
-                </a:solidFill>
-                <a:latin typeface="Arial" panose="020B0604020202020204" pitchFamily="34" charset="0"/>
-              </a:rPr>
-              <a:t> - </a:t>
-            </a:r>
-            <a:r>
-              <a:rPr lang="es-ES" dirty="0" err="1">
-                <a:solidFill>
-                  <a:srgbClr val="222222"/>
-                </a:solidFill>
-                <a:latin typeface="Arial" panose="020B0604020202020204" pitchFamily="34" charset="0"/>
-              </a:rPr>
-              <a:t>symmetric</a:t>
-            </a:r>
-            <a:r>
-              <a:rPr lang="es-ES" dirty="0">
-                <a:solidFill>
-                  <a:srgbClr val="222222"/>
-                </a:solidFill>
-                <a:latin typeface="Arial" panose="020B0604020202020204" pitchFamily="34" charset="0"/>
-              </a:rPr>
-              <a:t> (real)</a:t>
-            </a:r>
-          </a:p>
-          <a:p>
-            <a:pPr marL="285750" indent="-285750">
-              <a:buFont typeface="Arial" panose="020B0604020202020204" pitchFamily="34" charset="0"/>
-              <a:buChar char="•"/>
-            </a:pPr>
-            <a:r>
-              <a:rPr lang="es-ES" i="1" dirty="0">
-                <a:solidFill>
-                  <a:srgbClr val="222222"/>
-                </a:solidFill>
-                <a:latin typeface="Arial" panose="020B0604020202020204" pitchFamily="34" charset="0"/>
-              </a:rPr>
-              <a:t>HE</a:t>
-            </a:r>
-            <a:r>
-              <a:rPr lang="es-ES" dirty="0">
-                <a:solidFill>
-                  <a:srgbClr val="222222"/>
-                </a:solidFill>
-                <a:latin typeface="Arial" panose="020B0604020202020204" pitchFamily="34" charset="0"/>
-              </a:rPr>
-              <a:t> - </a:t>
-            </a:r>
-            <a:r>
-              <a:rPr lang="es-ES" dirty="0" err="1">
-                <a:solidFill>
-                  <a:srgbClr val="222222"/>
-                </a:solidFill>
-                <a:latin typeface="Arial" panose="020B0604020202020204" pitchFamily="34" charset="0"/>
-              </a:rPr>
-              <a:t>Hermitian</a:t>
-            </a:r>
-            <a:r>
-              <a:rPr lang="es-ES" dirty="0">
-                <a:solidFill>
-                  <a:srgbClr val="222222"/>
-                </a:solidFill>
-                <a:latin typeface="Arial" panose="020B0604020202020204" pitchFamily="34" charset="0"/>
-              </a:rPr>
-              <a:t> (</a:t>
-            </a:r>
-            <a:r>
-              <a:rPr lang="es-ES" dirty="0" err="1">
-                <a:solidFill>
-                  <a:srgbClr val="222222"/>
-                </a:solidFill>
-                <a:latin typeface="Arial" panose="020B0604020202020204" pitchFamily="34" charset="0"/>
-              </a:rPr>
-              <a:t>complex</a:t>
-            </a:r>
-            <a:r>
-              <a:rPr lang="es-ES" dirty="0">
-                <a:solidFill>
-                  <a:srgbClr val="222222"/>
-                </a:solidFill>
-                <a:latin typeface="Arial" panose="020B0604020202020204" pitchFamily="34" charset="0"/>
-              </a:rPr>
-              <a:t>)</a:t>
-            </a:r>
-          </a:p>
-          <a:p>
-            <a:pPr marL="285750" indent="-285750">
-              <a:buFont typeface="Arial" panose="020B0604020202020204" pitchFamily="34" charset="0"/>
-              <a:buChar char="•"/>
-            </a:pPr>
-            <a:r>
-              <a:rPr lang="es-ES" i="1" dirty="0">
-                <a:solidFill>
-                  <a:srgbClr val="222222"/>
-                </a:solidFill>
-                <a:latin typeface="Arial" panose="020B0604020202020204" pitchFamily="34" charset="0"/>
-              </a:rPr>
-              <a:t>BND</a:t>
-            </a:r>
-            <a:r>
-              <a:rPr lang="es-ES" dirty="0">
-                <a:solidFill>
-                  <a:srgbClr val="222222"/>
-                </a:solidFill>
-                <a:latin typeface="Arial" panose="020B0604020202020204" pitchFamily="34" charset="0"/>
-              </a:rPr>
-              <a:t> - band</a:t>
-            </a:r>
-          </a:p>
-          <a:p>
-            <a:pPr marL="285750" indent="-285750">
-              <a:buFont typeface="Arial" panose="020B0604020202020204" pitchFamily="34" charset="0"/>
-              <a:buChar char="•"/>
-            </a:pPr>
-            <a:endParaRPr lang="es-ES" dirty="0">
-              <a:solidFill>
-                <a:srgbClr val="222222"/>
-              </a:solidFill>
-              <a:latin typeface="Arial" panose="020B0604020202020204" pitchFamily="34" charset="0"/>
-            </a:endParaRPr>
-          </a:p>
-          <a:p>
-            <a:r>
-              <a:rPr lang="es-ES" sz="2000" b="1" u="sng" dirty="0" err="1">
-                <a:solidFill>
-                  <a:srgbClr val="222222"/>
-                </a:solidFill>
-                <a:latin typeface="Arial" panose="020B0604020202020204" pitchFamily="34" charset="0"/>
-              </a:rPr>
-              <a:t>Operations</a:t>
-            </a:r>
-            <a:r>
-              <a:rPr lang="es-ES" sz="2000" b="1" u="sng" dirty="0">
-                <a:solidFill>
-                  <a:srgbClr val="222222"/>
-                </a:solidFill>
-                <a:latin typeface="Arial" panose="020B0604020202020204" pitchFamily="34" charset="0"/>
-              </a:rPr>
-              <a:t>:</a:t>
-            </a:r>
-          </a:p>
-          <a:p>
-            <a:endParaRPr lang="es-ES" dirty="0">
-              <a:solidFill>
-                <a:srgbClr val="222222"/>
-              </a:solidFill>
-              <a:latin typeface="Arial" panose="020B0604020202020204" pitchFamily="34" charset="0"/>
-            </a:endParaRPr>
-          </a:p>
-          <a:p>
-            <a:pPr marL="285750" indent="-285750">
-              <a:buFont typeface="Arial" panose="020B0604020202020204" pitchFamily="34" charset="0"/>
-              <a:buChar char="•"/>
-            </a:pPr>
-            <a:r>
-              <a:rPr lang="es-ES" i="1" dirty="0">
-                <a:solidFill>
-                  <a:srgbClr val="222222"/>
-                </a:solidFill>
-                <a:latin typeface="Arial" panose="020B0604020202020204" pitchFamily="34" charset="0"/>
-              </a:rPr>
-              <a:t>TF</a:t>
-            </a:r>
-            <a:r>
-              <a:rPr lang="es-ES" dirty="0">
-                <a:solidFill>
-                  <a:srgbClr val="222222"/>
-                </a:solidFill>
-                <a:latin typeface="Arial" panose="020B0604020202020204" pitchFamily="34" charset="0"/>
-              </a:rPr>
-              <a:t> - triangular </a:t>
-            </a:r>
-            <a:r>
-              <a:rPr lang="es-ES" dirty="0" err="1">
-                <a:solidFill>
-                  <a:srgbClr val="222222"/>
-                </a:solidFill>
-                <a:latin typeface="Arial" panose="020B0604020202020204" pitchFamily="34" charset="0"/>
-              </a:rPr>
-              <a:t>factorizations</a:t>
-            </a:r>
-            <a:r>
-              <a:rPr lang="es-ES" dirty="0">
-                <a:solidFill>
-                  <a:srgbClr val="222222"/>
-                </a:solidFill>
-                <a:latin typeface="Arial" panose="020B0604020202020204" pitchFamily="34" charset="0"/>
-              </a:rPr>
-              <a:t> (LU, </a:t>
-            </a:r>
-            <a:r>
-              <a:rPr lang="es-ES" dirty="0" err="1">
-                <a:solidFill>
-                  <a:srgbClr val="222222"/>
-                </a:solidFill>
-                <a:latin typeface="Arial" panose="020B0604020202020204" pitchFamily="34" charset="0"/>
-              </a:rPr>
-              <a:t>Cholesky</a:t>
-            </a:r>
-            <a:r>
-              <a:rPr lang="es-ES" dirty="0">
-                <a:solidFill>
-                  <a:srgbClr val="222222"/>
-                </a:solidFill>
-                <a:latin typeface="Arial" panose="020B0604020202020204" pitchFamily="34" charset="0"/>
-              </a:rPr>
-              <a:t>)</a:t>
-            </a:r>
-          </a:p>
-          <a:p>
-            <a:pPr marL="285750" indent="-285750">
-              <a:buFont typeface="Arial" panose="020B0604020202020204" pitchFamily="34" charset="0"/>
-              <a:buChar char="•"/>
-            </a:pPr>
-            <a:r>
-              <a:rPr lang="es-ES" i="1" dirty="0">
-                <a:solidFill>
-                  <a:srgbClr val="222222"/>
-                </a:solidFill>
-                <a:latin typeface="Arial" panose="020B0604020202020204" pitchFamily="34" charset="0"/>
-              </a:rPr>
-              <a:t>OF</a:t>
-            </a:r>
-            <a:r>
-              <a:rPr lang="es-ES" dirty="0">
-                <a:solidFill>
-                  <a:srgbClr val="222222"/>
-                </a:solidFill>
-                <a:latin typeface="Arial" panose="020B0604020202020204" pitchFamily="34" charset="0"/>
-              </a:rPr>
-              <a:t> - </a:t>
-            </a:r>
-            <a:r>
-              <a:rPr lang="es-ES" dirty="0" err="1">
-                <a:solidFill>
-                  <a:srgbClr val="222222"/>
-                </a:solidFill>
-                <a:latin typeface="Arial" panose="020B0604020202020204" pitchFamily="34" charset="0"/>
-              </a:rPr>
-              <a:t>orthogonal</a:t>
-            </a:r>
-            <a:r>
-              <a:rPr lang="es-ES" dirty="0">
-                <a:solidFill>
-                  <a:srgbClr val="222222"/>
-                </a:solidFill>
-                <a:latin typeface="Arial" panose="020B0604020202020204" pitchFamily="34" charset="0"/>
-              </a:rPr>
-              <a:t> </a:t>
-            </a:r>
-            <a:r>
-              <a:rPr lang="es-ES" dirty="0" err="1">
-                <a:solidFill>
-                  <a:srgbClr val="222222"/>
-                </a:solidFill>
-                <a:latin typeface="Arial" panose="020B0604020202020204" pitchFamily="34" charset="0"/>
-              </a:rPr>
-              <a:t>factorizations</a:t>
-            </a:r>
-            <a:r>
-              <a:rPr lang="es-ES" dirty="0">
-                <a:solidFill>
-                  <a:srgbClr val="222222"/>
-                </a:solidFill>
-                <a:latin typeface="Arial" panose="020B0604020202020204" pitchFamily="34" charset="0"/>
-              </a:rPr>
-              <a:t> (QR, QL, </a:t>
-            </a:r>
-            <a:r>
-              <a:rPr lang="es-ES" dirty="0" err="1">
-                <a:solidFill>
-                  <a:srgbClr val="222222"/>
-                </a:solidFill>
-                <a:latin typeface="Arial" panose="020B0604020202020204" pitchFamily="34" charset="0"/>
-              </a:rPr>
-              <a:t>generalized</a:t>
-            </a:r>
-            <a:r>
-              <a:rPr lang="es-ES" dirty="0">
-                <a:solidFill>
-                  <a:srgbClr val="222222"/>
-                </a:solidFill>
-                <a:latin typeface="Arial" panose="020B0604020202020204" pitchFamily="34" charset="0"/>
-              </a:rPr>
-              <a:t> </a:t>
-            </a:r>
-            <a:r>
-              <a:rPr lang="es-ES" dirty="0" err="1">
-                <a:solidFill>
-                  <a:srgbClr val="222222"/>
-                </a:solidFill>
-                <a:latin typeface="Arial" panose="020B0604020202020204" pitchFamily="34" charset="0"/>
-              </a:rPr>
-              <a:t>factorizations</a:t>
-            </a:r>
-            <a:r>
-              <a:rPr lang="es-ES" dirty="0">
-                <a:solidFill>
-                  <a:srgbClr val="222222"/>
-                </a:solidFill>
-                <a:latin typeface="Arial" panose="020B0604020202020204" pitchFamily="34" charset="0"/>
-              </a:rPr>
-              <a:t>)</a:t>
-            </a:r>
-          </a:p>
-          <a:p>
-            <a:pPr marL="285750" indent="-285750">
-              <a:buFont typeface="Arial" panose="020B0604020202020204" pitchFamily="34" charset="0"/>
-              <a:buChar char="•"/>
-            </a:pPr>
-            <a:r>
-              <a:rPr lang="es-ES" i="1" dirty="0">
-                <a:solidFill>
-                  <a:srgbClr val="222222"/>
-                </a:solidFill>
-                <a:latin typeface="Arial" panose="020B0604020202020204" pitchFamily="34" charset="0"/>
-              </a:rPr>
-              <a:t>EVD</a:t>
-            </a:r>
-            <a:r>
-              <a:rPr lang="es-ES" dirty="0">
-                <a:solidFill>
-                  <a:srgbClr val="222222"/>
-                </a:solidFill>
-                <a:latin typeface="Arial" panose="020B0604020202020204" pitchFamily="34" charset="0"/>
-              </a:rPr>
-              <a:t> - </a:t>
-            </a:r>
-            <a:r>
-              <a:rPr lang="es-ES" dirty="0" err="1">
-                <a:solidFill>
-                  <a:srgbClr val="222222"/>
-                </a:solidFill>
-                <a:latin typeface="Arial" panose="020B0604020202020204" pitchFamily="34" charset="0"/>
-              </a:rPr>
-              <a:t>eigenproblems</a:t>
-            </a:r>
-            <a:endParaRPr lang="es-ES" dirty="0">
-              <a:solidFill>
-                <a:srgbClr val="222222"/>
-              </a:solidFill>
-              <a:latin typeface="Arial" panose="020B0604020202020204" pitchFamily="34" charset="0"/>
-            </a:endParaRPr>
-          </a:p>
-          <a:p>
-            <a:pPr marL="285750" indent="-285750">
-              <a:buFont typeface="Arial" panose="020B0604020202020204" pitchFamily="34" charset="0"/>
-              <a:buChar char="•"/>
-            </a:pPr>
-            <a:r>
-              <a:rPr lang="es-ES" i="1" dirty="0">
-                <a:solidFill>
-                  <a:srgbClr val="222222"/>
-                </a:solidFill>
-                <a:latin typeface="Arial" panose="020B0604020202020204" pitchFamily="34" charset="0"/>
-              </a:rPr>
-              <a:t>SVD</a:t>
-            </a:r>
-            <a:r>
-              <a:rPr lang="es-ES" dirty="0">
-                <a:solidFill>
-                  <a:srgbClr val="222222"/>
-                </a:solidFill>
-                <a:latin typeface="Arial" panose="020B0604020202020204" pitchFamily="34" charset="0"/>
-              </a:rPr>
-              <a:t> - singular </a:t>
-            </a:r>
-            <a:r>
-              <a:rPr lang="es-ES" dirty="0" err="1">
-                <a:solidFill>
-                  <a:srgbClr val="222222"/>
-                </a:solidFill>
-                <a:latin typeface="Arial" panose="020B0604020202020204" pitchFamily="34" charset="0"/>
-              </a:rPr>
-              <a:t>value</a:t>
-            </a:r>
-            <a:r>
-              <a:rPr lang="es-ES" dirty="0">
-                <a:solidFill>
-                  <a:srgbClr val="222222"/>
-                </a:solidFill>
-                <a:latin typeface="Arial" panose="020B0604020202020204" pitchFamily="34" charset="0"/>
-              </a:rPr>
-              <a:t> </a:t>
-            </a:r>
-            <a:r>
-              <a:rPr lang="es-ES" dirty="0" err="1">
-                <a:solidFill>
-                  <a:srgbClr val="222222"/>
-                </a:solidFill>
-                <a:latin typeface="Arial" panose="020B0604020202020204" pitchFamily="34" charset="0"/>
-              </a:rPr>
-              <a:t>decomposition</a:t>
-            </a:r>
-            <a:endParaRPr lang="es-ES" dirty="0">
-              <a:solidFill>
-                <a:srgbClr val="222222"/>
-              </a:solidFill>
-              <a:latin typeface="Arial" panose="020B0604020202020204" pitchFamily="34" charset="0"/>
-            </a:endParaRPr>
-          </a:p>
-          <a:p>
-            <a:pPr marL="285750" indent="-285750">
-              <a:buFont typeface="Arial" panose="020B0604020202020204" pitchFamily="34" charset="0"/>
-              <a:buChar char="•"/>
-            </a:pPr>
-            <a:r>
-              <a:rPr lang="es-ES" i="1" dirty="0">
-                <a:solidFill>
-                  <a:srgbClr val="222222"/>
-                </a:solidFill>
-                <a:latin typeface="Arial" panose="020B0604020202020204" pitchFamily="34" charset="0"/>
-              </a:rPr>
-              <a:t>GEVD</a:t>
-            </a:r>
-            <a:r>
-              <a:rPr lang="es-ES" dirty="0">
-                <a:solidFill>
-                  <a:srgbClr val="222222"/>
-                </a:solidFill>
-                <a:latin typeface="Arial" panose="020B0604020202020204" pitchFamily="34" charset="0"/>
-              </a:rPr>
-              <a:t> - </a:t>
-            </a:r>
-            <a:r>
-              <a:rPr lang="es-ES" dirty="0" err="1">
-                <a:solidFill>
-                  <a:srgbClr val="222222"/>
-                </a:solidFill>
-                <a:latin typeface="Arial" panose="020B0604020202020204" pitchFamily="34" charset="0"/>
-              </a:rPr>
-              <a:t>generalized</a:t>
-            </a:r>
-            <a:r>
-              <a:rPr lang="es-ES" dirty="0">
-                <a:solidFill>
-                  <a:srgbClr val="222222"/>
-                </a:solidFill>
-                <a:latin typeface="Arial" panose="020B0604020202020204" pitchFamily="34" charset="0"/>
-              </a:rPr>
-              <a:t> EVD</a:t>
-            </a:r>
-          </a:p>
-          <a:p>
-            <a:pPr marL="285750" indent="-285750">
-              <a:buFont typeface="Arial" panose="020B0604020202020204" pitchFamily="34" charset="0"/>
-              <a:buChar char="•"/>
-            </a:pPr>
-            <a:r>
-              <a:rPr lang="es-ES" i="1" dirty="0">
-                <a:solidFill>
-                  <a:srgbClr val="222222"/>
-                </a:solidFill>
-                <a:latin typeface="Arial" panose="020B0604020202020204" pitchFamily="34" charset="0"/>
-              </a:rPr>
-              <a:t>GSVD</a:t>
-            </a:r>
-            <a:r>
-              <a:rPr lang="es-ES" dirty="0">
-                <a:solidFill>
-                  <a:srgbClr val="222222"/>
-                </a:solidFill>
-                <a:latin typeface="Arial" panose="020B0604020202020204" pitchFamily="34" charset="0"/>
-              </a:rPr>
-              <a:t> - </a:t>
-            </a:r>
-            <a:r>
-              <a:rPr lang="es-ES" dirty="0" err="1">
-                <a:solidFill>
-                  <a:srgbClr val="222222"/>
-                </a:solidFill>
-                <a:latin typeface="Arial" panose="020B0604020202020204" pitchFamily="34" charset="0"/>
-              </a:rPr>
-              <a:t>generalized</a:t>
-            </a:r>
-            <a:r>
-              <a:rPr lang="es-ES" dirty="0">
-                <a:solidFill>
-                  <a:srgbClr val="222222"/>
-                </a:solidFill>
-                <a:latin typeface="Arial" panose="020B0604020202020204" pitchFamily="34" charset="0"/>
-              </a:rPr>
-              <a:t> SVD</a:t>
-            </a:r>
-            <a:endParaRPr lang="es-ES" b="0" i="0" dirty="0">
-              <a:solidFill>
-                <a:srgbClr val="222222"/>
-              </a:solidFill>
-              <a:effectLst/>
-              <a:latin typeface="Arial" panose="020B0604020202020204" pitchFamily="34" charset="0"/>
-            </a:endParaRPr>
-          </a:p>
-        </p:txBody>
-      </p:sp>
-      <p:sp>
-        <p:nvSpPr>
-          <p:cNvPr id="6" name="Elipse 5">
-            <a:extLst>
-              <a:ext uri="{FF2B5EF4-FFF2-40B4-BE49-F238E27FC236}">
-                <a16:creationId xmlns:a16="http://schemas.microsoft.com/office/drawing/2014/main" id="{E6EAB6B6-BFE6-4A3B-ADCC-A79C0D354213}"/>
-              </a:ext>
-            </a:extLst>
-          </p:cNvPr>
-          <p:cNvSpPr/>
-          <p:nvPr/>
-        </p:nvSpPr>
-        <p:spPr>
-          <a:xfrm>
-            <a:off x="5698368" y="4005064"/>
-            <a:ext cx="720080" cy="288032"/>
-          </a:xfrm>
-          <a:prstGeom prst="ellipse">
-            <a:avLst/>
-          </a:prstGeom>
-          <a:noFill/>
-          <a:ln>
-            <a:solidFill>
-              <a:srgbClr val="FF0000"/>
-            </a:solidFill>
-          </a:ln>
-        </p:spPr>
-        <p:style>
-          <a:lnRef idx="2">
-            <a:schemeClr val="dk1"/>
-          </a:lnRef>
-          <a:fillRef idx="1">
-            <a:schemeClr val="lt1"/>
-          </a:fillRef>
-          <a:effectRef idx="0">
-            <a:schemeClr val="dk1"/>
-          </a:effectRef>
-          <a:fontRef idx="minor">
-            <a:schemeClr val="dk1"/>
-          </a:fontRef>
-        </p:style>
-        <p:txBody>
-          <a:bodyPr rtlCol="0" anchor="ctr"/>
-          <a:lstStyle/>
-          <a:p>
-            <a:pPr algn="ctr"/>
-            <a:endParaRPr lang="es-ES" dirty="0">
-              <a:solidFill>
-                <a:srgbClr val="FF0000"/>
-              </a:solidFill>
-            </a:endParaRPr>
-          </a:p>
-        </p:txBody>
-      </p:sp>
-      <p:cxnSp>
-        <p:nvCxnSpPr>
-          <p:cNvPr id="9" name="Conector recto de flecha 8">
-            <a:extLst>
-              <a:ext uri="{FF2B5EF4-FFF2-40B4-BE49-F238E27FC236}">
-                <a16:creationId xmlns:a16="http://schemas.microsoft.com/office/drawing/2014/main" id="{FB45939F-A7CF-489C-893A-B217551831E4}"/>
-              </a:ext>
-            </a:extLst>
-          </p:cNvPr>
-          <p:cNvCxnSpPr/>
-          <p:nvPr/>
-        </p:nvCxnSpPr>
-        <p:spPr>
-          <a:xfrm>
-            <a:off x="4366220" y="3933056"/>
-            <a:ext cx="1296144" cy="216024"/>
-          </a:xfrm>
-          <a:prstGeom prst="straightConnector1">
-            <a:avLst/>
-          </a:prstGeom>
-          <a:ln>
-            <a:solidFill>
-              <a:srgbClr val="FF0000"/>
-            </a:solidFill>
-            <a:tailEnd type="triangle"/>
-          </a:ln>
-        </p:spPr>
-        <p:style>
-          <a:lnRef idx="1">
-            <a:schemeClr val="accent1"/>
-          </a:lnRef>
-          <a:fillRef idx="0">
-            <a:schemeClr val="accent1"/>
-          </a:fillRef>
-          <a:effectRef idx="0">
-            <a:schemeClr val="accent1"/>
-          </a:effectRef>
-          <a:fontRef idx="minor">
-            <a:schemeClr val="tx1"/>
-          </a:fontRef>
-        </p:style>
-      </p:cxnSp>
-      <p:pic>
-        <p:nvPicPr>
-          <p:cNvPr id="8" name="Imagen 7">
-            <a:extLst>
-              <a:ext uri="{FF2B5EF4-FFF2-40B4-BE49-F238E27FC236}">
-                <a16:creationId xmlns:a16="http://schemas.microsoft.com/office/drawing/2014/main" id="{BCB71AFC-64CB-664C-A534-BC5D81F4CA5F}"/>
-              </a:ext>
-            </a:extLst>
-          </p:cNvPr>
-          <p:cNvPicPr>
-            <a:picLocks noChangeAspect="1"/>
-          </p:cNvPicPr>
-          <p:nvPr/>
-        </p:nvPicPr>
-        <p:blipFill>
-          <a:blip r:embed="rId3">
-            <a:extLst>
-              <a:ext uri="{28A0092B-C50C-407E-A947-70E740481C1C}">
-                <a14:useLocalDpi xmlns:a14="http://schemas.microsoft.com/office/drawing/2010/main" val="0"/>
-              </a:ext>
-            </a:extLst>
-          </a:blip>
-          <a:stretch>
-            <a:fillRect/>
-          </a:stretch>
-        </p:blipFill>
-        <p:spPr>
-          <a:xfrm>
-            <a:off x="199436" y="189204"/>
-            <a:ext cx="2019582" cy="924054"/>
-          </a:xfrm>
-          <a:prstGeom prst="rect">
-            <a:avLst/>
-          </a:prstGeom>
-        </p:spPr>
-      </p:pic>
-    </p:spTree>
-    <p:extLst>
-      <p:ext uri="{BB962C8B-B14F-4D97-AF65-F5344CB8AC3E}">
-        <p14:creationId xmlns:p14="http://schemas.microsoft.com/office/powerpoint/2010/main" val="47941704"/>
-      </p:ext>
-    </p:extLst>
-  </p:cSld>
-  <p:clrMapOvr>
-    <a:masterClrMapping/>
-  </p:clrMapOvr>
-  <mc:AlternateContent xmlns:mc="http://schemas.openxmlformats.org/markup-compatibility/2006" xmlns:p14="http://schemas.microsoft.com/office/powerpoint/2010/main">
-    <mc:Choice Requires="p14">
-      <p:transition spd="med" p14:dur="700">
-        <p:fade/>
-      </p:transition>
-    </mc:Choice>
-    <mc:Fallback xmlns="">
-      <p:transition spd="med">
-        <p:fade/>
-      </p:transition>
-    </mc:Fallback>
-  </mc:AlternateContent>
-</p:sld>
-</file>
-
-<file path=ppt/slides/slide5.xml><?xml version="1.0" encoding="utf-8"?>
 <p:sld xmlns:a="http://schemas.openxmlformats.org/drawingml/2006/main" xmlns:r="http://schemas.openxmlformats.org/officeDocument/2006/relationships" xmlns:p="http://schemas.openxmlformats.org/presentationml/2006/main">
   <p:cSld>
     <p:spTree>
@@ -7048,7 +6342,7 @@
 </p:sld>
 </file>
 
-<file path=ppt/slides/slide6.xml><?xml version="1.0" encoding="utf-8"?>
+<file path=ppt/slides/slide5.xml><?xml version="1.0" encoding="utf-8"?>
 <p:sld xmlns:a="http://schemas.openxmlformats.org/drawingml/2006/main" xmlns:r="http://schemas.openxmlformats.org/officeDocument/2006/relationships" xmlns:p="http://schemas.openxmlformats.org/presentationml/2006/main">
   <p:cSld>
     <p:spTree>
@@ -7264,7 +6558,7 @@
 </p:sld>
 </file>
 
-<file path=ppt/slides/slide7.xml><?xml version="1.0" encoding="utf-8"?>
+<file path=ppt/slides/slide6.xml><?xml version="1.0" encoding="utf-8"?>
 <p:sld xmlns:a="http://schemas.openxmlformats.org/drawingml/2006/main" xmlns:r="http://schemas.openxmlformats.org/officeDocument/2006/relationships" xmlns:p="http://schemas.openxmlformats.org/presentationml/2006/main">
   <p:cSld>
     <p:spTree>
@@ -7459,7 +6753,7 @@
 </p:sld>
 </file>
 
-<file path=ppt/slides/slide8.xml><?xml version="1.0" encoding="utf-8"?>
+<file path=ppt/slides/slide7.xml><?xml version="1.0" encoding="utf-8"?>
 <p:sld xmlns:a="http://schemas.openxmlformats.org/drawingml/2006/main" xmlns:r="http://schemas.openxmlformats.org/officeDocument/2006/relationships" xmlns:p="http://schemas.openxmlformats.org/presentationml/2006/main">
   <p:cSld>
     <p:spTree>
@@ -7631,6 +6925,1072 @@
 </p:sld>
 </file>
 
+<file path=ppt/slides/slide8.xml><?xml version="1.0" encoding="utf-8"?>
+<p:sld xmlns:a="http://schemas.openxmlformats.org/drawingml/2006/main" xmlns:r="http://schemas.openxmlformats.org/officeDocument/2006/relationships" xmlns:p="http://schemas.openxmlformats.org/presentationml/2006/main">
+  <p:cSld>
+    <p:spTree>
+      <p:nvGrpSpPr>
+        <p:cNvPr id="1" name=""/>
+        <p:cNvGrpSpPr/>
+        <p:nvPr/>
+      </p:nvGrpSpPr>
+      <p:grpSpPr>
+        <a:xfrm>
+          <a:off x="0" y="0"/>
+          <a:ext cx="0" cy="0"/>
+          <a:chOff x="0" y="0"/>
+          <a:chExt cx="0" cy="0"/>
+        </a:xfrm>
+      </p:grpSpPr>
+      <p:sp>
+        <p:nvSpPr>
+          <p:cNvPr id="2" name="Título 1">
+            <a:extLst>
+              <a:ext uri="{FF2B5EF4-FFF2-40B4-BE49-F238E27FC236}">
+                <a16:creationId xmlns:a16="http://schemas.microsoft.com/office/drawing/2014/main" id="{E27459C6-0D6B-40E3-9327-CD4E2418E883}"/>
+              </a:ext>
+            </a:extLst>
+          </p:cNvPr>
+          <p:cNvSpPr>
+            <a:spLocks noGrp="1"/>
+          </p:cNvSpPr>
+          <p:nvPr>
+            <p:ph type="title"/>
+          </p:nvPr>
+        </p:nvSpPr>
+        <p:spPr>
+          <a:xfrm>
+            <a:off x="1269876" y="271258"/>
+            <a:ext cx="10585176" cy="1066800"/>
+          </a:xfrm>
+        </p:spPr>
+        <p:txBody>
+          <a:bodyPr>
+            <a:normAutofit/>
+          </a:bodyPr>
+          <a:lstStyle/>
+          <a:p>
+            <a:pPr algn="ctr"/>
+            <a:r>
+              <a:rPr lang="es-ES" dirty="0"/>
+              <a:t>Comparativa de funciones entre varias bibliotecas de algebra lineal</a:t>
+            </a:r>
+          </a:p>
+        </p:txBody>
+      </p:sp>
+      <p:pic>
+        <p:nvPicPr>
+          <p:cNvPr id="4" name="Imagen 3">
+            <a:extLst>
+              <a:ext uri="{FF2B5EF4-FFF2-40B4-BE49-F238E27FC236}">
+                <a16:creationId xmlns:a16="http://schemas.microsoft.com/office/drawing/2014/main" id="{8864F4D3-DA6C-4F18-AE4D-0A0397D7F655}"/>
+              </a:ext>
+            </a:extLst>
+          </p:cNvPr>
+          <p:cNvPicPr>
+            <a:picLocks noChangeAspect="1"/>
+          </p:cNvPicPr>
+          <p:nvPr/>
+        </p:nvPicPr>
+        <p:blipFill>
+          <a:blip r:embed="rId2"/>
+          <a:stretch>
+            <a:fillRect/>
+          </a:stretch>
+        </p:blipFill>
+        <p:spPr>
+          <a:xfrm>
+            <a:off x="5230317" y="1916832"/>
+            <a:ext cx="6752492" cy="3960440"/>
+          </a:xfrm>
+          <a:prstGeom prst="rect">
+            <a:avLst/>
+          </a:prstGeom>
+        </p:spPr>
+      </p:pic>
+      <p:sp>
+        <p:nvSpPr>
+          <p:cNvPr id="5" name="Rectángulo 4">
+            <a:extLst>
+              <a:ext uri="{FF2B5EF4-FFF2-40B4-BE49-F238E27FC236}">
+                <a16:creationId xmlns:a16="http://schemas.microsoft.com/office/drawing/2014/main" id="{A454AD10-A6B9-4BAF-AB5A-2F05DEA07154}"/>
+              </a:ext>
+            </a:extLst>
+          </p:cNvPr>
+          <p:cNvSpPr/>
+          <p:nvPr/>
+        </p:nvSpPr>
+        <p:spPr>
+          <a:xfrm>
+            <a:off x="261764" y="1204007"/>
+            <a:ext cx="4968553" cy="5386090"/>
+          </a:xfrm>
+          <a:prstGeom prst="rect">
+            <a:avLst/>
+          </a:prstGeom>
+        </p:spPr>
+        <p:txBody>
+          <a:bodyPr wrap="square">
+            <a:spAutoFit/>
+          </a:bodyPr>
+          <a:lstStyle/>
+          <a:p>
+            <a:r>
+              <a:rPr lang="es-ES" b="1" dirty="0">
+                <a:solidFill>
+                  <a:srgbClr val="000000"/>
+                </a:solidFill>
+                <a:latin typeface="Arial" panose="020B0604020202020204" pitchFamily="34" charset="0"/>
+              </a:rPr>
+              <a:t>Matrix </a:t>
+            </a:r>
+            <a:r>
+              <a:rPr lang="es-ES" b="1" dirty="0" err="1">
+                <a:solidFill>
+                  <a:srgbClr val="000000"/>
+                </a:solidFill>
+                <a:latin typeface="Arial" panose="020B0604020202020204" pitchFamily="34" charset="0"/>
+              </a:rPr>
+              <a:t>types</a:t>
+            </a:r>
+            <a:r>
+              <a:rPr lang="es-ES" b="1" dirty="0">
+                <a:solidFill>
+                  <a:srgbClr val="000000"/>
+                </a:solidFill>
+                <a:latin typeface="Arial" panose="020B0604020202020204" pitchFamily="34" charset="0"/>
+              </a:rPr>
+              <a:t> and </a:t>
+            </a:r>
+            <a:r>
+              <a:rPr lang="es-ES" b="1" dirty="0" err="1">
+                <a:solidFill>
+                  <a:srgbClr val="000000"/>
+                </a:solidFill>
+                <a:latin typeface="Arial" panose="020B0604020202020204" pitchFamily="34" charset="0"/>
+              </a:rPr>
+              <a:t>operations</a:t>
+            </a:r>
+            <a:endParaRPr lang="es-ES" b="1" dirty="0">
+              <a:solidFill>
+                <a:srgbClr val="000000"/>
+              </a:solidFill>
+              <a:latin typeface="Arial" panose="020B0604020202020204" pitchFamily="34" charset="0"/>
+            </a:endParaRPr>
+          </a:p>
+          <a:p>
+            <a:endParaRPr lang="es-ES" b="1" i="1" dirty="0">
+              <a:solidFill>
+                <a:srgbClr val="000000"/>
+              </a:solidFill>
+              <a:latin typeface="Arial" panose="020B0604020202020204" pitchFamily="34" charset="0"/>
+            </a:endParaRPr>
+          </a:p>
+          <a:p>
+            <a:pPr marL="285750" indent="-285750">
+              <a:buFont typeface="Arial" panose="020B0604020202020204" pitchFamily="34" charset="0"/>
+              <a:buChar char="•"/>
+            </a:pPr>
+            <a:r>
+              <a:rPr lang="es-ES" i="1" dirty="0">
+                <a:solidFill>
+                  <a:srgbClr val="222222"/>
+                </a:solidFill>
+                <a:latin typeface="Arial" panose="020B0604020202020204" pitchFamily="34" charset="0"/>
+              </a:rPr>
+              <a:t>Real</a:t>
+            </a:r>
+            <a:r>
+              <a:rPr lang="es-ES" dirty="0">
+                <a:solidFill>
+                  <a:srgbClr val="222222"/>
+                </a:solidFill>
+                <a:latin typeface="Arial" panose="020B0604020202020204" pitchFamily="34" charset="0"/>
+              </a:rPr>
+              <a:t> - general (</a:t>
+            </a:r>
+            <a:r>
+              <a:rPr lang="es-ES" dirty="0" err="1">
+                <a:solidFill>
+                  <a:srgbClr val="222222"/>
+                </a:solidFill>
+                <a:latin typeface="Arial" panose="020B0604020202020204" pitchFamily="34" charset="0"/>
+              </a:rPr>
+              <a:t>nonsymmetric</a:t>
+            </a:r>
+            <a:r>
+              <a:rPr lang="es-ES" dirty="0">
+                <a:solidFill>
+                  <a:srgbClr val="222222"/>
+                </a:solidFill>
+                <a:latin typeface="Arial" panose="020B0604020202020204" pitchFamily="34" charset="0"/>
+              </a:rPr>
+              <a:t>) real</a:t>
+            </a:r>
+          </a:p>
+          <a:p>
+            <a:pPr marL="285750" indent="-285750">
+              <a:buFont typeface="Arial" panose="020B0604020202020204" pitchFamily="34" charset="0"/>
+              <a:buChar char="•"/>
+            </a:pPr>
+            <a:r>
+              <a:rPr lang="es-ES" i="1" dirty="0" err="1">
+                <a:solidFill>
+                  <a:srgbClr val="222222"/>
+                </a:solidFill>
+                <a:latin typeface="Arial" panose="020B0604020202020204" pitchFamily="34" charset="0"/>
+              </a:rPr>
+              <a:t>Complex</a:t>
+            </a:r>
+            <a:r>
+              <a:rPr lang="es-ES" dirty="0">
+                <a:solidFill>
+                  <a:srgbClr val="222222"/>
+                </a:solidFill>
+                <a:latin typeface="Arial" panose="020B0604020202020204" pitchFamily="34" charset="0"/>
+              </a:rPr>
+              <a:t> - general (</a:t>
+            </a:r>
+            <a:r>
+              <a:rPr lang="es-ES" dirty="0" err="1">
+                <a:solidFill>
+                  <a:srgbClr val="222222"/>
+                </a:solidFill>
+                <a:latin typeface="Arial" panose="020B0604020202020204" pitchFamily="34" charset="0"/>
+              </a:rPr>
+              <a:t>nonsymmetric</a:t>
+            </a:r>
+            <a:r>
+              <a:rPr lang="es-ES" dirty="0">
+                <a:solidFill>
+                  <a:srgbClr val="222222"/>
+                </a:solidFill>
+                <a:latin typeface="Arial" panose="020B0604020202020204" pitchFamily="34" charset="0"/>
+              </a:rPr>
+              <a:t>) </a:t>
+            </a:r>
+            <a:r>
+              <a:rPr lang="es-ES" dirty="0" err="1">
+                <a:solidFill>
+                  <a:srgbClr val="222222"/>
+                </a:solidFill>
+                <a:latin typeface="Arial" panose="020B0604020202020204" pitchFamily="34" charset="0"/>
+              </a:rPr>
+              <a:t>complex</a:t>
+            </a:r>
+            <a:endParaRPr lang="es-ES" dirty="0">
+              <a:solidFill>
+                <a:srgbClr val="222222"/>
+              </a:solidFill>
+              <a:latin typeface="Arial" panose="020B0604020202020204" pitchFamily="34" charset="0"/>
+            </a:endParaRPr>
+          </a:p>
+          <a:p>
+            <a:pPr marL="285750" indent="-285750">
+              <a:buFont typeface="Arial" panose="020B0604020202020204" pitchFamily="34" charset="0"/>
+              <a:buChar char="•"/>
+            </a:pPr>
+            <a:r>
+              <a:rPr lang="es-ES" i="1" dirty="0">
+                <a:solidFill>
+                  <a:srgbClr val="222222"/>
+                </a:solidFill>
+                <a:latin typeface="Arial" panose="020B0604020202020204" pitchFamily="34" charset="0"/>
+              </a:rPr>
+              <a:t>SPD</a:t>
+            </a:r>
+            <a:r>
+              <a:rPr lang="es-ES" dirty="0">
+                <a:solidFill>
+                  <a:srgbClr val="222222"/>
+                </a:solidFill>
+                <a:latin typeface="Arial" panose="020B0604020202020204" pitchFamily="34" charset="0"/>
+              </a:rPr>
+              <a:t> - </a:t>
+            </a:r>
+            <a:r>
+              <a:rPr lang="es-ES" dirty="0" err="1">
+                <a:solidFill>
+                  <a:srgbClr val="222222"/>
+                </a:solidFill>
+                <a:latin typeface="Arial" panose="020B0604020202020204" pitchFamily="34" charset="0"/>
+              </a:rPr>
+              <a:t>symmetric</a:t>
+            </a:r>
+            <a:r>
+              <a:rPr lang="es-ES" dirty="0">
+                <a:solidFill>
+                  <a:srgbClr val="222222"/>
+                </a:solidFill>
+                <a:latin typeface="Arial" panose="020B0604020202020204" pitchFamily="34" charset="0"/>
+              </a:rPr>
+              <a:t> positive </a:t>
+            </a:r>
+            <a:r>
+              <a:rPr lang="es-ES" dirty="0" err="1">
+                <a:solidFill>
+                  <a:srgbClr val="222222"/>
+                </a:solidFill>
+                <a:latin typeface="Arial" panose="020B0604020202020204" pitchFamily="34" charset="0"/>
+              </a:rPr>
+              <a:t>definite</a:t>
+            </a:r>
+            <a:r>
+              <a:rPr lang="es-ES" dirty="0">
+                <a:solidFill>
+                  <a:srgbClr val="222222"/>
+                </a:solidFill>
+                <a:latin typeface="Arial" panose="020B0604020202020204" pitchFamily="34" charset="0"/>
+              </a:rPr>
+              <a:t> (real)</a:t>
+            </a:r>
+          </a:p>
+          <a:p>
+            <a:pPr marL="285750" indent="-285750">
+              <a:buFont typeface="Arial" panose="020B0604020202020204" pitchFamily="34" charset="0"/>
+              <a:buChar char="•"/>
+            </a:pPr>
+            <a:r>
+              <a:rPr lang="es-ES" i="1" dirty="0">
+                <a:solidFill>
+                  <a:srgbClr val="222222"/>
+                </a:solidFill>
+                <a:latin typeface="Arial" panose="020B0604020202020204" pitchFamily="34" charset="0"/>
+              </a:rPr>
+              <a:t>HPD</a:t>
+            </a:r>
+            <a:r>
+              <a:rPr lang="es-ES" dirty="0">
+                <a:solidFill>
+                  <a:srgbClr val="222222"/>
+                </a:solidFill>
+                <a:latin typeface="Arial" panose="020B0604020202020204" pitchFamily="34" charset="0"/>
+              </a:rPr>
+              <a:t> - </a:t>
+            </a:r>
+            <a:r>
+              <a:rPr lang="es-ES" dirty="0" err="1">
+                <a:solidFill>
+                  <a:srgbClr val="222222"/>
+                </a:solidFill>
+                <a:latin typeface="Arial" panose="020B0604020202020204" pitchFamily="34" charset="0"/>
+              </a:rPr>
+              <a:t>Hermitian</a:t>
+            </a:r>
+            <a:r>
+              <a:rPr lang="es-ES" dirty="0">
+                <a:solidFill>
+                  <a:srgbClr val="222222"/>
+                </a:solidFill>
+                <a:latin typeface="Arial" panose="020B0604020202020204" pitchFamily="34" charset="0"/>
+              </a:rPr>
+              <a:t> positive </a:t>
+            </a:r>
+            <a:r>
+              <a:rPr lang="es-ES" dirty="0" err="1">
+                <a:solidFill>
+                  <a:srgbClr val="222222"/>
+                </a:solidFill>
+                <a:latin typeface="Arial" panose="020B0604020202020204" pitchFamily="34" charset="0"/>
+              </a:rPr>
+              <a:t>definite</a:t>
+            </a:r>
+            <a:r>
+              <a:rPr lang="es-ES" dirty="0">
+                <a:solidFill>
+                  <a:srgbClr val="222222"/>
+                </a:solidFill>
+                <a:latin typeface="Arial" panose="020B0604020202020204" pitchFamily="34" charset="0"/>
+              </a:rPr>
+              <a:t> (</a:t>
+            </a:r>
+            <a:r>
+              <a:rPr lang="es-ES" dirty="0" err="1">
+                <a:solidFill>
+                  <a:srgbClr val="222222"/>
+                </a:solidFill>
+                <a:latin typeface="Arial" panose="020B0604020202020204" pitchFamily="34" charset="0"/>
+              </a:rPr>
+              <a:t>complex</a:t>
+            </a:r>
+            <a:r>
+              <a:rPr lang="es-ES" dirty="0">
+                <a:solidFill>
+                  <a:srgbClr val="222222"/>
+                </a:solidFill>
+                <a:latin typeface="Arial" panose="020B0604020202020204" pitchFamily="34" charset="0"/>
+              </a:rPr>
+              <a:t>)</a:t>
+            </a:r>
+          </a:p>
+          <a:p>
+            <a:pPr marL="285750" indent="-285750">
+              <a:buFont typeface="Arial" panose="020B0604020202020204" pitchFamily="34" charset="0"/>
+              <a:buChar char="•"/>
+            </a:pPr>
+            <a:r>
+              <a:rPr lang="es-ES" i="1" dirty="0">
+                <a:solidFill>
+                  <a:srgbClr val="222222"/>
+                </a:solidFill>
+                <a:latin typeface="Arial" panose="020B0604020202020204" pitchFamily="34" charset="0"/>
+              </a:rPr>
+              <a:t>SY</a:t>
+            </a:r>
+            <a:r>
+              <a:rPr lang="es-ES" dirty="0">
+                <a:solidFill>
+                  <a:srgbClr val="222222"/>
+                </a:solidFill>
+                <a:latin typeface="Arial" panose="020B0604020202020204" pitchFamily="34" charset="0"/>
+              </a:rPr>
+              <a:t> - </a:t>
+            </a:r>
+            <a:r>
+              <a:rPr lang="es-ES" dirty="0" err="1">
+                <a:solidFill>
+                  <a:srgbClr val="222222"/>
+                </a:solidFill>
+                <a:latin typeface="Arial" panose="020B0604020202020204" pitchFamily="34" charset="0"/>
+              </a:rPr>
+              <a:t>symmetric</a:t>
+            </a:r>
+            <a:r>
+              <a:rPr lang="es-ES" dirty="0">
+                <a:solidFill>
+                  <a:srgbClr val="222222"/>
+                </a:solidFill>
+                <a:latin typeface="Arial" panose="020B0604020202020204" pitchFamily="34" charset="0"/>
+              </a:rPr>
+              <a:t> (real)</a:t>
+            </a:r>
+          </a:p>
+          <a:p>
+            <a:pPr marL="285750" indent="-285750">
+              <a:buFont typeface="Arial" panose="020B0604020202020204" pitchFamily="34" charset="0"/>
+              <a:buChar char="•"/>
+            </a:pPr>
+            <a:r>
+              <a:rPr lang="es-ES" i="1" dirty="0">
+                <a:solidFill>
+                  <a:srgbClr val="222222"/>
+                </a:solidFill>
+                <a:latin typeface="Arial" panose="020B0604020202020204" pitchFamily="34" charset="0"/>
+              </a:rPr>
+              <a:t>HE</a:t>
+            </a:r>
+            <a:r>
+              <a:rPr lang="es-ES" dirty="0">
+                <a:solidFill>
+                  <a:srgbClr val="222222"/>
+                </a:solidFill>
+                <a:latin typeface="Arial" panose="020B0604020202020204" pitchFamily="34" charset="0"/>
+              </a:rPr>
+              <a:t> - </a:t>
+            </a:r>
+            <a:r>
+              <a:rPr lang="es-ES" dirty="0" err="1">
+                <a:solidFill>
+                  <a:srgbClr val="222222"/>
+                </a:solidFill>
+                <a:latin typeface="Arial" panose="020B0604020202020204" pitchFamily="34" charset="0"/>
+              </a:rPr>
+              <a:t>Hermitian</a:t>
+            </a:r>
+            <a:r>
+              <a:rPr lang="es-ES" dirty="0">
+                <a:solidFill>
+                  <a:srgbClr val="222222"/>
+                </a:solidFill>
+                <a:latin typeface="Arial" panose="020B0604020202020204" pitchFamily="34" charset="0"/>
+              </a:rPr>
+              <a:t> (</a:t>
+            </a:r>
+            <a:r>
+              <a:rPr lang="es-ES" dirty="0" err="1">
+                <a:solidFill>
+                  <a:srgbClr val="222222"/>
+                </a:solidFill>
+                <a:latin typeface="Arial" panose="020B0604020202020204" pitchFamily="34" charset="0"/>
+              </a:rPr>
+              <a:t>complex</a:t>
+            </a:r>
+            <a:r>
+              <a:rPr lang="es-ES" dirty="0">
+                <a:solidFill>
+                  <a:srgbClr val="222222"/>
+                </a:solidFill>
+                <a:latin typeface="Arial" panose="020B0604020202020204" pitchFamily="34" charset="0"/>
+              </a:rPr>
+              <a:t>)</a:t>
+            </a:r>
+          </a:p>
+          <a:p>
+            <a:pPr marL="285750" indent="-285750">
+              <a:buFont typeface="Arial" panose="020B0604020202020204" pitchFamily="34" charset="0"/>
+              <a:buChar char="•"/>
+            </a:pPr>
+            <a:r>
+              <a:rPr lang="es-ES" i="1" dirty="0">
+                <a:solidFill>
+                  <a:srgbClr val="222222"/>
+                </a:solidFill>
+                <a:latin typeface="Arial" panose="020B0604020202020204" pitchFamily="34" charset="0"/>
+              </a:rPr>
+              <a:t>BND</a:t>
+            </a:r>
+            <a:r>
+              <a:rPr lang="es-ES" dirty="0">
+                <a:solidFill>
+                  <a:srgbClr val="222222"/>
+                </a:solidFill>
+                <a:latin typeface="Arial" panose="020B0604020202020204" pitchFamily="34" charset="0"/>
+              </a:rPr>
+              <a:t> - band</a:t>
+            </a:r>
+          </a:p>
+          <a:p>
+            <a:pPr marL="285750" indent="-285750">
+              <a:buFont typeface="Arial" panose="020B0604020202020204" pitchFamily="34" charset="0"/>
+              <a:buChar char="•"/>
+            </a:pPr>
+            <a:endParaRPr lang="es-ES" dirty="0">
+              <a:solidFill>
+                <a:srgbClr val="222222"/>
+              </a:solidFill>
+              <a:latin typeface="Arial" panose="020B0604020202020204" pitchFamily="34" charset="0"/>
+            </a:endParaRPr>
+          </a:p>
+          <a:p>
+            <a:r>
+              <a:rPr lang="es-ES" sz="2000" b="1" u="sng" dirty="0" err="1">
+                <a:solidFill>
+                  <a:srgbClr val="222222"/>
+                </a:solidFill>
+                <a:latin typeface="Arial" panose="020B0604020202020204" pitchFamily="34" charset="0"/>
+              </a:rPr>
+              <a:t>Operations</a:t>
+            </a:r>
+            <a:r>
+              <a:rPr lang="es-ES" sz="2000" b="1" u="sng" dirty="0">
+                <a:solidFill>
+                  <a:srgbClr val="222222"/>
+                </a:solidFill>
+                <a:latin typeface="Arial" panose="020B0604020202020204" pitchFamily="34" charset="0"/>
+              </a:rPr>
+              <a:t>:</a:t>
+            </a:r>
+          </a:p>
+          <a:p>
+            <a:endParaRPr lang="es-ES" dirty="0">
+              <a:solidFill>
+                <a:srgbClr val="222222"/>
+              </a:solidFill>
+              <a:latin typeface="Arial" panose="020B0604020202020204" pitchFamily="34" charset="0"/>
+            </a:endParaRPr>
+          </a:p>
+          <a:p>
+            <a:pPr marL="285750" indent="-285750">
+              <a:buFont typeface="Arial" panose="020B0604020202020204" pitchFamily="34" charset="0"/>
+              <a:buChar char="•"/>
+            </a:pPr>
+            <a:r>
+              <a:rPr lang="es-ES" i="1" dirty="0">
+                <a:solidFill>
+                  <a:srgbClr val="222222"/>
+                </a:solidFill>
+                <a:latin typeface="Arial" panose="020B0604020202020204" pitchFamily="34" charset="0"/>
+              </a:rPr>
+              <a:t>TF</a:t>
+            </a:r>
+            <a:r>
+              <a:rPr lang="es-ES" dirty="0">
+                <a:solidFill>
+                  <a:srgbClr val="222222"/>
+                </a:solidFill>
+                <a:latin typeface="Arial" panose="020B0604020202020204" pitchFamily="34" charset="0"/>
+              </a:rPr>
+              <a:t> - triangular </a:t>
+            </a:r>
+            <a:r>
+              <a:rPr lang="es-ES" dirty="0" err="1">
+                <a:solidFill>
+                  <a:srgbClr val="222222"/>
+                </a:solidFill>
+                <a:latin typeface="Arial" panose="020B0604020202020204" pitchFamily="34" charset="0"/>
+              </a:rPr>
+              <a:t>factorizations</a:t>
+            </a:r>
+            <a:r>
+              <a:rPr lang="es-ES" dirty="0">
+                <a:solidFill>
+                  <a:srgbClr val="222222"/>
+                </a:solidFill>
+                <a:latin typeface="Arial" panose="020B0604020202020204" pitchFamily="34" charset="0"/>
+              </a:rPr>
+              <a:t> (LU, </a:t>
+            </a:r>
+            <a:r>
+              <a:rPr lang="es-ES" dirty="0" err="1">
+                <a:solidFill>
+                  <a:srgbClr val="222222"/>
+                </a:solidFill>
+                <a:latin typeface="Arial" panose="020B0604020202020204" pitchFamily="34" charset="0"/>
+              </a:rPr>
+              <a:t>Cholesky</a:t>
+            </a:r>
+            <a:r>
+              <a:rPr lang="es-ES" dirty="0">
+                <a:solidFill>
+                  <a:srgbClr val="222222"/>
+                </a:solidFill>
+                <a:latin typeface="Arial" panose="020B0604020202020204" pitchFamily="34" charset="0"/>
+              </a:rPr>
+              <a:t>)</a:t>
+            </a:r>
+          </a:p>
+          <a:p>
+            <a:pPr marL="285750" indent="-285750">
+              <a:buFont typeface="Arial" panose="020B0604020202020204" pitchFamily="34" charset="0"/>
+              <a:buChar char="•"/>
+            </a:pPr>
+            <a:r>
+              <a:rPr lang="es-ES" i="1" dirty="0">
+                <a:solidFill>
+                  <a:srgbClr val="222222"/>
+                </a:solidFill>
+                <a:latin typeface="Arial" panose="020B0604020202020204" pitchFamily="34" charset="0"/>
+              </a:rPr>
+              <a:t>OF</a:t>
+            </a:r>
+            <a:r>
+              <a:rPr lang="es-ES" dirty="0">
+                <a:solidFill>
+                  <a:srgbClr val="222222"/>
+                </a:solidFill>
+                <a:latin typeface="Arial" panose="020B0604020202020204" pitchFamily="34" charset="0"/>
+              </a:rPr>
+              <a:t> - </a:t>
+            </a:r>
+            <a:r>
+              <a:rPr lang="es-ES" dirty="0" err="1">
+                <a:solidFill>
+                  <a:srgbClr val="222222"/>
+                </a:solidFill>
+                <a:latin typeface="Arial" panose="020B0604020202020204" pitchFamily="34" charset="0"/>
+              </a:rPr>
+              <a:t>orthogonal</a:t>
+            </a:r>
+            <a:r>
+              <a:rPr lang="es-ES" dirty="0">
+                <a:solidFill>
+                  <a:srgbClr val="222222"/>
+                </a:solidFill>
+                <a:latin typeface="Arial" panose="020B0604020202020204" pitchFamily="34" charset="0"/>
+              </a:rPr>
+              <a:t> </a:t>
+            </a:r>
+            <a:r>
+              <a:rPr lang="es-ES" dirty="0" err="1">
+                <a:solidFill>
+                  <a:srgbClr val="222222"/>
+                </a:solidFill>
+                <a:latin typeface="Arial" panose="020B0604020202020204" pitchFamily="34" charset="0"/>
+              </a:rPr>
+              <a:t>factorizations</a:t>
+            </a:r>
+            <a:r>
+              <a:rPr lang="es-ES" dirty="0">
+                <a:solidFill>
+                  <a:srgbClr val="222222"/>
+                </a:solidFill>
+                <a:latin typeface="Arial" panose="020B0604020202020204" pitchFamily="34" charset="0"/>
+              </a:rPr>
+              <a:t> (QR, QL, </a:t>
+            </a:r>
+            <a:r>
+              <a:rPr lang="es-ES" dirty="0" err="1">
+                <a:solidFill>
+                  <a:srgbClr val="222222"/>
+                </a:solidFill>
+                <a:latin typeface="Arial" panose="020B0604020202020204" pitchFamily="34" charset="0"/>
+              </a:rPr>
+              <a:t>generalized</a:t>
+            </a:r>
+            <a:r>
+              <a:rPr lang="es-ES" dirty="0">
+                <a:solidFill>
+                  <a:srgbClr val="222222"/>
+                </a:solidFill>
+                <a:latin typeface="Arial" panose="020B0604020202020204" pitchFamily="34" charset="0"/>
+              </a:rPr>
+              <a:t> </a:t>
+            </a:r>
+            <a:r>
+              <a:rPr lang="es-ES" dirty="0" err="1">
+                <a:solidFill>
+                  <a:srgbClr val="222222"/>
+                </a:solidFill>
+                <a:latin typeface="Arial" panose="020B0604020202020204" pitchFamily="34" charset="0"/>
+              </a:rPr>
+              <a:t>factorizations</a:t>
+            </a:r>
+            <a:r>
+              <a:rPr lang="es-ES" dirty="0">
+                <a:solidFill>
+                  <a:srgbClr val="222222"/>
+                </a:solidFill>
+                <a:latin typeface="Arial" panose="020B0604020202020204" pitchFamily="34" charset="0"/>
+              </a:rPr>
+              <a:t>)</a:t>
+            </a:r>
+          </a:p>
+          <a:p>
+            <a:pPr marL="285750" indent="-285750">
+              <a:buFont typeface="Arial" panose="020B0604020202020204" pitchFamily="34" charset="0"/>
+              <a:buChar char="•"/>
+            </a:pPr>
+            <a:r>
+              <a:rPr lang="es-ES" i="1" dirty="0">
+                <a:solidFill>
+                  <a:srgbClr val="222222"/>
+                </a:solidFill>
+                <a:latin typeface="Arial" panose="020B0604020202020204" pitchFamily="34" charset="0"/>
+              </a:rPr>
+              <a:t>EVD</a:t>
+            </a:r>
+            <a:r>
+              <a:rPr lang="es-ES" dirty="0">
+                <a:solidFill>
+                  <a:srgbClr val="222222"/>
+                </a:solidFill>
+                <a:latin typeface="Arial" panose="020B0604020202020204" pitchFamily="34" charset="0"/>
+              </a:rPr>
+              <a:t> - </a:t>
+            </a:r>
+            <a:r>
+              <a:rPr lang="es-ES" dirty="0" err="1">
+                <a:solidFill>
+                  <a:srgbClr val="222222"/>
+                </a:solidFill>
+                <a:latin typeface="Arial" panose="020B0604020202020204" pitchFamily="34" charset="0"/>
+              </a:rPr>
+              <a:t>eigenproblems</a:t>
+            </a:r>
+            <a:endParaRPr lang="es-ES" dirty="0">
+              <a:solidFill>
+                <a:srgbClr val="222222"/>
+              </a:solidFill>
+              <a:latin typeface="Arial" panose="020B0604020202020204" pitchFamily="34" charset="0"/>
+            </a:endParaRPr>
+          </a:p>
+          <a:p>
+            <a:pPr marL="285750" indent="-285750">
+              <a:buFont typeface="Arial" panose="020B0604020202020204" pitchFamily="34" charset="0"/>
+              <a:buChar char="•"/>
+            </a:pPr>
+            <a:r>
+              <a:rPr lang="es-ES" i="1" dirty="0">
+                <a:solidFill>
+                  <a:srgbClr val="222222"/>
+                </a:solidFill>
+                <a:latin typeface="Arial" panose="020B0604020202020204" pitchFamily="34" charset="0"/>
+              </a:rPr>
+              <a:t>SVD</a:t>
+            </a:r>
+            <a:r>
+              <a:rPr lang="es-ES" dirty="0">
+                <a:solidFill>
+                  <a:srgbClr val="222222"/>
+                </a:solidFill>
+                <a:latin typeface="Arial" panose="020B0604020202020204" pitchFamily="34" charset="0"/>
+              </a:rPr>
+              <a:t> - singular </a:t>
+            </a:r>
+            <a:r>
+              <a:rPr lang="es-ES" dirty="0" err="1">
+                <a:solidFill>
+                  <a:srgbClr val="222222"/>
+                </a:solidFill>
+                <a:latin typeface="Arial" panose="020B0604020202020204" pitchFamily="34" charset="0"/>
+              </a:rPr>
+              <a:t>value</a:t>
+            </a:r>
+            <a:r>
+              <a:rPr lang="es-ES" dirty="0">
+                <a:solidFill>
+                  <a:srgbClr val="222222"/>
+                </a:solidFill>
+                <a:latin typeface="Arial" panose="020B0604020202020204" pitchFamily="34" charset="0"/>
+              </a:rPr>
+              <a:t> </a:t>
+            </a:r>
+            <a:r>
+              <a:rPr lang="es-ES" dirty="0" err="1">
+                <a:solidFill>
+                  <a:srgbClr val="222222"/>
+                </a:solidFill>
+                <a:latin typeface="Arial" panose="020B0604020202020204" pitchFamily="34" charset="0"/>
+              </a:rPr>
+              <a:t>decomposition</a:t>
+            </a:r>
+            <a:endParaRPr lang="es-ES" dirty="0">
+              <a:solidFill>
+                <a:srgbClr val="222222"/>
+              </a:solidFill>
+              <a:latin typeface="Arial" panose="020B0604020202020204" pitchFamily="34" charset="0"/>
+            </a:endParaRPr>
+          </a:p>
+          <a:p>
+            <a:pPr marL="285750" indent="-285750">
+              <a:buFont typeface="Arial" panose="020B0604020202020204" pitchFamily="34" charset="0"/>
+              <a:buChar char="•"/>
+            </a:pPr>
+            <a:r>
+              <a:rPr lang="es-ES" i="1" dirty="0">
+                <a:solidFill>
+                  <a:srgbClr val="222222"/>
+                </a:solidFill>
+                <a:latin typeface="Arial" panose="020B0604020202020204" pitchFamily="34" charset="0"/>
+              </a:rPr>
+              <a:t>GEVD</a:t>
+            </a:r>
+            <a:r>
+              <a:rPr lang="es-ES" dirty="0">
+                <a:solidFill>
+                  <a:srgbClr val="222222"/>
+                </a:solidFill>
+                <a:latin typeface="Arial" panose="020B0604020202020204" pitchFamily="34" charset="0"/>
+              </a:rPr>
+              <a:t> - </a:t>
+            </a:r>
+            <a:r>
+              <a:rPr lang="es-ES" dirty="0" err="1">
+                <a:solidFill>
+                  <a:srgbClr val="222222"/>
+                </a:solidFill>
+                <a:latin typeface="Arial" panose="020B0604020202020204" pitchFamily="34" charset="0"/>
+              </a:rPr>
+              <a:t>generalized</a:t>
+            </a:r>
+            <a:r>
+              <a:rPr lang="es-ES" dirty="0">
+                <a:solidFill>
+                  <a:srgbClr val="222222"/>
+                </a:solidFill>
+                <a:latin typeface="Arial" panose="020B0604020202020204" pitchFamily="34" charset="0"/>
+              </a:rPr>
+              <a:t> EVD</a:t>
+            </a:r>
+          </a:p>
+          <a:p>
+            <a:pPr marL="285750" indent="-285750">
+              <a:buFont typeface="Arial" panose="020B0604020202020204" pitchFamily="34" charset="0"/>
+              <a:buChar char="•"/>
+            </a:pPr>
+            <a:r>
+              <a:rPr lang="es-ES" i="1" dirty="0">
+                <a:solidFill>
+                  <a:srgbClr val="222222"/>
+                </a:solidFill>
+                <a:latin typeface="Arial" panose="020B0604020202020204" pitchFamily="34" charset="0"/>
+              </a:rPr>
+              <a:t>GSVD</a:t>
+            </a:r>
+            <a:r>
+              <a:rPr lang="es-ES" dirty="0">
+                <a:solidFill>
+                  <a:srgbClr val="222222"/>
+                </a:solidFill>
+                <a:latin typeface="Arial" panose="020B0604020202020204" pitchFamily="34" charset="0"/>
+              </a:rPr>
+              <a:t> - </a:t>
+            </a:r>
+            <a:r>
+              <a:rPr lang="es-ES" dirty="0" err="1">
+                <a:solidFill>
+                  <a:srgbClr val="222222"/>
+                </a:solidFill>
+                <a:latin typeface="Arial" panose="020B0604020202020204" pitchFamily="34" charset="0"/>
+              </a:rPr>
+              <a:t>generalized</a:t>
+            </a:r>
+            <a:r>
+              <a:rPr lang="es-ES" dirty="0">
+                <a:solidFill>
+                  <a:srgbClr val="222222"/>
+                </a:solidFill>
+                <a:latin typeface="Arial" panose="020B0604020202020204" pitchFamily="34" charset="0"/>
+              </a:rPr>
+              <a:t> SVD</a:t>
+            </a:r>
+            <a:endParaRPr lang="es-ES" b="0" i="0" dirty="0">
+              <a:solidFill>
+                <a:srgbClr val="222222"/>
+              </a:solidFill>
+              <a:effectLst/>
+              <a:latin typeface="Arial" panose="020B0604020202020204" pitchFamily="34" charset="0"/>
+            </a:endParaRPr>
+          </a:p>
+        </p:txBody>
+      </p:sp>
+      <p:sp>
+        <p:nvSpPr>
+          <p:cNvPr id="6" name="Elipse 5">
+            <a:extLst>
+              <a:ext uri="{FF2B5EF4-FFF2-40B4-BE49-F238E27FC236}">
+                <a16:creationId xmlns:a16="http://schemas.microsoft.com/office/drawing/2014/main" id="{E6EAB6B6-BFE6-4A3B-ADCC-A79C0D354213}"/>
+              </a:ext>
+            </a:extLst>
+          </p:cNvPr>
+          <p:cNvSpPr/>
+          <p:nvPr/>
+        </p:nvSpPr>
+        <p:spPr>
+          <a:xfrm>
+            <a:off x="5698368" y="4005064"/>
+            <a:ext cx="720080" cy="288032"/>
+          </a:xfrm>
+          <a:prstGeom prst="ellipse">
+            <a:avLst/>
+          </a:prstGeom>
+          <a:noFill/>
+          <a:ln>
+            <a:solidFill>
+              <a:srgbClr val="FF0000"/>
+            </a:solidFill>
+          </a:ln>
+        </p:spPr>
+        <p:style>
+          <a:lnRef idx="2">
+            <a:schemeClr val="dk1"/>
+          </a:lnRef>
+          <a:fillRef idx="1">
+            <a:schemeClr val="lt1"/>
+          </a:fillRef>
+          <a:effectRef idx="0">
+            <a:schemeClr val="dk1"/>
+          </a:effectRef>
+          <a:fontRef idx="minor">
+            <a:schemeClr val="dk1"/>
+          </a:fontRef>
+        </p:style>
+        <p:txBody>
+          <a:bodyPr rtlCol="0" anchor="ctr"/>
+          <a:lstStyle/>
+          <a:p>
+            <a:pPr algn="ctr"/>
+            <a:endParaRPr lang="es-ES" dirty="0">
+              <a:solidFill>
+                <a:srgbClr val="FF0000"/>
+              </a:solidFill>
+            </a:endParaRPr>
+          </a:p>
+        </p:txBody>
+      </p:sp>
+      <p:cxnSp>
+        <p:nvCxnSpPr>
+          <p:cNvPr id="9" name="Conector recto de flecha 8">
+            <a:extLst>
+              <a:ext uri="{FF2B5EF4-FFF2-40B4-BE49-F238E27FC236}">
+                <a16:creationId xmlns:a16="http://schemas.microsoft.com/office/drawing/2014/main" id="{FB45939F-A7CF-489C-893A-B217551831E4}"/>
+              </a:ext>
+            </a:extLst>
+          </p:cNvPr>
+          <p:cNvCxnSpPr/>
+          <p:nvPr/>
+        </p:nvCxnSpPr>
+        <p:spPr>
+          <a:xfrm>
+            <a:off x="4366220" y="3933056"/>
+            <a:ext cx="1296144" cy="216024"/>
+          </a:xfrm>
+          <a:prstGeom prst="straightConnector1">
+            <a:avLst/>
+          </a:prstGeom>
+          <a:ln>
+            <a:solidFill>
+              <a:srgbClr val="FF0000"/>
+            </a:solidFill>
+            <a:tailEnd type="triangle"/>
+          </a:ln>
+        </p:spPr>
+        <p:style>
+          <a:lnRef idx="1">
+            <a:schemeClr val="accent1"/>
+          </a:lnRef>
+          <a:fillRef idx="0">
+            <a:schemeClr val="accent1"/>
+          </a:fillRef>
+          <a:effectRef idx="0">
+            <a:schemeClr val="accent1"/>
+          </a:effectRef>
+          <a:fontRef idx="minor">
+            <a:schemeClr val="tx1"/>
+          </a:fontRef>
+        </p:style>
+      </p:cxnSp>
+      <p:pic>
+        <p:nvPicPr>
+          <p:cNvPr id="8" name="Imagen 7">
+            <a:extLst>
+              <a:ext uri="{FF2B5EF4-FFF2-40B4-BE49-F238E27FC236}">
+                <a16:creationId xmlns:a16="http://schemas.microsoft.com/office/drawing/2014/main" id="{BCB71AFC-64CB-664C-A534-BC5D81F4CA5F}"/>
+              </a:ext>
+            </a:extLst>
+          </p:cNvPr>
+          <p:cNvPicPr>
+            <a:picLocks noChangeAspect="1"/>
+          </p:cNvPicPr>
+          <p:nvPr/>
+        </p:nvPicPr>
+        <p:blipFill>
+          <a:blip r:embed="rId3">
+            <a:extLst>
+              <a:ext uri="{28A0092B-C50C-407E-A947-70E740481C1C}">
+                <a14:useLocalDpi xmlns:a14="http://schemas.microsoft.com/office/drawing/2010/main" val="0"/>
+              </a:ext>
+            </a:extLst>
+          </a:blip>
+          <a:stretch>
+            <a:fillRect/>
+          </a:stretch>
+        </p:blipFill>
+        <p:spPr>
+          <a:xfrm>
+            <a:off x="199436" y="189204"/>
+            <a:ext cx="2019582" cy="924054"/>
+          </a:xfrm>
+          <a:prstGeom prst="rect">
+            <a:avLst/>
+          </a:prstGeom>
+        </p:spPr>
+      </p:pic>
+    </p:spTree>
+    <p:extLst>
+      <p:ext uri="{BB962C8B-B14F-4D97-AF65-F5344CB8AC3E}">
+        <p14:creationId xmlns:p14="http://schemas.microsoft.com/office/powerpoint/2010/main" val="47941704"/>
+      </p:ext>
+    </p:extLst>
+  </p:cSld>
+  <p:clrMapOvr>
+    <a:masterClrMapping/>
+  </p:clrMapOvr>
+  <mc:AlternateContent xmlns:mc="http://schemas.openxmlformats.org/markup-compatibility/2006" xmlns:p14="http://schemas.microsoft.com/office/powerpoint/2010/main">
+    <mc:Choice Requires="p14">
+      <p:transition spd="med" p14:dur="700">
+        <p:fade/>
+      </p:transition>
+    </mc:Choice>
+    <mc:Fallback xmlns="">
+      <p:transition spd="med">
+        <p:fade/>
+      </p:transition>
+    </mc:Fallback>
+  </mc:AlternateContent>
+</p:sld>
+</file>
+
 <file path=ppt/slides/slide9.xml><?xml version="1.0" encoding="utf-8"?>
 <p:sld xmlns:a="http://schemas.openxmlformats.org/drawingml/2006/main" xmlns:r="http://schemas.openxmlformats.org/officeDocument/2006/relationships" xmlns:p="http://schemas.openxmlformats.org/presentationml/2006/main">
   <p:cSld>
@@ -7917,7 +8277,7 @@
           <p:nvPr/>
         </p:nvPicPr>
         <p:blipFill>
-          <a:blip r:embed="rId5">
+          <a:blip r:embed="rId5" cstate="print">
             <a:extLst>
               <a:ext uri="{28A0092B-C50C-407E-A947-70E740481C1C}">
                 <a14:useLocalDpi xmlns:a14="http://schemas.microsoft.com/office/drawing/2010/main" val="0"/>
@@ -8106,10 +8466,10 @@
   <a:themeElements>
     <a:clrScheme name="Blue Red">
       <a:dk1>
-        <a:sysClr val="windowText" lastClr="000000"/>
+        <a:sysClr val="windowText" lastClr="333333"/>
       </a:dk1>
       <a:lt1>
-        <a:sysClr val="window" lastClr="FFFFFF"/>
+        <a:sysClr val="window" lastClr="F2F2F3"/>
       </a:lt1>
       <a:dk2>
         <a:srgbClr val="242852"/>
@@ -8432,10 +8792,10 @@
   <a:themeElements>
     <a:clrScheme name="Blue Red">
       <a:dk1>
-        <a:sysClr val="windowText" lastClr="000000"/>
+        <a:sysClr val="windowText" lastClr="333333"/>
       </a:dk1>
       <a:lt1>
-        <a:sysClr val="window" lastClr="FFFFFF"/>
+        <a:sysClr val="window" lastClr="F2F2F3"/>
       </a:lt1>
       <a:dk2>
         <a:srgbClr val="242852"/>
@@ -8688,10 +9048,10 @@
   <a:themeElements>
     <a:clrScheme name="Blue Red">
       <a:dk1>
-        <a:sysClr val="windowText" lastClr="000000"/>
+        <a:sysClr val="windowText" lastClr="333333"/>
       </a:dk1>
       <a:lt1>
-        <a:sysClr val="window" lastClr="FFFFFF"/>
+        <a:sysClr val="window" lastClr="F2F2F3"/>
       </a:lt1>
       <a:dk2>
         <a:srgbClr val="242852"/>
@@ -8940,26 +9300,6 @@
 </file>
 
 <file path=customXml/item1.xml><?xml version="1.0" encoding="utf-8"?>
-<p:properties xmlns:p="http://schemas.microsoft.com/office/2006/metadata/properties" xmlns:xsi="http://www.w3.org/2001/XMLSchema-instance" xmlns:pc="http://schemas.microsoft.com/office/infopath/2007/PartnerControls">
-  <documentManagement>
-    <VSO_x0020_item_x0020_id xmlns="40262f94-9f35-4ac3-9a90-690165a166b7" xsi:nil="true"/>
-    <Assetid_x0020_ xmlns="40262f94-9f35-4ac3-9a90-690165a166b7" xsi:nil="true"/>
-    <Item_x0020_Details xmlns="40262f94-9f35-4ac3-9a90-690165a166b7" xsi:nil="true"/>
-    <Template_x0020_details xmlns="40262f94-9f35-4ac3-9a90-690165a166b7" xsi:nil="true"/>
-  </documentManagement>
-</p:properties>
-</file>
-
-<file path=customXml/item2.xml><?xml version="1.0" encoding="utf-8"?>
-<?mso-contentType ?>
-<FormTemplates xmlns="http://schemas.microsoft.com/sharepoint/v3/contenttype/forms">
-  <Display>DocumentLibraryForm</Display>
-  <Edit>DocumentLibraryForm</Edit>
-  <New>DocumentLibraryForm</New>
-</FormTemplates>
-</file>
-
-<file path=customXml/item3.xml><?xml version="1.0" encoding="utf-8"?>
 <ct:contentTypeSchema xmlns:ct="http://schemas.microsoft.com/office/2006/metadata/contentType" xmlns:ma="http://schemas.microsoft.com/office/2006/metadata/properties/metaAttributes" ct:_="" ma:_="" ma:contentTypeName="Document" ma:contentTypeID="0x010100AA3F7D94069FF64A86F7DFF56D60E3BE" ma:contentTypeVersion="6" ma:contentTypeDescription="Create a new document." ma:contentTypeScope="" ma:versionID="c32302c77d4085ecf495bdddb7f5e889">
   <xsd:schema xmlns:xsd="http://www.w3.org/2001/XMLSchema" xmlns:xs="http://www.w3.org/2001/XMLSchema" xmlns:p="http://schemas.microsoft.com/office/2006/metadata/properties" xmlns:ns2="a4f35948-e619-41b3-aa29-22878b09cfd2" xmlns:ns3="40262f94-9f35-4ac3-9a90-690165a166b7" targetNamespace="http://schemas.microsoft.com/office/2006/metadata/properties" ma:root="true" ma:fieldsID="4ab5ae46be95f9d0be6107e8200be7a2" ns2:_="" ns3:_="">
     <xsd:import namespace="a4f35948-e619-41b3-aa29-22878b09cfd2"/>
@@ -9140,32 +9480,27 @@
 </ct:contentTypeSchema>
 </file>
 
-<file path=customXml/itemProps1.xml><?xml version="1.0" encoding="utf-8"?>
-<ds:datastoreItem xmlns:ds="http://schemas.openxmlformats.org/officeDocument/2006/customXml" ds:itemID="{3FFF1070-8794-47AC-90B7-1F2E078096FF}">
-  <ds:schemaRefs>
-    <ds:schemaRef ds:uri="http://schemas.microsoft.com/office/2006/metadata/properties"/>
-    <ds:schemaRef ds:uri="http://www.w3.org/XML/1998/namespace"/>
-    <ds:schemaRef ds:uri="http://schemas.microsoft.com/office/2006/documentManagement/types"/>
-    <ds:schemaRef ds:uri="http://purl.org/dc/terms/"/>
-    <ds:schemaRef ds:uri="40262f94-9f35-4ac3-9a90-690165a166b7"/>
-    <ds:schemaRef ds:uri="http://schemas.microsoft.com/office/infopath/2007/PartnerControls"/>
-    <ds:schemaRef ds:uri="http://purl.org/dc/dcmitype/"/>
-    <ds:schemaRef ds:uri="http://purl.org/dc/elements/1.1/"/>
-    <ds:schemaRef ds:uri="http://schemas.openxmlformats.org/package/2006/metadata/core-properties"/>
-    <ds:schemaRef ds:uri="a4f35948-e619-41b3-aa29-22878b09cfd2"/>
-  </ds:schemaRefs>
-</ds:datastoreItem>
+<file path=customXml/item2.xml><?xml version="1.0" encoding="utf-8"?>
+<?mso-contentType ?>
+<FormTemplates xmlns="http://schemas.microsoft.com/sharepoint/v3/contenttype/forms">
+  <Display>DocumentLibraryForm</Display>
+  <Edit>DocumentLibraryForm</Edit>
+  <New>DocumentLibraryForm</New>
+</FormTemplates>
 </file>
 
-<file path=customXml/itemProps2.xml><?xml version="1.0" encoding="utf-8"?>
-<ds:datastoreItem xmlns:ds="http://schemas.openxmlformats.org/officeDocument/2006/customXml" ds:itemID="{653E1689-1E09-4ADC-A5E7-6718BF79A8A6}">
-  <ds:schemaRefs>
-    <ds:schemaRef ds:uri="http://schemas.microsoft.com/sharepoint/v3/contenttype/forms"/>
-  </ds:schemaRefs>
-</ds:datastoreItem>
+<file path=customXml/item3.xml><?xml version="1.0" encoding="utf-8"?>
+<p:properties xmlns:p="http://schemas.microsoft.com/office/2006/metadata/properties" xmlns:xsi="http://www.w3.org/2001/XMLSchema-instance" xmlns:pc="http://schemas.microsoft.com/office/infopath/2007/PartnerControls">
+  <documentManagement>
+    <VSO_x0020_item_x0020_id xmlns="40262f94-9f35-4ac3-9a90-690165a166b7" xsi:nil="true"/>
+    <Assetid_x0020_ xmlns="40262f94-9f35-4ac3-9a90-690165a166b7" xsi:nil="true"/>
+    <Item_x0020_Details xmlns="40262f94-9f35-4ac3-9a90-690165a166b7" xsi:nil="true"/>
+    <Template_x0020_details xmlns="40262f94-9f35-4ac3-9a90-690165a166b7" xsi:nil="true"/>
+  </documentManagement>
+</p:properties>
 </file>
 
-<file path=customXml/itemProps3.xml><?xml version="1.0" encoding="utf-8"?>
+<file path=customXml/itemProps1.xml><?xml version="1.0" encoding="utf-8"?>
 <ds:datastoreItem xmlns:ds="http://schemas.openxmlformats.org/officeDocument/2006/customXml" ds:itemID="{7CB30B94-6D3B-4C91-947C-5EB8E8EFFE4F}">
   <ds:schemaRefs>
     <ds:schemaRef ds:uri="http://schemas.microsoft.com/office/2006/metadata/contentType"/>
@@ -9182,4 +9517,29 @@
     <ds:schemaRef ds:uri="http://schemas.microsoft.com/internal/obd"/>
   </ds:schemaRefs>
 </ds:datastoreItem>
+</file>
+
+<file path=customXml/itemProps2.xml><?xml version="1.0" encoding="utf-8"?>
+<ds:datastoreItem xmlns:ds="http://schemas.openxmlformats.org/officeDocument/2006/customXml" ds:itemID="{653E1689-1E09-4ADC-A5E7-6718BF79A8A6}">
+  <ds:schemaRefs>
+    <ds:schemaRef ds:uri="http://schemas.microsoft.com/sharepoint/v3/contenttype/forms"/>
+  </ds:schemaRefs>
+</ds:datastoreItem>
+</file>
+
+<file path=customXml/itemProps3.xml><?xml version="1.0" encoding="utf-8"?>
+<ds:datastoreItem xmlns:ds="http://schemas.openxmlformats.org/officeDocument/2006/customXml" ds:itemID="{3FFF1070-8794-47AC-90B7-1F2E078096FF}">
+  <ds:schemaRefs>
+    <ds:schemaRef ds:uri="http://purl.org/dc/dcmitype/"/>
+    <ds:schemaRef ds:uri="http://purl.org/dc/elements/1.1/"/>
+    <ds:schemaRef ds:uri="http://schemas.microsoft.com/office/2006/metadata/properties"/>
+    <ds:schemaRef ds:uri="a4f35948-e619-41b3-aa29-22878b09cfd2"/>
+    <ds:schemaRef ds:uri="http://schemas.microsoft.com/office/2006/documentManagement/types"/>
+    <ds:schemaRef ds:uri="http://purl.org/dc/terms/"/>
+    <ds:schemaRef ds:uri="http://schemas.openxmlformats.org/package/2006/metadata/core-properties"/>
+    <ds:schemaRef ds:uri="http://schemas.microsoft.com/office/infopath/2007/PartnerControls"/>
+    <ds:schemaRef ds:uri="40262f94-9f35-4ac3-9a90-690165a166b7"/>
+    <ds:schemaRef ds:uri="http://www.w3.org/XML/1998/namespace"/>
+  </ds:schemaRefs>
+</ds:datastoreItem>
 </file>